--- a/assets/tactile_image_files/0026-hotspot_track_cross-section/0026-hotspot_track_cross-section.pptx
+++ b/assets/tactile_image_files/0026-hotspot_track_cross-section/0026-hotspot_track_cross-section.pptx
@@ -198,7 +198,7 @@
           </a:lstStyle>
           <a:p>
             <a:fld id="{DC880F74-5F87-E94E-8AEF-72C270124CC0}" type="datetimeFigureOut">
-              <a:t>7/23/20</a:t>
+              <a:t>1/8/21</a:t>
             </a:fld>
             <a:endParaRPr lang="en-US"/>
           </a:p>
@@ -603,7 +603,7 @@
           <a:p>
             <a:fld id="{E796F801-3BB8-A247-923B-F07F1B58D38A}" type="datetimeFigureOut">
               <a:rPr lang="en-US" smtClean="0"/>
-              <a:t>7/23/20</a:t>
+              <a:t>1/8/21</a:t>
             </a:fld>
             <a:endParaRPr lang="en-US"/>
           </a:p>
@@ -783,7 +783,7 @@
           <a:p>
             <a:fld id="{E796F801-3BB8-A247-923B-F07F1B58D38A}" type="datetimeFigureOut">
               <a:rPr lang="en-US" smtClean="0"/>
-              <a:t>7/23/20</a:t>
+              <a:t>1/8/21</a:t>
             </a:fld>
             <a:endParaRPr lang="en-US"/>
           </a:p>
@@ -953,7 +953,7 @@
           <a:p>
             <a:fld id="{E796F801-3BB8-A247-923B-F07F1B58D38A}" type="datetimeFigureOut">
               <a:rPr lang="en-US" smtClean="0"/>
-              <a:t>7/23/20</a:t>
+              <a:t>1/8/21</a:t>
             </a:fld>
             <a:endParaRPr lang="en-US"/>
           </a:p>
@@ -1197,7 +1197,7 @@
           <a:p>
             <a:fld id="{E796F801-3BB8-A247-923B-F07F1B58D38A}" type="datetimeFigureOut">
               <a:rPr lang="en-US" smtClean="0"/>
-              <a:t>7/23/20</a:t>
+              <a:t>1/8/21</a:t>
             </a:fld>
             <a:endParaRPr lang="en-US"/>
           </a:p>
@@ -1429,7 +1429,7 @@
           <a:p>
             <a:fld id="{E796F801-3BB8-A247-923B-F07F1B58D38A}" type="datetimeFigureOut">
               <a:rPr lang="en-US" smtClean="0"/>
-              <a:t>7/23/20</a:t>
+              <a:t>1/8/21</a:t>
             </a:fld>
             <a:endParaRPr lang="en-US"/>
           </a:p>
@@ -1796,7 +1796,7 @@
           <a:p>
             <a:fld id="{E796F801-3BB8-A247-923B-F07F1B58D38A}" type="datetimeFigureOut">
               <a:rPr lang="en-US" smtClean="0"/>
-              <a:t>7/23/20</a:t>
+              <a:t>1/8/21</a:t>
             </a:fld>
             <a:endParaRPr lang="en-US"/>
           </a:p>
@@ -1914,7 +1914,7 @@
           <a:p>
             <a:fld id="{E796F801-3BB8-A247-923B-F07F1B58D38A}" type="datetimeFigureOut">
               <a:rPr lang="en-US" smtClean="0"/>
-              <a:t>7/23/20</a:t>
+              <a:t>1/8/21</a:t>
             </a:fld>
             <a:endParaRPr lang="en-US"/>
           </a:p>
@@ -2009,7 +2009,7 @@
           <a:p>
             <a:fld id="{E796F801-3BB8-A247-923B-F07F1B58D38A}" type="datetimeFigureOut">
               <a:rPr lang="en-US" smtClean="0"/>
-              <a:t>7/23/20</a:t>
+              <a:t>1/8/21</a:t>
             </a:fld>
             <a:endParaRPr lang="en-US"/>
           </a:p>
@@ -2286,7 +2286,7 @@
           <a:p>
             <a:fld id="{E796F801-3BB8-A247-923B-F07F1B58D38A}" type="datetimeFigureOut">
               <a:rPr lang="en-US" smtClean="0"/>
-              <a:t>7/23/20</a:t>
+              <a:t>1/8/21</a:t>
             </a:fld>
             <a:endParaRPr lang="en-US"/>
           </a:p>
@@ -2543,7 +2543,7 @@
           <a:p>
             <a:fld id="{E796F801-3BB8-A247-923B-F07F1B58D38A}" type="datetimeFigureOut">
               <a:rPr lang="en-US" smtClean="0"/>
-              <a:t>7/23/20</a:t>
+              <a:t>1/8/21</a:t>
             </a:fld>
             <a:endParaRPr lang="en-US"/>
           </a:p>
@@ -2756,7 +2756,7 @@
           <a:p>
             <a:fld id="{E796F801-3BB8-A247-923B-F07F1B58D38A}" type="datetimeFigureOut">
               <a:rPr lang="en-US" smtClean="0"/>
-              <a:t>7/23/20</a:t>
+              <a:t>1/8/21</a:t>
             </a:fld>
             <a:endParaRPr lang="en-US"/>
           </a:p>
@@ -3561,119 +3561,6 @@
       </p:sp>
       <p:sp>
         <p:nvSpPr>
-          <p:cNvPr id="84" name="Freeform 83">
-            <a:extLst>
-              <a:ext uri="{FF2B5EF4-FFF2-40B4-BE49-F238E27FC236}">
-                <a16:creationId xmlns:a16="http://schemas.microsoft.com/office/drawing/2014/main" id="{4578EC93-3471-6C45-89DD-EAC2FC010264}"/>
-              </a:ext>
-            </a:extLst>
-          </p:cNvPr>
-          <p:cNvSpPr/>
-          <p:nvPr/>
-        </p:nvSpPr>
-        <p:spPr>
-          <a:xfrm>
-            <a:off x="5645884" y="3327997"/>
-            <a:ext cx="148855" cy="233916"/>
-          </a:xfrm>
-          <a:custGeom>
-            <a:avLst/>
-            <a:gdLst>
-              <a:gd name="connsiteX0" fmla="*/ 0 w 116958"/>
-              <a:gd name="connsiteY0" fmla="*/ 127590 h 159488"/>
-              <a:gd name="connsiteX1" fmla="*/ 0 w 116958"/>
-              <a:gd name="connsiteY1" fmla="*/ 127590 h 159488"/>
-              <a:gd name="connsiteX2" fmla="*/ 10632 w 116958"/>
-              <a:gd name="connsiteY2" fmla="*/ 0 h 159488"/>
-              <a:gd name="connsiteX3" fmla="*/ 74428 w 116958"/>
-              <a:gd name="connsiteY3" fmla="*/ 0 h 159488"/>
-              <a:gd name="connsiteX4" fmla="*/ 116958 w 116958"/>
-              <a:gd name="connsiteY4" fmla="*/ 53162 h 159488"/>
-              <a:gd name="connsiteX5" fmla="*/ 74428 w 116958"/>
-              <a:gd name="connsiteY5" fmla="*/ 159488 h 159488"/>
-            </a:gdLst>
-            <a:ahLst/>
-            <a:cxnLst>
-              <a:cxn ang="0">
-                <a:pos x="connsiteX0" y="connsiteY0"/>
-              </a:cxn>
-              <a:cxn ang="0">
-                <a:pos x="connsiteX1" y="connsiteY1"/>
-              </a:cxn>
-              <a:cxn ang="0">
-                <a:pos x="connsiteX2" y="connsiteY2"/>
-              </a:cxn>
-              <a:cxn ang="0">
-                <a:pos x="connsiteX3" y="connsiteY3"/>
-              </a:cxn>
-              <a:cxn ang="0">
-                <a:pos x="connsiteX4" y="connsiteY4"/>
-              </a:cxn>
-              <a:cxn ang="0">
-                <a:pos x="connsiteX5" y="connsiteY5"/>
-              </a:cxn>
-            </a:cxnLst>
-            <a:rect l="l" t="t" r="r" b="b"/>
-            <a:pathLst>
-              <a:path w="116958" h="159488">
-                <a:moveTo>
-                  <a:pt x="0" y="127590"/>
-                </a:moveTo>
-                <a:lnTo>
-                  <a:pt x="0" y="127590"/>
-                </a:lnTo>
-                <a:lnTo>
-                  <a:pt x="10632" y="0"/>
-                </a:lnTo>
-                <a:lnTo>
-                  <a:pt x="74428" y="0"/>
-                </a:lnTo>
-                <a:lnTo>
-                  <a:pt x="116958" y="53162"/>
-                </a:lnTo>
-                <a:lnTo>
-                  <a:pt x="74428" y="159488"/>
-                </a:lnTo>
-              </a:path>
-            </a:pathLst>
-          </a:custGeom>
-          <a:solidFill>
-            <a:schemeClr val="tx1"/>
-          </a:solidFill>
-          <a:ln>
-            <a:noFill/>
-          </a:ln>
-        </p:spPr>
-        <p:style>
-          <a:lnRef idx="2">
-            <a:schemeClr val="accent1">
-              <a:shade val="50000"/>
-            </a:schemeClr>
-          </a:lnRef>
-          <a:fillRef idx="1">
-            <a:schemeClr val="accent1"/>
-          </a:fillRef>
-          <a:effectRef idx="0">
-            <a:schemeClr val="accent1"/>
-          </a:effectRef>
-          <a:fontRef idx="minor">
-            <a:schemeClr val="lt1"/>
-          </a:fontRef>
-        </p:style>
-        <p:txBody>
-          <a:bodyPr rtlCol="0" anchor="ctr"/>
-          <a:lstStyle/>
-          <a:p>
-            <a:pPr algn="ctr"/>
-            <a:endParaRPr lang="en-US">
-              <a:latin typeface="Arial" panose="020B0604020202020204" pitchFamily="34" charset="0"/>
-              <a:cs typeface="Arial" panose="020B0604020202020204" pitchFamily="34" charset="0"/>
-            </a:endParaRPr>
-          </a:p>
-        </p:txBody>
-      </p:sp>
-      <p:sp>
-        <p:nvSpPr>
           <p:cNvPr id="86" name="Rectangle 85">
             <a:extLst>
               <a:ext uri="{FF2B5EF4-FFF2-40B4-BE49-F238E27FC236}">
@@ -4220,10 +4107,10 @@
       </p:sp>
       <p:sp>
         <p:nvSpPr>
-          <p:cNvPr id="92" name="Freeform 91">
+          <p:cNvPr id="24" name="Freeform 23">
             <a:extLst>
               <a:ext uri="{FF2B5EF4-FFF2-40B4-BE49-F238E27FC236}">
-                <a16:creationId xmlns:a16="http://schemas.microsoft.com/office/drawing/2014/main" id="{D67A205D-99CE-5D4B-B6CE-B458C7B59C36}"/>
+                <a16:creationId xmlns:a16="http://schemas.microsoft.com/office/drawing/2014/main" id="{FBA93834-A9E3-284C-8A65-50CD29D6C022}"/>
               </a:ext>
             </a:extLst>
           </p:cNvPr>
@@ -4659,11 +4546,16 @@
               </a:path>
             </a:pathLst>
           </a:custGeom>
-          <a:solidFill>
-            <a:schemeClr val="bg2">
-              <a:lumMod val="75000"/>
-            </a:schemeClr>
-          </a:solidFill>
+          <a:pattFill prst="pct10">
+            <a:fgClr>
+              <a:schemeClr val="bg2">
+                <a:lumMod val="75000"/>
+              </a:schemeClr>
+            </a:fgClr>
+            <a:bgClr>
+              <a:schemeClr val="bg1"/>
+            </a:bgClr>
+          </a:pattFill>
           <a:ln w="22225">
             <a:noFill/>
           </a:ln>
@@ -4689,10 +4581,1407 @@
           <a:lstStyle/>
           <a:p>
             <a:pPr algn="ctr"/>
-            <a:endParaRPr lang="en-US">
-              <a:latin typeface="Arial" panose="020B0604020202020204" pitchFamily="34" charset="0"/>
-              <a:cs typeface="Arial" panose="020B0604020202020204" pitchFamily="34" charset="0"/>
-            </a:endParaRPr>
+            <a:endParaRPr lang="en-US"/>
+          </a:p>
+        </p:txBody>
+      </p:sp>
+      <p:grpSp>
+        <p:nvGrpSpPr>
+          <p:cNvPr id="25" name="Group 24">
+            <a:extLst>
+              <a:ext uri="{FF2B5EF4-FFF2-40B4-BE49-F238E27FC236}">
+                <a16:creationId xmlns:a16="http://schemas.microsoft.com/office/drawing/2014/main" id="{866EFF3D-9EB8-FC4C-B0EF-56BE77175574}"/>
+              </a:ext>
+            </a:extLst>
+          </p:cNvPr>
+          <p:cNvGrpSpPr/>
+          <p:nvPr/>
+        </p:nvGrpSpPr>
+        <p:grpSpPr>
+          <a:xfrm>
+            <a:off x="493900" y="3019646"/>
+            <a:ext cx="7233806" cy="1201480"/>
+            <a:chOff x="493900" y="3019646"/>
+            <a:chExt cx="7233806" cy="1201480"/>
+          </a:xfrm>
+        </p:grpSpPr>
+        <p:sp>
+          <p:nvSpPr>
+            <p:cNvPr id="27" name="Parallelogram 26">
+              <a:extLst>
+                <a:ext uri="{FF2B5EF4-FFF2-40B4-BE49-F238E27FC236}">
+                  <a16:creationId xmlns:a16="http://schemas.microsoft.com/office/drawing/2014/main" id="{6242EC77-9DAD-D649-85D4-C24C2DEBDE44}"/>
+                </a:ext>
+              </a:extLst>
+            </p:cNvPr>
+            <p:cNvSpPr/>
+            <p:nvPr/>
+          </p:nvSpPr>
+          <p:spPr>
+            <a:xfrm rot="10525432">
+              <a:off x="493900" y="3316100"/>
+              <a:ext cx="7233806" cy="609776"/>
+            </a:xfrm>
+            <a:prstGeom prst="parallelogram">
+              <a:avLst>
+                <a:gd name="adj" fmla="val 9124"/>
+              </a:avLst>
+            </a:prstGeom>
+            <a:solidFill>
+              <a:schemeClr val="bg1"/>
+            </a:solidFill>
+            <a:ln w="22225">
+              <a:solidFill>
+                <a:schemeClr val="tx1"/>
+              </a:solidFill>
+            </a:ln>
+          </p:spPr>
+          <p:style>
+            <a:lnRef idx="2">
+              <a:schemeClr val="accent1">
+                <a:shade val="50000"/>
+              </a:schemeClr>
+            </a:lnRef>
+            <a:fillRef idx="1">
+              <a:schemeClr val="accent1"/>
+            </a:fillRef>
+            <a:effectRef idx="0">
+              <a:schemeClr val="accent1"/>
+            </a:effectRef>
+            <a:fontRef idx="minor">
+              <a:schemeClr val="lt1"/>
+            </a:fontRef>
+          </p:style>
+          <p:txBody>
+            <a:bodyPr rtlCol="0" anchor="ctr"/>
+            <a:lstStyle/>
+            <a:p>
+              <a:pPr algn="ctr"/>
+              <a:endParaRPr lang="en-US"/>
+            </a:p>
+          </p:txBody>
+        </p:sp>
+        <p:cxnSp>
+          <p:nvCxnSpPr>
+            <p:cNvPr id="28" name="Straight Connector 27">
+              <a:extLst>
+                <a:ext uri="{FF2B5EF4-FFF2-40B4-BE49-F238E27FC236}">
+                  <a16:creationId xmlns:a16="http://schemas.microsoft.com/office/drawing/2014/main" id="{80085CD2-965B-6C4F-9F59-110E072EDF6A}"/>
+                </a:ext>
+              </a:extLst>
+            </p:cNvPr>
+            <p:cNvCxnSpPr/>
+            <p:nvPr/>
+          </p:nvCxnSpPr>
+          <p:spPr>
+            <a:xfrm>
+              <a:off x="659219" y="3593805"/>
+              <a:ext cx="0" cy="627321"/>
+            </a:xfrm>
+            <a:prstGeom prst="line">
+              <a:avLst/>
+            </a:prstGeom>
+            <a:ln w="22225">
+              <a:solidFill>
+                <a:schemeClr val="tx1"/>
+              </a:solidFill>
+            </a:ln>
+          </p:spPr>
+          <p:style>
+            <a:lnRef idx="1">
+              <a:schemeClr val="accent1"/>
+            </a:lnRef>
+            <a:fillRef idx="0">
+              <a:schemeClr val="accent1"/>
+            </a:fillRef>
+            <a:effectRef idx="0">
+              <a:schemeClr val="accent1"/>
+            </a:effectRef>
+            <a:fontRef idx="minor">
+              <a:schemeClr val="tx1"/>
+            </a:fontRef>
+          </p:style>
+        </p:cxnSp>
+        <p:cxnSp>
+          <p:nvCxnSpPr>
+            <p:cNvPr id="29" name="Straight Connector 28">
+              <a:extLst>
+                <a:ext uri="{FF2B5EF4-FFF2-40B4-BE49-F238E27FC236}">
+                  <a16:creationId xmlns:a16="http://schemas.microsoft.com/office/drawing/2014/main" id="{263B872B-D313-B945-8D73-E35BB983B98E}"/>
+                </a:ext>
+              </a:extLst>
+            </p:cNvPr>
+            <p:cNvCxnSpPr/>
+            <p:nvPr/>
+          </p:nvCxnSpPr>
+          <p:spPr>
+            <a:xfrm>
+              <a:off x="903768" y="3565451"/>
+              <a:ext cx="0" cy="627321"/>
+            </a:xfrm>
+            <a:prstGeom prst="line">
+              <a:avLst/>
+            </a:prstGeom>
+            <a:ln w="22225">
+              <a:solidFill>
+                <a:schemeClr val="tx1"/>
+              </a:solidFill>
+            </a:ln>
+          </p:spPr>
+          <p:style>
+            <a:lnRef idx="1">
+              <a:schemeClr val="accent1"/>
+            </a:lnRef>
+            <a:fillRef idx="0">
+              <a:schemeClr val="accent1"/>
+            </a:fillRef>
+            <a:effectRef idx="0">
+              <a:schemeClr val="accent1"/>
+            </a:effectRef>
+            <a:fontRef idx="minor">
+              <a:schemeClr val="tx1"/>
+            </a:fontRef>
+          </p:style>
+        </p:cxnSp>
+        <p:cxnSp>
+          <p:nvCxnSpPr>
+            <p:cNvPr id="31" name="Straight Connector 30">
+              <a:extLst>
+                <a:ext uri="{FF2B5EF4-FFF2-40B4-BE49-F238E27FC236}">
+                  <a16:creationId xmlns:a16="http://schemas.microsoft.com/office/drawing/2014/main" id="{D9CF99E9-805F-EF46-9B9A-2A65B3D37209}"/>
+                </a:ext>
+              </a:extLst>
+            </p:cNvPr>
+            <p:cNvCxnSpPr/>
+            <p:nvPr/>
+          </p:nvCxnSpPr>
+          <p:spPr>
+            <a:xfrm>
+              <a:off x="1148317" y="3547730"/>
+              <a:ext cx="0" cy="627321"/>
+            </a:xfrm>
+            <a:prstGeom prst="line">
+              <a:avLst/>
+            </a:prstGeom>
+            <a:ln w="22225">
+              <a:solidFill>
+                <a:schemeClr val="tx1"/>
+              </a:solidFill>
+            </a:ln>
+          </p:spPr>
+          <p:style>
+            <a:lnRef idx="1">
+              <a:schemeClr val="accent1"/>
+            </a:lnRef>
+            <a:fillRef idx="0">
+              <a:schemeClr val="accent1"/>
+            </a:fillRef>
+            <a:effectRef idx="0">
+              <a:schemeClr val="accent1"/>
+            </a:effectRef>
+            <a:fontRef idx="minor">
+              <a:schemeClr val="tx1"/>
+            </a:fontRef>
+          </p:style>
+        </p:cxnSp>
+        <p:cxnSp>
+          <p:nvCxnSpPr>
+            <p:cNvPr id="32" name="Straight Connector 31">
+              <a:extLst>
+                <a:ext uri="{FF2B5EF4-FFF2-40B4-BE49-F238E27FC236}">
+                  <a16:creationId xmlns:a16="http://schemas.microsoft.com/office/drawing/2014/main" id="{5BB03258-E2E1-0445-A372-61CA508422F2}"/>
+                </a:ext>
+              </a:extLst>
+            </p:cNvPr>
+            <p:cNvCxnSpPr/>
+            <p:nvPr/>
+          </p:nvCxnSpPr>
+          <p:spPr>
+            <a:xfrm>
+              <a:off x="1392866" y="3533554"/>
+              <a:ext cx="0" cy="627321"/>
+            </a:xfrm>
+            <a:prstGeom prst="line">
+              <a:avLst/>
+            </a:prstGeom>
+            <a:ln w="22225">
+              <a:solidFill>
+                <a:schemeClr val="tx1"/>
+              </a:solidFill>
+            </a:ln>
+          </p:spPr>
+          <p:style>
+            <a:lnRef idx="1">
+              <a:schemeClr val="accent1"/>
+            </a:lnRef>
+            <a:fillRef idx="0">
+              <a:schemeClr val="accent1"/>
+            </a:fillRef>
+            <a:effectRef idx="0">
+              <a:schemeClr val="accent1"/>
+            </a:effectRef>
+            <a:fontRef idx="minor">
+              <a:schemeClr val="tx1"/>
+            </a:fontRef>
+          </p:style>
+        </p:cxnSp>
+        <p:cxnSp>
+          <p:nvCxnSpPr>
+            <p:cNvPr id="33" name="Straight Connector 32">
+              <a:extLst>
+                <a:ext uri="{FF2B5EF4-FFF2-40B4-BE49-F238E27FC236}">
+                  <a16:creationId xmlns:a16="http://schemas.microsoft.com/office/drawing/2014/main" id="{25D32622-F128-E449-9EBE-D75F3D39D2C1}"/>
+                </a:ext>
+              </a:extLst>
+            </p:cNvPr>
+            <p:cNvCxnSpPr/>
+            <p:nvPr/>
+          </p:nvCxnSpPr>
+          <p:spPr>
+            <a:xfrm>
+              <a:off x="1637415" y="3505200"/>
+              <a:ext cx="0" cy="627321"/>
+            </a:xfrm>
+            <a:prstGeom prst="line">
+              <a:avLst/>
+            </a:prstGeom>
+            <a:ln w="22225">
+              <a:solidFill>
+                <a:schemeClr val="tx1"/>
+              </a:solidFill>
+            </a:ln>
+          </p:spPr>
+          <p:style>
+            <a:lnRef idx="1">
+              <a:schemeClr val="accent1"/>
+            </a:lnRef>
+            <a:fillRef idx="0">
+              <a:schemeClr val="accent1"/>
+            </a:fillRef>
+            <a:effectRef idx="0">
+              <a:schemeClr val="accent1"/>
+            </a:effectRef>
+            <a:fontRef idx="minor">
+              <a:schemeClr val="tx1"/>
+            </a:fontRef>
+          </p:style>
+        </p:cxnSp>
+        <p:cxnSp>
+          <p:nvCxnSpPr>
+            <p:cNvPr id="34" name="Straight Connector 33">
+              <a:extLst>
+                <a:ext uri="{FF2B5EF4-FFF2-40B4-BE49-F238E27FC236}">
+                  <a16:creationId xmlns:a16="http://schemas.microsoft.com/office/drawing/2014/main" id="{351CA9A6-CA68-964C-9A2B-5C86188897E3}"/>
+                </a:ext>
+              </a:extLst>
+            </p:cNvPr>
+            <p:cNvCxnSpPr/>
+            <p:nvPr/>
+          </p:nvCxnSpPr>
+          <p:spPr>
+            <a:xfrm>
+              <a:off x="1881964" y="3487479"/>
+              <a:ext cx="0" cy="627321"/>
+            </a:xfrm>
+            <a:prstGeom prst="line">
+              <a:avLst/>
+            </a:prstGeom>
+            <a:ln w="22225">
+              <a:solidFill>
+                <a:schemeClr val="tx1"/>
+              </a:solidFill>
+            </a:ln>
+          </p:spPr>
+          <p:style>
+            <a:lnRef idx="1">
+              <a:schemeClr val="accent1"/>
+            </a:lnRef>
+            <a:fillRef idx="0">
+              <a:schemeClr val="accent1"/>
+            </a:fillRef>
+            <a:effectRef idx="0">
+              <a:schemeClr val="accent1"/>
+            </a:effectRef>
+            <a:fontRef idx="minor">
+              <a:schemeClr val="tx1"/>
+            </a:fontRef>
+          </p:style>
+        </p:cxnSp>
+        <p:cxnSp>
+          <p:nvCxnSpPr>
+            <p:cNvPr id="35" name="Straight Connector 34">
+              <a:extLst>
+                <a:ext uri="{FF2B5EF4-FFF2-40B4-BE49-F238E27FC236}">
+                  <a16:creationId xmlns:a16="http://schemas.microsoft.com/office/drawing/2014/main" id="{84CB756C-862F-3D46-926D-819FB1F5FB84}"/>
+                </a:ext>
+              </a:extLst>
+            </p:cNvPr>
+            <p:cNvCxnSpPr>
+              <a:cxnSpLocks/>
+            </p:cNvCxnSpPr>
+            <p:nvPr/>
+          </p:nvCxnSpPr>
+          <p:spPr>
+            <a:xfrm>
+              <a:off x="2126513" y="3491024"/>
+              <a:ext cx="0" cy="591878"/>
+            </a:xfrm>
+            <a:prstGeom prst="line">
+              <a:avLst/>
+            </a:prstGeom>
+            <a:ln w="22225">
+              <a:solidFill>
+                <a:schemeClr val="tx1"/>
+              </a:solidFill>
+            </a:ln>
+          </p:spPr>
+          <p:style>
+            <a:lnRef idx="1">
+              <a:schemeClr val="accent1"/>
+            </a:lnRef>
+            <a:fillRef idx="0">
+              <a:schemeClr val="accent1"/>
+            </a:fillRef>
+            <a:effectRef idx="0">
+              <a:schemeClr val="accent1"/>
+            </a:effectRef>
+            <a:fontRef idx="minor">
+              <a:schemeClr val="tx1"/>
+            </a:fontRef>
+          </p:style>
+        </p:cxnSp>
+        <p:cxnSp>
+          <p:nvCxnSpPr>
+            <p:cNvPr id="36" name="Straight Connector 35">
+              <a:extLst>
+                <a:ext uri="{FF2B5EF4-FFF2-40B4-BE49-F238E27FC236}">
+                  <a16:creationId xmlns:a16="http://schemas.microsoft.com/office/drawing/2014/main" id="{8920BAB8-DD40-B04F-8149-B1BA4E6E8655}"/>
+                </a:ext>
+              </a:extLst>
+            </p:cNvPr>
+            <p:cNvCxnSpPr>
+              <a:cxnSpLocks/>
+            </p:cNvCxnSpPr>
+            <p:nvPr/>
+          </p:nvCxnSpPr>
+          <p:spPr>
+            <a:xfrm>
+              <a:off x="2371062" y="3462670"/>
+              <a:ext cx="0" cy="609600"/>
+            </a:xfrm>
+            <a:prstGeom prst="line">
+              <a:avLst/>
+            </a:prstGeom>
+            <a:ln w="22225">
+              <a:solidFill>
+                <a:schemeClr val="tx1"/>
+              </a:solidFill>
+            </a:ln>
+          </p:spPr>
+          <p:style>
+            <a:lnRef idx="1">
+              <a:schemeClr val="accent1"/>
+            </a:lnRef>
+            <a:fillRef idx="0">
+              <a:schemeClr val="accent1"/>
+            </a:fillRef>
+            <a:effectRef idx="0">
+              <a:schemeClr val="accent1"/>
+            </a:effectRef>
+            <a:fontRef idx="minor">
+              <a:schemeClr val="tx1"/>
+            </a:fontRef>
+          </p:style>
+        </p:cxnSp>
+        <p:cxnSp>
+          <p:nvCxnSpPr>
+            <p:cNvPr id="37" name="Straight Connector 36">
+              <a:extLst>
+                <a:ext uri="{FF2B5EF4-FFF2-40B4-BE49-F238E27FC236}">
+                  <a16:creationId xmlns:a16="http://schemas.microsoft.com/office/drawing/2014/main" id="{58381D1F-CCA7-D04D-B21B-564292F88082}"/>
+                </a:ext>
+              </a:extLst>
+            </p:cNvPr>
+            <p:cNvCxnSpPr>
+              <a:cxnSpLocks/>
+            </p:cNvCxnSpPr>
+            <p:nvPr/>
+          </p:nvCxnSpPr>
+          <p:spPr>
+            <a:xfrm>
+              <a:off x="2615611" y="3444949"/>
+              <a:ext cx="0" cy="616688"/>
+            </a:xfrm>
+            <a:prstGeom prst="line">
+              <a:avLst/>
+            </a:prstGeom>
+            <a:ln w="22225">
+              <a:solidFill>
+                <a:schemeClr val="tx1"/>
+              </a:solidFill>
+            </a:ln>
+          </p:spPr>
+          <p:style>
+            <a:lnRef idx="1">
+              <a:schemeClr val="accent1"/>
+            </a:lnRef>
+            <a:fillRef idx="0">
+              <a:schemeClr val="accent1"/>
+            </a:fillRef>
+            <a:effectRef idx="0">
+              <a:schemeClr val="accent1"/>
+            </a:effectRef>
+            <a:fontRef idx="minor">
+              <a:schemeClr val="tx1"/>
+            </a:fontRef>
+          </p:style>
+        </p:cxnSp>
+        <p:cxnSp>
+          <p:nvCxnSpPr>
+            <p:cNvPr id="38" name="Straight Connector 37">
+              <a:extLst>
+                <a:ext uri="{FF2B5EF4-FFF2-40B4-BE49-F238E27FC236}">
+                  <a16:creationId xmlns:a16="http://schemas.microsoft.com/office/drawing/2014/main" id="{80EFC3E0-A8AC-9E4F-80D8-889A96DC0C45}"/>
+                </a:ext>
+              </a:extLst>
+            </p:cNvPr>
+            <p:cNvCxnSpPr>
+              <a:cxnSpLocks/>
+            </p:cNvCxnSpPr>
+            <p:nvPr/>
+          </p:nvCxnSpPr>
+          <p:spPr>
+            <a:xfrm>
+              <a:off x="2860160" y="3430773"/>
+              <a:ext cx="0" cy="598967"/>
+            </a:xfrm>
+            <a:prstGeom prst="line">
+              <a:avLst/>
+            </a:prstGeom>
+            <a:ln w="22225">
+              <a:solidFill>
+                <a:schemeClr val="tx1"/>
+              </a:solidFill>
+            </a:ln>
+          </p:spPr>
+          <p:style>
+            <a:lnRef idx="1">
+              <a:schemeClr val="accent1"/>
+            </a:lnRef>
+            <a:fillRef idx="0">
+              <a:schemeClr val="accent1"/>
+            </a:fillRef>
+            <a:effectRef idx="0">
+              <a:schemeClr val="accent1"/>
+            </a:effectRef>
+            <a:fontRef idx="minor">
+              <a:schemeClr val="tx1"/>
+            </a:fontRef>
+          </p:style>
+        </p:cxnSp>
+        <p:cxnSp>
+          <p:nvCxnSpPr>
+            <p:cNvPr id="39" name="Straight Connector 38">
+              <a:extLst>
+                <a:ext uri="{FF2B5EF4-FFF2-40B4-BE49-F238E27FC236}">
+                  <a16:creationId xmlns:a16="http://schemas.microsoft.com/office/drawing/2014/main" id="{864A56F9-B2B6-6644-A6F5-757C5EEE62D0}"/>
+                </a:ext>
+              </a:extLst>
+            </p:cNvPr>
+            <p:cNvCxnSpPr>
+              <a:cxnSpLocks/>
+            </p:cNvCxnSpPr>
+            <p:nvPr/>
+          </p:nvCxnSpPr>
+          <p:spPr>
+            <a:xfrm>
+              <a:off x="3104709" y="3402419"/>
+              <a:ext cx="0" cy="606055"/>
+            </a:xfrm>
+            <a:prstGeom prst="line">
+              <a:avLst/>
+            </a:prstGeom>
+            <a:ln w="22225">
+              <a:solidFill>
+                <a:schemeClr val="tx1"/>
+              </a:solidFill>
+            </a:ln>
+          </p:spPr>
+          <p:style>
+            <a:lnRef idx="1">
+              <a:schemeClr val="accent1"/>
+            </a:lnRef>
+            <a:fillRef idx="0">
+              <a:schemeClr val="accent1"/>
+            </a:fillRef>
+            <a:effectRef idx="0">
+              <a:schemeClr val="accent1"/>
+            </a:effectRef>
+            <a:fontRef idx="minor">
+              <a:schemeClr val="tx1"/>
+            </a:fontRef>
+          </p:style>
+        </p:cxnSp>
+        <p:cxnSp>
+          <p:nvCxnSpPr>
+            <p:cNvPr id="40" name="Straight Connector 39">
+              <a:extLst>
+                <a:ext uri="{FF2B5EF4-FFF2-40B4-BE49-F238E27FC236}">
+                  <a16:creationId xmlns:a16="http://schemas.microsoft.com/office/drawing/2014/main" id="{F3597B9A-A51D-F543-9A36-27E6A779F9AA}"/>
+                </a:ext>
+              </a:extLst>
+            </p:cNvPr>
+            <p:cNvCxnSpPr>
+              <a:cxnSpLocks/>
+            </p:cNvCxnSpPr>
+            <p:nvPr/>
+          </p:nvCxnSpPr>
+          <p:spPr>
+            <a:xfrm>
+              <a:off x="3349258" y="3384698"/>
+              <a:ext cx="0" cy="613144"/>
+            </a:xfrm>
+            <a:prstGeom prst="line">
+              <a:avLst/>
+            </a:prstGeom>
+            <a:ln w="22225">
+              <a:solidFill>
+                <a:schemeClr val="tx1"/>
+              </a:solidFill>
+            </a:ln>
+          </p:spPr>
+          <p:style>
+            <a:lnRef idx="1">
+              <a:schemeClr val="accent1"/>
+            </a:lnRef>
+            <a:fillRef idx="0">
+              <a:schemeClr val="accent1"/>
+            </a:fillRef>
+            <a:effectRef idx="0">
+              <a:schemeClr val="accent1"/>
+            </a:effectRef>
+            <a:fontRef idx="minor">
+              <a:schemeClr val="tx1"/>
+            </a:fontRef>
+          </p:style>
+        </p:cxnSp>
+        <p:cxnSp>
+          <p:nvCxnSpPr>
+            <p:cNvPr id="41" name="Straight Connector 40">
+              <a:extLst>
+                <a:ext uri="{FF2B5EF4-FFF2-40B4-BE49-F238E27FC236}">
+                  <a16:creationId xmlns:a16="http://schemas.microsoft.com/office/drawing/2014/main" id="{4217ED2A-DEEF-A445-8860-18AEBFAD013E}"/>
+                </a:ext>
+              </a:extLst>
+            </p:cNvPr>
+            <p:cNvCxnSpPr/>
+            <p:nvPr/>
+          </p:nvCxnSpPr>
+          <p:spPr>
+            <a:xfrm>
+              <a:off x="3593807" y="3342168"/>
+              <a:ext cx="0" cy="627321"/>
+            </a:xfrm>
+            <a:prstGeom prst="line">
+              <a:avLst/>
+            </a:prstGeom>
+            <a:ln w="22225">
+              <a:solidFill>
+                <a:schemeClr val="tx1"/>
+              </a:solidFill>
+            </a:ln>
+          </p:spPr>
+          <p:style>
+            <a:lnRef idx="1">
+              <a:schemeClr val="accent1"/>
+            </a:lnRef>
+            <a:fillRef idx="0">
+              <a:schemeClr val="accent1"/>
+            </a:fillRef>
+            <a:effectRef idx="0">
+              <a:schemeClr val="accent1"/>
+            </a:effectRef>
+            <a:fontRef idx="minor">
+              <a:schemeClr val="tx1"/>
+            </a:fontRef>
+          </p:style>
+        </p:cxnSp>
+        <p:cxnSp>
+          <p:nvCxnSpPr>
+            <p:cNvPr id="42" name="Straight Connector 41">
+              <a:extLst>
+                <a:ext uri="{FF2B5EF4-FFF2-40B4-BE49-F238E27FC236}">
+                  <a16:creationId xmlns:a16="http://schemas.microsoft.com/office/drawing/2014/main" id="{F16D6A4C-9569-7C4B-A374-4F5B7FF7BDFA}"/>
+                </a:ext>
+              </a:extLst>
+            </p:cNvPr>
+            <p:cNvCxnSpPr/>
+            <p:nvPr/>
+          </p:nvCxnSpPr>
+          <p:spPr>
+            <a:xfrm>
+              <a:off x="3838356" y="3313814"/>
+              <a:ext cx="0" cy="627321"/>
+            </a:xfrm>
+            <a:prstGeom prst="line">
+              <a:avLst/>
+            </a:prstGeom>
+            <a:ln w="22225">
+              <a:solidFill>
+                <a:schemeClr val="tx1"/>
+              </a:solidFill>
+            </a:ln>
+          </p:spPr>
+          <p:style>
+            <a:lnRef idx="1">
+              <a:schemeClr val="accent1"/>
+            </a:lnRef>
+            <a:fillRef idx="0">
+              <a:schemeClr val="accent1"/>
+            </a:fillRef>
+            <a:effectRef idx="0">
+              <a:schemeClr val="accent1"/>
+            </a:effectRef>
+            <a:fontRef idx="minor">
+              <a:schemeClr val="tx1"/>
+            </a:fontRef>
+          </p:style>
+        </p:cxnSp>
+        <p:cxnSp>
+          <p:nvCxnSpPr>
+            <p:cNvPr id="43" name="Straight Connector 42">
+              <a:extLst>
+                <a:ext uri="{FF2B5EF4-FFF2-40B4-BE49-F238E27FC236}">
+                  <a16:creationId xmlns:a16="http://schemas.microsoft.com/office/drawing/2014/main" id="{F36ED429-325C-AA49-AD26-609C3259D0A9}"/>
+                </a:ext>
+              </a:extLst>
+            </p:cNvPr>
+            <p:cNvCxnSpPr/>
+            <p:nvPr/>
+          </p:nvCxnSpPr>
+          <p:spPr>
+            <a:xfrm>
+              <a:off x="4082905" y="3296093"/>
+              <a:ext cx="0" cy="627321"/>
+            </a:xfrm>
+            <a:prstGeom prst="line">
+              <a:avLst/>
+            </a:prstGeom>
+            <a:ln w="22225">
+              <a:solidFill>
+                <a:schemeClr val="tx1"/>
+              </a:solidFill>
+            </a:ln>
+          </p:spPr>
+          <p:style>
+            <a:lnRef idx="1">
+              <a:schemeClr val="accent1"/>
+            </a:lnRef>
+            <a:fillRef idx="0">
+              <a:schemeClr val="accent1"/>
+            </a:fillRef>
+            <a:effectRef idx="0">
+              <a:schemeClr val="accent1"/>
+            </a:effectRef>
+            <a:fontRef idx="minor">
+              <a:schemeClr val="tx1"/>
+            </a:fontRef>
+          </p:style>
+        </p:cxnSp>
+        <p:cxnSp>
+          <p:nvCxnSpPr>
+            <p:cNvPr id="44" name="Straight Connector 43">
+              <a:extLst>
+                <a:ext uri="{FF2B5EF4-FFF2-40B4-BE49-F238E27FC236}">
+                  <a16:creationId xmlns:a16="http://schemas.microsoft.com/office/drawing/2014/main" id="{3FEEE85F-3A0C-BD44-AC45-FA61F3F8C316}"/>
+                </a:ext>
+              </a:extLst>
+            </p:cNvPr>
+            <p:cNvCxnSpPr/>
+            <p:nvPr/>
+          </p:nvCxnSpPr>
+          <p:spPr>
+            <a:xfrm>
+              <a:off x="4327454" y="3281917"/>
+              <a:ext cx="0" cy="627321"/>
+            </a:xfrm>
+            <a:prstGeom prst="line">
+              <a:avLst/>
+            </a:prstGeom>
+            <a:ln w="22225">
+              <a:solidFill>
+                <a:schemeClr val="tx1"/>
+              </a:solidFill>
+            </a:ln>
+          </p:spPr>
+          <p:style>
+            <a:lnRef idx="1">
+              <a:schemeClr val="accent1"/>
+            </a:lnRef>
+            <a:fillRef idx="0">
+              <a:schemeClr val="accent1"/>
+            </a:fillRef>
+            <a:effectRef idx="0">
+              <a:schemeClr val="accent1"/>
+            </a:effectRef>
+            <a:fontRef idx="minor">
+              <a:schemeClr val="tx1"/>
+            </a:fontRef>
+          </p:style>
+        </p:cxnSp>
+        <p:cxnSp>
+          <p:nvCxnSpPr>
+            <p:cNvPr id="45" name="Straight Connector 44">
+              <a:extLst>
+                <a:ext uri="{FF2B5EF4-FFF2-40B4-BE49-F238E27FC236}">
+                  <a16:creationId xmlns:a16="http://schemas.microsoft.com/office/drawing/2014/main" id="{D851481D-7194-0D4E-94D9-0A946BA5E393}"/>
+                </a:ext>
+              </a:extLst>
+            </p:cNvPr>
+            <p:cNvCxnSpPr/>
+            <p:nvPr/>
+          </p:nvCxnSpPr>
+          <p:spPr>
+            <a:xfrm>
+              <a:off x="4572003" y="3253563"/>
+              <a:ext cx="0" cy="627321"/>
+            </a:xfrm>
+            <a:prstGeom prst="line">
+              <a:avLst/>
+            </a:prstGeom>
+            <a:ln w="22225">
+              <a:solidFill>
+                <a:schemeClr val="tx1"/>
+              </a:solidFill>
+            </a:ln>
+          </p:spPr>
+          <p:style>
+            <a:lnRef idx="1">
+              <a:schemeClr val="accent1"/>
+            </a:lnRef>
+            <a:fillRef idx="0">
+              <a:schemeClr val="accent1"/>
+            </a:fillRef>
+            <a:effectRef idx="0">
+              <a:schemeClr val="accent1"/>
+            </a:effectRef>
+            <a:fontRef idx="minor">
+              <a:schemeClr val="tx1"/>
+            </a:fontRef>
+          </p:style>
+        </p:cxnSp>
+        <p:cxnSp>
+          <p:nvCxnSpPr>
+            <p:cNvPr id="46" name="Straight Connector 45">
+              <a:extLst>
+                <a:ext uri="{FF2B5EF4-FFF2-40B4-BE49-F238E27FC236}">
+                  <a16:creationId xmlns:a16="http://schemas.microsoft.com/office/drawing/2014/main" id="{E205BFA0-B291-3749-AD15-8D35872CF14E}"/>
+                </a:ext>
+              </a:extLst>
+            </p:cNvPr>
+            <p:cNvCxnSpPr/>
+            <p:nvPr/>
+          </p:nvCxnSpPr>
+          <p:spPr>
+            <a:xfrm>
+              <a:off x="4816552" y="3235842"/>
+              <a:ext cx="0" cy="627321"/>
+            </a:xfrm>
+            <a:prstGeom prst="line">
+              <a:avLst/>
+            </a:prstGeom>
+            <a:ln w="22225">
+              <a:solidFill>
+                <a:schemeClr val="tx1"/>
+              </a:solidFill>
+            </a:ln>
+          </p:spPr>
+          <p:style>
+            <a:lnRef idx="1">
+              <a:schemeClr val="accent1"/>
+            </a:lnRef>
+            <a:fillRef idx="0">
+              <a:schemeClr val="accent1"/>
+            </a:fillRef>
+            <a:effectRef idx="0">
+              <a:schemeClr val="accent1"/>
+            </a:effectRef>
+            <a:fontRef idx="minor">
+              <a:schemeClr val="tx1"/>
+            </a:fontRef>
+          </p:style>
+        </p:cxnSp>
+        <p:cxnSp>
+          <p:nvCxnSpPr>
+            <p:cNvPr id="47" name="Straight Connector 46">
+              <a:extLst>
+                <a:ext uri="{FF2B5EF4-FFF2-40B4-BE49-F238E27FC236}">
+                  <a16:creationId xmlns:a16="http://schemas.microsoft.com/office/drawing/2014/main" id="{24392F02-A542-B248-B09C-AB6AD680B817}"/>
+                </a:ext>
+              </a:extLst>
+            </p:cNvPr>
+            <p:cNvCxnSpPr>
+              <a:cxnSpLocks/>
+            </p:cNvCxnSpPr>
+            <p:nvPr/>
+          </p:nvCxnSpPr>
+          <p:spPr>
+            <a:xfrm>
+              <a:off x="5061101" y="3239387"/>
+              <a:ext cx="0" cy="591878"/>
+            </a:xfrm>
+            <a:prstGeom prst="line">
+              <a:avLst/>
+            </a:prstGeom>
+            <a:ln w="22225">
+              <a:solidFill>
+                <a:schemeClr val="tx1"/>
+              </a:solidFill>
+            </a:ln>
+          </p:spPr>
+          <p:style>
+            <a:lnRef idx="1">
+              <a:schemeClr val="accent1"/>
+            </a:lnRef>
+            <a:fillRef idx="0">
+              <a:schemeClr val="accent1"/>
+            </a:fillRef>
+            <a:effectRef idx="0">
+              <a:schemeClr val="accent1"/>
+            </a:effectRef>
+            <a:fontRef idx="minor">
+              <a:schemeClr val="tx1"/>
+            </a:fontRef>
+          </p:style>
+        </p:cxnSp>
+        <p:cxnSp>
+          <p:nvCxnSpPr>
+            <p:cNvPr id="48" name="Straight Connector 47">
+              <a:extLst>
+                <a:ext uri="{FF2B5EF4-FFF2-40B4-BE49-F238E27FC236}">
+                  <a16:creationId xmlns:a16="http://schemas.microsoft.com/office/drawing/2014/main" id="{73849680-A294-6745-86B1-9388844ACDF0}"/>
+                </a:ext>
+              </a:extLst>
+            </p:cNvPr>
+            <p:cNvCxnSpPr>
+              <a:cxnSpLocks/>
+            </p:cNvCxnSpPr>
+            <p:nvPr/>
+          </p:nvCxnSpPr>
+          <p:spPr>
+            <a:xfrm>
+              <a:off x="5305650" y="3211033"/>
+              <a:ext cx="0" cy="609600"/>
+            </a:xfrm>
+            <a:prstGeom prst="line">
+              <a:avLst/>
+            </a:prstGeom>
+            <a:ln w="22225">
+              <a:solidFill>
+                <a:schemeClr val="tx1"/>
+              </a:solidFill>
+            </a:ln>
+          </p:spPr>
+          <p:style>
+            <a:lnRef idx="1">
+              <a:schemeClr val="accent1"/>
+            </a:lnRef>
+            <a:fillRef idx="0">
+              <a:schemeClr val="accent1"/>
+            </a:fillRef>
+            <a:effectRef idx="0">
+              <a:schemeClr val="accent1"/>
+            </a:effectRef>
+            <a:fontRef idx="minor">
+              <a:schemeClr val="tx1"/>
+            </a:fontRef>
+          </p:style>
+        </p:cxnSp>
+        <p:cxnSp>
+          <p:nvCxnSpPr>
+            <p:cNvPr id="49" name="Straight Connector 48">
+              <a:extLst>
+                <a:ext uri="{FF2B5EF4-FFF2-40B4-BE49-F238E27FC236}">
+                  <a16:creationId xmlns:a16="http://schemas.microsoft.com/office/drawing/2014/main" id="{9AB0301E-5A45-4647-B9E0-E900A0308E6F}"/>
+                </a:ext>
+              </a:extLst>
+            </p:cNvPr>
+            <p:cNvCxnSpPr>
+              <a:cxnSpLocks/>
+            </p:cNvCxnSpPr>
+            <p:nvPr/>
+          </p:nvCxnSpPr>
+          <p:spPr>
+            <a:xfrm>
+              <a:off x="5550199" y="3193312"/>
+              <a:ext cx="0" cy="616688"/>
+            </a:xfrm>
+            <a:prstGeom prst="line">
+              <a:avLst/>
+            </a:prstGeom>
+            <a:ln w="22225">
+              <a:solidFill>
+                <a:schemeClr val="tx1"/>
+              </a:solidFill>
+            </a:ln>
+          </p:spPr>
+          <p:style>
+            <a:lnRef idx="1">
+              <a:schemeClr val="accent1"/>
+            </a:lnRef>
+            <a:fillRef idx="0">
+              <a:schemeClr val="accent1"/>
+            </a:fillRef>
+            <a:effectRef idx="0">
+              <a:schemeClr val="accent1"/>
+            </a:effectRef>
+            <a:fontRef idx="minor">
+              <a:schemeClr val="tx1"/>
+            </a:fontRef>
+          </p:style>
+        </p:cxnSp>
+        <p:cxnSp>
+          <p:nvCxnSpPr>
+            <p:cNvPr id="50" name="Straight Connector 49">
+              <a:extLst>
+                <a:ext uri="{FF2B5EF4-FFF2-40B4-BE49-F238E27FC236}">
+                  <a16:creationId xmlns:a16="http://schemas.microsoft.com/office/drawing/2014/main" id="{5790EAD5-7533-D248-8F99-18A35D996BE3}"/>
+                </a:ext>
+              </a:extLst>
+            </p:cNvPr>
+            <p:cNvCxnSpPr>
+              <a:cxnSpLocks/>
+            </p:cNvCxnSpPr>
+            <p:nvPr/>
+          </p:nvCxnSpPr>
+          <p:spPr>
+            <a:xfrm>
+              <a:off x="5794748" y="3179136"/>
+              <a:ext cx="0" cy="598967"/>
+            </a:xfrm>
+            <a:prstGeom prst="line">
+              <a:avLst/>
+            </a:prstGeom>
+            <a:ln w="22225">
+              <a:solidFill>
+                <a:schemeClr val="tx1"/>
+              </a:solidFill>
+            </a:ln>
+          </p:spPr>
+          <p:style>
+            <a:lnRef idx="1">
+              <a:schemeClr val="accent1"/>
+            </a:lnRef>
+            <a:fillRef idx="0">
+              <a:schemeClr val="accent1"/>
+            </a:fillRef>
+            <a:effectRef idx="0">
+              <a:schemeClr val="accent1"/>
+            </a:effectRef>
+            <a:fontRef idx="minor">
+              <a:schemeClr val="tx1"/>
+            </a:fontRef>
+          </p:style>
+        </p:cxnSp>
+        <p:cxnSp>
+          <p:nvCxnSpPr>
+            <p:cNvPr id="51" name="Straight Connector 50">
+              <a:extLst>
+                <a:ext uri="{FF2B5EF4-FFF2-40B4-BE49-F238E27FC236}">
+                  <a16:creationId xmlns:a16="http://schemas.microsoft.com/office/drawing/2014/main" id="{2DC14EAB-AEF4-D349-99DA-0B56A566947B}"/>
+                </a:ext>
+              </a:extLst>
+            </p:cNvPr>
+            <p:cNvCxnSpPr>
+              <a:cxnSpLocks/>
+            </p:cNvCxnSpPr>
+            <p:nvPr/>
+          </p:nvCxnSpPr>
+          <p:spPr>
+            <a:xfrm>
+              <a:off x="6039297" y="3150782"/>
+              <a:ext cx="0" cy="606055"/>
+            </a:xfrm>
+            <a:prstGeom prst="line">
+              <a:avLst/>
+            </a:prstGeom>
+            <a:ln w="22225">
+              <a:solidFill>
+                <a:schemeClr val="tx1"/>
+              </a:solidFill>
+            </a:ln>
+          </p:spPr>
+          <p:style>
+            <a:lnRef idx="1">
+              <a:schemeClr val="accent1"/>
+            </a:lnRef>
+            <a:fillRef idx="0">
+              <a:schemeClr val="accent1"/>
+            </a:fillRef>
+            <a:effectRef idx="0">
+              <a:schemeClr val="accent1"/>
+            </a:effectRef>
+            <a:fontRef idx="minor">
+              <a:schemeClr val="tx1"/>
+            </a:fontRef>
+          </p:style>
+        </p:cxnSp>
+        <p:cxnSp>
+          <p:nvCxnSpPr>
+            <p:cNvPr id="52" name="Straight Connector 51">
+              <a:extLst>
+                <a:ext uri="{FF2B5EF4-FFF2-40B4-BE49-F238E27FC236}">
+                  <a16:creationId xmlns:a16="http://schemas.microsoft.com/office/drawing/2014/main" id="{F1019B57-284E-C94E-8ED9-ACF24E2DF24F}"/>
+                </a:ext>
+              </a:extLst>
+            </p:cNvPr>
+            <p:cNvCxnSpPr>
+              <a:cxnSpLocks/>
+            </p:cNvCxnSpPr>
+            <p:nvPr/>
+          </p:nvCxnSpPr>
+          <p:spPr>
+            <a:xfrm>
+              <a:off x="6283846" y="3133061"/>
+              <a:ext cx="0" cy="613144"/>
+            </a:xfrm>
+            <a:prstGeom prst="line">
+              <a:avLst/>
+            </a:prstGeom>
+            <a:ln w="22225">
+              <a:solidFill>
+                <a:schemeClr val="tx1"/>
+              </a:solidFill>
+            </a:ln>
+          </p:spPr>
+          <p:style>
+            <a:lnRef idx="1">
+              <a:schemeClr val="accent1"/>
+            </a:lnRef>
+            <a:fillRef idx="0">
+              <a:schemeClr val="accent1"/>
+            </a:fillRef>
+            <a:effectRef idx="0">
+              <a:schemeClr val="accent1"/>
+            </a:effectRef>
+            <a:fontRef idx="minor">
+              <a:schemeClr val="tx1"/>
+            </a:fontRef>
+          </p:style>
+        </p:cxnSp>
+        <p:cxnSp>
+          <p:nvCxnSpPr>
+            <p:cNvPr id="53" name="Straight Connector 52">
+              <a:extLst>
+                <a:ext uri="{FF2B5EF4-FFF2-40B4-BE49-F238E27FC236}">
+                  <a16:creationId xmlns:a16="http://schemas.microsoft.com/office/drawing/2014/main" id="{5A5BF8F6-1848-4149-A099-738F1DB2A6F0}"/>
+                </a:ext>
+              </a:extLst>
+            </p:cNvPr>
+            <p:cNvCxnSpPr/>
+            <p:nvPr/>
+          </p:nvCxnSpPr>
+          <p:spPr>
+            <a:xfrm>
+              <a:off x="6528395" y="3108251"/>
+              <a:ext cx="0" cy="627321"/>
+            </a:xfrm>
+            <a:prstGeom prst="line">
+              <a:avLst/>
+            </a:prstGeom>
+            <a:ln w="22225">
+              <a:solidFill>
+                <a:schemeClr val="tx1"/>
+              </a:solidFill>
+            </a:ln>
+          </p:spPr>
+          <p:style>
+            <a:lnRef idx="1">
+              <a:schemeClr val="accent1"/>
+            </a:lnRef>
+            <a:fillRef idx="0">
+              <a:schemeClr val="accent1"/>
+            </a:fillRef>
+            <a:effectRef idx="0">
+              <a:schemeClr val="accent1"/>
+            </a:effectRef>
+            <a:fontRef idx="minor">
+              <a:schemeClr val="tx1"/>
+            </a:fontRef>
+          </p:style>
+        </p:cxnSp>
+        <p:cxnSp>
+          <p:nvCxnSpPr>
+            <p:cNvPr id="54" name="Straight Connector 53">
+              <a:extLst>
+                <a:ext uri="{FF2B5EF4-FFF2-40B4-BE49-F238E27FC236}">
+                  <a16:creationId xmlns:a16="http://schemas.microsoft.com/office/drawing/2014/main" id="{2FD582F7-CD13-E349-9038-442D673C26BF}"/>
+                </a:ext>
+              </a:extLst>
+            </p:cNvPr>
+            <p:cNvCxnSpPr/>
+            <p:nvPr/>
+          </p:nvCxnSpPr>
+          <p:spPr>
+            <a:xfrm>
+              <a:off x="6772944" y="3079897"/>
+              <a:ext cx="0" cy="627321"/>
+            </a:xfrm>
+            <a:prstGeom prst="line">
+              <a:avLst/>
+            </a:prstGeom>
+            <a:ln w="22225">
+              <a:solidFill>
+                <a:schemeClr val="tx1"/>
+              </a:solidFill>
+            </a:ln>
+          </p:spPr>
+          <p:style>
+            <a:lnRef idx="1">
+              <a:schemeClr val="accent1"/>
+            </a:lnRef>
+            <a:fillRef idx="0">
+              <a:schemeClr val="accent1"/>
+            </a:fillRef>
+            <a:effectRef idx="0">
+              <a:schemeClr val="accent1"/>
+            </a:effectRef>
+            <a:fontRef idx="minor">
+              <a:schemeClr val="tx1"/>
+            </a:fontRef>
+          </p:style>
+        </p:cxnSp>
+        <p:cxnSp>
+          <p:nvCxnSpPr>
+            <p:cNvPr id="55" name="Straight Connector 54">
+              <a:extLst>
+                <a:ext uri="{FF2B5EF4-FFF2-40B4-BE49-F238E27FC236}">
+                  <a16:creationId xmlns:a16="http://schemas.microsoft.com/office/drawing/2014/main" id="{83988DAE-EEE2-114C-A7B0-E4C015D29D4C}"/>
+                </a:ext>
+              </a:extLst>
+            </p:cNvPr>
+            <p:cNvCxnSpPr/>
+            <p:nvPr/>
+          </p:nvCxnSpPr>
+          <p:spPr>
+            <a:xfrm>
+              <a:off x="7017493" y="3062176"/>
+              <a:ext cx="0" cy="627321"/>
+            </a:xfrm>
+            <a:prstGeom prst="line">
+              <a:avLst/>
+            </a:prstGeom>
+            <a:ln w="22225">
+              <a:solidFill>
+                <a:schemeClr val="tx1"/>
+              </a:solidFill>
+            </a:ln>
+          </p:spPr>
+          <p:style>
+            <a:lnRef idx="1">
+              <a:schemeClr val="accent1"/>
+            </a:lnRef>
+            <a:fillRef idx="0">
+              <a:schemeClr val="accent1"/>
+            </a:fillRef>
+            <a:effectRef idx="0">
+              <a:schemeClr val="accent1"/>
+            </a:effectRef>
+            <a:fontRef idx="minor">
+              <a:schemeClr val="tx1"/>
+            </a:fontRef>
+          </p:style>
+        </p:cxnSp>
+        <p:cxnSp>
+          <p:nvCxnSpPr>
+            <p:cNvPr id="56" name="Straight Connector 55">
+              <a:extLst>
+                <a:ext uri="{FF2B5EF4-FFF2-40B4-BE49-F238E27FC236}">
+                  <a16:creationId xmlns:a16="http://schemas.microsoft.com/office/drawing/2014/main" id="{8B8D598A-E99E-2E43-A488-34717CBBBB5C}"/>
+                </a:ext>
+              </a:extLst>
+            </p:cNvPr>
+            <p:cNvCxnSpPr/>
+            <p:nvPr/>
+          </p:nvCxnSpPr>
+          <p:spPr>
+            <a:xfrm>
+              <a:off x="7262042" y="3048000"/>
+              <a:ext cx="0" cy="627321"/>
+            </a:xfrm>
+            <a:prstGeom prst="line">
+              <a:avLst/>
+            </a:prstGeom>
+            <a:ln w="22225">
+              <a:solidFill>
+                <a:schemeClr val="tx1"/>
+              </a:solidFill>
+            </a:ln>
+          </p:spPr>
+          <p:style>
+            <a:lnRef idx="1">
+              <a:schemeClr val="accent1"/>
+            </a:lnRef>
+            <a:fillRef idx="0">
+              <a:schemeClr val="accent1"/>
+            </a:fillRef>
+            <a:effectRef idx="0">
+              <a:schemeClr val="accent1"/>
+            </a:effectRef>
+            <a:fontRef idx="minor">
+              <a:schemeClr val="tx1"/>
+            </a:fontRef>
+          </p:style>
+        </p:cxnSp>
+        <p:cxnSp>
+          <p:nvCxnSpPr>
+            <p:cNvPr id="57" name="Straight Connector 56">
+              <a:extLst>
+                <a:ext uri="{FF2B5EF4-FFF2-40B4-BE49-F238E27FC236}">
+                  <a16:creationId xmlns:a16="http://schemas.microsoft.com/office/drawing/2014/main" id="{5130AD9D-ADF8-A54A-A332-6EAF71755430}"/>
+                </a:ext>
+              </a:extLst>
+            </p:cNvPr>
+            <p:cNvCxnSpPr/>
+            <p:nvPr/>
+          </p:nvCxnSpPr>
+          <p:spPr>
+            <a:xfrm>
+              <a:off x="7506586" y="3019646"/>
+              <a:ext cx="0" cy="627321"/>
+            </a:xfrm>
+            <a:prstGeom prst="line">
+              <a:avLst/>
+            </a:prstGeom>
+            <a:ln w="22225">
+              <a:solidFill>
+                <a:schemeClr val="tx1"/>
+              </a:solidFill>
+            </a:ln>
+          </p:spPr>
+          <p:style>
+            <a:lnRef idx="1">
+              <a:schemeClr val="accent1"/>
+            </a:lnRef>
+            <a:fillRef idx="0">
+              <a:schemeClr val="accent1"/>
+            </a:fillRef>
+            <a:effectRef idx="0">
+              <a:schemeClr val="accent1"/>
+            </a:effectRef>
+            <a:fontRef idx="minor">
+              <a:schemeClr val="tx1"/>
+            </a:fontRef>
+          </p:style>
+        </p:cxnSp>
+      </p:grpSp>
+      <p:sp>
+        <p:nvSpPr>
+          <p:cNvPr id="58" name="Freeform 57">
+            <a:extLst>
+              <a:ext uri="{FF2B5EF4-FFF2-40B4-BE49-F238E27FC236}">
+                <a16:creationId xmlns:a16="http://schemas.microsoft.com/office/drawing/2014/main" id="{C2829C8A-F0F8-8945-BCE5-8AE82FF23B6C}"/>
+              </a:ext>
+            </a:extLst>
+          </p:cNvPr>
+          <p:cNvSpPr/>
+          <p:nvPr/>
+        </p:nvSpPr>
+        <p:spPr>
+          <a:xfrm>
+            <a:off x="5603354" y="3370526"/>
+            <a:ext cx="162383" cy="255175"/>
+          </a:xfrm>
+          <a:custGeom>
+            <a:avLst/>
+            <a:gdLst>
+              <a:gd name="connsiteX0" fmla="*/ 0 w 116958"/>
+              <a:gd name="connsiteY0" fmla="*/ 127590 h 159488"/>
+              <a:gd name="connsiteX1" fmla="*/ 0 w 116958"/>
+              <a:gd name="connsiteY1" fmla="*/ 127590 h 159488"/>
+              <a:gd name="connsiteX2" fmla="*/ 10632 w 116958"/>
+              <a:gd name="connsiteY2" fmla="*/ 0 h 159488"/>
+              <a:gd name="connsiteX3" fmla="*/ 74428 w 116958"/>
+              <a:gd name="connsiteY3" fmla="*/ 0 h 159488"/>
+              <a:gd name="connsiteX4" fmla="*/ 116958 w 116958"/>
+              <a:gd name="connsiteY4" fmla="*/ 53162 h 159488"/>
+              <a:gd name="connsiteX5" fmla="*/ 74428 w 116958"/>
+              <a:gd name="connsiteY5" fmla="*/ 159488 h 159488"/>
+            </a:gdLst>
+            <a:ahLst/>
+            <a:cxnLst>
+              <a:cxn ang="0">
+                <a:pos x="connsiteX0" y="connsiteY0"/>
+              </a:cxn>
+              <a:cxn ang="0">
+                <a:pos x="connsiteX1" y="connsiteY1"/>
+              </a:cxn>
+              <a:cxn ang="0">
+                <a:pos x="connsiteX2" y="connsiteY2"/>
+              </a:cxn>
+              <a:cxn ang="0">
+                <a:pos x="connsiteX3" y="connsiteY3"/>
+              </a:cxn>
+              <a:cxn ang="0">
+                <a:pos x="connsiteX4" y="connsiteY4"/>
+              </a:cxn>
+              <a:cxn ang="0">
+                <a:pos x="connsiteX5" y="connsiteY5"/>
+              </a:cxn>
+            </a:cxnLst>
+            <a:rect l="l" t="t" r="r" b="b"/>
+            <a:pathLst>
+              <a:path w="116958" h="159488">
+                <a:moveTo>
+                  <a:pt x="0" y="127590"/>
+                </a:moveTo>
+                <a:lnTo>
+                  <a:pt x="0" y="127590"/>
+                </a:lnTo>
+                <a:lnTo>
+                  <a:pt x="10632" y="0"/>
+                </a:lnTo>
+                <a:lnTo>
+                  <a:pt x="74428" y="0"/>
+                </a:lnTo>
+                <a:lnTo>
+                  <a:pt x="116958" y="53162"/>
+                </a:lnTo>
+                <a:lnTo>
+                  <a:pt x="74428" y="159488"/>
+                </a:lnTo>
+              </a:path>
+            </a:pathLst>
+          </a:custGeom>
+          <a:solidFill>
+            <a:schemeClr val="tx1"/>
+          </a:solidFill>
+          <a:ln>
+            <a:noFill/>
+          </a:ln>
+        </p:spPr>
+        <p:style>
+          <a:lnRef idx="2">
+            <a:schemeClr val="accent1">
+              <a:shade val="50000"/>
+            </a:schemeClr>
+          </a:lnRef>
+          <a:fillRef idx="1">
+            <a:schemeClr val="accent1"/>
+          </a:fillRef>
+          <a:effectRef idx="0">
+            <a:schemeClr val="accent1"/>
+          </a:effectRef>
+          <a:fontRef idx="minor">
+            <a:schemeClr val="lt1"/>
+          </a:fontRef>
+        </p:style>
+        <p:txBody>
+          <a:bodyPr rtlCol="0" anchor="ctr"/>
+          <a:lstStyle/>
+          <a:p>
+            <a:pPr algn="ctr"/>
+            <a:endParaRPr lang="en-US"/>
           </a:p>
         </p:txBody>
       </p:sp>
@@ -4971,82 +6260,6 @@
       </p:sp>
       <p:sp>
         <p:nvSpPr>
-          <p:cNvPr id="88" name="TextBox 87">
-            <a:extLst>
-              <a:ext uri="{FF2B5EF4-FFF2-40B4-BE49-F238E27FC236}">
-                <a16:creationId xmlns:a16="http://schemas.microsoft.com/office/drawing/2014/main" id="{A47C0338-46EA-0B40-BD2A-E0553D314FBB}"/>
-              </a:ext>
-            </a:extLst>
-          </p:cNvPr>
-          <p:cNvSpPr txBox="1"/>
-          <p:nvPr/>
-        </p:nvSpPr>
-        <p:spPr>
-          <a:xfrm>
-            <a:off x="598588" y="4763393"/>
-            <a:ext cx="4058473" cy="461665"/>
-          </a:xfrm>
-          <a:prstGeom prst="rect">
-            <a:avLst/>
-          </a:prstGeom>
-          <a:noFill/>
-        </p:spPr>
-        <p:txBody>
-          <a:bodyPr wrap="square" rtlCol="0">
-            <a:spAutoFit/>
-          </a:bodyPr>
-          <a:lstStyle/>
-          <a:p>
-            <a:pPr algn="ctr"/>
-            <a:r>
-              <a:rPr lang="en-US" sz="2400">
-                <a:latin typeface="Swell Braille" pitchFamily="49"/>
-              </a:rPr>
-              <a:t>⠇⠊⠹⠕⠎⠏⠓⠻⠊⠉⠀⠍⠁⠝⠞⠇⠑</a:t>
-            </a:r>
-          </a:p>
-        </p:txBody>
-      </p:sp>
-      <p:sp>
-        <p:nvSpPr>
-          <p:cNvPr id="89" name="TextBox 88">
-            <a:extLst>
-              <a:ext uri="{FF2B5EF4-FFF2-40B4-BE49-F238E27FC236}">
-                <a16:creationId xmlns:a16="http://schemas.microsoft.com/office/drawing/2014/main" id="{CE4BDFCC-0A61-4C40-9719-8AA7114A3D83}"/>
-              </a:ext>
-            </a:extLst>
-          </p:cNvPr>
-          <p:cNvSpPr txBox="1"/>
-          <p:nvPr/>
-        </p:nvSpPr>
-        <p:spPr>
-          <a:xfrm>
-            <a:off x="1063251" y="5957785"/>
-            <a:ext cx="4305819" cy="461665"/>
-          </a:xfrm>
-          <a:prstGeom prst="rect">
-            <a:avLst/>
-          </a:prstGeom>
-          <a:noFill/>
-        </p:spPr>
-        <p:txBody>
-          <a:bodyPr wrap="square" rtlCol="0">
-            <a:spAutoFit/>
-          </a:bodyPr>
-          <a:lstStyle/>
-          <a:p>
-            <a:pPr algn="ctr"/>
-            <a:r>
-              <a:rPr lang="en-US" sz="2400">
-                <a:latin typeface="Swell Braille" pitchFamily="49"/>
-              </a:rPr>
-              <a:t>⠁⠎⠮⠝⠕⠎⠏⠓⠻⠊⠉⠀⠍⠁⠝⠞⠇⠑</a:t>
-            </a:r>
-          </a:p>
-        </p:txBody>
-      </p:sp>
-      <p:sp>
-        <p:nvSpPr>
           <p:cNvPr id="90" name="TextBox 89">
             <a:extLst>
               <a:ext uri="{FF2B5EF4-FFF2-40B4-BE49-F238E27FC236}">
@@ -5059,8 +6272,8 @@
         </p:nvSpPr>
         <p:spPr>
           <a:xfrm>
-            <a:off x="5843983" y="5564381"/>
-            <a:ext cx="1662604" cy="830997"/>
+            <a:off x="6226755" y="5681339"/>
+            <a:ext cx="1428686" cy="825788"/>
           </a:xfrm>
           <a:prstGeom prst="rect">
             <a:avLst/>
@@ -5306,116 +6519,6 @@
               <a:schemeClr val="bg1"/>
             </a:bgClr>
           </a:pattFill>
-          <a:ln>
-            <a:noFill/>
-          </a:ln>
-        </p:spPr>
-        <p:style>
-          <a:lnRef idx="2">
-            <a:schemeClr val="accent1">
-              <a:shade val="50000"/>
-            </a:schemeClr>
-          </a:lnRef>
-          <a:fillRef idx="1">
-            <a:schemeClr val="accent1"/>
-          </a:fillRef>
-          <a:effectRef idx="0">
-            <a:schemeClr val="accent1"/>
-          </a:effectRef>
-          <a:fontRef idx="minor">
-            <a:schemeClr val="lt1"/>
-          </a:fontRef>
-        </p:style>
-        <p:txBody>
-          <a:bodyPr rtlCol="0" anchor="ctr"/>
-          <a:lstStyle/>
-          <a:p>
-            <a:pPr algn="ctr"/>
-            <a:endParaRPr lang="en-US"/>
-          </a:p>
-        </p:txBody>
-      </p:sp>
-      <p:sp>
-        <p:nvSpPr>
-          <p:cNvPr id="95" name="Freeform 94">
-            <a:extLst>
-              <a:ext uri="{FF2B5EF4-FFF2-40B4-BE49-F238E27FC236}">
-                <a16:creationId xmlns:a16="http://schemas.microsoft.com/office/drawing/2014/main" id="{C4256866-2DC2-1D41-9AED-07572984AAE2}"/>
-              </a:ext>
-            </a:extLst>
-          </p:cNvPr>
-          <p:cNvSpPr/>
-          <p:nvPr/>
-        </p:nvSpPr>
-        <p:spPr>
-          <a:xfrm>
-            <a:off x="5645884" y="3327997"/>
-            <a:ext cx="148855" cy="233916"/>
-          </a:xfrm>
-          <a:custGeom>
-            <a:avLst/>
-            <a:gdLst>
-              <a:gd name="connsiteX0" fmla="*/ 0 w 116958"/>
-              <a:gd name="connsiteY0" fmla="*/ 127590 h 159488"/>
-              <a:gd name="connsiteX1" fmla="*/ 0 w 116958"/>
-              <a:gd name="connsiteY1" fmla="*/ 127590 h 159488"/>
-              <a:gd name="connsiteX2" fmla="*/ 10632 w 116958"/>
-              <a:gd name="connsiteY2" fmla="*/ 0 h 159488"/>
-              <a:gd name="connsiteX3" fmla="*/ 74428 w 116958"/>
-              <a:gd name="connsiteY3" fmla="*/ 0 h 159488"/>
-              <a:gd name="connsiteX4" fmla="*/ 116958 w 116958"/>
-              <a:gd name="connsiteY4" fmla="*/ 53162 h 159488"/>
-              <a:gd name="connsiteX5" fmla="*/ 74428 w 116958"/>
-              <a:gd name="connsiteY5" fmla="*/ 159488 h 159488"/>
-            </a:gdLst>
-            <a:ahLst/>
-            <a:cxnLst>
-              <a:cxn ang="0">
-                <a:pos x="connsiteX0" y="connsiteY0"/>
-              </a:cxn>
-              <a:cxn ang="0">
-                <a:pos x="connsiteX1" y="connsiteY1"/>
-              </a:cxn>
-              <a:cxn ang="0">
-                <a:pos x="connsiteX2" y="connsiteY2"/>
-              </a:cxn>
-              <a:cxn ang="0">
-                <a:pos x="connsiteX3" y="connsiteY3"/>
-              </a:cxn>
-              <a:cxn ang="0">
-                <a:pos x="connsiteX4" y="connsiteY4"/>
-              </a:cxn>
-              <a:cxn ang="0">
-                <a:pos x="connsiteX5" y="connsiteY5"/>
-              </a:cxn>
-            </a:cxnLst>
-            <a:rect l="l" t="t" r="r" b="b"/>
-            <a:pathLst>
-              <a:path w="116958" h="159488">
-                <a:moveTo>
-                  <a:pt x="0" y="127590"/>
-                </a:moveTo>
-                <a:lnTo>
-                  <a:pt x="0" y="127590"/>
-                </a:lnTo>
-                <a:lnTo>
-                  <a:pt x="10632" y="0"/>
-                </a:lnTo>
-                <a:lnTo>
-                  <a:pt x="74428" y="0"/>
-                </a:lnTo>
-                <a:lnTo>
-                  <a:pt x="116958" y="53162"/>
-                </a:lnTo>
-                <a:lnTo>
-                  <a:pt x="74428" y="159488"/>
-                </a:lnTo>
-              </a:path>
-            </a:pathLst>
-          </a:custGeom>
-          <a:solidFill>
-            <a:schemeClr val="tx1"/>
-          </a:solidFill>
           <a:ln>
             <a:noFill/>
           </a:ln>
@@ -6153,12 +7256,1532 @@
               </a:path>
             </a:pathLst>
           </a:custGeom>
+          <a:pattFill prst="pct10">
+            <a:fgClr>
+              <a:schemeClr val="bg2">
+                <a:lumMod val="75000"/>
+              </a:schemeClr>
+            </a:fgClr>
+            <a:bgClr>
+              <a:schemeClr val="bg1"/>
+            </a:bgClr>
+          </a:pattFill>
+          <a:ln w="22225">
+            <a:noFill/>
+          </a:ln>
+        </p:spPr>
+        <p:style>
+          <a:lnRef idx="2">
+            <a:schemeClr val="accent1">
+              <a:shade val="50000"/>
+            </a:schemeClr>
+          </a:lnRef>
+          <a:fillRef idx="1">
+            <a:schemeClr val="accent1"/>
+          </a:fillRef>
+          <a:effectRef idx="0">
+            <a:schemeClr val="accent1"/>
+          </a:effectRef>
+          <a:fontRef idx="minor">
+            <a:schemeClr val="lt1"/>
+          </a:fontRef>
+        </p:style>
+        <p:txBody>
+          <a:bodyPr rtlCol="0" anchor="ctr"/>
+          <a:lstStyle/>
+          <a:p>
+            <a:pPr algn="ctr"/>
+            <a:endParaRPr lang="en-US"/>
+          </a:p>
+        </p:txBody>
+      </p:sp>
+      <p:sp>
+        <p:nvSpPr>
+          <p:cNvPr id="2" name="Rectangle 1">
+            <a:extLst>
+              <a:ext uri="{FF2B5EF4-FFF2-40B4-BE49-F238E27FC236}">
+                <a16:creationId xmlns:a16="http://schemas.microsoft.com/office/drawing/2014/main" id="{211E1430-DB2F-DC45-9385-8C5F030D6E96}"/>
+              </a:ext>
+            </a:extLst>
+          </p:cNvPr>
+          <p:cNvSpPr/>
+          <p:nvPr/>
+        </p:nvSpPr>
+        <p:spPr>
+          <a:xfrm>
+            <a:off x="655900" y="4669161"/>
+            <a:ext cx="4568879" cy="461665"/>
+          </a:xfrm>
+          <a:prstGeom prst="rect">
+            <a:avLst/>
+          </a:prstGeom>
+        </p:spPr>
+        <p:txBody>
+          <a:bodyPr wrap="none">
+            <a:spAutoFit/>
+          </a:bodyPr>
+          <a:lstStyle/>
+          <a:p>
+            <a:r>
+              <a:rPr lang="en-US" sz="2400">
+                <a:latin typeface="Swell Braille" pitchFamily="49"/>
+              </a:rPr>
+              <a:t>⠇⠊⠞⠓⠕⠎⠏⠓⠑⠗⠊⠉⠀⠍⠁⠝⠞⠇⠑</a:t>
+            </a:r>
+          </a:p>
+        </p:txBody>
+      </p:sp>
+      <p:sp>
+        <p:nvSpPr>
+          <p:cNvPr id="3" name="Rectangle 2">
+            <a:extLst>
+              <a:ext uri="{FF2B5EF4-FFF2-40B4-BE49-F238E27FC236}">
+                <a16:creationId xmlns:a16="http://schemas.microsoft.com/office/drawing/2014/main" id="{E631983F-4E86-A14E-AF71-811F5F166E5F}"/>
+              </a:ext>
+            </a:extLst>
+          </p:cNvPr>
+          <p:cNvSpPr/>
+          <p:nvPr/>
+        </p:nvSpPr>
+        <p:spPr>
+          <a:xfrm>
+            <a:off x="674162" y="5987599"/>
+            <a:ext cx="5033750" cy="461665"/>
+          </a:xfrm>
+          <a:prstGeom prst="rect">
+            <a:avLst/>
+          </a:prstGeom>
+        </p:spPr>
+        <p:txBody>
+          <a:bodyPr wrap="none">
+            <a:spAutoFit/>
+          </a:bodyPr>
+          <a:lstStyle/>
+          <a:p>
+            <a:r>
+              <a:rPr lang="en-US" sz="2400">
+                <a:latin typeface="Swell Braille" pitchFamily="49"/>
+              </a:rPr>
+              <a:t>⠁⠎⠞⠓⠑⠝⠕⠎⠏⠓⠑⠗⠊⠉⠀⠍⠁⠝⠞⠇⠑</a:t>
+            </a:r>
+          </a:p>
+        </p:txBody>
+      </p:sp>
+      <p:cxnSp>
+        <p:nvCxnSpPr>
+          <p:cNvPr id="5" name="Straight Connector 4">
+            <a:extLst>
+              <a:ext uri="{FF2B5EF4-FFF2-40B4-BE49-F238E27FC236}">
+                <a16:creationId xmlns:a16="http://schemas.microsoft.com/office/drawing/2014/main" id="{98CD4B8D-C806-F74C-8F49-0A2856F7BCA8}"/>
+              </a:ext>
+            </a:extLst>
+          </p:cNvPr>
+          <p:cNvCxnSpPr>
+            <a:cxnSpLocks/>
+          </p:cNvCxnSpPr>
+          <p:nvPr/>
+        </p:nvCxnSpPr>
+        <p:spPr>
+          <a:xfrm>
+            <a:off x="5911702" y="5592726"/>
+            <a:ext cx="372140" cy="308344"/>
+          </a:xfrm>
+          <a:prstGeom prst="line">
+            <a:avLst/>
+          </a:prstGeom>
+          <a:ln w="22225">
+            <a:solidFill>
+              <a:schemeClr val="tx1"/>
+            </a:solidFill>
+          </a:ln>
+        </p:spPr>
+        <p:style>
+          <a:lnRef idx="1">
+            <a:schemeClr val="accent1"/>
+          </a:lnRef>
+          <a:fillRef idx="0">
+            <a:schemeClr val="accent1"/>
+          </a:fillRef>
+          <a:effectRef idx="0">
+            <a:schemeClr val="accent1"/>
+          </a:effectRef>
+          <a:fontRef idx="minor">
+            <a:schemeClr val="tx1"/>
+          </a:fontRef>
+        </p:style>
+      </p:cxnSp>
+      <p:grpSp>
+        <p:nvGrpSpPr>
+          <p:cNvPr id="21" name="Group 20">
+            <a:extLst>
+              <a:ext uri="{FF2B5EF4-FFF2-40B4-BE49-F238E27FC236}">
+                <a16:creationId xmlns:a16="http://schemas.microsoft.com/office/drawing/2014/main" id="{A90A8CC7-4DB8-F14A-932B-0A72A691D6FE}"/>
+              </a:ext>
+            </a:extLst>
+          </p:cNvPr>
+          <p:cNvGrpSpPr/>
+          <p:nvPr/>
+        </p:nvGrpSpPr>
+        <p:grpSpPr>
+          <a:xfrm>
+            <a:off x="493900" y="3019646"/>
+            <a:ext cx="7233806" cy="1201480"/>
+            <a:chOff x="493900" y="3019646"/>
+            <a:chExt cx="7233806" cy="1201480"/>
+          </a:xfrm>
+        </p:grpSpPr>
+        <p:sp>
+          <p:nvSpPr>
+            <p:cNvPr id="11" name="Parallelogram 10">
+              <a:extLst>
+                <a:ext uri="{FF2B5EF4-FFF2-40B4-BE49-F238E27FC236}">
+                  <a16:creationId xmlns:a16="http://schemas.microsoft.com/office/drawing/2014/main" id="{E8FB401F-8392-EF42-B9B1-12D7F0C47DBA}"/>
+                </a:ext>
+              </a:extLst>
+            </p:cNvPr>
+            <p:cNvSpPr/>
+            <p:nvPr/>
+          </p:nvSpPr>
+          <p:spPr>
+            <a:xfrm rot="10525432">
+              <a:off x="493900" y="3316100"/>
+              <a:ext cx="7233806" cy="609776"/>
+            </a:xfrm>
+            <a:prstGeom prst="parallelogram">
+              <a:avLst>
+                <a:gd name="adj" fmla="val 9124"/>
+              </a:avLst>
+            </a:prstGeom>
+            <a:solidFill>
+              <a:schemeClr val="bg1"/>
+            </a:solidFill>
+            <a:ln w="22225">
+              <a:solidFill>
+                <a:schemeClr val="tx1"/>
+              </a:solidFill>
+            </a:ln>
+          </p:spPr>
+          <p:style>
+            <a:lnRef idx="2">
+              <a:schemeClr val="accent1">
+                <a:shade val="50000"/>
+              </a:schemeClr>
+            </a:lnRef>
+            <a:fillRef idx="1">
+              <a:schemeClr val="accent1"/>
+            </a:fillRef>
+            <a:effectRef idx="0">
+              <a:schemeClr val="accent1"/>
+            </a:effectRef>
+            <a:fontRef idx="minor">
+              <a:schemeClr val="lt1"/>
+            </a:fontRef>
+          </p:style>
+          <p:txBody>
+            <a:bodyPr rtlCol="0" anchor="ctr"/>
+            <a:lstStyle/>
+            <a:p>
+              <a:pPr algn="ctr"/>
+              <a:endParaRPr lang="en-US"/>
+            </a:p>
+          </p:txBody>
+        </p:sp>
+        <p:cxnSp>
+          <p:nvCxnSpPr>
+            <p:cNvPr id="13" name="Straight Connector 12">
+              <a:extLst>
+                <a:ext uri="{FF2B5EF4-FFF2-40B4-BE49-F238E27FC236}">
+                  <a16:creationId xmlns:a16="http://schemas.microsoft.com/office/drawing/2014/main" id="{961726FB-39B5-C841-9B4F-CDA9F2D27D00}"/>
+                </a:ext>
+              </a:extLst>
+            </p:cNvPr>
+            <p:cNvCxnSpPr/>
+            <p:nvPr/>
+          </p:nvCxnSpPr>
+          <p:spPr>
+            <a:xfrm>
+              <a:off x="659219" y="3593805"/>
+              <a:ext cx="0" cy="627321"/>
+            </a:xfrm>
+            <a:prstGeom prst="line">
+              <a:avLst/>
+            </a:prstGeom>
+            <a:ln w="22225">
+              <a:solidFill>
+                <a:schemeClr val="tx1"/>
+              </a:solidFill>
+            </a:ln>
+          </p:spPr>
+          <p:style>
+            <a:lnRef idx="1">
+              <a:schemeClr val="accent1"/>
+            </a:lnRef>
+            <a:fillRef idx="0">
+              <a:schemeClr val="accent1"/>
+            </a:fillRef>
+            <a:effectRef idx="0">
+              <a:schemeClr val="accent1"/>
+            </a:effectRef>
+            <a:fontRef idx="minor">
+              <a:schemeClr val="tx1"/>
+            </a:fontRef>
+          </p:style>
+        </p:cxnSp>
+        <p:cxnSp>
+          <p:nvCxnSpPr>
+            <p:cNvPr id="33" name="Straight Connector 32">
+              <a:extLst>
+                <a:ext uri="{FF2B5EF4-FFF2-40B4-BE49-F238E27FC236}">
+                  <a16:creationId xmlns:a16="http://schemas.microsoft.com/office/drawing/2014/main" id="{5E4E31F8-BACC-D043-A2B3-5561C90CD913}"/>
+                </a:ext>
+              </a:extLst>
+            </p:cNvPr>
+            <p:cNvCxnSpPr/>
+            <p:nvPr/>
+          </p:nvCxnSpPr>
+          <p:spPr>
+            <a:xfrm>
+              <a:off x="903768" y="3565451"/>
+              <a:ext cx="0" cy="627321"/>
+            </a:xfrm>
+            <a:prstGeom prst="line">
+              <a:avLst/>
+            </a:prstGeom>
+            <a:ln w="22225">
+              <a:solidFill>
+                <a:schemeClr val="tx1"/>
+              </a:solidFill>
+            </a:ln>
+          </p:spPr>
+          <p:style>
+            <a:lnRef idx="1">
+              <a:schemeClr val="accent1"/>
+            </a:lnRef>
+            <a:fillRef idx="0">
+              <a:schemeClr val="accent1"/>
+            </a:fillRef>
+            <a:effectRef idx="0">
+              <a:schemeClr val="accent1"/>
+            </a:effectRef>
+            <a:fontRef idx="minor">
+              <a:schemeClr val="tx1"/>
+            </a:fontRef>
+          </p:style>
+        </p:cxnSp>
+        <p:cxnSp>
+          <p:nvCxnSpPr>
+            <p:cNvPr id="34" name="Straight Connector 33">
+              <a:extLst>
+                <a:ext uri="{FF2B5EF4-FFF2-40B4-BE49-F238E27FC236}">
+                  <a16:creationId xmlns:a16="http://schemas.microsoft.com/office/drawing/2014/main" id="{CB415257-BD6B-CA49-82CC-E49ECAF1FE14}"/>
+                </a:ext>
+              </a:extLst>
+            </p:cNvPr>
+            <p:cNvCxnSpPr/>
+            <p:nvPr/>
+          </p:nvCxnSpPr>
+          <p:spPr>
+            <a:xfrm>
+              <a:off x="1148317" y="3547730"/>
+              <a:ext cx="0" cy="627321"/>
+            </a:xfrm>
+            <a:prstGeom prst="line">
+              <a:avLst/>
+            </a:prstGeom>
+            <a:ln w="22225">
+              <a:solidFill>
+                <a:schemeClr val="tx1"/>
+              </a:solidFill>
+            </a:ln>
+          </p:spPr>
+          <p:style>
+            <a:lnRef idx="1">
+              <a:schemeClr val="accent1"/>
+            </a:lnRef>
+            <a:fillRef idx="0">
+              <a:schemeClr val="accent1"/>
+            </a:fillRef>
+            <a:effectRef idx="0">
+              <a:schemeClr val="accent1"/>
+            </a:effectRef>
+            <a:fontRef idx="minor">
+              <a:schemeClr val="tx1"/>
+            </a:fontRef>
+          </p:style>
+        </p:cxnSp>
+        <p:cxnSp>
+          <p:nvCxnSpPr>
+            <p:cNvPr id="35" name="Straight Connector 34">
+              <a:extLst>
+                <a:ext uri="{FF2B5EF4-FFF2-40B4-BE49-F238E27FC236}">
+                  <a16:creationId xmlns:a16="http://schemas.microsoft.com/office/drawing/2014/main" id="{21B7F1BC-C33C-1343-B628-3424C6C565EE}"/>
+                </a:ext>
+              </a:extLst>
+            </p:cNvPr>
+            <p:cNvCxnSpPr/>
+            <p:nvPr/>
+          </p:nvCxnSpPr>
+          <p:spPr>
+            <a:xfrm>
+              <a:off x="1392866" y="3533554"/>
+              <a:ext cx="0" cy="627321"/>
+            </a:xfrm>
+            <a:prstGeom prst="line">
+              <a:avLst/>
+            </a:prstGeom>
+            <a:ln w="22225">
+              <a:solidFill>
+                <a:schemeClr val="tx1"/>
+              </a:solidFill>
+            </a:ln>
+          </p:spPr>
+          <p:style>
+            <a:lnRef idx="1">
+              <a:schemeClr val="accent1"/>
+            </a:lnRef>
+            <a:fillRef idx="0">
+              <a:schemeClr val="accent1"/>
+            </a:fillRef>
+            <a:effectRef idx="0">
+              <a:schemeClr val="accent1"/>
+            </a:effectRef>
+            <a:fontRef idx="minor">
+              <a:schemeClr val="tx1"/>
+            </a:fontRef>
+          </p:style>
+        </p:cxnSp>
+        <p:cxnSp>
+          <p:nvCxnSpPr>
+            <p:cNvPr id="36" name="Straight Connector 35">
+              <a:extLst>
+                <a:ext uri="{FF2B5EF4-FFF2-40B4-BE49-F238E27FC236}">
+                  <a16:creationId xmlns:a16="http://schemas.microsoft.com/office/drawing/2014/main" id="{22C29C3E-B244-4A4F-AA8B-1D3689246CA7}"/>
+                </a:ext>
+              </a:extLst>
+            </p:cNvPr>
+            <p:cNvCxnSpPr/>
+            <p:nvPr/>
+          </p:nvCxnSpPr>
+          <p:spPr>
+            <a:xfrm>
+              <a:off x="1637415" y="3505200"/>
+              <a:ext cx="0" cy="627321"/>
+            </a:xfrm>
+            <a:prstGeom prst="line">
+              <a:avLst/>
+            </a:prstGeom>
+            <a:ln w="22225">
+              <a:solidFill>
+                <a:schemeClr val="tx1"/>
+              </a:solidFill>
+            </a:ln>
+          </p:spPr>
+          <p:style>
+            <a:lnRef idx="1">
+              <a:schemeClr val="accent1"/>
+            </a:lnRef>
+            <a:fillRef idx="0">
+              <a:schemeClr val="accent1"/>
+            </a:fillRef>
+            <a:effectRef idx="0">
+              <a:schemeClr val="accent1"/>
+            </a:effectRef>
+            <a:fontRef idx="minor">
+              <a:schemeClr val="tx1"/>
+            </a:fontRef>
+          </p:style>
+        </p:cxnSp>
+        <p:cxnSp>
+          <p:nvCxnSpPr>
+            <p:cNvPr id="37" name="Straight Connector 36">
+              <a:extLst>
+                <a:ext uri="{FF2B5EF4-FFF2-40B4-BE49-F238E27FC236}">
+                  <a16:creationId xmlns:a16="http://schemas.microsoft.com/office/drawing/2014/main" id="{7111A218-1DF1-424B-ABBD-C0209FF8A7D4}"/>
+                </a:ext>
+              </a:extLst>
+            </p:cNvPr>
+            <p:cNvCxnSpPr/>
+            <p:nvPr/>
+          </p:nvCxnSpPr>
+          <p:spPr>
+            <a:xfrm>
+              <a:off x="1881964" y="3487479"/>
+              <a:ext cx="0" cy="627321"/>
+            </a:xfrm>
+            <a:prstGeom prst="line">
+              <a:avLst/>
+            </a:prstGeom>
+            <a:ln w="22225">
+              <a:solidFill>
+                <a:schemeClr val="tx1"/>
+              </a:solidFill>
+            </a:ln>
+          </p:spPr>
+          <p:style>
+            <a:lnRef idx="1">
+              <a:schemeClr val="accent1"/>
+            </a:lnRef>
+            <a:fillRef idx="0">
+              <a:schemeClr val="accent1"/>
+            </a:fillRef>
+            <a:effectRef idx="0">
+              <a:schemeClr val="accent1"/>
+            </a:effectRef>
+            <a:fontRef idx="minor">
+              <a:schemeClr val="tx1"/>
+            </a:fontRef>
+          </p:style>
+        </p:cxnSp>
+        <p:cxnSp>
+          <p:nvCxnSpPr>
+            <p:cNvPr id="38" name="Straight Connector 37">
+              <a:extLst>
+                <a:ext uri="{FF2B5EF4-FFF2-40B4-BE49-F238E27FC236}">
+                  <a16:creationId xmlns:a16="http://schemas.microsoft.com/office/drawing/2014/main" id="{C7FB947B-10C7-7648-A37D-E21EBED0749F}"/>
+                </a:ext>
+              </a:extLst>
+            </p:cNvPr>
+            <p:cNvCxnSpPr>
+              <a:cxnSpLocks/>
+            </p:cNvCxnSpPr>
+            <p:nvPr/>
+          </p:nvCxnSpPr>
+          <p:spPr>
+            <a:xfrm>
+              <a:off x="2126513" y="3491024"/>
+              <a:ext cx="0" cy="591878"/>
+            </a:xfrm>
+            <a:prstGeom prst="line">
+              <a:avLst/>
+            </a:prstGeom>
+            <a:ln w="22225">
+              <a:solidFill>
+                <a:schemeClr val="tx1"/>
+              </a:solidFill>
+            </a:ln>
+          </p:spPr>
+          <p:style>
+            <a:lnRef idx="1">
+              <a:schemeClr val="accent1"/>
+            </a:lnRef>
+            <a:fillRef idx="0">
+              <a:schemeClr val="accent1"/>
+            </a:fillRef>
+            <a:effectRef idx="0">
+              <a:schemeClr val="accent1"/>
+            </a:effectRef>
+            <a:fontRef idx="minor">
+              <a:schemeClr val="tx1"/>
+            </a:fontRef>
+          </p:style>
+        </p:cxnSp>
+        <p:cxnSp>
+          <p:nvCxnSpPr>
+            <p:cNvPr id="39" name="Straight Connector 38">
+              <a:extLst>
+                <a:ext uri="{FF2B5EF4-FFF2-40B4-BE49-F238E27FC236}">
+                  <a16:creationId xmlns:a16="http://schemas.microsoft.com/office/drawing/2014/main" id="{31B5384C-9239-A64E-BFA5-B708EBC66DE3}"/>
+                </a:ext>
+              </a:extLst>
+            </p:cNvPr>
+            <p:cNvCxnSpPr>
+              <a:cxnSpLocks/>
+            </p:cNvCxnSpPr>
+            <p:nvPr/>
+          </p:nvCxnSpPr>
+          <p:spPr>
+            <a:xfrm>
+              <a:off x="2371062" y="3462670"/>
+              <a:ext cx="0" cy="609600"/>
+            </a:xfrm>
+            <a:prstGeom prst="line">
+              <a:avLst/>
+            </a:prstGeom>
+            <a:ln w="22225">
+              <a:solidFill>
+                <a:schemeClr val="tx1"/>
+              </a:solidFill>
+            </a:ln>
+          </p:spPr>
+          <p:style>
+            <a:lnRef idx="1">
+              <a:schemeClr val="accent1"/>
+            </a:lnRef>
+            <a:fillRef idx="0">
+              <a:schemeClr val="accent1"/>
+            </a:fillRef>
+            <a:effectRef idx="0">
+              <a:schemeClr val="accent1"/>
+            </a:effectRef>
+            <a:fontRef idx="minor">
+              <a:schemeClr val="tx1"/>
+            </a:fontRef>
+          </p:style>
+        </p:cxnSp>
+        <p:cxnSp>
+          <p:nvCxnSpPr>
+            <p:cNvPr id="40" name="Straight Connector 39">
+              <a:extLst>
+                <a:ext uri="{FF2B5EF4-FFF2-40B4-BE49-F238E27FC236}">
+                  <a16:creationId xmlns:a16="http://schemas.microsoft.com/office/drawing/2014/main" id="{38AF1243-5308-2245-82ED-722B0342ED5F}"/>
+                </a:ext>
+              </a:extLst>
+            </p:cNvPr>
+            <p:cNvCxnSpPr>
+              <a:cxnSpLocks/>
+            </p:cNvCxnSpPr>
+            <p:nvPr/>
+          </p:nvCxnSpPr>
+          <p:spPr>
+            <a:xfrm>
+              <a:off x="2615611" y="3444949"/>
+              <a:ext cx="0" cy="616688"/>
+            </a:xfrm>
+            <a:prstGeom prst="line">
+              <a:avLst/>
+            </a:prstGeom>
+            <a:ln w="22225">
+              <a:solidFill>
+                <a:schemeClr val="tx1"/>
+              </a:solidFill>
+            </a:ln>
+          </p:spPr>
+          <p:style>
+            <a:lnRef idx="1">
+              <a:schemeClr val="accent1"/>
+            </a:lnRef>
+            <a:fillRef idx="0">
+              <a:schemeClr val="accent1"/>
+            </a:fillRef>
+            <a:effectRef idx="0">
+              <a:schemeClr val="accent1"/>
+            </a:effectRef>
+            <a:fontRef idx="minor">
+              <a:schemeClr val="tx1"/>
+            </a:fontRef>
+          </p:style>
+        </p:cxnSp>
+        <p:cxnSp>
+          <p:nvCxnSpPr>
+            <p:cNvPr id="41" name="Straight Connector 40">
+              <a:extLst>
+                <a:ext uri="{FF2B5EF4-FFF2-40B4-BE49-F238E27FC236}">
+                  <a16:creationId xmlns:a16="http://schemas.microsoft.com/office/drawing/2014/main" id="{0045DB39-6E97-7143-8FEF-854DBC216138}"/>
+                </a:ext>
+              </a:extLst>
+            </p:cNvPr>
+            <p:cNvCxnSpPr>
+              <a:cxnSpLocks/>
+            </p:cNvCxnSpPr>
+            <p:nvPr/>
+          </p:nvCxnSpPr>
+          <p:spPr>
+            <a:xfrm>
+              <a:off x="2860160" y="3430773"/>
+              <a:ext cx="0" cy="598967"/>
+            </a:xfrm>
+            <a:prstGeom prst="line">
+              <a:avLst/>
+            </a:prstGeom>
+            <a:ln w="22225">
+              <a:solidFill>
+                <a:schemeClr val="tx1"/>
+              </a:solidFill>
+            </a:ln>
+          </p:spPr>
+          <p:style>
+            <a:lnRef idx="1">
+              <a:schemeClr val="accent1"/>
+            </a:lnRef>
+            <a:fillRef idx="0">
+              <a:schemeClr val="accent1"/>
+            </a:fillRef>
+            <a:effectRef idx="0">
+              <a:schemeClr val="accent1"/>
+            </a:effectRef>
+            <a:fontRef idx="minor">
+              <a:schemeClr val="tx1"/>
+            </a:fontRef>
+          </p:style>
+        </p:cxnSp>
+        <p:cxnSp>
+          <p:nvCxnSpPr>
+            <p:cNvPr id="42" name="Straight Connector 41">
+              <a:extLst>
+                <a:ext uri="{FF2B5EF4-FFF2-40B4-BE49-F238E27FC236}">
+                  <a16:creationId xmlns:a16="http://schemas.microsoft.com/office/drawing/2014/main" id="{C9B5A8F0-9917-3E48-A82A-E35A170FDF13}"/>
+                </a:ext>
+              </a:extLst>
+            </p:cNvPr>
+            <p:cNvCxnSpPr>
+              <a:cxnSpLocks/>
+            </p:cNvCxnSpPr>
+            <p:nvPr/>
+          </p:nvCxnSpPr>
+          <p:spPr>
+            <a:xfrm>
+              <a:off x="3104709" y="3402419"/>
+              <a:ext cx="0" cy="606055"/>
+            </a:xfrm>
+            <a:prstGeom prst="line">
+              <a:avLst/>
+            </a:prstGeom>
+            <a:ln w="22225">
+              <a:solidFill>
+                <a:schemeClr val="tx1"/>
+              </a:solidFill>
+            </a:ln>
+          </p:spPr>
+          <p:style>
+            <a:lnRef idx="1">
+              <a:schemeClr val="accent1"/>
+            </a:lnRef>
+            <a:fillRef idx="0">
+              <a:schemeClr val="accent1"/>
+            </a:fillRef>
+            <a:effectRef idx="0">
+              <a:schemeClr val="accent1"/>
+            </a:effectRef>
+            <a:fontRef idx="minor">
+              <a:schemeClr val="tx1"/>
+            </a:fontRef>
+          </p:style>
+        </p:cxnSp>
+        <p:cxnSp>
+          <p:nvCxnSpPr>
+            <p:cNvPr id="43" name="Straight Connector 42">
+              <a:extLst>
+                <a:ext uri="{FF2B5EF4-FFF2-40B4-BE49-F238E27FC236}">
+                  <a16:creationId xmlns:a16="http://schemas.microsoft.com/office/drawing/2014/main" id="{88670C06-6D88-174C-9D9E-0CD111DCF660}"/>
+                </a:ext>
+              </a:extLst>
+            </p:cNvPr>
+            <p:cNvCxnSpPr>
+              <a:cxnSpLocks/>
+            </p:cNvCxnSpPr>
+            <p:nvPr/>
+          </p:nvCxnSpPr>
+          <p:spPr>
+            <a:xfrm>
+              <a:off x="3349258" y="3384698"/>
+              <a:ext cx="0" cy="613144"/>
+            </a:xfrm>
+            <a:prstGeom prst="line">
+              <a:avLst/>
+            </a:prstGeom>
+            <a:ln w="22225">
+              <a:solidFill>
+                <a:schemeClr val="tx1"/>
+              </a:solidFill>
+            </a:ln>
+          </p:spPr>
+          <p:style>
+            <a:lnRef idx="1">
+              <a:schemeClr val="accent1"/>
+            </a:lnRef>
+            <a:fillRef idx="0">
+              <a:schemeClr val="accent1"/>
+            </a:fillRef>
+            <a:effectRef idx="0">
+              <a:schemeClr val="accent1"/>
+            </a:effectRef>
+            <a:fontRef idx="minor">
+              <a:schemeClr val="tx1"/>
+            </a:fontRef>
+          </p:style>
+        </p:cxnSp>
+        <p:cxnSp>
+          <p:nvCxnSpPr>
+            <p:cNvPr id="51" name="Straight Connector 50">
+              <a:extLst>
+                <a:ext uri="{FF2B5EF4-FFF2-40B4-BE49-F238E27FC236}">
+                  <a16:creationId xmlns:a16="http://schemas.microsoft.com/office/drawing/2014/main" id="{90454B99-A023-234F-BC3F-CAAFD571C68C}"/>
+                </a:ext>
+              </a:extLst>
+            </p:cNvPr>
+            <p:cNvCxnSpPr/>
+            <p:nvPr/>
+          </p:nvCxnSpPr>
+          <p:spPr>
+            <a:xfrm>
+              <a:off x="3593807" y="3342168"/>
+              <a:ext cx="0" cy="627321"/>
+            </a:xfrm>
+            <a:prstGeom prst="line">
+              <a:avLst/>
+            </a:prstGeom>
+            <a:ln w="22225">
+              <a:solidFill>
+                <a:schemeClr val="tx1"/>
+              </a:solidFill>
+            </a:ln>
+          </p:spPr>
+          <p:style>
+            <a:lnRef idx="1">
+              <a:schemeClr val="accent1"/>
+            </a:lnRef>
+            <a:fillRef idx="0">
+              <a:schemeClr val="accent1"/>
+            </a:fillRef>
+            <a:effectRef idx="0">
+              <a:schemeClr val="accent1"/>
+            </a:effectRef>
+            <a:fontRef idx="minor">
+              <a:schemeClr val="tx1"/>
+            </a:fontRef>
+          </p:style>
+        </p:cxnSp>
+        <p:cxnSp>
+          <p:nvCxnSpPr>
+            <p:cNvPr id="52" name="Straight Connector 51">
+              <a:extLst>
+                <a:ext uri="{FF2B5EF4-FFF2-40B4-BE49-F238E27FC236}">
+                  <a16:creationId xmlns:a16="http://schemas.microsoft.com/office/drawing/2014/main" id="{727A9506-8724-3046-8CA6-4B09F4525060}"/>
+                </a:ext>
+              </a:extLst>
+            </p:cNvPr>
+            <p:cNvCxnSpPr/>
+            <p:nvPr/>
+          </p:nvCxnSpPr>
+          <p:spPr>
+            <a:xfrm>
+              <a:off x="3838356" y="3313814"/>
+              <a:ext cx="0" cy="627321"/>
+            </a:xfrm>
+            <a:prstGeom prst="line">
+              <a:avLst/>
+            </a:prstGeom>
+            <a:ln w="22225">
+              <a:solidFill>
+                <a:schemeClr val="tx1"/>
+              </a:solidFill>
+            </a:ln>
+          </p:spPr>
+          <p:style>
+            <a:lnRef idx="1">
+              <a:schemeClr val="accent1"/>
+            </a:lnRef>
+            <a:fillRef idx="0">
+              <a:schemeClr val="accent1"/>
+            </a:fillRef>
+            <a:effectRef idx="0">
+              <a:schemeClr val="accent1"/>
+            </a:effectRef>
+            <a:fontRef idx="minor">
+              <a:schemeClr val="tx1"/>
+            </a:fontRef>
+          </p:style>
+        </p:cxnSp>
+        <p:cxnSp>
+          <p:nvCxnSpPr>
+            <p:cNvPr id="53" name="Straight Connector 52">
+              <a:extLst>
+                <a:ext uri="{FF2B5EF4-FFF2-40B4-BE49-F238E27FC236}">
+                  <a16:creationId xmlns:a16="http://schemas.microsoft.com/office/drawing/2014/main" id="{DD2B9773-76A6-3646-88AA-B2F1E1DD27F9}"/>
+                </a:ext>
+              </a:extLst>
+            </p:cNvPr>
+            <p:cNvCxnSpPr/>
+            <p:nvPr/>
+          </p:nvCxnSpPr>
+          <p:spPr>
+            <a:xfrm>
+              <a:off x="4082905" y="3296093"/>
+              <a:ext cx="0" cy="627321"/>
+            </a:xfrm>
+            <a:prstGeom prst="line">
+              <a:avLst/>
+            </a:prstGeom>
+            <a:ln w="22225">
+              <a:solidFill>
+                <a:schemeClr val="tx1"/>
+              </a:solidFill>
+            </a:ln>
+          </p:spPr>
+          <p:style>
+            <a:lnRef idx="1">
+              <a:schemeClr val="accent1"/>
+            </a:lnRef>
+            <a:fillRef idx="0">
+              <a:schemeClr val="accent1"/>
+            </a:fillRef>
+            <a:effectRef idx="0">
+              <a:schemeClr val="accent1"/>
+            </a:effectRef>
+            <a:fontRef idx="minor">
+              <a:schemeClr val="tx1"/>
+            </a:fontRef>
+          </p:style>
+        </p:cxnSp>
+        <p:cxnSp>
+          <p:nvCxnSpPr>
+            <p:cNvPr id="54" name="Straight Connector 53">
+              <a:extLst>
+                <a:ext uri="{FF2B5EF4-FFF2-40B4-BE49-F238E27FC236}">
+                  <a16:creationId xmlns:a16="http://schemas.microsoft.com/office/drawing/2014/main" id="{0337E5CE-5C9D-AB40-8011-2C15406C83E5}"/>
+                </a:ext>
+              </a:extLst>
+            </p:cNvPr>
+            <p:cNvCxnSpPr/>
+            <p:nvPr/>
+          </p:nvCxnSpPr>
+          <p:spPr>
+            <a:xfrm>
+              <a:off x="4327454" y="3281917"/>
+              <a:ext cx="0" cy="627321"/>
+            </a:xfrm>
+            <a:prstGeom prst="line">
+              <a:avLst/>
+            </a:prstGeom>
+            <a:ln w="22225">
+              <a:solidFill>
+                <a:schemeClr val="tx1"/>
+              </a:solidFill>
+            </a:ln>
+          </p:spPr>
+          <p:style>
+            <a:lnRef idx="1">
+              <a:schemeClr val="accent1"/>
+            </a:lnRef>
+            <a:fillRef idx="0">
+              <a:schemeClr val="accent1"/>
+            </a:fillRef>
+            <a:effectRef idx="0">
+              <a:schemeClr val="accent1"/>
+            </a:effectRef>
+            <a:fontRef idx="minor">
+              <a:schemeClr val="tx1"/>
+            </a:fontRef>
+          </p:style>
+        </p:cxnSp>
+        <p:cxnSp>
+          <p:nvCxnSpPr>
+            <p:cNvPr id="55" name="Straight Connector 54">
+              <a:extLst>
+                <a:ext uri="{FF2B5EF4-FFF2-40B4-BE49-F238E27FC236}">
+                  <a16:creationId xmlns:a16="http://schemas.microsoft.com/office/drawing/2014/main" id="{9B73D5AF-0393-1543-9A2E-57B79D86547C}"/>
+                </a:ext>
+              </a:extLst>
+            </p:cNvPr>
+            <p:cNvCxnSpPr/>
+            <p:nvPr/>
+          </p:nvCxnSpPr>
+          <p:spPr>
+            <a:xfrm>
+              <a:off x="4572003" y="3253563"/>
+              <a:ext cx="0" cy="627321"/>
+            </a:xfrm>
+            <a:prstGeom prst="line">
+              <a:avLst/>
+            </a:prstGeom>
+            <a:ln w="22225">
+              <a:solidFill>
+                <a:schemeClr val="tx1"/>
+              </a:solidFill>
+            </a:ln>
+          </p:spPr>
+          <p:style>
+            <a:lnRef idx="1">
+              <a:schemeClr val="accent1"/>
+            </a:lnRef>
+            <a:fillRef idx="0">
+              <a:schemeClr val="accent1"/>
+            </a:fillRef>
+            <a:effectRef idx="0">
+              <a:schemeClr val="accent1"/>
+            </a:effectRef>
+            <a:fontRef idx="minor">
+              <a:schemeClr val="tx1"/>
+            </a:fontRef>
+          </p:style>
+        </p:cxnSp>
+        <p:cxnSp>
+          <p:nvCxnSpPr>
+            <p:cNvPr id="56" name="Straight Connector 55">
+              <a:extLst>
+                <a:ext uri="{FF2B5EF4-FFF2-40B4-BE49-F238E27FC236}">
+                  <a16:creationId xmlns:a16="http://schemas.microsoft.com/office/drawing/2014/main" id="{6F40BD2F-5D91-0D47-8D61-235060E24F02}"/>
+                </a:ext>
+              </a:extLst>
+            </p:cNvPr>
+            <p:cNvCxnSpPr/>
+            <p:nvPr/>
+          </p:nvCxnSpPr>
+          <p:spPr>
+            <a:xfrm>
+              <a:off x="4816552" y="3235842"/>
+              <a:ext cx="0" cy="627321"/>
+            </a:xfrm>
+            <a:prstGeom prst="line">
+              <a:avLst/>
+            </a:prstGeom>
+            <a:ln w="22225">
+              <a:solidFill>
+                <a:schemeClr val="tx1"/>
+              </a:solidFill>
+            </a:ln>
+          </p:spPr>
+          <p:style>
+            <a:lnRef idx="1">
+              <a:schemeClr val="accent1"/>
+            </a:lnRef>
+            <a:fillRef idx="0">
+              <a:schemeClr val="accent1"/>
+            </a:fillRef>
+            <a:effectRef idx="0">
+              <a:schemeClr val="accent1"/>
+            </a:effectRef>
+            <a:fontRef idx="minor">
+              <a:schemeClr val="tx1"/>
+            </a:fontRef>
+          </p:style>
+        </p:cxnSp>
+        <p:cxnSp>
+          <p:nvCxnSpPr>
+            <p:cNvPr id="57" name="Straight Connector 56">
+              <a:extLst>
+                <a:ext uri="{FF2B5EF4-FFF2-40B4-BE49-F238E27FC236}">
+                  <a16:creationId xmlns:a16="http://schemas.microsoft.com/office/drawing/2014/main" id="{2C85DBC4-4012-EA4D-BCBF-D6673421AD0C}"/>
+                </a:ext>
+              </a:extLst>
+            </p:cNvPr>
+            <p:cNvCxnSpPr>
+              <a:cxnSpLocks/>
+            </p:cNvCxnSpPr>
+            <p:nvPr/>
+          </p:nvCxnSpPr>
+          <p:spPr>
+            <a:xfrm>
+              <a:off x="5061101" y="3239387"/>
+              <a:ext cx="0" cy="591878"/>
+            </a:xfrm>
+            <a:prstGeom prst="line">
+              <a:avLst/>
+            </a:prstGeom>
+            <a:ln w="22225">
+              <a:solidFill>
+                <a:schemeClr val="tx1"/>
+              </a:solidFill>
+            </a:ln>
+          </p:spPr>
+          <p:style>
+            <a:lnRef idx="1">
+              <a:schemeClr val="accent1"/>
+            </a:lnRef>
+            <a:fillRef idx="0">
+              <a:schemeClr val="accent1"/>
+            </a:fillRef>
+            <a:effectRef idx="0">
+              <a:schemeClr val="accent1"/>
+            </a:effectRef>
+            <a:fontRef idx="minor">
+              <a:schemeClr val="tx1"/>
+            </a:fontRef>
+          </p:style>
+        </p:cxnSp>
+        <p:cxnSp>
+          <p:nvCxnSpPr>
+            <p:cNvPr id="59" name="Straight Connector 58">
+              <a:extLst>
+                <a:ext uri="{FF2B5EF4-FFF2-40B4-BE49-F238E27FC236}">
+                  <a16:creationId xmlns:a16="http://schemas.microsoft.com/office/drawing/2014/main" id="{F1B604E0-EC08-FF49-824B-F224B88D3F8F}"/>
+                </a:ext>
+              </a:extLst>
+            </p:cNvPr>
+            <p:cNvCxnSpPr>
+              <a:cxnSpLocks/>
+            </p:cNvCxnSpPr>
+            <p:nvPr/>
+          </p:nvCxnSpPr>
+          <p:spPr>
+            <a:xfrm>
+              <a:off x="5305650" y="3211033"/>
+              <a:ext cx="0" cy="609600"/>
+            </a:xfrm>
+            <a:prstGeom prst="line">
+              <a:avLst/>
+            </a:prstGeom>
+            <a:ln w="22225">
+              <a:solidFill>
+                <a:schemeClr val="tx1"/>
+              </a:solidFill>
+            </a:ln>
+          </p:spPr>
+          <p:style>
+            <a:lnRef idx="1">
+              <a:schemeClr val="accent1"/>
+            </a:lnRef>
+            <a:fillRef idx="0">
+              <a:schemeClr val="accent1"/>
+            </a:fillRef>
+            <a:effectRef idx="0">
+              <a:schemeClr val="accent1"/>
+            </a:effectRef>
+            <a:fontRef idx="minor">
+              <a:schemeClr val="tx1"/>
+            </a:fontRef>
+          </p:style>
+        </p:cxnSp>
+        <p:cxnSp>
+          <p:nvCxnSpPr>
+            <p:cNvPr id="60" name="Straight Connector 59">
+              <a:extLst>
+                <a:ext uri="{FF2B5EF4-FFF2-40B4-BE49-F238E27FC236}">
+                  <a16:creationId xmlns:a16="http://schemas.microsoft.com/office/drawing/2014/main" id="{6B8CC59B-D493-0F46-ACD5-EC2A723EEB3D}"/>
+                </a:ext>
+              </a:extLst>
+            </p:cNvPr>
+            <p:cNvCxnSpPr>
+              <a:cxnSpLocks/>
+            </p:cNvCxnSpPr>
+            <p:nvPr/>
+          </p:nvCxnSpPr>
+          <p:spPr>
+            <a:xfrm>
+              <a:off x="5550199" y="3193312"/>
+              <a:ext cx="0" cy="616688"/>
+            </a:xfrm>
+            <a:prstGeom prst="line">
+              <a:avLst/>
+            </a:prstGeom>
+            <a:ln w="22225">
+              <a:solidFill>
+                <a:schemeClr val="tx1"/>
+              </a:solidFill>
+            </a:ln>
+          </p:spPr>
+          <p:style>
+            <a:lnRef idx="1">
+              <a:schemeClr val="accent1"/>
+            </a:lnRef>
+            <a:fillRef idx="0">
+              <a:schemeClr val="accent1"/>
+            </a:fillRef>
+            <a:effectRef idx="0">
+              <a:schemeClr val="accent1"/>
+            </a:effectRef>
+            <a:fontRef idx="minor">
+              <a:schemeClr val="tx1"/>
+            </a:fontRef>
+          </p:style>
+        </p:cxnSp>
+        <p:cxnSp>
+          <p:nvCxnSpPr>
+            <p:cNvPr id="61" name="Straight Connector 60">
+              <a:extLst>
+                <a:ext uri="{FF2B5EF4-FFF2-40B4-BE49-F238E27FC236}">
+                  <a16:creationId xmlns:a16="http://schemas.microsoft.com/office/drawing/2014/main" id="{3AC2EC6A-F3B6-FE4E-B5B6-76B0D33275C0}"/>
+                </a:ext>
+              </a:extLst>
+            </p:cNvPr>
+            <p:cNvCxnSpPr>
+              <a:cxnSpLocks/>
+            </p:cNvCxnSpPr>
+            <p:nvPr/>
+          </p:nvCxnSpPr>
+          <p:spPr>
+            <a:xfrm>
+              <a:off x="5794748" y="3179136"/>
+              <a:ext cx="0" cy="598967"/>
+            </a:xfrm>
+            <a:prstGeom prst="line">
+              <a:avLst/>
+            </a:prstGeom>
+            <a:ln w="22225">
+              <a:solidFill>
+                <a:schemeClr val="tx1"/>
+              </a:solidFill>
+            </a:ln>
+          </p:spPr>
+          <p:style>
+            <a:lnRef idx="1">
+              <a:schemeClr val="accent1"/>
+            </a:lnRef>
+            <a:fillRef idx="0">
+              <a:schemeClr val="accent1"/>
+            </a:fillRef>
+            <a:effectRef idx="0">
+              <a:schemeClr val="accent1"/>
+            </a:effectRef>
+            <a:fontRef idx="minor">
+              <a:schemeClr val="tx1"/>
+            </a:fontRef>
+          </p:style>
+        </p:cxnSp>
+        <p:cxnSp>
+          <p:nvCxnSpPr>
+            <p:cNvPr id="62" name="Straight Connector 61">
+              <a:extLst>
+                <a:ext uri="{FF2B5EF4-FFF2-40B4-BE49-F238E27FC236}">
+                  <a16:creationId xmlns:a16="http://schemas.microsoft.com/office/drawing/2014/main" id="{0262B14F-7368-B145-B22C-A2CF604379E7}"/>
+                </a:ext>
+              </a:extLst>
+            </p:cNvPr>
+            <p:cNvCxnSpPr>
+              <a:cxnSpLocks/>
+            </p:cNvCxnSpPr>
+            <p:nvPr/>
+          </p:nvCxnSpPr>
+          <p:spPr>
+            <a:xfrm>
+              <a:off x="6039297" y="3150782"/>
+              <a:ext cx="0" cy="606055"/>
+            </a:xfrm>
+            <a:prstGeom prst="line">
+              <a:avLst/>
+            </a:prstGeom>
+            <a:ln w="22225">
+              <a:solidFill>
+                <a:schemeClr val="tx1"/>
+              </a:solidFill>
+            </a:ln>
+          </p:spPr>
+          <p:style>
+            <a:lnRef idx="1">
+              <a:schemeClr val="accent1"/>
+            </a:lnRef>
+            <a:fillRef idx="0">
+              <a:schemeClr val="accent1"/>
+            </a:fillRef>
+            <a:effectRef idx="0">
+              <a:schemeClr val="accent1"/>
+            </a:effectRef>
+            <a:fontRef idx="minor">
+              <a:schemeClr val="tx1"/>
+            </a:fontRef>
+          </p:style>
+        </p:cxnSp>
+        <p:cxnSp>
+          <p:nvCxnSpPr>
+            <p:cNvPr id="63" name="Straight Connector 62">
+              <a:extLst>
+                <a:ext uri="{FF2B5EF4-FFF2-40B4-BE49-F238E27FC236}">
+                  <a16:creationId xmlns:a16="http://schemas.microsoft.com/office/drawing/2014/main" id="{1638E422-4DAE-3C4A-A699-5E58569CCCB0}"/>
+                </a:ext>
+              </a:extLst>
+            </p:cNvPr>
+            <p:cNvCxnSpPr>
+              <a:cxnSpLocks/>
+            </p:cNvCxnSpPr>
+            <p:nvPr/>
+          </p:nvCxnSpPr>
+          <p:spPr>
+            <a:xfrm>
+              <a:off x="6283846" y="3133061"/>
+              <a:ext cx="0" cy="613144"/>
+            </a:xfrm>
+            <a:prstGeom prst="line">
+              <a:avLst/>
+            </a:prstGeom>
+            <a:ln w="22225">
+              <a:solidFill>
+                <a:schemeClr val="tx1"/>
+              </a:solidFill>
+            </a:ln>
+          </p:spPr>
+          <p:style>
+            <a:lnRef idx="1">
+              <a:schemeClr val="accent1"/>
+            </a:lnRef>
+            <a:fillRef idx="0">
+              <a:schemeClr val="accent1"/>
+            </a:fillRef>
+            <a:effectRef idx="0">
+              <a:schemeClr val="accent1"/>
+            </a:effectRef>
+            <a:fontRef idx="minor">
+              <a:schemeClr val="tx1"/>
+            </a:fontRef>
+          </p:style>
+        </p:cxnSp>
+        <p:cxnSp>
+          <p:nvCxnSpPr>
+            <p:cNvPr id="64" name="Straight Connector 63">
+              <a:extLst>
+                <a:ext uri="{FF2B5EF4-FFF2-40B4-BE49-F238E27FC236}">
+                  <a16:creationId xmlns:a16="http://schemas.microsoft.com/office/drawing/2014/main" id="{25D21134-F5DE-AC48-ABF7-B24EF43BA093}"/>
+                </a:ext>
+              </a:extLst>
+            </p:cNvPr>
+            <p:cNvCxnSpPr/>
+            <p:nvPr/>
+          </p:nvCxnSpPr>
+          <p:spPr>
+            <a:xfrm>
+              <a:off x="6528395" y="3108251"/>
+              <a:ext cx="0" cy="627321"/>
+            </a:xfrm>
+            <a:prstGeom prst="line">
+              <a:avLst/>
+            </a:prstGeom>
+            <a:ln w="22225">
+              <a:solidFill>
+                <a:schemeClr val="tx1"/>
+              </a:solidFill>
+            </a:ln>
+          </p:spPr>
+          <p:style>
+            <a:lnRef idx="1">
+              <a:schemeClr val="accent1"/>
+            </a:lnRef>
+            <a:fillRef idx="0">
+              <a:schemeClr val="accent1"/>
+            </a:fillRef>
+            <a:effectRef idx="0">
+              <a:schemeClr val="accent1"/>
+            </a:effectRef>
+            <a:fontRef idx="minor">
+              <a:schemeClr val="tx1"/>
+            </a:fontRef>
+          </p:style>
+        </p:cxnSp>
+        <p:cxnSp>
+          <p:nvCxnSpPr>
+            <p:cNvPr id="65" name="Straight Connector 64">
+              <a:extLst>
+                <a:ext uri="{FF2B5EF4-FFF2-40B4-BE49-F238E27FC236}">
+                  <a16:creationId xmlns:a16="http://schemas.microsoft.com/office/drawing/2014/main" id="{65383749-B114-D84B-9D05-EB4832C3F00A}"/>
+                </a:ext>
+              </a:extLst>
+            </p:cNvPr>
+            <p:cNvCxnSpPr/>
+            <p:nvPr/>
+          </p:nvCxnSpPr>
+          <p:spPr>
+            <a:xfrm>
+              <a:off x="6772944" y="3079897"/>
+              <a:ext cx="0" cy="627321"/>
+            </a:xfrm>
+            <a:prstGeom prst="line">
+              <a:avLst/>
+            </a:prstGeom>
+            <a:ln w="22225">
+              <a:solidFill>
+                <a:schemeClr val="tx1"/>
+              </a:solidFill>
+            </a:ln>
+          </p:spPr>
+          <p:style>
+            <a:lnRef idx="1">
+              <a:schemeClr val="accent1"/>
+            </a:lnRef>
+            <a:fillRef idx="0">
+              <a:schemeClr val="accent1"/>
+            </a:fillRef>
+            <a:effectRef idx="0">
+              <a:schemeClr val="accent1"/>
+            </a:effectRef>
+            <a:fontRef idx="minor">
+              <a:schemeClr val="tx1"/>
+            </a:fontRef>
+          </p:style>
+        </p:cxnSp>
+        <p:cxnSp>
+          <p:nvCxnSpPr>
+            <p:cNvPr id="66" name="Straight Connector 65">
+              <a:extLst>
+                <a:ext uri="{FF2B5EF4-FFF2-40B4-BE49-F238E27FC236}">
+                  <a16:creationId xmlns:a16="http://schemas.microsoft.com/office/drawing/2014/main" id="{7A30BC4E-6E7D-8943-B720-3B79CF6900D3}"/>
+                </a:ext>
+              </a:extLst>
+            </p:cNvPr>
+            <p:cNvCxnSpPr/>
+            <p:nvPr/>
+          </p:nvCxnSpPr>
+          <p:spPr>
+            <a:xfrm>
+              <a:off x="7017493" y="3062176"/>
+              <a:ext cx="0" cy="627321"/>
+            </a:xfrm>
+            <a:prstGeom prst="line">
+              <a:avLst/>
+            </a:prstGeom>
+            <a:ln w="22225">
+              <a:solidFill>
+                <a:schemeClr val="tx1"/>
+              </a:solidFill>
+            </a:ln>
+          </p:spPr>
+          <p:style>
+            <a:lnRef idx="1">
+              <a:schemeClr val="accent1"/>
+            </a:lnRef>
+            <a:fillRef idx="0">
+              <a:schemeClr val="accent1"/>
+            </a:fillRef>
+            <a:effectRef idx="0">
+              <a:schemeClr val="accent1"/>
+            </a:effectRef>
+            <a:fontRef idx="minor">
+              <a:schemeClr val="tx1"/>
+            </a:fontRef>
+          </p:style>
+        </p:cxnSp>
+        <p:cxnSp>
+          <p:nvCxnSpPr>
+            <p:cNvPr id="67" name="Straight Connector 66">
+              <a:extLst>
+                <a:ext uri="{FF2B5EF4-FFF2-40B4-BE49-F238E27FC236}">
+                  <a16:creationId xmlns:a16="http://schemas.microsoft.com/office/drawing/2014/main" id="{96E465D2-A106-B941-A1D1-DD48C58F2842}"/>
+                </a:ext>
+              </a:extLst>
+            </p:cNvPr>
+            <p:cNvCxnSpPr/>
+            <p:nvPr/>
+          </p:nvCxnSpPr>
+          <p:spPr>
+            <a:xfrm>
+              <a:off x="7262042" y="3048000"/>
+              <a:ext cx="0" cy="627321"/>
+            </a:xfrm>
+            <a:prstGeom prst="line">
+              <a:avLst/>
+            </a:prstGeom>
+            <a:ln w="22225">
+              <a:solidFill>
+                <a:schemeClr val="tx1"/>
+              </a:solidFill>
+            </a:ln>
+          </p:spPr>
+          <p:style>
+            <a:lnRef idx="1">
+              <a:schemeClr val="accent1"/>
+            </a:lnRef>
+            <a:fillRef idx="0">
+              <a:schemeClr val="accent1"/>
+            </a:fillRef>
+            <a:effectRef idx="0">
+              <a:schemeClr val="accent1"/>
+            </a:effectRef>
+            <a:fontRef idx="minor">
+              <a:schemeClr val="tx1"/>
+            </a:fontRef>
+          </p:style>
+        </p:cxnSp>
+        <p:cxnSp>
+          <p:nvCxnSpPr>
+            <p:cNvPr id="68" name="Straight Connector 67">
+              <a:extLst>
+                <a:ext uri="{FF2B5EF4-FFF2-40B4-BE49-F238E27FC236}">
+                  <a16:creationId xmlns:a16="http://schemas.microsoft.com/office/drawing/2014/main" id="{6D3551C7-ABA2-5544-A2E7-2044172BD8FE}"/>
+                </a:ext>
+              </a:extLst>
+            </p:cNvPr>
+            <p:cNvCxnSpPr/>
+            <p:nvPr/>
+          </p:nvCxnSpPr>
+          <p:spPr>
+            <a:xfrm>
+              <a:off x="7506586" y="3019646"/>
+              <a:ext cx="0" cy="627321"/>
+            </a:xfrm>
+            <a:prstGeom prst="line">
+              <a:avLst/>
+            </a:prstGeom>
+            <a:ln w="22225">
+              <a:solidFill>
+                <a:schemeClr val="tx1"/>
+              </a:solidFill>
+            </a:ln>
+          </p:spPr>
+          <p:style>
+            <a:lnRef idx="1">
+              <a:schemeClr val="accent1"/>
+            </a:lnRef>
+            <a:fillRef idx="0">
+              <a:schemeClr val="accent1"/>
+            </a:fillRef>
+            <a:effectRef idx="0">
+              <a:schemeClr val="accent1"/>
+            </a:effectRef>
+            <a:fontRef idx="minor">
+              <a:schemeClr val="tx1"/>
+            </a:fontRef>
+          </p:style>
+        </p:cxnSp>
+      </p:grpSp>
+      <p:sp>
+        <p:nvSpPr>
+          <p:cNvPr id="95" name="Freeform 94">
+            <a:extLst>
+              <a:ext uri="{FF2B5EF4-FFF2-40B4-BE49-F238E27FC236}">
+                <a16:creationId xmlns:a16="http://schemas.microsoft.com/office/drawing/2014/main" id="{C4256866-2DC2-1D41-9AED-07572984AAE2}"/>
+              </a:ext>
+            </a:extLst>
+          </p:cNvPr>
+          <p:cNvSpPr/>
+          <p:nvPr/>
+        </p:nvSpPr>
+        <p:spPr>
+          <a:xfrm>
+            <a:off x="5603354" y="3370526"/>
+            <a:ext cx="162383" cy="255175"/>
+          </a:xfrm>
+          <a:custGeom>
+            <a:avLst/>
+            <a:gdLst>
+              <a:gd name="connsiteX0" fmla="*/ 0 w 116958"/>
+              <a:gd name="connsiteY0" fmla="*/ 127590 h 159488"/>
+              <a:gd name="connsiteX1" fmla="*/ 0 w 116958"/>
+              <a:gd name="connsiteY1" fmla="*/ 127590 h 159488"/>
+              <a:gd name="connsiteX2" fmla="*/ 10632 w 116958"/>
+              <a:gd name="connsiteY2" fmla="*/ 0 h 159488"/>
+              <a:gd name="connsiteX3" fmla="*/ 74428 w 116958"/>
+              <a:gd name="connsiteY3" fmla="*/ 0 h 159488"/>
+              <a:gd name="connsiteX4" fmla="*/ 116958 w 116958"/>
+              <a:gd name="connsiteY4" fmla="*/ 53162 h 159488"/>
+              <a:gd name="connsiteX5" fmla="*/ 74428 w 116958"/>
+              <a:gd name="connsiteY5" fmla="*/ 159488 h 159488"/>
+            </a:gdLst>
+            <a:ahLst/>
+            <a:cxnLst>
+              <a:cxn ang="0">
+                <a:pos x="connsiteX0" y="connsiteY0"/>
+              </a:cxn>
+              <a:cxn ang="0">
+                <a:pos x="connsiteX1" y="connsiteY1"/>
+              </a:cxn>
+              <a:cxn ang="0">
+                <a:pos x="connsiteX2" y="connsiteY2"/>
+              </a:cxn>
+              <a:cxn ang="0">
+                <a:pos x="connsiteX3" y="connsiteY3"/>
+              </a:cxn>
+              <a:cxn ang="0">
+                <a:pos x="connsiteX4" y="connsiteY4"/>
+              </a:cxn>
+              <a:cxn ang="0">
+                <a:pos x="connsiteX5" y="connsiteY5"/>
+              </a:cxn>
+            </a:cxnLst>
+            <a:rect l="l" t="t" r="r" b="b"/>
+            <a:pathLst>
+              <a:path w="116958" h="159488">
+                <a:moveTo>
+                  <a:pt x="0" y="127590"/>
+                </a:moveTo>
+                <a:lnTo>
+                  <a:pt x="0" y="127590"/>
+                </a:lnTo>
+                <a:lnTo>
+                  <a:pt x="10632" y="0"/>
+                </a:lnTo>
+                <a:lnTo>
+                  <a:pt x="74428" y="0"/>
+                </a:lnTo>
+                <a:lnTo>
+                  <a:pt x="116958" y="53162"/>
+                </a:lnTo>
+                <a:lnTo>
+                  <a:pt x="74428" y="159488"/>
+                </a:lnTo>
+              </a:path>
+            </a:pathLst>
+          </a:custGeom>
           <a:solidFill>
-            <a:schemeClr val="bg2">
-              <a:lumMod val="75000"/>
-            </a:schemeClr>
+            <a:schemeClr val="tx1"/>
           </a:solidFill>
-          <a:ln w="22225">
+          <a:ln>
             <a:noFill/>
           </a:ln>
         </p:spPr>
@@ -6620,10 +9243,10 @@
       </p:sp>
       <p:sp>
         <p:nvSpPr>
-          <p:cNvPr id="58" name="Freeform 57">
+          <p:cNvPr id="26" name="Freeform 25">
             <a:extLst>
               <a:ext uri="{FF2B5EF4-FFF2-40B4-BE49-F238E27FC236}">
-                <a16:creationId xmlns:a16="http://schemas.microsoft.com/office/drawing/2014/main" id="{3CAFFC94-646B-B94D-8FE0-F1A65F4A8F2E}"/>
+                <a16:creationId xmlns:a16="http://schemas.microsoft.com/office/drawing/2014/main" id="{DCA25A48-BCBC-6141-889F-24101B7D54EE}"/>
               </a:ext>
             </a:extLst>
           </p:cNvPr>
@@ -6632,8 +9255,118 @@
         </p:nvSpPr>
         <p:spPr>
           <a:xfrm>
-            <a:off x="5161675" y="1081587"/>
-            <a:ext cx="1234823" cy="558179"/>
+            <a:off x="6379532" y="2647509"/>
+            <a:ext cx="148855" cy="233916"/>
+          </a:xfrm>
+          <a:custGeom>
+            <a:avLst/>
+            <a:gdLst>
+              <a:gd name="connsiteX0" fmla="*/ 0 w 116958"/>
+              <a:gd name="connsiteY0" fmla="*/ 127590 h 159488"/>
+              <a:gd name="connsiteX1" fmla="*/ 0 w 116958"/>
+              <a:gd name="connsiteY1" fmla="*/ 127590 h 159488"/>
+              <a:gd name="connsiteX2" fmla="*/ 10632 w 116958"/>
+              <a:gd name="connsiteY2" fmla="*/ 0 h 159488"/>
+              <a:gd name="connsiteX3" fmla="*/ 74428 w 116958"/>
+              <a:gd name="connsiteY3" fmla="*/ 0 h 159488"/>
+              <a:gd name="connsiteX4" fmla="*/ 116958 w 116958"/>
+              <a:gd name="connsiteY4" fmla="*/ 53162 h 159488"/>
+              <a:gd name="connsiteX5" fmla="*/ 74428 w 116958"/>
+              <a:gd name="connsiteY5" fmla="*/ 159488 h 159488"/>
+            </a:gdLst>
+            <a:ahLst/>
+            <a:cxnLst>
+              <a:cxn ang="0">
+                <a:pos x="connsiteX0" y="connsiteY0"/>
+              </a:cxn>
+              <a:cxn ang="0">
+                <a:pos x="connsiteX1" y="connsiteY1"/>
+              </a:cxn>
+              <a:cxn ang="0">
+                <a:pos x="connsiteX2" y="connsiteY2"/>
+              </a:cxn>
+              <a:cxn ang="0">
+                <a:pos x="connsiteX3" y="connsiteY3"/>
+              </a:cxn>
+              <a:cxn ang="0">
+                <a:pos x="connsiteX4" y="connsiteY4"/>
+              </a:cxn>
+              <a:cxn ang="0">
+                <a:pos x="connsiteX5" y="connsiteY5"/>
+              </a:cxn>
+            </a:cxnLst>
+            <a:rect l="l" t="t" r="r" b="b"/>
+            <a:pathLst>
+              <a:path w="116958" h="159488">
+                <a:moveTo>
+                  <a:pt x="0" y="127590"/>
+                </a:moveTo>
+                <a:lnTo>
+                  <a:pt x="0" y="127590"/>
+                </a:lnTo>
+                <a:lnTo>
+                  <a:pt x="10632" y="0"/>
+                </a:lnTo>
+                <a:lnTo>
+                  <a:pt x="74428" y="0"/>
+                </a:lnTo>
+                <a:lnTo>
+                  <a:pt x="116958" y="53162"/>
+                </a:lnTo>
+                <a:lnTo>
+                  <a:pt x="74428" y="159488"/>
+                </a:lnTo>
+              </a:path>
+            </a:pathLst>
+          </a:custGeom>
+          <a:solidFill>
+            <a:schemeClr val="tx1"/>
+          </a:solidFill>
+          <a:ln>
+            <a:noFill/>
+          </a:ln>
+        </p:spPr>
+        <p:style>
+          <a:lnRef idx="2">
+            <a:schemeClr val="accent1">
+              <a:shade val="50000"/>
+            </a:schemeClr>
+          </a:lnRef>
+          <a:fillRef idx="1">
+            <a:schemeClr val="accent1"/>
+          </a:fillRef>
+          <a:effectRef idx="0">
+            <a:schemeClr val="accent1"/>
+          </a:effectRef>
+          <a:fontRef idx="minor">
+            <a:schemeClr val="lt1"/>
+          </a:fontRef>
+        </p:style>
+        <p:txBody>
+          <a:bodyPr rtlCol="0" anchor="ctr"/>
+          <a:lstStyle/>
+          <a:p>
+            <a:pPr algn="ctr"/>
+            <a:endParaRPr lang="en-US"/>
+          </a:p>
+        </p:txBody>
+      </p:sp>
+      <p:sp>
+        <p:nvSpPr>
+          <p:cNvPr id="12" name="Freeform 11">
+            <a:extLst>
+              <a:ext uri="{FF2B5EF4-FFF2-40B4-BE49-F238E27FC236}">
+                <a16:creationId xmlns:a16="http://schemas.microsoft.com/office/drawing/2014/main" id="{6BBDCA4A-4EE7-6E47-815A-655919AD85A7}"/>
+              </a:ext>
+            </a:extLst>
+          </p:cNvPr>
+          <p:cNvSpPr/>
+          <p:nvPr/>
+        </p:nvSpPr>
+        <p:spPr>
+          <a:xfrm>
+            <a:off x="5018567" y="998303"/>
+            <a:ext cx="1372024" cy="620198"/>
           </a:xfrm>
           <a:custGeom>
             <a:avLst/>
@@ -7059,11 +9792,16 @@
               </a:path>
             </a:pathLst>
           </a:custGeom>
-          <a:solidFill>
-            <a:schemeClr val="bg2">
-              <a:lumMod val="75000"/>
-            </a:schemeClr>
-          </a:solidFill>
+          <a:pattFill prst="pct10">
+            <a:fgClr>
+              <a:schemeClr val="bg2">
+                <a:lumMod val="75000"/>
+              </a:schemeClr>
+            </a:fgClr>
+            <a:bgClr>
+              <a:schemeClr val="bg1"/>
+            </a:bgClr>
+          </a:pattFill>
           <a:ln w="22225">
             <a:noFill/>
           </a:ln>
@@ -7093,12 +9831,1302 @@
           </a:p>
         </p:txBody>
       </p:sp>
+      <p:grpSp>
+        <p:nvGrpSpPr>
+          <p:cNvPr id="13" name="Group 12">
+            <a:extLst>
+              <a:ext uri="{FF2B5EF4-FFF2-40B4-BE49-F238E27FC236}">
+                <a16:creationId xmlns:a16="http://schemas.microsoft.com/office/drawing/2014/main" id="{D2F9F8D3-D950-7D4A-83D6-67D19F5017BF}"/>
+              </a:ext>
+            </a:extLst>
+          </p:cNvPr>
+          <p:cNvGrpSpPr/>
+          <p:nvPr/>
+        </p:nvGrpSpPr>
+        <p:grpSpPr>
+          <a:xfrm>
+            <a:off x="404038" y="2200938"/>
+            <a:ext cx="8410354" cy="1403498"/>
+            <a:chOff x="493900" y="3019646"/>
+            <a:chExt cx="7233806" cy="1201480"/>
+          </a:xfrm>
+        </p:grpSpPr>
+        <p:sp>
+          <p:nvSpPr>
+            <p:cNvPr id="14" name="Parallelogram 13">
+              <a:extLst>
+                <a:ext uri="{FF2B5EF4-FFF2-40B4-BE49-F238E27FC236}">
+                  <a16:creationId xmlns:a16="http://schemas.microsoft.com/office/drawing/2014/main" id="{34667A8E-818C-FC46-813B-65C2EF2462C0}"/>
+                </a:ext>
+              </a:extLst>
+            </p:cNvPr>
+            <p:cNvSpPr/>
+            <p:nvPr/>
+          </p:nvSpPr>
+          <p:spPr>
+            <a:xfrm rot="10525432">
+              <a:off x="493900" y="3316100"/>
+              <a:ext cx="7233806" cy="609776"/>
+            </a:xfrm>
+            <a:prstGeom prst="parallelogram">
+              <a:avLst>
+                <a:gd name="adj" fmla="val 9124"/>
+              </a:avLst>
+            </a:prstGeom>
+            <a:solidFill>
+              <a:schemeClr val="bg1"/>
+            </a:solidFill>
+            <a:ln w="22225">
+              <a:solidFill>
+                <a:schemeClr val="tx1"/>
+              </a:solidFill>
+            </a:ln>
+          </p:spPr>
+          <p:style>
+            <a:lnRef idx="2">
+              <a:schemeClr val="accent1">
+                <a:shade val="50000"/>
+              </a:schemeClr>
+            </a:lnRef>
+            <a:fillRef idx="1">
+              <a:schemeClr val="accent1"/>
+            </a:fillRef>
+            <a:effectRef idx="0">
+              <a:schemeClr val="accent1"/>
+            </a:effectRef>
+            <a:fontRef idx="minor">
+              <a:schemeClr val="lt1"/>
+            </a:fontRef>
+          </p:style>
+          <p:txBody>
+            <a:bodyPr rtlCol="0" anchor="ctr"/>
+            <a:lstStyle/>
+            <a:p>
+              <a:pPr algn="ctr"/>
+              <a:endParaRPr lang="en-US"/>
+            </a:p>
+          </p:txBody>
+        </p:sp>
+        <p:cxnSp>
+          <p:nvCxnSpPr>
+            <p:cNvPr id="15" name="Straight Connector 14">
+              <a:extLst>
+                <a:ext uri="{FF2B5EF4-FFF2-40B4-BE49-F238E27FC236}">
+                  <a16:creationId xmlns:a16="http://schemas.microsoft.com/office/drawing/2014/main" id="{12847773-B9DA-104F-86E2-B168098C5FDB}"/>
+                </a:ext>
+              </a:extLst>
+            </p:cNvPr>
+            <p:cNvCxnSpPr/>
+            <p:nvPr/>
+          </p:nvCxnSpPr>
+          <p:spPr>
+            <a:xfrm>
+              <a:off x="659219" y="3593805"/>
+              <a:ext cx="0" cy="627321"/>
+            </a:xfrm>
+            <a:prstGeom prst="line">
+              <a:avLst/>
+            </a:prstGeom>
+            <a:ln w="22225">
+              <a:solidFill>
+                <a:schemeClr val="tx1"/>
+              </a:solidFill>
+            </a:ln>
+          </p:spPr>
+          <p:style>
+            <a:lnRef idx="1">
+              <a:schemeClr val="accent1"/>
+            </a:lnRef>
+            <a:fillRef idx="0">
+              <a:schemeClr val="accent1"/>
+            </a:fillRef>
+            <a:effectRef idx="0">
+              <a:schemeClr val="accent1"/>
+            </a:effectRef>
+            <a:fontRef idx="minor">
+              <a:schemeClr val="tx1"/>
+            </a:fontRef>
+          </p:style>
+        </p:cxnSp>
+        <p:cxnSp>
+          <p:nvCxnSpPr>
+            <p:cNvPr id="16" name="Straight Connector 15">
+              <a:extLst>
+                <a:ext uri="{FF2B5EF4-FFF2-40B4-BE49-F238E27FC236}">
+                  <a16:creationId xmlns:a16="http://schemas.microsoft.com/office/drawing/2014/main" id="{73FAA1C4-3150-3E44-86AB-6F6303CE5D5F}"/>
+                </a:ext>
+              </a:extLst>
+            </p:cNvPr>
+            <p:cNvCxnSpPr/>
+            <p:nvPr/>
+          </p:nvCxnSpPr>
+          <p:spPr>
+            <a:xfrm>
+              <a:off x="903768" y="3565451"/>
+              <a:ext cx="0" cy="627321"/>
+            </a:xfrm>
+            <a:prstGeom prst="line">
+              <a:avLst/>
+            </a:prstGeom>
+            <a:ln w="22225">
+              <a:solidFill>
+                <a:schemeClr val="tx1"/>
+              </a:solidFill>
+            </a:ln>
+          </p:spPr>
+          <p:style>
+            <a:lnRef idx="1">
+              <a:schemeClr val="accent1"/>
+            </a:lnRef>
+            <a:fillRef idx="0">
+              <a:schemeClr val="accent1"/>
+            </a:fillRef>
+            <a:effectRef idx="0">
+              <a:schemeClr val="accent1"/>
+            </a:effectRef>
+            <a:fontRef idx="minor">
+              <a:schemeClr val="tx1"/>
+            </a:fontRef>
+          </p:style>
+        </p:cxnSp>
+        <p:cxnSp>
+          <p:nvCxnSpPr>
+            <p:cNvPr id="17" name="Straight Connector 16">
+              <a:extLst>
+                <a:ext uri="{FF2B5EF4-FFF2-40B4-BE49-F238E27FC236}">
+                  <a16:creationId xmlns:a16="http://schemas.microsoft.com/office/drawing/2014/main" id="{10594FFC-4D6B-F447-B256-5E431C005D7E}"/>
+                </a:ext>
+              </a:extLst>
+            </p:cNvPr>
+            <p:cNvCxnSpPr/>
+            <p:nvPr/>
+          </p:nvCxnSpPr>
+          <p:spPr>
+            <a:xfrm>
+              <a:off x="1148317" y="3547730"/>
+              <a:ext cx="0" cy="627321"/>
+            </a:xfrm>
+            <a:prstGeom prst="line">
+              <a:avLst/>
+            </a:prstGeom>
+            <a:ln w="22225">
+              <a:solidFill>
+                <a:schemeClr val="tx1"/>
+              </a:solidFill>
+            </a:ln>
+          </p:spPr>
+          <p:style>
+            <a:lnRef idx="1">
+              <a:schemeClr val="accent1"/>
+            </a:lnRef>
+            <a:fillRef idx="0">
+              <a:schemeClr val="accent1"/>
+            </a:fillRef>
+            <a:effectRef idx="0">
+              <a:schemeClr val="accent1"/>
+            </a:effectRef>
+            <a:fontRef idx="minor">
+              <a:schemeClr val="tx1"/>
+            </a:fontRef>
+          </p:style>
+        </p:cxnSp>
+        <p:cxnSp>
+          <p:nvCxnSpPr>
+            <p:cNvPr id="18" name="Straight Connector 17">
+              <a:extLst>
+                <a:ext uri="{FF2B5EF4-FFF2-40B4-BE49-F238E27FC236}">
+                  <a16:creationId xmlns:a16="http://schemas.microsoft.com/office/drawing/2014/main" id="{461EB33B-9AE6-764A-8A7D-05C09E06E672}"/>
+                </a:ext>
+              </a:extLst>
+            </p:cNvPr>
+            <p:cNvCxnSpPr/>
+            <p:nvPr/>
+          </p:nvCxnSpPr>
+          <p:spPr>
+            <a:xfrm>
+              <a:off x="1392866" y="3533554"/>
+              <a:ext cx="0" cy="627321"/>
+            </a:xfrm>
+            <a:prstGeom prst="line">
+              <a:avLst/>
+            </a:prstGeom>
+            <a:ln w="22225">
+              <a:solidFill>
+                <a:schemeClr val="tx1"/>
+              </a:solidFill>
+            </a:ln>
+          </p:spPr>
+          <p:style>
+            <a:lnRef idx="1">
+              <a:schemeClr val="accent1"/>
+            </a:lnRef>
+            <a:fillRef idx="0">
+              <a:schemeClr val="accent1"/>
+            </a:fillRef>
+            <a:effectRef idx="0">
+              <a:schemeClr val="accent1"/>
+            </a:effectRef>
+            <a:fontRef idx="minor">
+              <a:schemeClr val="tx1"/>
+            </a:fontRef>
+          </p:style>
+        </p:cxnSp>
+        <p:cxnSp>
+          <p:nvCxnSpPr>
+            <p:cNvPr id="19" name="Straight Connector 18">
+              <a:extLst>
+                <a:ext uri="{FF2B5EF4-FFF2-40B4-BE49-F238E27FC236}">
+                  <a16:creationId xmlns:a16="http://schemas.microsoft.com/office/drawing/2014/main" id="{695CD064-CB3C-7B47-8769-ECF0E036566A}"/>
+                </a:ext>
+              </a:extLst>
+            </p:cNvPr>
+            <p:cNvCxnSpPr/>
+            <p:nvPr/>
+          </p:nvCxnSpPr>
+          <p:spPr>
+            <a:xfrm>
+              <a:off x="1637415" y="3505200"/>
+              <a:ext cx="0" cy="627321"/>
+            </a:xfrm>
+            <a:prstGeom prst="line">
+              <a:avLst/>
+            </a:prstGeom>
+            <a:ln w="22225">
+              <a:solidFill>
+                <a:schemeClr val="tx1"/>
+              </a:solidFill>
+            </a:ln>
+          </p:spPr>
+          <p:style>
+            <a:lnRef idx="1">
+              <a:schemeClr val="accent1"/>
+            </a:lnRef>
+            <a:fillRef idx="0">
+              <a:schemeClr val="accent1"/>
+            </a:fillRef>
+            <a:effectRef idx="0">
+              <a:schemeClr val="accent1"/>
+            </a:effectRef>
+            <a:fontRef idx="minor">
+              <a:schemeClr val="tx1"/>
+            </a:fontRef>
+          </p:style>
+        </p:cxnSp>
+        <p:cxnSp>
+          <p:nvCxnSpPr>
+            <p:cNvPr id="20" name="Straight Connector 19">
+              <a:extLst>
+                <a:ext uri="{FF2B5EF4-FFF2-40B4-BE49-F238E27FC236}">
+                  <a16:creationId xmlns:a16="http://schemas.microsoft.com/office/drawing/2014/main" id="{B988679C-5023-374E-B4C3-621E034702BA}"/>
+                </a:ext>
+              </a:extLst>
+            </p:cNvPr>
+            <p:cNvCxnSpPr/>
+            <p:nvPr/>
+          </p:nvCxnSpPr>
+          <p:spPr>
+            <a:xfrm>
+              <a:off x="1881964" y="3487479"/>
+              <a:ext cx="0" cy="627321"/>
+            </a:xfrm>
+            <a:prstGeom prst="line">
+              <a:avLst/>
+            </a:prstGeom>
+            <a:ln w="22225">
+              <a:solidFill>
+                <a:schemeClr val="tx1"/>
+              </a:solidFill>
+            </a:ln>
+          </p:spPr>
+          <p:style>
+            <a:lnRef idx="1">
+              <a:schemeClr val="accent1"/>
+            </a:lnRef>
+            <a:fillRef idx="0">
+              <a:schemeClr val="accent1"/>
+            </a:fillRef>
+            <a:effectRef idx="0">
+              <a:schemeClr val="accent1"/>
+            </a:effectRef>
+            <a:fontRef idx="minor">
+              <a:schemeClr val="tx1"/>
+            </a:fontRef>
+          </p:style>
+        </p:cxnSp>
+        <p:cxnSp>
+          <p:nvCxnSpPr>
+            <p:cNvPr id="21" name="Straight Connector 20">
+              <a:extLst>
+                <a:ext uri="{FF2B5EF4-FFF2-40B4-BE49-F238E27FC236}">
+                  <a16:creationId xmlns:a16="http://schemas.microsoft.com/office/drawing/2014/main" id="{5072B806-F6A8-0140-B833-8DB932AA6AC6}"/>
+                </a:ext>
+              </a:extLst>
+            </p:cNvPr>
+            <p:cNvCxnSpPr>
+              <a:cxnSpLocks/>
+            </p:cNvCxnSpPr>
+            <p:nvPr/>
+          </p:nvCxnSpPr>
+          <p:spPr>
+            <a:xfrm>
+              <a:off x="2126513" y="3491024"/>
+              <a:ext cx="0" cy="591878"/>
+            </a:xfrm>
+            <a:prstGeom prst="line">
+              <a:avLst/>
+            </a:prstGeom>
+            <a:ln w="22225">
+              <a:solidFill>
+                <a:schemeClr val="tx1"/>
+              </a:solidFill>
+            </a:ln>
+          </p:spPr>
+          <p:style>
+            <a:lnRef idx="1">
+              <a:schemeClr val="accent1"/>
+            </a:lnRef>
+            <a:fillRef idx="0">
+              <a:schemeClr val="accent1"/>
+            </a:fillRef>
+            <a:effectRef idx="0">
+              <a:schemeClr val="accent1"/>
+            </a:effectRef>
+            <a:fontRef idx="minor">
+              <a:schemeClr val="tx1"/>
+            </a:fontRef>
+          </p:style>
+        </p:cxnSp>
+        <p:cxnSp>
+          <p:nvCxnSpPr>
+            <p:cNvPr id="22" name="Straight Connector 21">
+              <a:extLst>
+                <a:ext uri="{FF2B5EF4-FFF2-40B4-BE49-F238E27FC236}">
+                  <a16:creationId xmlns:a16="http://schemas.microsoft.com/office/drawing/2014/main" id="{E988C7FA-4B9A-AA47-8202-4D95CBBD6F3A}"/>
+                </a:ext>
+              </a:extLst>
+            </p:cNvPr>
+            <p:cNvCxnSpPr>
+              <a:cxnSpLocks/>
+            </p:cNvCxnSpPr>
+            <p:nvPr/>
+          </p:nvCxnSpPr>
+          <p:spPr>
+            <a:xfrm>
+              <a:off x="2371062" y="3462670"/>
+              <a:ext cx="0" cy="609600"/>
+            </a:xfrm>
+            <a:prstGeom prst="line">
+              <a:avLst/>
+            </a:prstGeom>
+            <a:ln w="22225">
+              <a:solidFill>
+                <a:schemeClr val="tx1"/>
+              </a:solidFill>
+            </a:ln>
+          </p:spPr>
+          <p:style>
+            <a:lnRef idx="1">
+              <a:schemeClr val="accent1"/>
+            </a:lnRef>
+            <a:fillRef idx="0">
+              <a:schemeClr val="accent1"/>
+            </a:fillRef>
+            <a:effectRef idx="0">
+              <a:schemeClr val="accent1"/>
+            </a:effectRef>
+            <a:fontRef idx="minor">
+              <a:schemeClr val="tx1"/>
+            </a:fontRef>
+          </p:style>
+        </p:cxnSp>
+        <p:cxnSp>
+          <p:nvCxnSpPr>
+            <p:cNvPr id="23" name="Straight Connector 22">
+              <a:extLst>
+                <a:ext uri="{FF2B5EF4-FFF2-40B4-BE49-F238E27FC236}">
+                  <a16:creationId xmlns:a16="http://schemas.microsoft.com/office/drawing/2014/main" id="{D7F5C51A-EE0C-684F-9BA7-9028DB663BED}"/>
+                </a:ext>
+              </a:extLst>
+            </p:cNvPr>
+            <p:cNvCxnSpPr>
+              <a:cxnSpLocks/>
+            </p:cNvCxnSpPr>
+            <p:nvPr/>
+          </p:nvCxnSpPr>
+          <p:spPr>
+            <a:xfrm>
+              <a:off x="2615611" y="3444949"/>
+              <a:ext cx="0" cy="616688"/>
+            </a:xfrm>
+            <a:prstGeom prst="line">
+              <a:avLst/>
+            </a:prstGeom>
+            <a:ln w="22225">
+              <a:solidFill>
+                <a:schemeClr val="tx1"/>
+              </a:solidFill>
+            </a:ln>
+          </p:spPr>
+          <p:style>
+            <a:lnRef idx="1">
+              <a:schemeClr val="accent1"/>
+            </a:lnRef>
+            <a:fillRef idx="0">
+              <a:schemeClr val="accent1"/>
+            </a:fillRef>
+            <a:effectRef idx="0">
+              <a:schemeClr val="accent1"/>
+            </a:effectRef>
+            <a:fontRef idx="minor">
+              <a:schemeClr val="tx1"/>
+            </a:fontRef>
+          </p:style>
+        </p:cxnSp>
+        <p:cxnSp>
+          <p:nvCxnSpPr>
+            <p:cNvPr id="24" name="Straight Connector 23">
+              <a:extLst>
+                <a:ext uri="{FF2B5EF4-FFF2-40B4-BE49-F238E27FC236}">
+                  <a16:creationId xmlns:a16="http://schemas.microsoft.com/office/drawing/2014/main" id="{4D43B39E-5EA7-044B-B54B-48876B5BACF7}"/>
+                </a:ext>
+              </a:extLst>
+            </p:cNvPr>
+            <p:cNvCxnSpPr>
+              <a:cxnSpLocks/>
+            </p:cNvCxnSpPr>
+            <p:nvPr/>
+          </p:nvCxnSpPr>
+          <p:spPr>
+            <a:xfrm>
+              <a:off x="2860160" y="3430773"/>
+              <a:ext cx="0" cy="598967"/>
+            </a:xfrm>
+            <a:prstGeom prst="line">
+              <a:avLst/>
+            </a:prstGeom>
+            <a:ln w="22225">
+              <a:solidFill>
+                <a:schemeClr val="tx1"/>
+              </a:solidFill>
+            </a:ln>
+          </p:spPr>
+          <p:style>
+            <a:lnRef idx="1">
+              <a:schemeClr val="accent1"/>
+            </a:lnRef>
+            <a:fillRef idx="0">
+              <a:schemeClr val="accent1"/>
+            </a:fillRef>
+            <a:effectRef idx="0">
+              <a:schemeClr val="accent1"/>
+            </a:effectRef>
+            <a:fontRef idx="minor">
+              <a:schemeClr val="tx1"/>
+            </a:fontRef>
+          </p:style>
+        </p:cxnSp>
+        <p:cxnSp>
+          <p:nvCxnSpPr>
+            <p:cNvPr id="25" name="Straight Connector 24">
+              <a:extLst>
+                <a:ext uri="{FF2B5EF4-FFF2-40B4-BE49-F238E27FC236}">
+                  <a16:creationId xmlns:a16="http://schemas.microsoft.com/office/drawing/2014/main" id="{B1ABD0C4-475E-A740-9661-1EA708205ABA}"/>
+                </a:ext>
+              </a:extLst>
+            </p:cNvPr>
+            <p:cNvCxnSpPr>
+              <a:cxnSpLocks/>
+            </p:cNvCxnSpPr>
+            <p:nvPr/>
+          </p:nvCxnSpPr>
+          <p:spPr>
+            <a:xfrm>
+              <a:off x="3104709" y="3402419"/>
+              <a:ext cx="0" cy="606055"/>
+            </a:xfrm>
+            <a:prstGeom prst="line">
+              <a:avLst/>
+            </a:prstGeom>
+            <a:ln w="22225">
+              <a:solidFill>
+                <a:schemeClr val="tx1"/>
+              </a:solidFill>
+            </a:ln>
+          </p:spPr>
+          <p:style>
+            <a:lnRef idx="1">
+              <a:schemeClr val="accent1"/>
+            </a:lnRef>
+            <a:fillRef idx="0">
+              <a:schemeClr val="accent1"/>
+            </a:fillRef>
+            <a:effectRef idx="0">
+              <a:schemeClr val="accent1"/>
+            </a:effectRef>
+            <a:fontRef idx="minor">
+              <a:schemeClr val="tx1"/>
+            </a:fontRef>
+          </p:style>
+        </p:cxnSp>
+        <p:cxnSp>
+          <p:nvCxnSpPr>
+            <p:cNvPr id="27" name="Straight Connector 26">
+              <a:extLst>
+                <a:ext uri="{FF2B5EF4-FFF2-40B4-BE49-F238E27FC236}">
+                  <a16:creationId xmlns:a16="http://schemas.microsoft.com/office/drawing/2014/main" id="{61F84598-A796-6843-968C-C4AC8DC9BE04}"/>
+                </a:ext>
+              </a:extLst>
+            </p:cNvPr>
+            <p:cNvCxnSpPr>
+              <a:cxnSpLocks/>
+            </p:cNvCxnSpPr>
+            <p:nvPr/>
+          </p:nvCxnSpPr>
+          <p:spPr>
+            <a:xfrm>
+              <a:off x="3349258" y="3384698"/>
+              <a:ext cx="0" cy="613144"/>
+            </a:xfrm>
+            <a:prstGeom prst="line">
+              <a:avLst/>
+            </a:prstGeom>
+            <a:ln w="22225">
+              <a:solidFill>
+                <a:schemeClr val="tx1"/>
+              </a:solidFill>
+            </a:ln>
+          </p:spPr>
+          <p:style>
+            <a:lnRef idx="1">
+              <a:schemeClr val="accent1"/>
+            </a:lnRef>
+            <a:fillRef idx="0">
+              <a:schemeClr val="accent1"/>
+            </a:fillRef>
+            <a:effectRef idx="0">
+              <a:schemeClr val="accent1"/>
+            </a:effectRef>
+            <a:fontRef idx="minor">
+              <a:schemeClr val="tx1"/>
+            </a:fontRef>
+          </p:style>
+        </p:cxnSp>
+        <p:cxnSp>
+          <p:nvCxnSpPr>
+            <p:cNvPr id="28" name="Straight Connector 27">
+              <a:extLst>
+                <a:ext uri="{FF2B5EF4-FFF2-40B4-BE49-F238E27FC236}">
+                  <a16:creationId xmlns:a16="http://schemas.microsoft.com/office/drawing/2014/main" id="{0E96BCF9-FD3E-1041-B983-132F0285482A}"/>
+                </a:ext>
+              </a:extLst>
+            </p:cNvPr>
+            <p:cNvCxnSpPr/>
+            <p:nvPr/>
+          </p:nvCxnSpPr>
+          <p:spPr>
+            <a:xfrm>
+              <a:off x="3593807" y="3342168"/>
+              <a:ext cx="0" cy="627321"/>
+            </a:xfrm>
+            <a:prstGeom prst="line">
+              <a:avLst/>
+            </a:prstGeom>
+            <a:ln w="22225">
+              <a:solidFill>
+                <a:schemeClr val="tx1"/>
+              </a:solidFill>
+            </a:ln>
+          </p:spPr>
+          <p:style>
+            <a:lnRef idx="1">
+              <a:schemeClr val="accent1"/>
+            </a:lnRef>
+            <a:fillRef idx="0">
+              <a:schemeClr val="accent1"/>
+            </a:fillRef>
+            <a:effectRef idx="0">
+              <a:schemeClr val="accent1"/>
+            </a:effectRef>
+            <a:fontRef idx="minor">
+              <a:schemeClr val="tx1"/>
+            </a:fontRef>
+          </p:style>
+        </p:cxnSp>
+        <p:cxnSp>
+          <p:nvCxnSpPr>
+            <p:cNvPr id="30" name="Straight Connector 29">
+              <a:extLst>
+                <a:ext uri="{FF2B5EF4-FFF2-40B4-BE49-F238E27FC236}">
+                  <a16:creationId xmlns:a16="http://schemas.microsoft.com/office/drawing/2014/main" id="{22B0447C-1AF6-B148-84C6-4772B5E83ABB}"/>
+                </a:ext>
+              </a:extLst>
+            </p:cNvPr>
+            <p:cNvCxnSpPr/>
+            <p:nvPr/>
+          </p:nvCxnSpPr>
+          <p:spPr>
+            <a:xfrm>
+              <a:off x="3838356" y="3313814"/>
+              <a:ext cx="0" cy="627321"/>
+            </a:xfrm>
+            <a:prstGeom prst="line">
+              <a:avLst/>
+            </a:prstGeom>
+            <a:ln w="22225">
+              <a:solidFill>
+                <a:schemeClr val="tx1"/>
+              </a:solidFill>
+            </a:ln>
+          </p:spPr>
+          <p:style>
+            <a:lnRef idx="1">
+              <a:schemeClr val="accent1"/>
+            </a:lnRef>
+            <a:fillRef idx="0">
+              <a:schemeClr val="accent1"/>
+            </a:fillRef>
+            <a:effectRef idx="0">
+              <a:schemeClr val="accent1"/>
+            </a:effectRef>
+            <a:fontRef idx="minor">
+              <a:schemeClr val="tx1"/>
+            </a:fontRef>
+          </p:style>
+        </p:cxnSp>
+        <p:cxnSp>
+          <p:nvCxnSpPr>
+            <p:cNvPr id="31" name="Straight Connector 30">
+              <a:extLst>
+                <a:ext uri="{FF2B5EF4-FFF2-40B4-BE49-F238E27FC236}">
+                  <a16:creationId xmlns:a16="http://schemas.microsoft.com/office/drawing/2014/main" id="{9D21E348-0387-4942-98CE-2A2F6876615E}"/>
+                </a:ext>
+              </a:extLst>
+            </p:cNvPr>
+            <p:cNvCxnSpPr/>
+            <p:nvPr/>
+          </p:nvCxnSpPr>
+          <p:spPr>
+            <a:xfrm>
+              <a:off x="4082905" y="3296093"/>
+              <a:ext cx="0" cy="627321"/>
+            </a:xfrm>
+            <a:prstGeom prst="line">
+              <a:avLst/>
+            </a:prstGeom>
+            <a:ln w="22225">
+              <a:solidFill>
+                <a:schemeClr val="tx1"/>
+              </a:solidFill>
+            </a:ln>
+          </p:spPr>
+          <p:style>
+            <a:lnRef idx="1">
+              <a:schemeClr val="accent1"/>
+            </a:lnRef>
+            <a:fillRef idx="0">
+              <a:schemeClr val="accent1"/>
+            </a:fillRef>
+            <a:effectRef idx="0">
+              <a:schemeClr val="accent1"/>
+            </a:effectRef>
+            <a:fontRef idx="minor">
+              <a:schemeClr val="tx1"/>
+            </a:fontRef>
+          </p:style>
+        </p:cxnSp>
+        <p:cxnSp>
+          <p:nvCxnSpPr>
+            <p:cNvPr id="32" name="Straight Connector 31">
+              <a:extLst>
+                <a:ext uri="{FF2B5EF4-FFF2-40B4-BE49-F238E27FC236}">
+                  <a16:creationId xmlns:a16="http://schemas.microsoft.com/office/drawing/2014/main" id="{D1626176-3C69-AA45-8AD6-EAB287171B6A}"/>
+                </a:ext>
+              </a:extLst>
+            </p:cNvPr>
+            <p:cNvCxnSpPr/>
+            <p:nvPr/>
+          </p:nvCxnSpPr>
+          <p:spPr>
+            <a:xfrm>
+              <a:off x="4327454" y="3281917"/>
+              <a:ext cx="0" cy="627321"/>
+            </a:xfrm>
+            <a:prstGeom prst="line">
+              <a:avLst/>
+            </a:prstGeom>
+            <a:ln w="22225">
+              <a:solidFill>
+                <a:schemeClr val="tx1"/>
+              </a:solidFill>
+            </a:ln>
+          </p:spPr>
+          <p:style>
+            <a:lnRef idx="1">
+              <a:schemeClr val="accent1"/>
+            </a:lnRef>
+            <a:fillRef idx="0">
+              <a:schemeClr val="accent1"/>
+            </a:fillRef>
+            <a:effectRef idx="0">
+              <a:schemeClr val="accent1"/>
+            </a:effectRef>
+            <a:fontRef idx="minor">
+              <a:schemeClr val="tx1"/>
+            </a:fontRef>
+          </p:style>
+        </p:cxnSp>
+        <p:cxnSp>
+          <p:nvCxnSpPr>
+            <p:cNvPr id="33" name="Straight Connector 32">
+              <a:extLst>
+                <a:ext uri="{FF2B5EF4-FFF2-40B4-BE49-F238E27FC236}">
+                  <a16:creationId xmlns:a16="http://schemas.microsoft.com/office/drawing/2014/main" id="{2821FDDD-B7A0-6D44-8ED0-189FCE58634E}"/>
+                </a:ext>
+              </a:extLst>
+            </p:cNvPr>
+            <p:cNvCxnSpPr/>
+            <p:nvPr/>
+          </p:nvCxnSpPr>
+          <p:spPr>
+            <a:xfrm>
+              <a:off x="4572003" y="3253563"/>
+              <a:ext cx="0" cy="627321"/>
+            </a:xfrm>
+            <a:prstGeom prst="line">
+              <a:avLst/>
+            </a:prstGeom>
+            <a:ln w="22225">
+              <a:solidFill>
+                <a:schemeClr val="tx1"/>
+              </a:solidFill>
+            </a:ln>
+          </p:spPr>
+          <p:style>
+            <a:lnRef idx="1">
+              <a:schemeClr val="accent1"/>
+            </a:lnRef>
+            <a:fillRef idx="0">
+              <a:schemeClr val="accent1"/>
+            </a:fillRef>
+            <a:effectRef idx="0">
+              <a:schemeClr val="accent1"/>
+            </a:effectRef>
+            <a:fontRef idx="minor">
+              <a:schemeClr val="tx1"/>
+            </a:fontRef>
+          </p:style>
+        </p:cxnSp>
+        <p:cxnSp>
+          <p:nvCxnSpPr>
+            <p:cNvPr id="34" name="Straight Connector 33">
+              <a:extLst>
+                <a:ext uri="{FF2B5EF4-FFF2-40B4-BE49-F238E27FC236}">
+                  <a16:creationId xmlns:a16="http://schemas.microsoft.com/office/drawing/2014/main" id="{2C3723B7-02BC-5D4C-AEE3-48FE115C2096}"/>
+                </a:ext>
+              </a:extLst>
+            </p:cNvPr>
+            <p:cNvCxnSpPr/>
+            <p:nvPr/>
+          </p:nvCxnSpPr>
+          <p:spPr>
+            <a:xfrm>
+              <a:off x="4816552" y="3235842"/>
+              <a:ext cx="0" cy="627321"/>
+            </a:xfrm>
+            <a:prstGeom prst="line">
+              <a:avLst/>
+            </a:prstGeom>
+            <a:ln w="22225">
+              <a:solidFill>
+                <a:schemeClr val="tx1"/>
+              </a:solidFill>
+            </a:ln>
+          </p:spPr>
+          <p:style>
+            <a:lnRef idx="1">
+              <a:schemeClr val="accent1"/>
+            </a:lnRef>
+            <a:fillRef idx="0">
+              <a:schemeClr val="accent1"/>
+            </a:fillRef>
+            <a:effectRef idx="0">
+              <a:schemeClr val="accent1"/>
+            </a:effectRef>
+            <a:fontRef idx="minor">
+              <a:schemeClr val="tx1"/>
+            </a:fontRef>
+          </p:style>
+        </p:cxnSp>
+        <p:cxnSp>
+          <p:nvCxnSpPr>
+            <p:cNvPr id="35" name="Straight Connector 34">
+              <a:extLst>
+                <a:ext uri="{FF2B5EF4-FFF2-40B4-BE49-F238E27FC236}">
+                  <a16:creationId xmlns:a16="http://schemas.microsoft.com/office/drawing/2014/main" id="{2E7EF694-3FB8-B144-A3E9-C2290472869E}"/>
+                </a:ext>
+              </a:extLst>
+            </p:cNvPr>
+            <p:cNvCxnSpPr>
+              <a:cxnSpLocks/>
+            </p:cNvCxnSpPr>
+            <p:nvPr/>
+          </p:nvCxnSpPr>
+          <p:spPr>
+            <a:xfrm>
+              <a:off x="5061101" y="3239387"/>
+              <a:ext cx="0" cy="591878"/>
+            </a:xfrm>
+            <a:prstGeom prst="line">
+              <a:avLst/>
+            </a:prstGeom>
+            <a:ln w="22225">
+              <a:solidFill>
+                <a:schemeClr val="tx1"/>
+              </a:solidFill>
+            </a:ln>
+          </p:spPr>
+          <p:style>
+            <a:lnRef idx="1">
+              <a:schemeClr val="accent1"/>
+            </a:lnRef>
+            <a:fillRef idx="0">
+              <a:schemeClr val="accent1"/>
+            </a:fillRef>
+            <a:effectRef idx="0">
+              <a:schemeClr val="accent1"/>
+            </a:effectRef>
+            <a:fontRef idx="minor">
+              <a:schemeClr val="tx1"/>
+            </a:fontRef>
+          </p:style>
+        </p:cxnSp>
+        <p:cxnSp>
+          <p:nvCxnSpPr>
+            <p:cNvPr id="36" name="Straight Connector 35">
+              <a:extLst>
+                <a:ext uri="{FF2B5EF4-FFF2-40B4-BE49-F238E27FC236}">
+                  <a16:creationId xmlns:a16="http://schemas.microsoft.com/office/drawing/2014/main" id="{0760695B-3570-0343-BC4E-3D2A2D86D6C6}"/>
+                </a:ext>
+              </a:extLst>
+            </p:cNvPr>
+            <p:cNvCxnSpPr>
+              <a:cxnSpLocks/>
+            </p:cNvCxnSpPr>
+            <p:nvPr/>
+          </p:nvCxnSpPr>
+          <p:spPr>
+            <a:xfrm>
+              <a:off x="5305650" y="3211033"/>
+              <a:ext cx="0" cy="609600"/>
+            </a:xfrm>
+            <a:prstGeom prst="line">
+              <a:avLst/>
+            </a:prstGeom>
+            <a:ln w="22225">
+              <a:solidFill>
+                <a:schemeClr val="tx1"/>
+              </a:solidFill>
+            </a:ln>
+          </p:spPr>
+          <p:style>
+            <a:lnRef idx="1">
+              <a:schemeClr val="accent1"/>
+            </a:lnRef>
+            <a:fillRef idx="0">
+              <a:schemeClr val="accent1"/>
+            </a:fillRef>
+            <a:effectRef idx="0">
+              <a:schemeClr val="accent1"/>
+            </a:effectRef>
+            <a:fontRef idx="minor">
+              <a:schemeClr val="tx1"/>
+            </a:fontRef>
+          </p:style>
+        </p:cxnSp>
+        <p:cxnSp>
+          <p:nvCxnSpPr>
+            <p:cNvPr id="37" name="Straight Connector 36">
+              <a:extLst>
+                <a:ext uri="{FF2B5EF4-FFF2-40B4-BE49-F238E27FC236}">
+                  <a16:creationId xmlns:a16="http://schemas.microsoft.com/office/drawing/2014/main" id="{B69D3E71-3C76-2D43-8D99-3493FA5C90AB}"/>
+                </a:ext>
+              </a:extLst>
+            </p:cNvPr>
+            <p:cNvCxnSpPr>
+              <a:cxnSpLocks/>
+            </p:cNvCxnSpPr>
+            <p:nvPr/>
+          </p:nvCxnSpPr>
+          <p:spPr>
+            <a:xfrm>
+              <a:off x="5550199" y="3193312"/>
+              <a:ext cx="0" cy="616688"/>
+            </a:xfrm>
+            <a:prstGeom prst="line">
+              <a:avLst/>
+            </a:prstGeom>
+            <a:ln w="22225">
+              <a:solidFill>
+                <a:schemeClr val="tx1"/>
+              </a:solidFill>
+            </a:ln>
+          </p:spPr>
+          <p:style>
+            <a:lnRef idx="1">
+              <a:schemeClr val="accent1"/>
+            </a:lnRef>
+            <a:fillRef idx="0">
+              <a:schemeClr val="accent1"/>
+            </a:fillRef>
+            <a:effectRef idx="0">
+              <a:schemeClr val="accent1"/>
+            </a:effectRef>
+            <a:fontRef idx="minor">
+              <a:schemeClr val="tx1"/>
+            </a:fontRef>
+          </p:style>
+        </p:cxnSp>
+        <p:cxnSp>
+          <p:nvCxnSpPr>
+            <p:cNvPr id="38" name="Straight Connector 37">
+              <a:extLst>
+                <a:ext uri="{FF2B5EF4-FFF2-40B4-BE49-F238E27FC236}">
+                  <a16:creationId xmlns:a16="http://schemas.microsoft.com/office/drawing/2014/main" id="{871FD9FD-96C5-4E4B-B896-E4A8B939B15A}"/>
+                </a:ext>
+              </a:extLst>
+            </p:cNvPr>
+            <p:cNvCxnSpPr>
+              <a:cxnSpLocks/>
+            </p:cNvCxnSpPr>
+            <p:nvPr/>
+          </p:nvCxnSpPr>
+          <p:spPr>
+            <a:xfrm>
+              <a:off x="5794748" y="3179136"/>
+              <a:ext cx="0" cy="598967"/>
+            </a:xfrm>
+            <a:prstGeom prst="line">
+              <a:avLst/>
+            </a:prstGeom>
+            <a:ln w="22225">
+              <a:solidFill>
+                <a:schemeClr val="tx1"/>
+              </a:solidFill>
+            </a:ln>
+          </p:spPr>
+          <p:style>
+            <a:lnRef idx="1">
+              <a:schemeClr val="accent1"/>
+            </a:lnRef>
+            <a:fillRef idx="0">
+              <a:schemeClr val="accent1"/>
+            </a:fillRef>
+            <a:effectRef idx="0">
+              <a:schemeClr val="accent1"/>
+            </a:effectRef>
+            <a:fontRef idx="minor">
+              <a:schemeClr val="tx1"/>
+            </a:fontRef>
+          </p:style>
+        </p:cxnSp>
+        <p:cxnSp>
+          <p:nvCxnSpPr>
+            <p:cNvPr id="39" name="Straight Connector 38">
+              <a:extLst>
+                <a:ext uri="{FF2B5EF4-FFF2-40B4-BE49-F238E27FC236}">
+                  <a16:creationId xmlns:a16="http://schemas.microsoft.com/office/drawing/2014/main" id="{C9652726-9CB4-364E-B75C-DC7BE9C25B67}"/>
+                </a:ext>
+              </a:extLst>
+            </p:cNvPr>
+            <p:cNvCxnSpPr>
+              <a:cxnSpLocks/>
+            </p:cNvCxnSpPr>
+            <p:nvPr/>
+          </p:nvCxnSpPr>
+          <p:spPr>
+            <a:xfrm>
+              <a:off x="6039297" y="3150782"/>
+              <a:ext cx="0" cy="606055"/>
+            </a:xfrm>
+            <a:prstGeom prst="line">
+              <a:avLst/>
+            </a:prstGeom>
+            <a:ln w="22225">
+              <a:solidFill>
+                <a:schemeClr val="tx1"/>
+              </a:solidFill>
+            </a:ln>
+          </p:spPr>
+          <p:style>
+            <a:lnRef idx="1">
+              <a:schemeClr val="accent1"/>
+            </a:lnRef>
+            <a:fillRef idx="0">
+              <a:schemeClr val="accent1"/>
+            </a:fillRef>
+            <a:effectRef idx="0">
+              <a:schemeClr val="accent1"/>
+            </a:effectRef>
+            <a:fontRef idx="minor">
+              <a:schemeClr val="tx1"/>
+            </a:fontRef>
+          </p:style>
+        </p:cxnSp>
+        <p:cxnSp>
+          <p:nvCxnSpPr>
+            <p:cNvPr id="40" name="Straight Connector 39">
+              <a:extLst>
+                <a:ext uri="{FF2B5EF4-FFF2-40B4-BE49-F238E27FC236}">
+                  <a16:creationId xmlns:a16="http://schemas.microsoft.com/office/drawing/2014/main" id="{CF18923C-9BCE-884E-854A-17B6C08FD283}"/>
+                </a:ext>
+              </a:extLst>
+            </p:cNvPr>
+            <p:cNvCxnSpPr>
+              <a:cxnSpLocks/>
+            </p:cNvCxnSpPr>
+            <p:nvPr/>
+          </p:nvCxnSpPr>
+          <p:spPr>
+            <a:xfrm>
+              <a:off x="6283846" y="3133061"/>
+              <a:ext cx="0" cy="613144"/>
+            </a:xfrm>
+            <a:prstGeom prst="line">
+              <a:avLst/>
+            </a:prstGeom>
+            <a:ln w="22225">
+              <a:solidFill>
+                <a:schemeClr val="tx1"/>
+              </a:solidFill>
+            </a:ln>
+          </p:spPr>
+          <p:style>
+            <a:lnRef idx="1">
+              <a:schemeClr val="accent1"/>
+            </a:lnRef>
+            <a:fillRef idx="0">
+              <a:schemeClr val="accent1"/>
+            </a:fillRef>
+            <a:effectRef idx="0">
+              <a:schemeClr val="accent1"/>
+            </a:effectRef>
+            <a:fontRef idx="minor">
+              <a:schemeClr val="tx1"/>
+            </a:fontRef>
+          </p:style>
+        </p:cxnSp>
+        <p:cxnSp>
+          <p:nvCxnSpPr>
+            <p:cNvPr id="41" name="Straight Connector 40">
+              <a:extLst>
+                <a:ext uri="{FF2B5EF4-FFF2-40B4-BE49-F238E27FC236}">
+                  <a16:creationId xmlns:a16="http://schemas.microsoft.com/office/drawing/2014/main" id="{2BDB2856-6C35-8D40-AB84-E22B45C981FD}"/>
+                </a:ext>
+              </a:extLst>
+            </p:cNvPr>
+            <p:cNvCxnSpPr/>
+            <p:nvPr/>
+          </p:nvCxnSpPr>
+          <p:spPr>
+            <a:xfrm>
+              <a:off x="6528395" y="3108251"/>
+              <a:ext cx="0" cy="627321"/>
+            </a:xfrm>
+            <a:prstGeom prst="line">
+              <a:avLst/>
+            </a:prstGeom>
+            <a:ln w="22225">
+              <a:solidFill>
+                <a:schemeClr val="tx1"/>
+              </a:solidFill>
+            </a:ln>
+          </p:spPr>
+          <p:style>
+            <a:lnRef idx="1">
+              <a:schemeClr val="accent1"/>
+            </a:lnRef>
+            <a:fillRef idx="0">
+              <a:schemeClr val="accent1"/>
+            </a:fillRef>
+            <a:effectRef idx="0">
+              <a:schemeClr val="accent1"/>
+            </a:effectRef>
+            <a:fontRef idx="minor">
+              <a:schemeClr val="tx1"/>
+            </a:fontRef>
+          </p:style>
+        </p:cxnSp>
+        <p:cxnSp>
+          <p:nvCxnSpPr>
+            <p:cNvPr id="42" name="Straight Connector 41">
+              <a:extLst>
+                <a:ext uri="{FF2B5EF4-FFF2-40B4-BE49-F238E27FC236}">
+                  <a16:creationId xmlns:a16="http://schemas.microsoft.com/office/drawing/2014/main" id="{BA34C4E8-417D-3E44-A360-0864CA404767}"/>
+                </a:ext>
+              </a:extLst>
+            </p:cNvPr>
+            <p:cNvCxnSpPr/>
+            <p:nvPr/>
+          </p:nvCxnSpPr>
+          <p:spPr>
+            <a:xfrm>
+              <a:off x="6772944" y="3079897"/>
+              <a:ext cx="0" cy="627321"/>
+            </a:xfrm>
+            <a:prstGeom prst="line">
+              <a:avLst/>
+            </a:prstGeom>
+            <a:ln w="22225">
+              <a:solidFill>
+                <a:schemeClr val="tx1"/>
+              </a:solidFill>
+            </a:ln>
+          </p:spPr>
+          <p:style>
+            <a:lnRef idx="1">
+              <a:schemeClr val="accent1"/>
+            </a:lnRef>
+            <a:fillRef idx="0">
+              <a:schemeClr val="accent1"/>
+            </a:fillRef>
+            <a:effectRef idx="0">
+              <a:schemeClr val="accent1"/>
+            </a:effectRef>
+            <a:fontRef idx="minor">
+              <a:schemeClr val="tx1"/>
+            </a:fontRef>
+          </p:style>
+        </p:cxnSp>
+        <p:cxnSp>
+          <p:nvCxnSpPr>
+            <p:cNvPr id="43" name="Straight Connector 42">
+              <a:extLst>
+                <a:ext uri="{FF2B5EF4-FFF2-40B4-BE49-F238E27FC236}">
+                  <a16:creationId xmlns:a16="http://schemas.microsoft.com/office/drawing/2014/main" id="{C2F194EF-25B9-D540-8AF3-652540AA79FF}"/>
+                </a:ext>
+              </a:extLst>
+            </p:cNvPr>
+            <p:cNvCxnSpPr/>
+            <p:nvPr/>
+          </p:nvCxnSpPr>
+          <p:spPr>
+            <a:xfrm>
+              <a:off x="7017493" y="3062176"/>
+              <a:ext cx="0" cy="627321"/>
+            </a:xfrm>
+            <a:prstGeom prst="line">
+              <a:avLst/>
+            </a:prstGeom>
+            <a:ln w="22225">
+              <a:solidFill>
+                <a:schemeClr val="tx1"/>
+              </a:solidFill>
+            </a:ln>
+          </p:spPr>
+          <p:style>
+            <a:lnRef idx="1">
+              <a:schemeClr val="accent1"/>
+            </a:lnRef>
+            <a:fillRef idx="0">
+              <a:schemeClr val="accent1"/>
+            </a:fillRef>
+            <a:effectRef idx="0">
+              <a:schemeClr val="accent1"/>
+            </a:effectRef>
+            <a:fontRef idx="minor">
+              <a:schemeClr val="tx1"/>
+            </a:fontRef>
+          </p:style>
+        </p:cxnSp>
+        <p:cxnSp>
+          <p:nvCxnSpPr>
+            <p:cNvPr id="44" name="Straight Connector 43">
+              <a:extLst>
+                <a:ext uri="{FF2B5EF4-FFF2-40B4-BE49-F238E27FC236}">
+                  <a16:creationId xmlns:a16="http://schemas.microsoft.com/office/drawing/2014/main" id="{30C5F78C-9615-B04B-9AC7-7849AF712ED6}"/>
+                </a:ext>
+              </a:extLst>
+            </p:cNvPr>
+            <p:cNvCxnSpPr/>
+            <p:nvPr/>
+          </p:nvCxnSpPr>
+          <p:spPr>
+            <a:xfrm>
+              <a:off x="7262042" y="3048000"/>
+              <a:ext cx="0" cy="627321"/>
+            </a:xfrm>
+            <a:prstGeom prst="line">
+              <a:avLst/>
+            </a:prstGeom>
+            <a:ln w="22225">
+              <a:solidFill>
+                <a:schemeClr val="tx1"/>
+              </a:solidFill>
+            </a:ln>
+          </p:spPr>
+          <p:style>
+            <a:lnRef idx="1">
+              <a:schemeClr val="accent1"/>
+            </a:lnRef>
+            <a:fillRef idx="0">
+              <a:schemeClr val="accent1"/>
+            </a:fillRef>
+            <a:effectRef idx="0">
+              <a:schemeClr val="accent1"/>
+            </a:effectRef>
+            <a:fontRef idx="minor">
+              <a:schemeClr val="tx1"/>
+            </a:fontRef>
+          </p:style>
+        </p:cxnSp>
+        <p:cxnSp>
+          <p:nvCxnSpPr>
+            <p:cNvPr id="45" name="Straight Connector 44">
+              <a:extLst>
+                <a:ext uri="{FF2B5EF4-FFF2-40B4-BE49-F238E27FC236}">
+                  <a16:creationId xmlns:a16="http://schemas.microsoft.com/office/drawing/2014/main" id="{253D2B6A-E1F6-5149-A9A1-C8D2F692BCE2}"/>
+                </a:ext>
+              </a:extLst>
+            </p:cNvPr>
+            <p:cNvCxnSpPr/>
+            <p:nvPr/>
+          </p:nvCxnSpPr>
+          <p:spPr>
+            <a:xfrm>
+              <a:off x="7506586" y="3019646"/>
+              <a:ext cx="0" cy="627321"/>
+            </a:xfrm>
+            <a:prstGeom prst="line">
+              <a:avLst/>
+            </a:prstGeom>
+            <a:ln w="22225">
+              <a:solidFill>
+                <a:schemeClr val="tx1"/>
+              </a:solidFill>
+            </a:ln>
+          </p:spPr>
+          <p:style>
+            <a:lnRef idx="1">
+              <a:schemeClr val="accent1"/>
+            </a:lnRef>
+            <a:fillRef idx="0">
+              <a:schemeClr val="accent1"/>
+            </a:fillRef>
+            <a:effectRef idx="0">
+              <a:schemeClr val="accent1"/>
+            </a:effectRef>
+            <a:fontRef idx="minor">
+              <a:schemeClr val="tx1"/>
+            </a:fontRef>
+          </p:style>
+        </p:cxnSp>
+      </p:grpSp>
       <p:sp>
         <p:nvSpPr>
-          <p:cNvPr id="26" name="Freeform 25">
+          <p:cNvPr id="46" name="Freeform 45">
             <a:extLst>
               <a:ext uri="{FF2B5EF4-FFF2-40B4-BE49-F238E27FC236}">
-                <a16:creationId xmlns:a16="http://schemas.microsoft.com/office/drawing/2014/main" id="{DCA25A48-BCBC-6141-889F-24101B7D54EE}"/>
+                <a16:creationId xmlns:a16="http://schemas.microsoft.com/office/drawing/2014/main" id="{1C76DA5E-E1F4-DA4A-B9B5-E54F7A879C6B}"/>
               </a:ext>
             </a:extLst>
           </p:cNvPr>
@@ -7107,8 +11135,8 @@
         </p:nvSpPr>
         <p:spPr>
           <a:xfrm>
-            <a:off x="6379532" y="2647509"/>
-            <a:ext cx="148855" cy="233916"/>
+            <a:off x="6337001" y="2615609"/>
+            <a:ext cx="196216" cy="308341"/>
           </a:xfrm>
           <a:custGeom>
             <a:avLst/>

--- a/assets/tactile_image_files/0026-hotspot_track_cross-section/0026-hotspot_track_cross-section.pptx
+++ b/assets/tactile_image_files/0026-hotspot_track_cross-section/0026-hotspot_track_cross-section.pptx
@@ -198,7 +198,7 @@
           </a:lstStyle>
           <a:p>
             <a:fld id="{DC880F74-5F87-E94E-8AEF-72C270124CC0}" type="datetimeFigureOut">
-              <a:t>1/8/21</a:t>
+              <a:t>7/13/21</a:t>
             </a:fld>
             <a:endParaRPr lang="en-US"/>
           </a:p>
@@ -603,7 +603,7 @@
           <a:p>
             <a:fld id="{E796F801-3BB8-A247-923B-F07F1B58D38A}" type="datetimeFigureOut">
               <a:rPr lang="en-US" smtClean="0"/>
-              <a:t>1/8/21</a:t>
+              <a:t>7/13/21</a:t>
             </a:fld>
             <a:endParaRPr lang="en-US"/>
           </a:p>
@@ -783,7 +783,7 @@
           <a:p>
             <a:fld id="{E796F801-3BB8-A247-923B-F07F1B58D38A}" type="datetimeFigureOut">
               <a:rPr lang="en-US" smtClean="0"/>
-              <a:t>1/8/21</a:t>
+              <a:t>7/13/21</a:t>
             </a:fld>
             <a:endParaRPr lang="en-US"/>
           </a:p>
@@ -953,7 +953,7 @@
           <a:p>
             <a:fld id="{E796F801-3BB8-A247-923B-F07F1B58D38A}" type="datetimeFigureOut">
               <a:rPr lang="en-US" smtClean="0"/>
-              <a:t>1/8/21</a:t>
+              <a:t>7/13/21</a:t>
             </a:fld>
             <a:endParaRPr lang="en-US"/>
           </a:p>
@@ -1197,7 +1197,7 @@
           <a:p>
             <a:fld id="{E796F801-3BB8-A247-923B-F07F1B58D38A}" type="datetimeFigureOut">
               <a:rPr lang="en-US" smtClean="0"/>
-              <a:t>1/8/21</a:t>
+              <a:t>7/13/21</a:t>
             </a:fld>
             <a:endParaRPr lang="en-US"/>
           </a:p>
@@ -1429,7 +1429,7 @@
           <a:p>
             <a:fld id="{E796F801-3BB8-A247-923B-F07F1B58D38A}" type="datetimeFigureOut">
               <a:rPr lang="en-US" smtClean="0"/>
-              <a:t>1/8/21</a:t>
+              <a:t>7/13/21</a:t>
             </a:fld>
             <a:endParaRPr lang="en-US"/>
           </a:p>
@@ -1796,7 +1796,7 @@
           <a:p>
             <a:fld id="{E796F801-3BB8-A247-923B-F07F1B58D38A}" type="datetimeFigureOut">
               <a:rPr lang="en-US" smtClean="0"/>
-              <a:t>1/8/21</a:t>
+              <a:t>7/13/21</a:t>
             </a:fld>
             <a:endParaRPr lang="en-US"/>
           </a:p>
@@ -1914,7 +1914,7 @@
           <a:p>
             <a:fld id="{E796F801-3BB8-A247-923B-F07F1B58D38A}" type="datetimeFigureOut">
               <a:rPr lang="en-US" smtClean="0"/>
-              <a:t>1/8/21</a:t>
+              <a:t>7/13/21</a:t>
             </a:fld>
             <a:endParaRPr lang="en-US"/>
           </a:p>
@@ -2009,7 +2009,7 @@
           <a:p>
             <a:fld id="{E796F801-3BB8-A247-923B-F07F1B58D38A}" type="datetimeFigureOut">
               <a:rPr lang="en-US" smtClean="0"/>
-              <a:t>1/8/21</a:t>
+              <a:t>7/13/21</a:t>
             </a:fld>
             <a:endParaRPr lang="en-US"/>
           </a:p>
@@ -2286,7 +2286,7 @@
           <a:p>
             <a:fld id="{E796F801-3BB8-A247-923B-F07F1B58D38A}" type="datetimeFigureOut">
               <a:rPr lang="en-US" smtClean="0"/>
-              <a:t>1/8/21</a:t>
+              <a:t>7/13/21</a:t>
             </a:fld>
             <a:endParaRPr lang="en-US"/>
           </a:p>
@@ -2543,7 +2543,7 @@
           <a:p>
             <a:fld id="{E796F801-3BB8-A247-923B-F07F1B58D38A}" type="datetimeFigureOut">
               <a:rPr lang="en-US" smtClean="0"/>
-              <a:t>1/8/21</a:t>
+              <a:t>7/13/21</a:t>
             </a:fld>
             <a:endParaRPr lang="en-US"/>
           </a:p>
@@ -2756,7 +2756,7 @@
           <a:p>
             <a:fld id="{E796F801-3BB8-A247-923B-F07F1B58D38A}" type="datetimeFigureOut">
               <a:rPr lang="en-US" smtClean="0"/>
-              <a:t>1/8/21</a:t>
+              <a:t>7/13/21</a:t>
             </a:fld>
             <a:endParaRPr lang="en-US"/>
           </a:p>
@@ -4105,12 +4105,1412 @@
           </a:p>
         </p:txBody>
       </p:sp>
+      <p:grpSp>
+        <p:nvGrpSpPr>
+          <p:cNvPr id="25" name="Group 24">
+            <a:extLst>
+              <a:ext uri="{FF2B5EF4-FFF2-40B4-BE49-F238E27FC236}">
+                <a16:creationId xmlns:a16="http://schemas.microsoft.com/office/drawing/2014/main" id="{866EFF3D-9EB8-FC4C-B0EF-56BE77175574}"/>
+              </a:ext>
+            </a:extLst>
+          </p:cNvPr>
+          <p:cNvGrpSpPr/>
+          <p:nvPr/>
+        </p:nvGrpSpPr>
+        <p:grpSpPr>
+          <a:xfrm>
+            <a:off x="493900" y="3019646"/>
+            <a:ext cx="7233806" cy="1201480"/>
+            <a:chOff x="493900" y="3019646"/>
+            <a:chExt cx="7233806" cy="1201480"/>
+          </a:xfrm>
+        </p:grpSpPr>
+        <p:sp>
+          <p:nvSpPr>
+            <p:cNvPr id="27" name="Parallelogram 26">
+              <a:extLst>
+                <a:ext uri="{FF2B5EF4-FFF2-40B4-BE49-F238E27FC236}">
+                  <a16:creationId xmlns:a16="http://schemas.microsoft.com/office/drawing/2014/main" id="{6242EC77-9DAD-D649-85D4-C24C2DEBDE44}"/>
+                </a:ext>
+              </a:extLst>
+            </p:cNvPr>
+            <p:cNvSpPr/>
+            <p:nvPr/>
+          </p:nvSpPr>
+          <p:spPr>
+            <a:xfrm rot="10525432">
+              <a:off x="493900" y="3316100"/>
+              <a:ext cx="7233806" cy="609776"/>
+            </a:xfrm>
+            <a:prstGeom prst="parallelogram">
+              <a:avLst>
+                <a:gd name="adj" fmla="val 9124"/>
+              </a:avLst>
+            </a:prstGeom>
+            <a:solidFill>
+              <a:schemeClr val="bg1"/>
+            </a:solidFill>
+            <a:ln w="22225">
+              <a:solidFill>
+                <a:schemeClr val="tx1"/>
+              </a:solidFill>
+            </a:ln>
+          </p:spPr>
+          <p:style>
+            <a:lnRef idx="2">
+              <a:schemeClr val="accent1">
+                <a:shade val="50000"/>
+              </a:schemeClr>
+            </a:lnRef>
+            <a:fillRef idx="1">
+              <a:schemeClr val="accent1"/>
+            </a:fillRef>
+            <a:effectRef idx="0">
+              <a:schemeClr val="accent1"/>
+            </a:effectRef>
+            <a:fontRef idx="minor">
+              <a:schemeClr val="lt1"/>
+            </a:fontRef>
+          </p:style>
+          <p:txBody>
+            <a:bodyPr rtlCol="0" anchor="ctr"/>
+            <a:lstStyle/>
+            <a:p>
+              <a:pPr algn="ctr"/>
+              <a:endParaRPr lang="en-US"/>
+            </a:p>
+          </p:txBody>
+        </p:sp>
+        <p:cxnSp>
+          <p:nvCxnSpPr>
+            <p:cNvPr id="28" name="Straight Connector 27">
+              <a:extLst>
+                <a:ext uri="{FF2B5EF4-FFF2-40B4-BE49-F238E27FC236}">
+                  <a16:creationId xmlns:a16="http://schemas.microsoft.com/office/drawing/2014/main" id="{80085CD2-965B-6C4F-9F59-110E072EDF6A}"/>
+                </a:ext>
+              </a:extLst>
+            </p:cNvPr>
+            <p:cNvCxnSpPr/>
+            <p:nvPr/>
+          </p:nvCxnSpPr>
+          <p:spPr>
+            <a:xfrm>
+              <a:off x="659219" y="3593805"/>
+              <a:ext cx="0" cy="627321"/>
+            </a:xfrm>
+            <a:prstGeom prst="line">
+              <a:avLst/>
+            </a:prstGeom>
+            <a:ln w="22225">
+              <a:solidFill>
+                <a:schemeClr val="tx1"/>
+              </a:solidFill>
+            </a:ln>
+          </p:spPr>
+          <p:style>
+            <a:lnRef idx="1">
+              <a:schemeClr val="accent1"/>
+            </a:lnRef>
+            <a:fillRef idx="0">
+              <a:schemeClr val="accent1"/>
+            </a:fillRef>
+            <a:effectRef idx="0">
+              <a:schemeClr val="accent1"/>
+            </a:effectRef>
+            <a:fontRef idx="minor">
+              <a:schemeClr val="tx1"/>
+            </a:fontRef>
+          </p:style>
+        </p:cxnSp>
+        <p:cxnSp>
+          <p:nvCxnSpPr>
+            <p:cNvPr id="29" name="Straight Connector 28">
+              <a:extLst>
+                <a:ext uri="{FF2B5EF4-FFF2-40B4-BE49-F238E27FC236}">
+                  <a16:creationId xmlns:a16="http://schemas.microsoft.com/office/drawing/2014/main" id="{263B872B-D313-B945-8D73-E35BB983B98E}"/>
+                </a:ext>
+              </a:extLst>
+            </p:cNvPr>
+            <p:cNvCxnSpPr/>
+            <p:nvPr/>
+          </p:nvCxnSpPr>
+          <p:spPr>
+            <a:xfrm>
+              <a:off x="903768" y="3565451"/>
+              <a:ext cx="0" cy="627321"/>
+            </a:xfrm>
+            <a:prstGeom prst="line">
+              <a:avLst/>
+            </a:prstGeom>
+            <a:ln w="22225">
+              <a:solidFill>
+                <a:schemeClr val="tx1"/>
+              </a:solidFill>
+            </a:ln>
+          </p:spPr>
+          <p:style>
+            <a:lnRef idx="1">
+              <a:schemeClr val="accent1"/>
+            </a:lnRef>
+            <a:fillRef idx="0">
+              <a:schemeClr val="accent1"/>
+            </a:fillRef>
+            <a:effectRef idx="0">
+              <a:schemeClr val="accent1"/>
+            </a:effectRef>
+            <a:fontRef idx="minor">
+              <a:schemeClr val="tx1"/>
+            </a:fontRef>
+          </p:style>
+        </p:cxnSp>
+        <p:cxnSp>
+          <p:nvCxnSpPr>
+            <p:cNvPr id="31" name="Straight Connector 30">
+              <a:extLst>
+                <a:ext uri="{FF2B5EF4-FFF2-40B4-BE49-F238E27FC236}">
+                  <a16:creationId xmlns:a16="http://schemas.microsoft.com/office/drawing/2014/main" id="{D9CF99E9-805F-EF46-9B9A-2A65B3D37209}"/>
+                </a:ext>
+              </a:extLst>
+            </p:cNvPr>
+            <p:cNvCxnSpPr/>
+            <p:nvPr/>
+          </p:nvCxnSpPr>
+          <p:spPr>
+            <a:xfrm>
+              <a:off x="1148317" y="3547730"/>
+              <a:ext cx="0" cy="627321"/>
+            </a:xfrm>
+            <a:prstGeom prst="line">
+              <a:avLst/>
+            </a:prstGeom>
+            <a:ln w="22225">
+              <a:solidFill>
+                <a:schemeClr val="tx1"/>
+              </a:solidFill>
+            </a:ln>
+          </p:spPr>
+          <p:style>
+            <a:lnRef idx="1">
+              <a:schemeClr val="accent1"/>
+            </a:lnRef>
+            <a:fillRef idx="0">
+              <a:schemeClr val="accent1"/>
+            </a:fillRef>
+            <a:effectRef idx="0">
+              <a:schemeClr val="accent1"/>
+            </a:effectRef>
+            <a:fontRef idx="minor">
+              <a:schemeClr val="tx1"/>
+            </a:fontRef>
+          </p:style>
+        </p:cxnSp>
+        <p:cxnSp>
+          <p:nvCxnSpPr>
+            <p:cNvPr id="32" name="Straight Connector 31">
+              <a:extLst>
+                <a:ext uri="{FF2B5EF4-FFF2-40B4-BE49-F238E27FC236}">
+                  <a16:creationId xmlns:a16="http://schemas.microsoft.com/office/drawing/2014/main" id="{5BB03258-E2E1-0445-A372-61CA508422F2}"/>
+                </a:ext>
+              </a:extLst>
+            </p:cNvPr>
+            <p:cNvCxnSpPr/>
+            <p:nvPr/>
+          </p:nvCxnSpPr>
+          <p:spPr>
+            <a:xfrm>
+              <a:off x="1392866" y="3533554"/>
+              <a:ext cx="0" cy="627321"/>
+            </a:xfrm>
+            <a:prstGeom prst="line">
+              <a:avLst/>
+            </a:prstGeom>
+            <a:ln w="22225">
+              <a:solidFill>
+                <a:schemeClr val="tx1"/>
+              </a:solidFill>
+            </a:ln>
+          </p:spPr>
+          <p:style>
+            <a:lnRef idx="1">
+              <a:schemeClr val="accent1"/>
+            </a:lnRef>
+            <a:fillRef idx="0">
+              <a:schemeClr val="accent1"/>
+            </a:fillRef>
+            <a:effectRef idx="0">
+              <a:schemeClr val="accent1"/>
+            </a:effectRef>
+            <a:fontRef idx="minor">
+              <a:schemeClr val="tx1"/>
+            </a:fontRef>
+          </p:style>
+        </p:cxnSp>
+        <p:cxnSp>
+          <p:nvCxnSpPr>
+            <p:cNvPr id="33" name="Straight Connector 32">
+              <a:extLst>
+                <a:ext uri="{FF2B5EF4-FFF2-40B4-BE49-F238E27FC236}">
+                  <a16:creationId xmlns:a16="http://schemas.microsoft.com/office/drawing/2014/main" id="{25D32622-F128-E449-9EBE-D75F3D39D2C1}"/>
+                </a:ext>
+              </a:extLst>
+            </p:cNvPr>
+            <p:cNvCxnSpPr/>
+            <p:nvPr/>
+          </p:nvCxnSpPr>
+          <p:spPr>
+            <a:xfrm>
+              <a:off x="1637415" y="3505200"/>
+              <a:ext cx="0" cy="627321"/>
+            </a:xfrm>
+            <a:prstGeom prst="line">
+              <a:avLst/>
+            </a:prstGeom>
+            <a:ln w="22225">
+              <a:solidFill>
+                <a:schemeClr val="tx1"/>
+              </a:solidFill>
+            </a:ln>
+          </p:spPr>
+          <p:style>
+            <a:lnRef idx="1">
+              <a:schemeClr val="accent1"/>
+            </a:lnRef>
+            <a:fillRef idx="0">
+              <a:schemeClr val="accent1"/>
+            </a:fillRef>
+            <a:effectRef idx="0">
+              <a:schemeClr val="accent1"/>
+            </a:effectRef>
+            <a:fontRef idx="minor">
+              <a:schemeClr val="tx1"/>
+            </a:fontRef>
+          </p:style>
+        </p:cxnSp>
+        <p:cxnSp>
+          <p:nvCxnSpPr>
+            <p:cNvPr id="34" name="Straight Connector 33">
+              <a:extLst>
+                <a:ext uri="{FF2B5EF4-FFF2-40B4-BE49-F238E27FC236}">
+                  <a16:creationId xmlns:a16="http://schemas.microsoft.com/office/drawing/2014/main" id="{351CA9A6-CA68-964C-9A2B-5C86188897E3}"/>
+                </a:ext>
+              </a:extLst>
+            </p:cNvPr>
+            <p:cNvCxnSpPr/>
+            <p:nvPr/>
+          </p:nvCxnSpPr>
+          <p:spPr>
+            <a:xfrm>
+              <a:off x="1881964" y="3487479"/>
+              <a:ext cx="0" cy="627321"/>
+            </a:xfrm>
+            <a:prstGeom prst="line">
+              <a:avLst/>
+            </a:prstGeom>
+            <a:ln w="22225">
+              <a:solidFill>
+                <a:schemeClr val="tx1"/>
+              </a:solidFill>
+            </a:ln>
+          </p:spPr>
+          <p:style>
+            <a:lnRef idx="1">
+              <a:schemeClr val="accent1"/>
+            </a:lnRef>
+            <a:fillRef idx="0">
+              <a:schemeClr val="accent1"/>
+            </a:fillRef>
+            <a:effectRef idx="0">
+              <a:schemeClr val="accent1"/>
+            </a:effectRef>
+            <a:fontRef idx="minor">
+              <a:schemeClr val="tx1"/>
+            </a:fontRef>
+          </p:style>
+        </p:cxnSp>
+        <p:cxnSp>
+          <p:nvCxnSpPr>
+            <p:cNvPr id="35" name="Straight Connector 34">
+              <a:extLst>
+                <a:ext uri="{FF2B5EF4-FFF2-40B4-BE49-F238E27FC236}">
+                  <a16:creationId xmlns:a16="http://schemas.microsoft.com/office/drawing/2014/main" id="{84CB756C-862F-3D46-926D-819FB1F5FB84}"/>
+                </a:ext>
+              </a:extLst>
+            </p:cNvPr>
+            <p:cNvCxnSpPr>
+              <a:cxnSpLocks/>
+            </p:cNvCxnSpPr>
+            <p:nvPr/>
+          </p:nvCxnSpPr>
+          <p:spPr>
+            <a:xfrm>
+              <a:off x="2126513" y="3491024"/>
+              <a:ext cx="0" cy="591878"/>
+            </a:xfrm>
+            <a:prstGeom prst="line">
+              <a:avLst/>
+            </a:prstGeom>
+            <a:ln w="22225">
+              <a:solidFill>
+                <a:schemeClr val="tx1"/>
+              </a:solidFill>
+            </a:ln>
+          </p:spPr>
+          <p:style>
+            <a:lnRef idx="1">
+              <a:schemeClr val="accent1"/>
+            </a:lnRef>
+            <a:fillRef idx="0">
+              <a:schemeClr val="accent1"/>
+            </a:fillRef>
+            <a:effectRef idx="0">
+              <a:schemeClr val="accent1"/>
+            </a:effectRef>
+            <a:fontRef idx="minor">
+              <a:schemeClr val="tx1"/>
+            </a:fontRef>
+          </p:style>
+        </p:cxnSp>
+        <p:cxnSp>
+          <p:nvCxnSpPr>
+            <p:cNvPr id="36" name="Straight Connector 35">
+              <a:extLst>
+                <a:ext uri="{FF2B5EF4-FFF2-40B4-BE49-F238E27FC236}">
+                  <a16:creationId xmlns:a16="http://schemas.microsoft.com/office/drawing/2014/main" id="{8920BAB8-DD40-B04F-8149-B1BA4E6E8655}"/>
+                </a:ext>
+              </a:extLst>
+            </p:cNvPr>
+            <p:cNvCxnSpPr>
+              <a:cxnSpLocks/>
+            </p:cNvCxnSpPr>
+            <p:nvPr/>
+          </p:nvCxnSpPr>
+          <p:spPr>
+            <a:xfrm>
+              <a:off x="2371062" y="3462670"/>
+              <a:ext cx="0" cy="609600"/>
+            </a:xfrm>
+            <a:prstGeom prst="line">
+              <a:avLst/>
+            </a:prstGeom>
+            <a:ln w="22225">
+              <a:solidFill>
+                <a:schemeClr val="tx1"/>
+              </a:solidFill>
+            </a:ln>
+          </p:spPr>
+          <p:style>
+            <a:lnRef idx="1">
+              <a:schemeClr val="accent1"/>
+            </a:lnRef>
+            <a:fillRef idx="0">
+              <a:schemeClr val="accent1"/>
+            </a:fillRef>
+            <a:effectRef idx="0">
+              <a:schemeClr val="accent1"/>
+            </a:effectRef>
+            <a:fontRef idx="minor">
+              <a:schemeClr val="tx1"/>
+            </a:fontRef>
+          </p:style>
+        </p:cxnSp>
+        <p:cxnSp>
+          <p:nvCxnSpPr>
+            <p:cNvPr id="37" name="Straight Connector 36">
+              <a:extLst>
+                <a:ext uri="{FF2B5EF4-FFF2-40B4-BE49-F238E27FC236}">
+                  <a16:creationId xmlns:a16="http://schemas.microsoft.com/office/drawing/2014/main" id="{58381D1F-CCA7-D04D-B21B-564292F88082}"/>
+                </a:ext>
+              </a:extLst>
+            </p:cNvPr>
+            <p:cNvCxnSpPr>
+              <a:cxnSpLocks/>
+            </p:cNvCxnSpPr>
+            <p:nvPr/>
+          </p:nvCxnSpPr>
+          <p:spPr>
+            <a:xfrm>
+              <a:off x="2615611" y="3444949"/>
+              <a:ext cx="0" cy="616688"/>
+            </a:xfrm>
+            <a:prstGeom prst="line">
+              <a:avLst/>
+            </a:prstGeom>
+            <a:ln w="22225">
+              <a:solidFill>
+                <a:schemeClr val="tx1"/>
+              </a:solidFill>
+            </a:ln>
+          </p:spPr>
+          <p:style>
+            <a:lnRef idx="1">
+              <a:schemeClr val="accent1"/>
+            </a:lnRef>
+            <a:fillRef idx="0">
+              <a:schemeClr val="accent1"/>
+            </a:fillRef>
+            <a:effectRef idx="0">
+              <a:schemeClr val="accent1"/>
+            </a:effectRef>
+            <a:fontRef idx="minor">
+              <a:schemeClr val="tx1"/>
+            </a:fontRef>
+          </p:style>
+        </p:cxnSp>
+        <p:cxnSp>
+          <p:nvCxnSpPr>
+            <p:cNvPr id="38" name="Straight Connector 37">
+              <a:extLst>
+                <a:ext uri="{FF2B5EF4-FFF2-40B4-BE49-F238E27FC236}">
+                  <a16:creationId xmlns:a16="http://schemas.microsoft.com/office/drawing/2014/main" id="{80EFC3E0-A8AC-9E4F-80D8-889A96DC0C45}"/>
+                </a:ext>
+              </a:extLst>
+            </p:cNvPr>
+            <p:cNvCxnSpPr>
+              <a:cxnSpLocks/>
+            </p:cNvCxnSpPr>
+            <p:nvPr/>
+          </p:nvCxnSpPr>
+          <p:spPr>
+            <a:xfrm>
+              <a:off x="2860160" y="3430773"/>
+              <a:ext cx="0" cy="598967"/>
+            </a:xfrm>
+            <a:prstGeom prst="line">
+              <a:avLst/>
+            </a:prstGeom>
+            <a:ln w="22225">
+              <a:solidFill>
+                <a:schemeClr val="tx1"/>
+              </a:solidFill>
+            </a:ln>
+          </p:spPr>
+          <p:style>
+            <a:lnRef idx="1">
+              <a:schemeClr val="accent1"/>
+            </a:lnRef>
+            <a:fillRef idx="0">
+              <a:schemeClr val="accent1"/>
+            </a:fillRef>
+            <a:effectRef idx="0">
+              <a:schemeClr val="accent1"/>
+            </a:effectRef>
+            <a:fontRef idx="minor">
+              <a:schemeClr val="tx1"/>
+            </a:fontRef>
+          </p:style>
+        </p:cxnSp>
+        <p:cxnSp>
+          <p:nvCxnSpPr>
+            <p:cNvPr id="39" name="Straight Connector 38">
+              <a:extLst>
+                <a:ext uri="{FF2B5EF4-FFF2-40B4-BE49-F238E27FC236}">
+                  <a16:creationId xmlns:a16="http://schemas.microsoft.com/office/drawing/2014/main" id="{864A56F9-B2B6-6644-A6F5-757C5EEE62D0}"/>
+                </a:ext>
+              </a:extLst>
+            </p:cNvPr>
+            <p:cNvCxnSpPr>
+              <a:cxnSpLocks/>
+            </p:cNvCxnSpPr>
+            <p:nvPr/>
+          </p:nvCxnSpPr>
+          <p:spPr>
+            <a:xfrm>
+              <a:off x="3104709" y="3402419"/>
+              <a:ext cx="0" cy="606055"/>
+            </a:xfrm>
+            <a:prstGeom prst="line">
+              <a:avLst/>
+            </a:prstGeom>
+            <a:ln w="22225">
+              <a:solidFill>
+                <a:schemeClr val="tx1"/>
+              </a:solidFill>
+            </a:ln>
+          </p:spPr>
+          <p:style>
+            <a:lnRef idx="1">
+              <a:schemeClr val="accent1"/>
+            </a:lnRef>
+            <a:fillRef idx="0">
+              <a:schemeClr val="accent1"/>
+            </a:fillRef>
+            <a:effectRef idx="0">
+              <a:schemeClr val="accent1"/>
+            </a:effectRef>
+            <a:fontRef idx="minor">
+              <a:schemeClr val="tx1"/>
+            </a:fontRef>
+          </p:style>
+        </p:cxnSp>
+        <p:cxnSp>
+          <p:nvCxnSpPr>
+            <p:cNvPr id="40" name="Straight Connector 39">
+              <a:extLst>
+                <a:ext uri="{FF2B5EF4-FFF2-40B4-BE49-F238E27FC236}">
+                  <a16:creationId xmlns:a16="http://schemas.microsoft.com/office/drawing/2014/main" id="{F3597B9A-A51D-F543-9A36-27E6A779F9AA}"/>
+                </a:ext>
+              </a:extLst>
+            </p:cNvPr>
+            <p:cNvCxnSpPr>
+              <a:cxnSpLocks/>
+            </p:cNvCxnSpPr>
+            <p:nvPr/>
+          </p:nvCxnSpPr>
+          <p:spPr>
+            <a:xfrm>
+              <a:off x="3349258" y="3384698"/>
+              <a:ext cx="0" cy="613144"/>
+            </a:xfrm>
+            <a:prstGeom prst="line">
+              <a:avLst/>
+            </a:prstGeom>
+            <a:ln w="22225">
+              <a:solidFill>
+                <a:schemeClr val="tx1"/>
+              </a:solidFill>
+            </a:ln>
+          </p:spPr>
+          <p:style>
+            <a:lnRef idx="1">
+              <a:schemeClr val="accent1"/>
+            </a:lnRef>
+            <a:fillRef idx="0">
+              <a:schemeClr val="accent1"/>
+            </a:fillRef>
+            <a:effectRef idx="0">
+              <a:schemeClr val="accent1"/>
+            </a:effectRef>
+            <a:fontRef idx="minor">
+              <a:schemeClr val="tx1"/>
+            </a:fontRef>
+          </p:style>
+        </p:cxnSp>
+        <p:cxnSp>
+          <p:nvCxnSpPr>
+            <p:cNvPr id="41" name="Straight Connector 40">
+              <a:extLst>
+                <a:ext uri="{FF2B5EF4-FFF2-40B4-BE49-F238E27FC236}">
+                  <a16:creationId xmlns:a16="http://schemas.microsoft.com/office/drawing/2014/main" id="{4217ED2A-DEEF-A445-8860-18AEBFAD013E}"/>
+                </a:ext>
+              </a:extLst>
+            </p:cNvPr>
+            <p:cNvCxnSpPr/>
+            <p:nvPr/>
+          </p:nvCxnSpPr>
+          <p:spPr>
+            <a:xfrm>
+              <a:off x="3593807" y="3342168"/>
+              <a:ext cx="0" cy="627321"/>
+            </a:xfrm>
+            <a:prstGeom prst="line">
+              <a:avLst/>
+            </a:prstGeom>
+            <a:ln w="22225">
+              <a:solidFill>
+                <a:schemeClr val="tx1"/>
+              </a:solidFill>
+            </a:ln>
+          </p:spPr>
+          <p:style>
+            <a:lnRef idx="1">
+              <a:schemeClr val="accent1"/>
+            </a:lnRef>
+            <a:fillRef idx="0">
+              <a:schemeClr val="accent1"/>
+            </a:fillRef>
+            <a:effectRef idx="0">
+              <a:schemeClr val="accent1"/>
+            </a:effectRef>
+            <a:fontRef idx="minor">
+              <a:schemeClr val="tx1"/>
+            </a:fontRef>
+          </p:style>
+        </p:cxnSp>
+        <p:cxnSp>
+          <p:nvCxnSpPr>
+            <p:cNvPr id="42" name="Straight Connector 41">
+              <a:extLst>
+                <a:ext uri="{FF2B5EF4-FFF2-40B4-BE49-F238E27FC236}">
+                  <a16:creationId xmlns:a16="http://schemas.microsoft.com/office/drawing/2014/main" id="{F16D6A4C-9569-7C4B-A374-4F5B7FF7BDFA}"/>
+                </a:ext>
+              </a:extLst>
+            </p:cNvPr>
+            <p:cNvCxnSpPr/>
+            <p:nvPr/>
+          </p:nvCxnSpPr>
+          <p:spPr>
+            <a:xfrm>
+              <a:off x="3838356" y="3313814"/>
+              <a:ext cx="0" cy="627321"/>
+            </a:xfrm>
+            <a:prstGeom prst="line">
+              <a:avLst/>
+            </a:prstGeom>
+            <a:ln w="22225">
+              <a:solidFill>
+                <a:schemeClr val="tx1"/>
+              </a:solidFill>
+            </a:ln>
+          </p:spPr>
+          <p:style>
+            <a:lnRef idx="1">
+              <a:schemeClr val="accent1"/>
+            </a:lnRef>
+            <a:fillRef idx="0">
+              <a:schemeClr val="accent1"/>
+            </a:fillRef>
+            <a:effectRef idx="0">
+              <a:schemeClr val="accent1"/>
+            </a:effectRef>
+            <a:fontRef idx="minor">
+              <a:schemeClr val="tx1"/>
+            </a:fontRef>
+          </p:style>
+        </p:cxnSp>
+        <p:cxnSp>
+          <p:nvCxnSpPr>
+            <p:cNvPr id="43" name="Straight Connector 42">
+              <a:extLst>
+                <a:ext uri="{FF2B5EF4-FFF2-40B4-BE49-F238E27FC236}">
+                  <a16:creationId xmlns:a16="http://schemas.microsoft.com/office/drawing/2014/main" id="{F36ED429-325C-AA49-AD26-609C3259D0A9}"/>
+                </a:ext>
+              </a:extLst>
+            </p:cNvPr>
+            <p:cNvCxnSpPr/>
+            <p:nvPr/>
+          </p:nvCxnSpPr>
+          <p:spPr>
+            <a:xfrm>
+              <a:off x="4082905" y="3296093"/>
+              <a:ext cx="0" cy="627321"/>
+            </a:xfrm>
+            <a:prstGeom prst="line">
+              <a:avLst/>
+            </a:prstGeom>
+            <a:ln w="22225">
+              <a:solidFill>
+                <a:schemeClr val="tx1"/>
+              </a:solidFill>
+            </a:ln>
+          </p:spPr>
+          <p:style>
+            <a:lnRef idx="1">
+              <a:schemeClr val="accent1"/>
+            </a:lnRef>
+            <a:fillRef idx="0">
+              <a:schemeClr val="accent1"/>
+            </a:fillRef>
+            <a:effectRef idx="0">
+              <a:schemeClr val="accent1"/>
+            </a:effectRef>
+            <a:fontRef idx="minor">
+              <a:schemeClr val="tx1"/>
+            </a:fontRef>
+          </p:style>
+        </p:cxnSp>
+        <p:cxnSp>
+          <p:nvCxnSpPr>
+            <p:cNvPr id="44" name="Straight Connector 43">
+              <a:extLst>
+                <a:ext uri="{FF2B5EF4-FFF2-40B4-BE49-F238E27FC236}">
+                  <a16:creationId xmlns:a16="http://schemas.microsoft.com/office/drawing/2014/main" id="{3FEEE85F-3A0C-BD44-AC45-FA61F3F8C316}"/>
+                </a:ext>
+              </a:extLst>
+            </p:cNvPr>
+            <p:cNvCxnSpPr/>
+            <p:nvPr/>
+          </p:nvCxnSpPr>
+          <p:spPr>
+            <a:xfrm>
+              <a:off x="4327454" y="3281917"/>
+              <a:ext cx="0" cy="627321"/>
+            </a:xfrm>
+            <a:prstGeom prst="line">
+              <a:avLst/>
+            </a:prstGeom>
+            <a:ln w="22225">
+              <a:solidFill>
+                <a:schemeClr val="tx1"/>
+              </a:solidFill>
+            </a:ln>
+          </p:spPr>
+          <p:style>
+            <a:lnRef idx="1">
+              <a:schemeClr val="accent1"/>
+            </a:lnRef>
+            <a:fillRef idx="0">
+              <a:schemeClr val="accent1"/>
+            </a:fillRef>
+            <a:effectRef idx="0">
+              <a:schemeClr val="accent1"/>
+            </a:effectRef>
+            <a:fontRef idx="minor">
+              <a:schemeClr val="tx1"/>
+            </a:fontRef>
+          </p:style>
+        </p:cxnSp>
+        <p:cxnSp>
+          <p:nvCxnSpPr>
+            <p:cNvPr id="45" name="Straight Connector 44">
+              <a:extLst>
+                <a:ext uri="{FF2B5EF4-FFF2-40B4-BE49-F238E27FC236}">
+                  <a16:creationId xmlns:a16="http://schemas.microsoft.com/office/drawing/2014/main" id="{D851481D-7194-0D4E-94D9-0A946BA5E393}"/>
+                </a:ext>
+              </a:extLst>
+            </p:cNvPr>
+            <p:cNvCxnSpPr/>
+            <p:nvPr/>
+          </p:nvCxnSpPr>
+          <p:spPr>
+            <a:xfrm>
+              <a:off x="4572003" y="3253563"/>
+              <a:ext cx="0" cy="627321"/>
+            </a:xfrm>
+            <a:prstGeom prst="line">
+              <a:avLst/>
+            </a:prstGeom>
+            <a:ln w="22225">
+              <a:solidFill>
+                <a:schemeClr val="tx1"/>
+              </a:solidFill>
+            </a:ln>
+          </p:spPr>
+          <p:style>
+            <a:lnRef idx="1">
+              <a:schemeClr val="accent1"/>
+            </a:lnRef>
+            <a:fillRef idx="0">
+              <a:schemeClr val="accent1"/>
+            </a:fillRef>
+            <a:effectRef idx="0">
+              <a:schemeClr val="accent1"/>
+            </a:effectRef>
+            <a:fontRef idx="minor">
+              <a:schemeClr val="tx1"/>
+            </a:fontRef>
+          </p:style>
+        </p:cxnSp>
+        <p:cxnSp>
+          <p:nvCxnSpPr>
+            <p:cNvPr id="46" name="Straight Connector 45">
+              <a:extLst>
+                <a:ext uri="{FF2B5EF4-FFF2-40B4-BE49-F238E27FC236}">
+                  <a16:creationId xmlns:a16="http://schemas.microsoft.com/office/drawing/2014/main" id="{E205BFA0-B291-3749-AD15-8D35872CF14E}"/>
+                </a:ext>
+              </a:extLst>
+            </p:cNvPr>
+            <p:cNvCxnSpPr/>
+            <p:nvPr/>
+          </p:nvCxnSpPr>
+          <p:spPr>
+            <a:xfrm>
+              <a:off x="4816552" y="3235842"/>
+              <a:ext cx="0" cy="627321"/>
+            </a:xfrm>
+            <a:prstGeom prst="line">
+              <a:avLst/>
+            </a:prstGeom>
+            <a:ln w="22225">
+              <a:solidFill>
+                <a:schemeClr val="tx1"/>
+              </a:solidFill>
+            </a:ln>
+          </p:spPr>
+          <p:style>
+            <a:lnRef idx="1">
+              <a:schemeClr val="accent1"/>
+            </a:lnRef>
+            <a:fillRef idx="0">
+              <a:schemeClr val="accent1"/>
+            </a:fillRef>
+            <a:effectRef idx="0">
+              <a:schemeClr val="accent1"/>
+            </a:effectRef>
+            <a:fontRef idx="minor">
+              <a:schemeClr val="tx1"/>
+            </a:fontRef>
+          </p:style>
+        </p:cxnSp>
+        <p:cxnSp>
+          <p:nvCxnSpPr>
+            <p:cNvPr id="47" name="Straight Connector 46">
+              <a:extLst>
+                <a:ext uri="{FF2B5EF4-FFF2-40B4-BE49-F238E27FC236}">
+                  <a16:creationId xmlns:a16="http://schemas.microsoft.com/office/drawing/2014/main" id="{24392F02-A542-B248-B09C-AB6AD680B817}"/>
+                </a:ext>
+              </a:extLst>
+            </p:cNvPr>
+            <p:cNvCxnSpPr>
+              <a:cxnSpLocks/>
+            </p:cNvCxnSpPr>
+            <p:nvPr/>
+          </p:nvCxnSpPr>
+          <p:spPr>
+            <a:xfrm>
+              <a:off x="5061101" y="3239387"/>
+              <a:ext cx="0" cy="591878"/>
+            </a:xfrm>
+            <a:prstGeom prst="line">
+              <a:avLst/>
+            </a:prstGeom>
+            <a:ln w="22225">
+              <a:solidFill>
+                <a:schemeClr val="tx1"/>
+              </a:solidFill>
+            </a:ln>
+          </p:spPr>
+          <p:style>
+            <a:lnRef idx="1">
+              <a:schemeClr val="accent1"/>
+            </a:lnRef>
+            <a:fillRef idx="0">
+              <a:schemeClr val="accent1"/>
+            </a:fillRef>
+            <a:effectRef idx="0">
+              <a:schemeClr val="accent1"/>
+            </a:effectRef>
+            <a:fontRef idx="minor">
+              <a:schemeClr val="tx1"/>
+            </a:fontRef>
+          </p:style>
+        </p:cxnSp>
+        <p:cxnSp>
+          <p:nvCxnSpPr>
+            <p:cNvPr id="48" name="Straight Connector 47">
+              <a:extLst>
+                <a:ext uri="{FF2B5EF4-FFF2-40B4-BE49-F238E27FC236}">
+                  <a16:creationId xmlns:a16="http://schemas.microsoft.com/office/drawing/2014/main" id="{73849680-A294-6745-86B1-9388844ACDF0}"/>
+                </a:ext>
+              </a:extLst>
+            </p:cNvPr>
+            <p:cNvCxnSpPr>
+              <a:cxnSpLocks/>
+            </p:cNvCxnSpPr>
+            <p:nvPr/>
+          </p:nvCxnSpPr>
+          <p:spPr>
+            <a:xfrm>
+              <a:off x="5305650" y="3211033"/>
+              <a:ext cx="0" cy="609600"/>
+            </a:xfrm>
+            <a:prstGeom prst="line">
+              <a:avLst/>
+            </a:prstGeom>
+            <a:ln w="22225">
+              <a:solidFill>
+                <a:schemeClr val="tx1"/>
+              </a:solidFill>
+            </a:ln>
+          </p:spPr>
+          <p:style>
+            <a:lnRef idx="1">
+              <a:schemeClr val="accent1"/>
+            </a:lnRef>
+            <a:fillRef idx="0">
+              <a:schemeClr val="accent1"/>
+            </a:fillRef>
+            <a:effectRef idx="0">
+              <a:schemeClr val="accent1"/>
+            </a:effectRef>
+            <a:fontRef idx="minor">
+              <a:schemeClr val="tx1"/>
+            </a:fontRef>
+          </p:style>
+        </p:cxnSp>
+        <p:cxnSp>
+          <p:nvCxnSpPr>
+            <p:cNvPr id="49" name="Straight Connector 48">
+              <a:extLst>
+                <a:ext uri="{FF2B5EF4-FFF2-40B4-BE49-F238E27FC236}">
+                  <a16:creationId xmlns:a16="http://schemas.microsoft.com/office/drawing/2014/main" id="{9AB0301E-5A45-4647-B9E0-E900A0308E6F}"/>
+                </a:ext>
+              </a:extLst>
+            </p:cNvPr>
+            <p:cNvCxnSpPr>
+              <a:cxnSpLocks/>
+            </p:cNvCxnSpPr>
+            <p:nvPr/>
+          </p:nvCxnSpPr>
+          <p:spPr>
+            <a:xfrm>
+              <a:off x="5550199" y="3193312"/>
+              <a:ext cx="0" cy="616688"/>
+            </a:xfrm>
+            <a:prstGeom prst="line">
+              <a:avLst/>
+            </a:prstGeom>
+            <a:ln w="22225">
+              <a:solidFill>
+                <a:schemeClr val="tx1"/>
+              </a:solidFill>
+            </a:ln>
+          </p:spPr>
+          <p:style>
+            <a:lnRef idx="1">
+              <a:schemeClr val="accent1"/>
+            </a:lnRef>
+            <a:fillRef idx="0">
+              <a:schemeClr val="accent1"/>
+            </a:fillRef>
+            <a:effectRef idx="0">
+              <a:schemeClr val="accent1"/>
+            </a:effectRef>
+            <a:fontRef idx="minor">
+              <a:schemeClr val="tx1"/>
+            </a:fontRef>
+          </p:style>
+        </p:cxnSp>
+        <p:cxnSp>
+          <p:nvCxnSpPr>
+            <p:cNvPr id="50" name="Straight Connector 49">
+              <a:extLst>
+                <a:ext uri="{FF2B5EF4-FFF2-40B4-BE49-F238E27FC236}">
+                  <a16:creationId xmlns:a16="http://schemas.microsoft.com/office/drawing/2014/main" id="{5790EAD5-7533-D248-8F99-18A35D996BE3}"/>
+                </a:ext>
+              </a:extLst>
+            </p:cNvPr>
+            <p:cNvCxnSpPr>
+              <a:cxnSpLocks/>
+            </p:cNvCxnSpPr>
+            <p:nvPr/>
+          </p:nvCxnSpPr>
+          <p:spPr>
+            <a:xfrm>
+              <a:off x="5794748" y="3179136"/>
+              <a:ext cx="0" cy="598967"/>
+            </a:xfrm>
+            <a:prstGeom prst="line">
+              <a:avLst/>
+            </a:prstGeom>
+            <a:ln w="22225">
+              <a:solidFill>
+                <a:schemeClr val="tx1"/>
+              </a:solidFill>
+            </a:ln>
+          </p:spPr>
+          <p:style>
+            <a:lnRef idx="1">
+              <a:schemeClr val="accent1"/>
+            </a:lnRef>
+            <a:fillRef idx="0">
+              <a:schemeClr val="accent1"/>
+            </a:fillRef>
+            <a:effectRef idx="0">
+              <a:schemeClr val="accent1"/>
+            </a:effectRef>
+            <a:fontRef idx="minor">
+              <a:schemeClr val="tx1"/>
+            </a:fontRef>
+          </p:style>
+        </p:cxnSp>
+        <p:cxnSp>
+          <p:nvCxnSpPr>
+            <p:cNvPr id="51" name="Straight Connector 50">
+              <a:extLst>
+                <a:ext uri="{FF2B5EF4-FFF2-40B4-BE49-F238E27FC236}">
+                  <a16:creationId xmlns:a16="http://schemas.microsoft.com/office/drawing/2014/main" id="{2DC14EAB-AEF4-D349-99DA-0B56A566947B}"/>
+                </a:ext>
+              </a:extLst>
+            </p:cNvPr>
+            <p:cNvCxnSpPr>
+              <a:cxnSpLocks/>
+            </p:cNvCxnSpPr>
+            <p:nvPr/>
+          </p:nvCxnSpPr>
+          <p:spPr>
+            <a:xfrm>
+              <a:off x="6039297" y="3150782"/>
+              <a:ext cx="0" cy="606055"/>
+            </a:xfrm>
+            <a:prstGeom prst="line">
+              <a:avLst/>
+            </a:prstGeom>
+            <a:ln w="22225">
+              <a:solidFill>
+                <a:schemeClr val="tx1"/>
+              </a:solidFill>
+            </a:ln>
+          </p:spPr>
+          <p:style>
+            <a:lnRef idx="1">
+              <a:schemeClr val="accent1"/>
+            </a:lnRef>
+            <a:fillRef idx="0">
+              <a:schemeClr val="accent1"/>
+            </a:fillRef>
+            <a:effectRef idx="0">
+              <a:schemeClr val="accent1"/>
+            </a:effectRef>
+            <a:fontRef idx="minor">
+              <a:schemeClr val="tx1"/>
+            </a:fontRef>
+          </p:style>
+        </p:cxnSp>
+        <p:cxnSp>
+          <p:nvCxnSpPr>
+            <p:cNvPr id="52" name="Straight Connector 51">
+              <a:extLst>
+                <a:ext uri="{FF2B5EF4-FFF2-40B4-BE49-F238E27FC236}">
+                  <a16:creationId xmlns:a16="http://schemas.microsoft.com/office/drawing/2014/main" id="{F1019B57-284E-C94E-8ED9-ACF24E2DF24F}"/>
+                </a:ext>
+              </a:extLst>
+            </p:cNvPr>
+            <p:cNvCxnSpPr>
+              <a:cxnSpLocks/>
+            </p:cNvCxnSpPr>
+            <p:nvPr/>
+          </p:nvCxnSpPr>
+          <p:spPr>
+            <a:xfrm>
+              <a:off x="6283846" y="3133061"/>
+              <a:ext cx="0" cy="613144"/>
+            </a:xfrm>
+            <a:prstGeom prst="line">
+              <a:avLst/>
+            </a:prstGeom>
+            <a:ln w="22225">
+              <a:solidFill>
+                <a:schemeClr val="tx1"/>
+              </a:solidFill>
+            </a:ln>
+          </p:spPr>
+          <p:style>
+            <a:lnRef idx="1">
+              <a:schemeClr val="accent1"/>
+            </a:lnRef>
+            <a:fillRef idx="0">
+              <a:schemeClr val="accent1"/>
+            </a:fillRef>
+            <a:effectRef idx="0">
+              <a:schemeClr val="accent1"/>
+            </a:effectRef>
+            <a:fontRef idx="minor">
+              <a:schemeClr val="tx1"/>
+            </a:fontRef>
+          </p:style>
+        </p:cxnSp>
+        <p:cxnSp>
+          <p:nvCxnSpPr>
+            <p:cNvPr id="53" name="Straight Connector 52">
+              <a:extLst>
+                <a:ext uri="{FF2B5EF4-FFF2-40B4-BE49-F238E27FC236}">
+                  <a16:creationId xmlns:a16="http://schemas.microsoft.com/office/drawing/2014/main" id="{5A5BF8F6-1848-4149-A099-738F1DB2A6F0}"/>
+                </a:ext>
+              </a:extLst>
+            </p:cNvPr>
+            <p:cNvCxnSpPr/>
+            <p:nvPr/>
+          </p:nvCxnSpPr>
+          <p:spPr>
+            <a:xfrm>
+              <a:off x="6528395" y="3108251"/>
+              <a:ext cx="0" cy="627321"/>
+            </a:xfrm>
+            <a:prstGeom prst="line">
+              <a:avLst/>
+            </a:prstGeom>
+            <a:ln w="22225">
+              <a:solidFill>
+                <a:schemeClr val="tx1"/>
+              </a:solidFill>
+            </a:ln>
+          </p:spPr>
+          <p:style>
+            <a:lnRef idx="1">
+              <a:schemeClr val="accent1"/>
+            </a:lnRef>
+            <a:fillRef idx="0">
+              <a:schemeClr val="accent1"/>
+            </a:fillRef>
+            <a:effectRef idx="0">
+              <a:schemeClr val="accent1"/>
+            </a:effectRef>
+            <a:fontRef idx="minor">
+              <a:schemeClr val="tx1"/>
+            </a:fontRef>
+          </p:style>
+        </p:cxnSp>
+        <p:cxnSp>
+          <p:nvCxnSpPr>
+            <p:cNvPr id="54" name="Straight Connector 53">
+              <a:extLst>
+                <a:ext uri="{FF2B5EF4-FFF2-40B4-BE49-F238E27FC236}">
+                  <a16:creationId xmlns:a16="http://schemas.microsoft.com/office/drawing/2014/main" id="{2FD582F7-CD13-E349-9038-442D673C26BF}"/>
+                </a:ext>
+              </a:extLst>
+            </p:cNvPr>
+            <p:cNvCxnSpPr/>
+            <p:nvPr/>
+          </p:nvCxnSpPr>
+          <p:spPr>
+            <a:xfrm>
+              <a:off x="6772944" y="3079897"/>
+              <a:ext cx="0" cy="627321"/>
+            </a:xfrm>
+            <a:prstGeom prst="line">
+              <a:avLst/>
+            </a:prstGeom>
+            <a:ln w="22225">
+              <a:solidFill>
+                <a:schemeClr val="tx1"/>
+              </a:solidFill>
+            </a:ln>
+          </p:spPr>
+          <p:style>
+            <a:lnRef idx="1">
+              <a:schemeClr val="accent1"/>
+            </a:lnRef>
+            <a:fillRef idx="0">
+              <a:schemeClr val="accent1"/>
+            </a:fillRef>
+            <a:effectRef idx="0">
+              <a:schemeClr val="accent1"/>
+            </a:effectRef>
+            <a:fontRef idx="minor">
+              <a:schemeClr val="tx1"/>
+            </a:fontRef>
+          </p:style>
+        </p:cxnSp>
+        <p:cxnSp>
+          <p:nvCxnSpPr>
+            <p:cNvPr id="55" name="Straight Connector 54">
+              <a:extLst>
+                <a:ext uri="{FF2B5EF4-FFF2-40B4-BE49-F238E27FC236}">
+                  <a16:creationId xmlns:a16="http://schemas.microsoft.com/office/drawing/2014/main" id="{83988DAE-EEE2-114C-A7B0-E4C015D29D4C}"/>
+                </a:ext>
+              </a:extLst>
+            </p:cNvPr>
+            <p:cNvCxnSpPr/>
+            <p:nvPr/>
+          </p:nvCxnSpPr>
+          <p:spPr>
+            <a:xfrm>
+              <a:off x="7017493" y="3062176"/>
+              <a:ext cx="0" cy="627321"/>
+            </a:xfrm>
+            <a:prstGeom prst="line">
+              <a:avLst/>
+            </a:prstGeom>
+            <a:ln w="22225">
+              <a:solidFill>
+                <a:schemeClr val="tx1"/>
+              </a:solidFill>
+            </a:ln>
+          </p:spPr>
+          <p:style>
+            <a:lnRef idx="1">
+              <a:schemeClr val="accent1"/>
+            </a:lnRef>
+            <a:fillRef idx="0">
+              <a:schemeClr val="accent1"/>
+            </a:fillRef>
+            <a:effectRef idx="0">
+              <a:schemeClr val="accent1"/>
+            </a:effectRef>
+            <a:fontRef idx="minor">
+              <a:schemeClr val="tx1"/>
+            </a:fontRef>
+          </p:style>
+        </p:cxnSp>
+        <p:cxnSp>
+          <p:nvCxnSpPr>
+            <p:cNvPr id="56" name="Straight Connector 55">
+              <a:extLst>
+                <a:ext uri="{FF2B5EF4-FFF2-40B4-BE49-F238E27FC236}">
+                  <a16:creationId xmlns:a16="http://schemas.microsoft.com/office/drawing/2014/main" id="{8B8D598A-E99E-2E43-A488-34717CBBBB5C}"/>
+                </a:ext>
+              </a:extLst>
+            </p:cNvPr>
+            <p:cNvCxnSpPr/>
+            <p:nvPr/>
+          </p:nvCxnSpPr>
+          <p:spPr>
+            <a:xfrm>
+              <a:off x="7262042" y="3048000"/>
+              <a:ext cx="0" cy="627321"/>
+            </a:xfrm>
+            <a:prstGeom prst="line">
+              <a:avLst/>
+            </a:prstGeom>
+            <a:ln w="22225">
+              <a:solidFill>
+                <a:schemeClr val="tx1"/>
+              </a:solidFill>
+            </a:ln>
+          </p:spPr>
+          <p:style>
+            <a:lnRef idx="1">
+              <a:schemeClr val="accent1"/>
+            </a:lnRef>
+            <a:fillRef idx="0">
+              <a:schemeClr val="accent1"/>
+            </a:fillRef>
+            <a:effectRef idx="0">
+              <a:schemeClr val="accent1"/>
+            </a:effectRef>
+            <a:fontRef idx="minor">
+              <a:schemeClr val="tx1"/>
+            </a:fontRef>
+          </p:style>
+        </p:cxnSp>
+        <p:cxnSp>
+          <p:nvCxnSpPr>
+            <p:cNvPr id="57" name="Straight Connector 56">
+              <a:extLst>
+                <a:ext uri="{FF2B5EF4-FFF2-40B4-BE49-F238E27FC236}">
+                  <a16:creationId xmlns:a16="http://schemas.microsoft.com/office/drawing/2014/main" id="{5130AD9D-ADF8-A54A-A332-6EAF71755430}"/>
+                </a:ext>
+              </a:extLst>
+            </p:cNvPr>
+            <p:cNvCxnSpPr/>
+            <p:nvPr/>
+          </p:nvCxnSpPr>
+          <p:spPr>
+            <a:xfrm>
+              <a:off x="7506586" y="3019646"/>
+              <a:ext cx="0" cy="627321"/>
+            </a:xfrm>
+            <a:prstGeom prst="line">
+              <a:avLst/>
+            </a:prstGeom>
+            <a:ln w="22225">
+              <a:solidFill>
+                <a:schemeClr val="tx1"/>
+              </a:solidFill>
+            </a:ln>
+          </p:spPr>
+          <p:style>
+            <a:lnRef idx="1">
+              <a:schemeClr val="accent1"/>
+            </a:lnRef>
+            <a:fillRef idx="0">
+              <a:schemeClr val="accent1"/>
+            </a:fillRef>
+            <a:effectRef idx="0">
+              <a:schemeClr val="accent1"/>
+            </a:effectRef>
+            <a:fontRef idx="minor">
+              <a:schemeClr val="tx1"/>
+            </a:fontRef>
+          </p:style>
+        </p:cxnSp>
+      </p:grpSp>
       <p:sp>
         <p:nvSpPr>
-          <p:cNvPr id="24" name="Freeform 23">
+          <p:cNvPr id="58" name="Freeform 57">
             <a:extLst>
               <a:ext uri="{FF2B5EF4-FFF2-40B4-BE49-F238E27FC236}">
-                <a16:creationId xmlns:a16="http://schemas.microsoft.com/office/drawing/2014/main" id="{FBA93834-A9E3-284C-8A65-50CD29D6C022}"/>
+                <a16:creationId xmlns:a16="http://schemas.microsoft.com/office/drawing/2014/main" id="{C2829C8A-F0F8-8945-BCE5-8AE82FF23B6C}"/>
+              </a:ext>
+            </a:extLst>
+          </p:cNvPr>
+          <p:cNvSpPr/>
+          <p:nvPr/>
+        </p:nvSpPr>
+        <p:spPr>
+          <a:xfrm>
+            <a:off x="5603354" y="3370526"/>
+            <a:ext cx="162383" cy="255175"/>
+          </a:xfrm>
+          <a:custGeom>
+            <a:avLst/>
+            <a:gdLst>
+              <a:gd name="connsiteX0" fmla="*/ 0 w 116958"/>
+              <a:gd name="connsiteY0" fmla="*/ 127590 h 159488"/>
+              <a:gd name="connsiteX1" fmla="*/ 0 w 116958"/>
+              <a:gd name="connsiteY1" fmla="*/ 127590 h 159488"/>
+              <a:gd name="connsiteX2" fmla="*/ 10632 w 116958"/>
+              <a:gd name="connsiteY2" fmla="*/ 0 h 159488"/>
+              <a:gd name="connsiteX3" fmla="*/ 74428 w 116958"/>
+              <a:gd name="connsiteY3" fmla="*/ 0 h 159488"/>
+              <a:gd name="connsiteX4" fmla="*/ 116958 w 116958"/>
+              <a:gd name="connsiteY4" fmla="*/ 53162 h 159488"/>
+              <a:gd name="connsiteX5" fmla="*/ 74428 w 116958"/>
+              <a:gd name="connsiteY5" fmla="*/ 159488 h 159488"/>
+            </a:gdLst>
+            <a:ahLst/>
+            <a:cxnLst>
+              <a:cxn ang="0">
+                <a:pos x="connsiteX0" y="connsiteY0"/>
+              </a:cxn>
+              <a:cxn ang="0">
+                <a:pos x="connsiteX1" y="connsiteY1"/>
+              </a:cxn>
+              <a:cxn ang="0">
+                <a:pos x="connsiteX2" y="connsiteY2"/>
+              </a:cxn>
+              <a:cxn ang="0">
+                <a:pos x="connsiteX3" y="connsiteY3"/>
+              </a:cxn>
+              <a:cxn ang="0">
+                <a:pos x="connsiteX4" y="connsiteY4"/>
+              </a:cxn>
+              <a:cxn ang="0">
+                <a:pos x="connsiteX5" y="connsiteY5"/>
+              </a:cxn>
+            </a:cxnLst>
+            <a:rect l="l" t="t" r="r" b="b"/>
+            <a:pathLst>
+              <a:path w="116958" h="159488">
+                <a:moveTo>
+                  <a:pt x="0" y="127590"/>
+                </a:moveTo>
+                <a:lnTo>
+                  <a:pt x="0" y="127590"/>
+                </a:lnTo>
+                <a:lnTo>
+                  <a:pt x="10632" y="0"/>
+                </a:lnTo>
+                <a:lnTo>
+                  <a:pt x="74428" y="0"/>
+                </a:lnTo>
+                <a:lnTo>
+                  <a:pt x="116958" y="53162"/>
+                </a:lnTo>
+                <a:lnTo>
+                  <a:pt x="74428" y="159488"/>
+                </a:lnTo>
+              </a:path>
+            </a:pathLst>
+          </a:custGeom>
+          <a:solidFill>
+            <a:schemeClr val="tx1"/>
+          </a:solidFill>
+          <a:ln>
+            <a:noFill/>
+          </a:ln>
+        </p:spPr>
+        <p:style>
+          <a:lnRef idx="2">
+            <a:schemeClr val="accent1">
+              <a:shade val="50000"/>
+            </a:schemeClr>
+          </a:lnRef>
+          <a:fillRef idx="1">
+            <a:schemeClr val="accent1"/>
+          </a:fillRef>
+          <a:effectRef idx="0">
+            <a:schemeClr val="accent1"/>
+          </a:effectRef>
+          <a:fontRef idx="minor">
+            <a:schemeClr val="lt1"/>
+          </a:fontRef>
+        </p:style>
+        <p:txBody>
+          <a:bodyPr rtlCol="0" anchor="ctr"/>
+          <a:lstStyle/>
+          <a:p>
+            <a:pPr algn="ctr"/>
+            <a:endParaRPr lang="en-US"/>
+          </a:p>
+        </p:txBody>
+      </p:sp>
+      <p:sp>
+        <p:nvSpPr>
+          <p:cNvPr id="59" name="Freeform 58">
+            <a:extLst>
+              <a:ext uri="{FF2B5EF4-FFF2-40B4-BE49-F238E27FC236}">
+                <a16:creationId xmlns:a16="http://schemas.microsoft.com/office/drawing/2014/main" id="{62AE9327-0A12-8049-A3EE-A4361AE90CB8}"/>
               </a:ext>
             </a:extLst>
           </p:cNvPr>
@@ -4546,1417 +5946,15 @@
               </a:path>
             </a:pathLst>
           </a:custGeom>
-          <a:pattFill prst="pct10">
+          <a:pattFill prst="pct5">
             <a:fgClr>
-              <a:schemeClr val="bg2">
-                <a:lumMod val="75000"/>
-              </a:schemeClr>
+              <a:schemeClr val="tx1"/>
             </a:fgClr>
             <a:bgClr>
               <a:schemeClr val="bg1"/>
             </a:bgClr>
           </a:pattFill>
           <a:ln w="22225">
-            <a:noFill/>
-          </a:ln>
-        </p:spPr>
-        <p:style>
-          <a:lnRef idx="2">
-            <a:schemeClr val="accent1">
-              <a:shade val="50000"/>
-            </a:schemeClr>
-          </a:lnRef>
-          <a:fillRef idx="1">
-            <a:schemeClr val="accent1"/>
-          </a:fillRef>
-          <a:effectRef idx="0">
-            <a:schemeClr val="accent1"/>
-          </a:effectRef>
-          <a:fontRef idx="minor">
-            <a:schemeClr val="lt1"/>
-          </a:fontRef>
-        </p:style>
-        <p:txBody>
-          <a:bodyPr rtlCol="0" anchor="ctr"/>
-          <a:lstStyle/>
-          <a:p>
-            <a:pPr algn="ctr"/>
-            <a:endParaRPr lang="en-US"/>
-          </a:p>
-        </p:txBody>
-      </p:sp>
-      <p:grpSp>
-        <p:nvGrpSpPr>
-          <p:cNvPr id="25" name="Group 24">
-            <a:extLst>
-              <a:ext uri="{FF2B5EF4-FFF2-40B4-BE49-F238E27FC236}">
-                <a16:creationId xmlns:a16="http://schemas.microsoft.com/office/drawing/2014/main" id="{866EFF3D-9EB8-FC4C-B0EF-56BE77175574}"/>
-              </a:ext>
-            </a:extLst>
-          </p:cNvPr>
-          <p:cNvGrpSpPr/>
-          <p:nvPr/>
-        </p:nvGrpSpPr>
-        <p:grpSpPr>
-          <a:xfrm>
-            <a:off x="493900" y="3019646"/>
-            <a:ext cx="7233806" cy="1201480"/>
-            <a:chOff x="493900" y="3019646"/>
-            <a:chExt cx="7233806" cy="1201480"/>
-          </a:xfrm>
-        </p:grpSpPr>
-        <p:sp>
-          <p:nvSpPr>
-            <p:cNvPr id="27" name="Parallelogram 26">
-              <a:extLst>
-                <a:ext uri="{FF2B5EF4-FFF2-40B4-BE49-F238E27FC236}">
-                  <a16:creationId xmlns:a16="http://schemas.microsoft.com/office/drawing/2014/main" id="{6242EC77-9DAD-D649-85D4-C24C2DEBDE44}"/>
-                </a:ext>
-              </a:extLst>
-            </p:cNvPr>
-            <p:cNvSpPr/>
-            <p:nvPr/>
-          </p:nvSpPr>
-          <p:spPr>
-            <a:xfrm rot="10525432">
-              <a:off x="493900" y="3316100"/>
-              <a:ext cx="7233806" cy="609776"/>
-            </a:xfrm>
-            <a:prstGeom prst="parallelogram">
-              <a:avLst>
-                <a:gd name="adj" fmla="val 9124"/>
-              </a:avLst>
-            </a:prstGeom>
-            <a:solidFill>
-              <a:schemeClr val="bg1"/>
-            </a:solidFill>
-            <a:ln w="22225">
-              <a:solidFill>
-                <a:schemeClr val="tx1"/>
-              </a:solidFill>
-            </a:ln>
-          </p:spPr>
-          <p:style>
-            <a:lnRef idx="2">
-              <a:schemeClr val="accent1">
-                <a:shade val="50000"/>
-              </a:schemeClr>
-            </a:lnRef>
-            <a:fillRef idx="1">
-              <a:schemeClr val="accent1"/>
-            </a:fillRef>
-            <a:effectRef idx="0">
-              <a:schemeClr val="accent1"/>
-            </a:effectRef>
-            <a:fontRef idx="minor">
-              <a:schemeClr val="lt1"/>
-            </a:fontRef>
-          </p:style>
-          <p:txBody>
-            <a:bodyPr rtlCol="0" anchor="ctr"/>
-            <a:lstStyle/>
-            <a:p>
-              <a:pPr algn="ctr"/>
-              <a:endParaRPr lang="en-US"/>
-            </a:p>
-          </p:txBody>
-        </p:sp>
-        <p:cxnSp>
-          <p:nvCxnSpPr>
-            <p:cNvPr id="28" name="Straight Connector 27">
-              <a:extLst>
-                <a:ext uri="{FF2B5EF4-FFF2-40B4-BE49-F238E27FC236}">
-                  <a16:creationId xmlns:a16="http://schemas.microsoft.com/office/drawing/2014/main" id="{80085CD2-965B-6C4F-9F59-110E072EDF6A}"/>
-                </a:ext>
-              </a:extLst>
-            </p:cNvPr>
-            <p:cNvCxnSpPr/>
-            <p:nvPr/>
-          </p:nvCxnSpPr>
-          <p:spPr>
-            <a:xfrm>
-              <a:off x="659219" y="3593805"/>
-              <a:ext cx="0" cy="627321"/>
-            </a:xfrm>
-            <a:prstGeom prst="line">
-              <a:avLst/>
-            </a:prstGeom>
-            <a:ln w="22225">
-              <a:solidFill>
-                <a:schemeClr val="tx1"/>
-              </a:solidFill>
-            </a:ln>
-          </p:spPr>
-          <p:style>
-            <a:lnRef idx="1">
-              <a:schemeClr val="accent1"/>
-            </a:lnRef>
-            <a:fillRef idx="0">
-              <a:schemeClr val="accent1"/>
-            </a:fillRef>
-            <a:effectRef idx="0">
-              <a:schemeClr val="accent1"/>
-            </a:effectRef>
-            <a:fontRef idx="minor">
-              <a:schemeClr val="tx1"/>
-            </a:fontRef>
-          </p:style>
-        </p:cxnSp>
-        <p:cxnSp>
-          <p:nvCxnSpPr>
-            <p:cNvPr id="29" name="Straight Connector 28">
-              <a:extLst>
-                <a:ext uri="{FF2B5EF4-FFF2-40B4-BE49-F238E27FC236}">
-                  <a16:creationId xmlns:a16="http://schemas.microsoft.com/office/drawing/2014/main" id="{263B872B-D313-B945-8D73-E35BB983B98E}"/>
-                </a:ext>
-              </a:extLst>
-            </p:cNvPr>
-            <p:cNvCxnSpPr/>
-            <p:nvPr/>
-          </p:nvCxnSpPr>
-          <p:spPr>
-            <a:xfrm>
-              <a:off x="903768" y="3565451"/>
-              <a:ext cx="0" cy="627321"/>
-            </a:xfrm>
-            <a:prstGeom prst="line">
-              <a:avLst/>
-            </a:prstGeom>
-            <a:ln w="22225">
-              <a:solidFill>
-                <a:schemeClr val="tx1"/>
-              </a:solidFill>
-            </a:ln>
-          </p:spPr>
-          <p:style>
-            <a:lnRef idx="1">
-              <a:schemeClr val="accent1"/>
-            </a:lnRef>
-            <a:fillRef idx="0">
-              <a:schemeClr val="accent1"/>
-            </a:fillRef>
-            <a:effectRef idx="0">
-              <a:schemeClr val="accent1"/>
-            </a:effectRef>
-            <a:fontRef idx="minor">
-              <a:schemeClr val="tx1"/>
-            </a:fontRef>
-          </p:style>
-        </p:cxnSp>
-        <p:cxnSp>
-          <p:nvCxnSpPr>
-            <p:cNvPr id="31" name="Straight Connector 30">
-              <a:extLst>
-                <a:ext uri="{FF2B5EF4-FFF2-40B4-BE49-F238E27FC236}">
-                  <a16:creationId xmlns:a16="http://schemas.microsoft.com/office/drawing/2014/main" id="{D9CF99E9-805F-EF46-9B9A-2A65B3D37209}"/>
-                </a:ext>
-              </a:extLst>
-            </p:cNvPr>
-            <p:cNvCxnSpPr/>
-            <p:nvPr/>
-          </p:nvCxnSpPr>
-          <p:spPr>
-            <a:xfrm>
-              <a:off x="1148317" y="3547730"/>
-              <a:ext cx="0" cy="627321"/>
-            </a:xfrm>
-            <a:prstGeom prst="line">
-              <a:avLst/>
-            </a:prstGeom>
-            <a:ln w="22225">
-              <a:solidFill>
-                <a:schemeClr val="tx1"/>
-              </a:solidFill>
-            </a:ln>
-          </p:spPr>
-          <p:style>
-            <a:lnRef idx="1">
-              <a:schemeClr val="accent1"/>
-            </a:lnRef>
-            <a:fillRef idx="0">
-              <a:schemeClr val="accent1"/>
-            </a:fillRef>
-            <a:effectRef idx="0">
-              <a:schemeClr val="accent1"/>
-            </a:effectRef>
-            <a:fontRef idx="minor">
-              <a:schemeClr val="tx1"/>
-            </a:fontRef>
-          </p:style>
-        </p:cxnSp>
-        <p:cxnSp>
-          <p:nvCxnSpPr>
-            <p:cNvPr id="32" name="Straight Connector 31">
-              <a:extLst>
-                <a:ext uri="{FF2B5EF4-FFF2-40B4-BE49-F238E27FC236}">
-                  <a16:creationId xmlns:a16="http://schemas.microsoft.com/office/drawing/2014/main" id="{5BB03258-E2E1-0445-A372-61CA508422F2}"/>
-                </a:ext>
-              </a:extLst>
-            </p:cNvPr>
-            <p:cNvCxnSpPr/>
-            <p:nvPr/>
-          </p:nvCxnSpPr>
-          <p:spPr>
-            <a:xfrm>
-              <a:off x="1392866" y="3533554"/>
-              <a:ext cx="0" cy="627321"/>
-            </a:xfrm>
-            <a:prstGeom prst="line">
-              <a:avLst/>
-            </a:prstGeom>
-            <a:ln w="22225">
-              <a:solidFill>
-                <a:schemeClr val="tx1"/>
-              </a:solidFill>
-            </a:ln>
-          </p:spPr>
-          <p:style>
-            <a:lnRef idx="1">
-              <a:schemeClr val="accent1"/>
-            </a:lnRef>
-            <a:fillRef idx="0">
-              <a:schemeClr val="accent1"/>
-            </a:fillRef>
-            <a:effectRef idx="0">
-              <a:schemeClr val="accent1"/>
-            </a:effectRef>
-            <a:fontRef idx="minor">
-              <a:schemeClr val="tx1"/>
-            </a:fontRef>
-          </p:style>
-        </p:cxnSp>
-        <p:cxnSp>
-          <p:nvCxnSpPr>
-            <p:cNvPr id="33" name="Straight Connector 32">
-              <a:extLst>
-                <a:ext uri="{FF2B5EF4-FFF2-40B4-BE49-F238E27FC236}">
-                  <a16:creationId xmlns:a16="http://schemas.microsoft.com/office/drawing/2014/main" id="{25D32622-F128-E449-9EBE-D75F3D39D2C1}"/>
-                </a:ext>
-              </a:extLst>
-            </p:cNvPr>
-            <p:cNvCxnSpPr/>
-            <p:nvPr/>
-          </p:nvCxnSpPr>
-          <p:spPr>
-            <a:xfrm>
-              <a:off x="1637415" y="3505200"/>
-              <a:ext cx="0" cy="627321"/>
-            </a:xfrm>
-            <a:prstGeom prst="line">
-              <a:avLst/>
-            </a:prstGeom>
-            <a:ln w="22225">
-              <a:solidFill>
-                <a:schemeClr val="tx1"/>
-              </a:solidFill>
-            </a:ln>
-          </p:spPr>
-          <p:style>
-            <a:lnRef idx="1">
-              <a:schemeClr val="accent1"/>
-            </a:lnRef>
-            <a:fillRef idx="0">
-              <a:schemeClr val="accent1"/>
-            </a:fillRef>
-            <a:effectRef idx="0">
-              <a:schemeClr val="accent1"/>
-            </a:effectRef>
-            <a:fontRef idx="minor">
-              <a:schemeClr val="tx1"/>
-            </a:fontRef>
-          </p:style>
-        </p:cxnSp>
-        <p:cxnSp>
-          <p:nvCxnSpPr>
-            <p:cNvPr id="34" name="Straight Connector 33">
-              <a:extLst>
-                <a:ext uri="{FF2B5EF4-FFF2-40B4-BE49-F238E27FC236}">
-                  <a16:creationId xmlns:a16="http://schemas.microsoft.com/office/drawing/2014/main" id="{351CA9A6-CA68-964C-9A2B-5C86188897E3}"/>
-                </a:ext>
-              </a:extLst>
-            </p:cNvPr>
-            <p:cNvCxnSpPr/>
-            <p:nvPr/>
-          </p:nvCxnSpPr>
-          <p:spPr>
-            <a:xfrm>
-              <a:off x="1881964" y="3487479"/>
-              <a:ext cx="0" cy="627321"/>
-            </a:xfrm>
-            <a:prstGeom prst="line">
-              <a:avLst/>
-            </a:prstGeom>
-            <a:ln w="22225">
-              <a:solidFill>
-                <a:schemeClr val="tx1"/>
-              </a:solidFill>
-            </a:ln>
-          </p:spPr>
-          <p:style>
-            <a:lnRef idx="1">
-              <a:schemeClr val="accent1"/>
-            </a:lnRef>
-            <a:fillRef idx="0">
-              <a:schemeClr val="accent1"/>
-            </a:fillRef>
-            <a:effectRef idx="0">
-              <a:schemeClr val="accent1"/>
-            </a:effectRef>
-            <a:fontRef idx="minor">
-              <a:schemeClr val="tx1"/>
-            </a:fontRef>
-          </p:style>
-        </p:cxnSp>
-        <p:cxnSp>
-          <p:nvCxnSpPr>
-            <p:cNvPr id="35" name="Straight Connector 34">
-              <a:extLst>
-                <a:ext uri="{FF2B5EF4-FFF2-40B4-BE49-F238E27FC236}">
-                  <a16:creationId xmlns:a16="http://schemas.microsoft.com/office/drawing/2014/main" id="{84CB756C-862F-3D46-926D-819FB1F5FB84}"/>
-                </a:ext>
-              </a:extLst>
-            </p:cNvPr>
-            <p:cNvCxnSpPr>
-              <a:cxnSpLocks/>
-            </p:cNvCxnSpPr>
-            <p:nvPr/>
-          </p:nvCxnSpPr>
-          <p:spPr>
-            <a:xfrm>
-              <a:off x="2126513" y="3491024"/>
-              <a:ext cx="0" cy="591878"/>
-            </a:xfrm>
-            <a:prstGeom prst="line">
-              <a:avLst/>
-            </a:prstGeom>
-            <a:ln w="22225">
-              <a:solidFill>
-                <a:schemeClr val="tx1"/>
-              </a:solidFill>
-            </a:ln>
-          </p:spPr>
-          <p:style>
-            <a:lnRef idx="1">
-              <a:schemeClr val="accent1"/>
-            </a:lnRef>
-            <a:fillRef idx="0">
-              <a:schemeClr val="accent1"/>
-            </a:fillRef>
-            <a:effectRef idx="0">
-              <a:schemeClr val="accent1"/>
-            </a:effectRef>
-            <a:fontRef idx="minor">
-              <a:schemeClr val="tx1"/>
-            </a:fontRef>
-          </p:style>
-        </p:cxnSp>
-        <p:cxnSp>
-          <p:nvCxnSpPr>
-            <p:cNvPr id="36" name="Straight Connector 35">
-              <a:extLst>
-                <a:ext uri="{FF2B5EF4-FFF2-40B4-BE49-F238E27FC236}">
-                  <a16:creationId xmlns:a16="http://schemas.microsoft.com/office/drawing/2014/main" id="{8920BAB8-DD40-B04F-8149-B1BA4E6E8655}"/>
-                </a:ext>
-              </a:extLst>
-            </p:cNvPr>
-            <p:cNvCxnSpPr>
-              <a:cxnSpLocks/>
-            </p:cNvCxnSpPr>
-            <p:nvPr/>
-          </p:nvCxnSpPr>
-          <p:spPr>
-            <a:xfrm>
-              <a:off x="2371062" y="3462670"/>
-              <a:ext cx="0" cy="609600"/>
-            </a:xfrm>
-            <a:prstGeom prst="line">
-              <a:avLst/>
-            </a:prstGeom>
-            <a:ln w="22225">
-              <a:solidFill>
-                <a:schemeClr val="tx1"/>
-              </a:solidFill>
-            </a:ln>
-          </p:spPr>
-          <p:style>
-            <a:lnRef idx="1">
-              <a:schemeClr val="accent1"/>
-            </a:lnRef>
-            <a:fillRef idx="0">
-              <a:schemeClr val="accent1"/>
-            </a:fillRef>
-            <a:effectRef idx="0">
-              <a:schemeClr val="accent1"/>
-            </a:effectRef>
-            <a:fontRef idx="minor">
-              <a:schemeClr val="tx1"/>
-            </a:fontRef>
-          </p:style>
-        </p:cxnSp>
-        <p:cxnSp>
-          <p:nvCxnSpPr>
-            <p:cNvPr id="37" name="Straight Connector 36">
-              <a:extLst>
-                <a:ext uri="{FF2B5EF4-FFF2-40B4-BE49-F238E27FC236}">
-                  <a16:creationId xmlns:a16="http://schemas.microsoft.com/office/drawing/2014/main" id="{58381D1F-CCA7-D04D-B21B-564292F88082}"/>
-                </a:ext>
-              </a:extLst>
-            </p:cNvPr>
-            <p:cNvCxnSpPr>
-              <a:cxnSpLocks/>
-            </p:cNvCxnSpPr>
-            <p:nvPr/>
-          </p:nvCxnSpPr>
-          <p:spPr>
-            <a:xfrm>
-              <a:off x="2615611" y="3444949"/>
-              <a:ext cx="0" cy="616688"/>
-            </a:xfrm>
-            <a:prstGeom prst="line">
-              <a:avLst/>
-            </a:prstGeom>
-            <a:ln w="22225">
-              <a:solidFill>
-                <a:schemeClr val="tx1"/>
-              </a:solidFill>
-            </a:ln>
-          </p:spPr>
-          <p:style>
-            <a:lnRef idx="1">
-              <a:schemeClr val="accent1"/>
-            </a:lnRef>
-            <a:fillRef idx="0">
-              <a:schemeClr val="accent1"/>
-            </a:fillRef>
-            <a:effectRef idx="0">
-              <a:schemeClr val="accent1"/>
-            </a:effectRef>
-            <a:fontRef idx="minor">
-              <a:schemeClr val="tx1"/>
-            </a:fontRef>
-          </p:style>
-        </p:cxnSp>
-        <p:cxnSp>
-          <p:nvCxnSpPr>
-            <p:cNvPr id="38" name="Straight Connector 37">
-              <a:extLst>
-                <a:ext uri="{FF2B5EF4-FFF2-40B4-BE49-F238E27FC236}">
-                  <a16:creationId xmlns:a16="http://schemas.microsoft.com/office/drawing/2014/main" id="{80EFC3E0-A8AC-9E4F-80D8-889A96DC0C45}"/>
-                </a:ext>
-              </a:extLst>
-            </p:cNvPr>
-            <p:cNvCxnSpPr>
-              <a:cxnSpLocks/>
-            </p:cNvCxnSpPr>
-            <p:nvPr/>
-          </p:nvCxnSpPr>
-          <p:spPr>
-            <a:xfrm>
-              <a:off x="2860160" y="3430773"/>
-              <a:ext cx="0" cy="598967"/>
-            </a:xfrm>
-            <a:prstGeom prst="line">
-              <a:avLst/>
-            </a:prstGeom>
-            <a:ln w="22225">
-              <a:solidFill>
-                <a:schemeClr val="tx1"/>
-              </a:solidFill>
-            </a:ln>
-          </p:spPr>
-          <p:style>
-            <a:lnRef idx="1">
-              <a:schemeClr val="accent1"/>
-            </a:lnRef>
-            <a:fillRef idx="0">
-              <a:schemeClr val="accent1"/>
-            </a:fillRef>
-            <a:effectRef idx="0">
-              <a:schemeClr val="accent1"/>
-            </a:effectRef>
-            <a:fontRef idx="minor">
-              <a:schemeClr val="tx1"/>
-            </a:fontRef>
-          </p:style>
-        </p:cxnSp>
-        <p:cxnSp>
-          <p:nvCxnSpPr>
-            <p:cNvPr id="39" name="Straight Connector 38">
-              <a:extLst>
-                <a:ext uri="{FF2B5EF4-FFF2-40B4-BE49-F238E27FC236}">
-                  <a16:creationId xmlns:a16="http://schemas.microsoft.com/office/drawing/2014/main" id="{864A56F9-B2B6-6644-A6F5-757C5EEE62D0}"/>
-                </a:ext>
-              </a:extLst>
-            </p:cNvPr>
-            <p:cNvCxnSpPr>
-              <a:cxnSpLocks/>
-            </p:cNvCxnSpPr>
-            <p:nvPr/>
-          </p:nvCxnSpPr>
-          <p:spPr>
-            <a:xfrm>
-              <a:off x="3104709" y="3402419"/>
-              <a:ext cx="0" cy="606055"/>
-            </a:xfrm>
-            <a:prstGeom prst="line">
-              <a:avLst/>
-            </a:prstGeom>
-            <a:ln w="22225">
-              <a:solidFill>
-                <a:schemeClr val="tx1"/>
-              </a:solidFill>
-            </a:ln>
-          </p:spPr>
-          <p:style>
-            <a:lnRef idx="1">
-              <a:schemeClr val="accent1"/>
-            </a:lnRef>
-            <a:fillRef idx="0">
-              <a:schemeClr val="accent1"/>
-            </a:fillRef>
-            <a:effectRef idx="0">
-              <a:schemeClr val="accent1"/>
-            </a:effectRef>
-            <a:fontRef idx="minor">
-              <a:schemeClr val="tx1"/>
-            </a:fontRef>
-          </p:style>
-        </p:cxnSp>
-        <p:cxnSp>
-          <p:nvCxnSpPr>
-            <p:cNvPr id="40" name="Straight Connector 39">
-              <a:extLst>
-                <a:ext uri="{FF2B5EF4-FFF2-40B4-BE49-F238E27FC236}">
-                  <a16:creationId xmlns:a16="http://schemas.microsoft.com/office/drawing/2014/main" id="{F3597B9A-A51D-F543-9A36-27E6A779F9AA}"/>
-                </a:ext>
-              </a:extLst>
-            </p:cNvPr>
-            <p:cNvCxnSpPr>
-              <a:cxnSpLocks/>
-            </p:cNvCxnSpPr>
-            <p:nvPr/>
-          </p:nvCxnSpPr>
-          <p:spPr>
-            <a:xfrm>
-              <a:off x="3349258" y="3384698"/>
-              <a:ext cx="0" cy="613144"/>
-            </a:xfrm>
-            <a:prstGeom prst="line">
-              <a:avLst/>
-            </a:prstGeom>
-            <a:ln w="22225">
-              <a:solidFill>
-                <a:schemeClr val="tx1"/>
-              </a:solidFill>
-            </a:ln>
-          </p:spPr>
-          <p:style>
-            <a:lnRef idx="1">
-              <a:schemeClr val="accent1"/>
-            </a:lnRef>
-            <a:fillRef idx="0">
-              <a:schemeClr val="accent1"/>
-            </a:fillRef>
-            <a:effectRef idx="0">
-              <a:schemeClr val="accent1"/>
-            </a:effectRef>
-            <a:fontRef idx="minor">
-              <a:schemeClr val="tx1"/>
-            </a:fontRef>
-          </p:style>
-        </p:cxnSp>
-        <p:cxnSp>
-          <p:nvCxnSpPr>
-            <p:cNvPr id="41" name="Straight Connector 40">
-              <a:extLst>
-                <a:ext uri="{FF2B5EF4-FFF2-40B4-BE49-F238E27FC236}">
-                  <a16:creationId xmlns:a16="http://schemas.microsoft.com/office/drawing/2014/main" id="{4217ED2A-DEEF-A445-8860-18AEBFAD013E}"/>
-                </a:ext>
-              </a:extLst>
-            </p:cNvPr>
-            <p:cNvCxnSpPr/>
-            <p:nvPr/>
-          </p:nvCxnSpPr>
-          <p:spPr>
-            <a:xfrm>
-              <a:off x="3593807" y="3342168"/>
-              <a:ext cx="0" cy="627321"/>
-            </a:xfrm>
-            <a:prstGeom prst="line">
-              <a:avLst/>
-            </a:prstGeom>
-            <a:ln w="22225">
-              <a:solidFill>
-                <a:schemeClr val="tx1"/>
-              </a:solidFill>
-            </a:ln>
-          </p:spPr>
-          <p:style>
-            <a:lnRef idx="1">
-              <a:schemeClr val="accent1"/>
-            </a:lnRef>
-            <a:fillRef idx="0">
-              <a:schemeClr val="accent1"/>
-            </a:fillRef>
-            <a:effectRef idx="0">
-              <a:schemeClr val="accent1"/>
-            </a:effectRef>
-            <a:fontRef idx="minor">
-              <a:schemeClr val="tx1"/>
-            </a:fontRef>
-          </p:style>
-        </p:cxnSp>
-        <p:cxnSp>
-          <p:nvCxnSpPr>
-            <p:cNvPr id="42" name="Straight Connector 41">
-              <a:extLst>
-                <a:ext uri="{FF2B5EF4-FFF2-40B4-BE49-F238E27FC236}">
-                  <a16:creationId xmlns:a16="http://schemas.microsoft.com/office/drawing/2014/main" id="{F16D6A4C-9569-7C4B-A374-4F5B7FF7BDFA}"/>
-                </a:ext>
-              </a:extLst>
-            </p:cNvPr>
-            <p:cNvCxnSpPr/>
-            <p:nvPr/>
-          </p:nvCxnSpPr>
-          <p:spPr>
-            <a:xfrm>
-              <a:off x="3838356" y="3313814"/>
-              <a:ext cx="0" cy="627321"/>
-            </a:xfrm>
-            <a:prstGeom prst="line">
-              <a:avLst/>
-            </a:prstGeom>
-            <a:ln w="22225">
-              <a:solidFill>
-                <a:schemeClr val="tx1"/>
-              </a:solidFill>
-            </a:ln>
-          </p:spPr>
-          <p:style>
-            <a:lnRef idx="1">
-              <a:schemeClr val="accent1"/>
-            </a:lnRef>
-            <a:fillRef idx="0">
-              <a:schemeClr val="accent1"/>
-            </a:fillRef>
-            <a:effectRef idx="0">
-              <a:schemeClr val="accent1"/>
-            </a:effectRef>
-            <a:fontRef idx="minor">
-              <a:schemeClr val="tx1"/>
-            </a:fontRef>
-          </p:style>
-        </p:cxnSp>
-        <p:cxnSp>
-          <p:nvCxnSpPr>
-            <p:cNvPr id="43" name="Straight Connector 42">
-              <a:extLst>
-                <a:ext uri="{FF2B5EF4-FFF2-40B4-BE49-F238E27FC236}">
-                  <a16:creationId xmlns:a16="http://schemas.microsoft.com/office/drawing/2014/main" id="{F36ED429-325C-AA49-AD26-609C3259D0A9}"/>
-                </a:ext>
-              </a:extLst>
-            </p:cNvPr>
-            <p:cNvCxnSpPr/>
-            <p:nvPr/>
-          </p:nvCxnSpPr>
-          <p:spPr>
-            <a:xfrm>
-              <a:off x="4082905" y="3296093"/>
-              <a:ext cx="0" cy="627321"/>
-            </a:xfrm>
-            <a:prstGeom prst="line">
-              <a:avLst/>
-            </a:prstGeom>
-            <a:ln w="22225">
-              <a:solidFill>
-                <a:schemeClr val="tx1"/>
-              </a:solidFill>
-            </a:ln>
-          </p:spPr>
-          <p:style>
-            <a:lnRef idx="1">
-              <a:schemeClr val="accent1"/>
-            </a:lnRef>
-            <a:fillRef idx="0">
-              <a:schemeClr val="accent1"/>
-            </a:fillRef>
-            <a:effectRef idx="0">
-              <a:schemeClr val="accent1"/>
-            </a:effectRef>
-            <a:fontRef idx="minor">
-              <a:schemeClr val="tx1"/>
-            </a:fontRef>
-          </p:style>
-        </p:cxnSp>
-        <p:cxnSp>
-          <p:nvCxnSpPr>
-            <p:cNvPr id="44" name="Straight Connector 43">
-              <a:extLst>
-                <a:ext uri="{FF2B5EF4-FFF2-40B4-BE49-F238E27FC236}">
-                  <a16:creationId xmlns:a16="http://schemas.microsoft.com/office/drawing/2014/main" id="{3FEEE85F-3A0C-BD44-AC45-FA61F3F8C316}"/>
-                </a:ext>
-              </a:extLst>
-            </p:cNvPr>
-            <p:cNvCxnSpPr/>
-            <p:nvPr/>
-          </p:nvCxnSpPr>
-          <p:spPr>
-            <a:xfrm>
-              <a:off x="4327454" y="3281917"/>
-              <a:ext cx="0" cy="627321"/>
-            </a:xfrm>
-            <a:prstGeom prst="line">
-              <a:avLst/>
-            </a:prstGeom>
-            <a:ln w="22225">
-              <a:solidFill>
-                <a:schemeClr val="tx1"/>
-              </a:solidFill>
-            </a:ln>
-          </p:spPr>
-          <p:style>
-            <a:lnRef idx="1">
-              <a:schemeClr val="accent1"/>
-            </a:lnRef>
-            <a:fillRef idx="0">
-              <a:schemeClr val="accent1"/>
-            </a:fillRef>
-            <a:effectRef idx="0">
-              <a:schemeClr val="accent1"/>
-            </a:effectRef>
-            <a:fontRef idx="minor">
-              <a:schemeClr val="tx1"/>
-            </a:fontRef>
-          </p:style>
-        </p:cxnSp>
-        <p:cxnSp>
-          <p:nvCxnSpPr>
-            <p:cNvPr id="45" name="Straight Connector 44">
-              <a:extLst>
-                <a:ext uri="{FF2B5EF4-FFF2-40B4-BE49-F238E27FC236}">
-                  <a16:creationId xmlns:a16="http://schemas.microsoft.com/office/drawing/2014/main" id="{D851481D-7194-0D4E-94D9-0A946BA5E393}"/>
-                </a:ext>
-              </a:extLst>
-            </p:cNvPr>
-            <p:cNvCxnSpPr/>
-            <p:nvPr/>
-          </p:nvCxnSpPr>
-          <p:spPr>
-            <a:xfrm>
-              <a:off x="4572003" y="3253563"/>
-              <a:ext cx="0" cy="627321"/>
-            </a:xfrm>
-            <a:prstGeom prst="line">
-              <a:avLst/>
-            </a:prstGeom>
-            <a:ln w="22225">
-              <a:solidFill>
-                <a:schemeClr val="tx1"/>
-              </a:solidFill>
-            </a:ln>
-          </p:spPr>
-          <p:style>
-            <a:lnRef idx="1">
-              <a:schemeClr val="accent1"/>
-            </a:lnRef>
-            <a:fillRef idx="0">
-              <a:schemeClr val="accent1"/>
-            </a:fillRef>
-            <a:effectRef idx="0">
-              <a:schemeClr val="accent1"/>
-            </a:effectRef>
-            <a:fontRef idx="minor">
-              <a:schemeClr val="tx1"/>
-            </a:fontRef>
-          </p:style>
-        </p:cxnSp>
-        <p:cxnSp>
-          <p:nvCxnSpPr>
-            <p:cNvPr id="46" name="Straight Connector 45">
-              <a:extLst>
-                <a:ext uri="{FF2B5EF4-FFF2-40B4-BE49-F238E27FC236}">
-                  <a16:creationId xmlns:a16="http://schemas.microsoft.com/office/drawing/2014/main" id="{E205BFA0-B291-3749-AD15-8D35872CF14E}"/>
-                </a:ext>
-              </a:extLst>
-            </p:cNvPr>
-            <p:cNvCxnSpPr/>
-            <p:nvPr/>
-          </p:nvCxnSpPr>
-          <p:spPr>
-            <a:xfrm>
-              <a:off x="4816552" y="3235842"/>
-              <a:ext cx="0" cy="627321"/>
-            </a:xfrm>
-            <a:prstGeom prst="line">
-              <a:avLst/>
-            </a:prstGeom>
-            <a:ln w="22225">
-              <a:solidFill>
-                <a:schemeClr val="tx1"/>
-              </a:solidFill>
-            </a:ln>
-          </p:spPr>
-          <p:style>
-            <a:lnRef idx="1">
-              <a:schemeClr val="accent1"/>
-            </a:lnRef>
-            <a:fillRef idx="0">
-              <a:schemeClr val="accent1"/>
-            </a:fillRef>
-            <a:effectRef idx="0">
-              <a:schemeClr val="accent1"/>
-            </a:effectRef>
-            <a:fontRef idx="minor">
-              <a:schemeClr val="tx1"/>
-            </a:fontRef>
-          </p:style>
-        </p:cxnSp>
-        <p:cxnSp>
-          <p:nvCxnSpPr>
-            <p:cNvPr id="47" name="Straight Connector 46">
-              <a:extLst>
-                <a:ext uri="{FF2B5EF4-FFF2-40B4-BE49-F238E27FC236}">
-                  <a16:creationId xmlns:a16="http://schemas.microsoft.com/office/drawing/2014/main" id="{24392F02-A542-B248-B09C-AB6AD680B817}"/>
-                </a:ext>
-              </a:extLst>
-            </p:cNvPr>
-            <p:cNvCxnSpPr>
-              <a:cxnSpLocks/>
-            </p:cNvCxnSpPr>
-            <p:nvPr/>
-          </p:nvCxnSpPr>
-          <p:spPr>
-            <a:xfrm>
-              <a:off x="5061101" y="3239387"/>
-              <a:ext cx="0" cy="591878"/>
-            </a:xfrm>
-            <a:prstGeom prst="line">
-              <a:avLst/>
-            </a:prstGeom>
-            <a:ln w="22225">
-              <a:solidFill>
-                <a:schemeClr val="tx1"/>
-              </a:solidFill>
-            </a:ln>
-          </p:spPr>
-          <p:style>
-            <a:lnRef idx="1">
-              <a:schemeClr val="accent1"/>
-            </a:lnRef>
-            <a:fillRef idx="0">
-              <a:schemeClr val="accent1"/>
-            </a:fillRef>
-            <a:effectRef idx="0">
-              <a:schemeClr val="accent1"/>
-            </a:effectRef>
-            <a:fontRef idx="minor">
-              <a:schemeClr val="tx1"/>
-            </a:fontRef>
-          </p:style>
-        </p:cxnSp>
-        <p:cxnSp>
-          <p:nvCxnSpPr>
-            <p:cNvPr id="48" name="Straight Connector 47">
-              <a:extLst>
-                <a:ext uri="{FF2B5EF4-FFF2-40B4-BE49-F238E27FC236}">
-                  <a16:creationId xmlns:a16="http://schemas.microsoft.com/office/drawing/2014/main" id="{73849680-A294-6745-86B1-9388844ACDF0}"/>
-                </a:ext>
-              </a:extLst>
-            </p:cNvPr>
-            <p:cNvCxnSpPr>
-              <a:cxnSpLocks/>
-            </p:cNvCxnSpPr>
-            <p:nvPr/>
-          </p:nvCxnSpPr>
-          <p:spPr>
-            <a:xfrm>
-              <a:off x="5305650" y="3211033"/>
-              <a:ext cx="0" cy="609600"/>
-            </a:xfrm>
-            <a:prstGeom prst="line">
-              <a:avLst/>
-            </a:prstGeom>
-            <a:ln w="22225">
-              <a:solidFill>
-                <a:schemeClr val="tx1"/>
-              </a:solidFill>
-            </a:ln>
-          </p:spPr>
-          <p:style>
-            <a:lnRef idx="1">
-              <a:schemeClr val="accent1"/>
-            </a:lnRef>
-            <a:fillRef idx="0">
-              <a:schemeClr val="accent1"/>
-            </a:fillRef>
-            <a:effectRef idx="0">
-              <a:schemeClr val="accent1"/>
-            </a:effectRef>
-            <a:fontRef idx="minor">
-              <a:schemeClr val="tx1"/>
-            </a:fontRef>
-          </p:style>
-        </p:cxnSp>
-        <p:cxnSp>
-          <p:nvCxnSpPr>
-            <p:cNvPr id="49" name="Straight Connector 48">
-              <a:extLst>
-                <a:ext uri="{FF2B5EF4-FFF2-40B4-BE49-F238E27FC236}">
-                  <a16:creationId xmlns:a16="http://schemas.microsoft.com/office/drawing/2014/main" id="{9AB0301E-5A45-4647-B9E0-E900A0308E6F}"/>
-                </a:ext>
-              </a:extLst>
-            </p:cNvPr>
-            <p:cNvCxnSpPr>
-              <a:cxnSpLocks/>
-            </p:cNvCxnSpPr>
-            <p:nvPr/>
-          </p:nvCxnSpPr>
-          <p:spPr>
-            <a:xfrm>
-              <a:off x="5550199" y="3193312"/>
-              <a:ext cx="0" cy="616688"/>
-            </a:xfrm>
-            <a:prstGeom prst="line">
-              <a:avLst/>
-            </a:prstGeom>
-            <a:ln w="22225">
-              <a:solidFill>
-                <a:schemeClr val="tx1"/>
-              </a:solidFill>
-            </a:ln>
-          </p:spPr>
-          <p:style>
-            <a:lnRef idx="1">
-              <a:schemeClr val="accent1"/>
-            </a:lnRef>
-            <a:fillRef idx="0">
-              <a:schemeClr val="accent1"/>
-            </a:fillRef>
-            <a:effectRef idx="0">
-              <a:schemeClr val="accent1"/>
-            </a:effectRef>
-            <a:fontRef idx="minor">
-              <a:schemeClr val="tx1"/>
-            </a:fontRef>
-          </p:style>
-        </p:cxnSp>
-        <p:cxnSp>
-          <p:nvCxnSpPr>
-            <p:cNvPr id="50" name="Straight Connector 49">
-              <a:extLst>
-                <a:ext uri="{FF2B5EF4-FFF2-40B4-BE49-F238E27FC236}">
-                  <a16:creationId xmlns:a16="http://schemas.microsoft.com/office/drawing/2014/main" id="{5790EAD5-7533-D248-8F99-18A35D996BE3}"/>
-                </a:ext>
-              </a:extLst>
-            </p:cNvPr>
-            <p:cNvCxnSpPr>
-              <a:cxnSpLocks/>
-            </p:cNvCxnSpPr>
-            <p:nvPr/>
-          </p:nvCxnSpPr>
-          <p:spPr>
-            <a:xfrm>
-              <a:off x="5794748" y="3179136"/>
-              <a:ext cx="0" cy="598967"/>
-            </a:xfrm>
-            <a:prstGeom prst="line">
-              <a:avLst/>
-            </a:prstGeom>
-            <a:ln w="22225">
-              <a:solidFill>
-                <a:schemeClr val="tx1"/>
-              </a:solidFill>
-            </a:ln>
-          </p:spPr>
-          <p:style>
-            <a:lnRef idx="1">
-              <a:schemeClr val="accent1"/>
-            </a:lnRef>
-            <a:fillRef idx="0">
-              <a:schemeClr val="accent1"/>
-            </a:fillRef>
-            <a:effectRef idx="0">
-              <a:schemeClr val="accent1"/>
-            </a:effectRef>
-            <a:fontRef idx="minor">
-              <a:schemeClr val="tx1"/>
-            </a:fontRef>
-          </p:style>
-        </p:cxnSp>
-        <p:cxnSp>
-          <p:nvCxnSpPr>
-            <p:cNvPr id="51" name="Straight Connector 50">
-              <a:extLst>
-                <a:ext uri="{FF2B5EF4-FFF2-40B4-BE49-F238E27FC236}">
-                  <a16:creationId xmlns:a16="http://schemas.microsoft.com/office/drawing/2014/main" id="{2DC14EAB-AEF4-D349-99DA-0B56A566947B}"/>
-                </a:ext>
-              </a:extLst>
-            </p:cNvPr>
-            <p:cNvCxnSpPr>
-              <a:cxnSpLocks/>
-            </p:cNvCxnSpPr>
-            <p:nvPr/>
-          </p:nvCxnSpPr>
-          <p:spPr>
-            <a:xfrm>
-              <a:off x="6039297" y="3150782"/>
-              <a:ext cx="0" cy="606055"/>
-            </a:xfrm>
-            <a:prstGeom prst="line">
-              <a:avLst/>
-            </a:prstGeom>
-            <a:ln w="22225">
-              <a:solidFill>
-                <a:schemeClr val="tx1"/>
-              </a:solidFill>
-            </a:ln>
-          </p:spPr>
-          <p:style>
-            <a:lnRef idx="1">
-              <a:schemeClr val="accent1"/>
-            </a:lnRef>
-            <a:fillRef idx="0">
-              <a:schemeClr val="accent1"/>
-            </a:fillRef>
-            <a:effectRef idx="0">
-              <a:schemeClr val="accent1"/>
-            </a:effectRef>
-            <a:fontRef idx="minor">
-              <a:schemeClr val="tx1"/>
-            </a:fontRef>
-          </p:style>
-        </p:cxnSp>
-        <p:cxnSp>
-          <p:nvCxnSpPr>
-            <p:cNvPr id="52" name="Straight Connector 51">
-              <a:extLst>
-                <a:ext uri="{FF2B5EF4-FFF2-40B4-BE49-F238E27FC236}">
-                  <a16:creationId xmlns:a16="http://schemas.microsoft.com/office/drawing/2014/main" id="{F1019B57-284E-C94E-8ED9-ACF24E2DF24F}"/>
-                </a:ext>
-              </a:extLst>
-            </p:cNvPr>
-            <p:cNvCxnSpPr>
-              <a:cxnSpLocks/>
-            </p:cNvCxnSpPr>
-            <p:nvPr/>
-          </p:nvCxnSpPr>
-          <p:spPr>
-            <a:xfrm>
-              <a:off x="6283846" y="3133061"/>
-              <a:ext cx="0" cy="613144"/>
-            </a:xfrm>
-            <a:prstGeom prst="line">
-              <a:avLst/>
-            </a:prstGeom>
-            <a:ln w="22225">
-              <a:solidFill>
-                <a:schemeClr val="tx1"/>
-              </a:solidFill>
-            </a:ln>
-          </p:spPr>
-          <p:style>
-            <a:lnRef idx="1">
-              <a:schemeClr val="accent1"/>
-            </a:lnRef>
-            <a:fillRef idx="0">
-              <a:schemeClr val="accent1"/>
-            </a:fillRef>
-            <a:effectRef idx="0">
-              <a:schemeClr val="accent1"/>
-            </a:effectRef>
-            <a:fontRef idx="minor">
-              <a:schemeClr val="tx1"/>
-            </a:fontRef>
-          </p:style>
-        </p:cxnSp>
-        <p:cxnSp>
-          <p:nvCxnSpPr>
-            <p:cNvPr id="53" name="Straight Connector 52">
-              <a:extLst>
-                <a:ext uri="{FF2B5EF4-FFF2-40B4-BE49-F238E27FC236}">
-                  <a16:creationId xmlns:a16="http://schemas.microsoft.com/office/drawing/2014/main" id="{5A5BF8F6-1848-4149-A099-738F1DB2A6F0}"/>
-                </a:ext>
-              </a:extLst>
-            </p:cNvPr>
-            <p:cNvCxnSpPr/>
-            <p:nvPr/>
-          </p:nvCxnSpPr>
-          <p:spPr>
-            <a:xfrm>
-              <a:off x="6528395" y="3108251"/>
-              <a:ext cx="0" cy="627321"/>
-            </a:xfrm>
-            <a:prstGeom prst="line">
-              <a:avLst/>
-            </a:prstGeom>
-            <a:ln w="22225">
-              <a:solidFill>
-                <a:schemeClr val="tx1"/>
-              </a:solidFill>
-            </a:ln>
-          </p:spPr>
-          <p:style>
-            <a:lnRef idx="1">
-              <a:schemeClr val="accent1"/>
-            </a:lnRef>
-            <a:fillRef idx="0">
-              <a:schemeClr val="accent1"/>
-            </a:fillRef>
-            <a:effectRef idx="0">
-              <a:schemeClr val="accent1"/>
-            </a:effectRef>
-            <a:fontRef idx="minor">
-              <a:schemeClr val="tx1"/>
-            </a:fontRef>
-          </p:style>
-        </p:cxnSp>
-        <p:cxnSp>
-          <p:nvCxnSpPr>
-            <p:cNvPr id="54" name="Straight Connector 53">
-              <a:extLst>
-                <a:ext uri="{FF2B5EF4-FFF2-40B4-BE49-F238E27FC236}">
-                  <a16:creationId xmlns:a16="http://schemas.microsoft.com/office/drawing/2014/main" id="{2FD582F7-CD13-E349-9038-442D673C26BF}"/>
-                </a:ext>
-              </a:extLst>
-            </p:cNvPr>
-            <p:cNvCxnSpPr/>
-            <p:nvPr/>
-          </p:nvCxnSpPr>
-          <p:spPr>
-            <a:xfrm>
-              <a:off x="6772944" y="3079897"/>
-              <a:ext cx="0" cy="627321"/>
-            </a:xfrm>
-            <a:prstGeom prst="line">
-              <a:avLst/>
-            </a:prstGeom>
-            <a:ln w="22225">
-              <a:solidFill>
-                <a:schemeClr val="tx1"/>
-              </a:solidFill>
-            </a:ln>
-          </p:spPr>
-          <p:style>
-            <a:lnRef idx="1">
-              <a:schemeClr val="accent1"/>
-            </a:lnRef>
-            <a:fillRef idx="0">
-              <a:schemeClr val="accent1"/>
-            </a:fillRef>
-            <a:effectRef idx="0">
-              <a:schemeClr val="accent1"/>
-            </a:effectRef>
-            <a:fontRef idx="minor">
-              <a:schemeClr val="tx1"/>
-            </a:fontRef>
-          </p:style>
-        </p:cxnSp>
-        <p:cxnSp>
-          <p:nvCxnSpPr>
-            <p:cNvPr id="55" name="Straight Connector 54">
-              <a:extLst>
-                <a:ext uri="{FF2B5EF4-FFF2-40B4-BE49-F238E27FC236}">
-                  <a16:creationId xmlns:a16="http://schemas.microsoft.com/office/drawing/2014/main" id="{83988DAE-EEE2-114C-A7B0-E4C015D29D4C}"/>
-                </a:ext>
-              </a:extLst>
-            </p:cNvPr>
-            <p:cNvCxnSpPr/>
-            <p:nvPr/>
-          </p:nvCxnSpPr>
-          <p:spPr>
-            <a:xfrm>
-              <a:off x="7017493" y="3062176"/>
-              <a:ext cx="0" cy="627321"/>
-            </a:xfrm>
-            <a:prstGeom prst="line">
-              <a:avLst/>
-            </a:prstGeom>
-            <a:ln w="22225">
-              <a:solidFill>
-                <a:schemeClr val="tx1"/>
-              </a:solidFill>
-            </a:ln>
-          </p:spPr>
-          <p:style>
-            <a:lnRef idx="1">
-              <a:schemeClr val="accent1"/>
-            </a:lnRef>
-            <a:fillRef idx="0">
-              <a:schemeClr val="accent1"/>
-            </a:fillRef>
-            <a:effectRef idx="0">
-              <a:schemeClr val="accent1"/>
-            </a:effectRef>
-            <a:fontRef idx="minor">
-              <a:schemeClr val="tx1"/>
-            </a:fontRef>
-          </p:style>
-        </p:cxnSp>
-        <p:cxnSp>
-          <p:nvCxnSpPr>
-            <p:cNvPr id="56" name="Straight Connector 55">
-              <a:extLst>
-                <a:ext uri="{FF2B5EF4-FFF2-40B4-BE49-F238E27FC236}">
-                  <a16:creationId xmlns:a16="http://schemas.microsoft.com/office/drawing/2014/main" id="{8B8D598A-E99E-2E43-A488-34717CBBBB5C}"/>
-                </a:ext>
-              </a:extLst>
-            </p:cNvPr>
-            <p:cNvCxnSpPr/>
-            <p:nvPr/>
-          </p:nvCxnSpPr>
-          <p:spPr>
-            <a:xfrm>
-              <a:off x="7262042" y="3048000"/>
-              <a:ext cx="0" cy="627321"/>
-            </a:xfrm>
-            <a:prstGeom prst="line">
-              <a:avLst/>
-            </a:prstGeom>
-            <a:ln w="22225">
-              <a:solidFill>
-                <a:schemeClr val="tx1"/>
-              </a:solidFill>
-            </a:ln>
-          </p:spPr>
-          <p:style>
-            <a:lnRef idx="1">
-              <a:schemeClr val="accent1"/>
-            </a:lnRef>
-            <a:fillRef idx="0">
-              <a:schemeClr val="accent1"/>
-            </a:fillRef>
-            <a:effectRef idx="0">
-              <a:schemeClr val="accent1"/>
-            </a:effectRef>
-            <a:fontRef idx="minor">
-              <a:schemeClr val="tx1"/>
-            </a:fontRef>
-          </p:style>
-        </p:cxnSp>
-        <p:cxnSp>
-          <p:nvCxnSpPr>
-            <p:cNvPr id="57" name="Straight Connector 56">
-              <a:extLst>
-                <a:ext uri="{FF2B5EF4-FFF2-40B4-BE49-F238E27FC236}">
-                  <a16:creationId xmlns:a16="http://schemas.microsoft.com/office/drawing/2014/main" id="{5130AD9D-ADF8-A54A-A332-6EAF71755430}"/>
-                </a:ext>
-              </a:extLst>
-            </p:cNvPr>
-            <p:cNvCxnSpPr/>
-            <p:nvPr/>
-          </p:nvCxnSpPr>
-          <p:spPr>
-            <a:xfrm>
-              <a:off x="7506586" y="3019646"/>
-              <a:ext cx="0" cy="627321"/>
-            </a:xfrm>
-            <a:prstGeom prst="line">
-              <a:avLst/>
-            </a:prstGeom>
-            <a:ln w="22225">
-              <a:solidFill>
-                <a:schemeClr val="tx1"/>
-              </a:solidFill>
-            </a:ln>
-          </p:spPr>
-          <p:style>
-            <a:lnRef idx="1">
-              <a:schemeClr val="accent1"/>
-            </a:lnRef>
-            <a:fillRef idx="0">
-              <a:schemeClr val="accent1"/>
-            </a:fillRef>
-            <a:effectRef idx="0">
-              <a:schemeClr val="accent1"/>
-            </a:effectRef>
-            <a:fontRef idx="minor">
-              <a:schemeClr val="tx1"/>
-            </a:fontRef>
-          </p:style>
-        </p:cxnSp>
-      </p:grpSp>
-      <p:sp>
-        <p:nvSpPr>
-          <p:cNvPr id="58" name="Freeform 57">
-            <a:extLst>
-              <a:ext uri="{FF2B5EF4-FFF2-40B4-BE49-F238E27FC236}">
-                <a16:creationId xmlns:a16="http://schemas.microsoft.com/office/drawing/2014/main" id="{C2829C8A-F0F8-8945-BCE5-8AE82FF23B6C}"/>
-              </a:ext>
-            </a:extLst>
-          </p:cNvPr>
-          <p:cNvSpPr/>
-          <p:nvPr/>
-        </p:nvSpPr>
-        <p:spPr>
-          <a:xfrm>
-            <a:off x="5603354" y="3370526"/>
-            <a:ext cx="162383" cy="255175"/>
-          </a:xfrm>
-          <a:custGeom>
-            <a:avLst/>
-            <a:gdLst>
-              <a:gd name="connsiteX0" fmla="*/ 0 w 116958"/>
-              <a:gd name="connsiteY0" fmla="*/ 127590 h 159488"/>
-              <a:gd name="connsiteX1" fmla="*/ 0 w 116958"/>
-              <a:gd name="connsiteY1" fmla="*/ 127590 h 159488"/>
-              <a:gd name="connsiteX2" fmla="*/ 10632 w 116958"/>
-              <a:gd name="connsiteY2" fmla="*/ 0 h 159488"/>
-              <a:gd name="connsiteX3" fmla="*/ 74428 w 116958"/>
-              <a:gd name="connsiteY3" fmla="*/ 0 h 159488"/>
-              <a:gd name="connsiteX4" fmla="*/ 116958 w 116958"/>
-              <a:gd name="connsiteY4" fmla="*/ 53162 h 159488"/>
-              <a:gd name="connsiteX5" fmla="*/ 74428 w 116958"/>
-              <a:gd name="connsiteY5" fmla="*/ 159488 h 159488"/>
-            </a:gdLst>
-            <a:ahLst/>
-            <a:cxnLst>
-              <a:cxn ang="0">
-                <a:pos x="connsiteX0" y="connsiteY0"/>
-              </a:cxn>
-              <a:cxn ang="0">
-                <a:pos x="connsiteX1" y="connsiteY1"/>
-              </a:cxn>
-              <a:cxn ang="0">
-                <a:pos x="connsiteX2" y="connsiteY2"/>
-              </a:cxn>
-              <a:cxn ang="0">
-                <a:pos x="connsiteX3" y="connsiteY3"/>
-              </a:cxn>
-              <a:cxn ang="0">
-                <a:pos x="connsiteX4" y="connsiteY4"/>
-              </a:cxn>
-              <a:cxn ang="0">
-                <a:pos x="connsiteX5" y="connsiteY5"/>
-              </a:cxn>
-            </a:cxnLst>
-            <a:rect l="l" t="t" r="r" b="b"/>
-            <a:pathLst>
-              <a:path w="116958" h="159488">
-                <a:moveTo>
-                  <a:pt x="0" y="127590"/>
-                </a:moveTo>
-                <a:lnTo>
-                  <a:pt x="0" y="127590"/>
-                </a:lnTo>
-                <a:lnTo>
-                  <a:pt x="10632" y="0"/>
-                </a:lnTo>
-                <a:lnTo>
-                  <a:pt x="74428" y="0"/>
-                </a:lnTo>
-                <a:lnTo>
-                  <a:pt x="116958" y="53162"/>
-                </a:lnTo>
-                <a:lnTo>
-                  <a:pt x="74428" y="159488"/>
-                </a:lnTo>
-              </a:path>
-            </a:pathLst>
-          </a:custGeom>
-          <a:solidFill>
-            <a:schemeClr val="tx1"/>
-          </a:solidFill>
-          <a:ln>
             <a:noFill/>
           </a:ln>
         </p:spPr>
@@ -6178,7 +6176,7 @@
         </p:nvSpPr>
         <p:spPr>
           <a:xfrm>
-            <a:off x="-85060" y="1307808"/>
+            <a:off x="67217" y="1391171"/>
             <a:ext cx="3625700" cy="830997"/>
           </a:xfrm>
           <a:prstGeom prst="rect">
@@ -6192,21 +6190,19 @@
           </a:bodyPr>
           <a:lstStyle/>
           <a:p>
-            <a:pPr algn="ctr"/>
             <a:r>
-              <a:rPr lang="en-US" sz="2400">
+              <a:rPr lang="en-US" sz="2400" dirty="0">
                 <a:latin typeface="Swell Braille" pitchFamily="49"/>
               </a:rPr>
-              <a:t>⠎⠂⠍⠨⠞⠀</a:t>
+              <a:t>⠎⠂⠍⠨⠞⠀⠐⠣ext9ct</a:t>
             </a:r>
           </a:p>
           <a:p>
-            <a:pPr algn="ctr"/>
             <a:r>
-              <a:rPr lang="en-US" sz="2400">
+              <a:rPr lang="en-US" sz="2400" dirty="0">
                 <a:latin typeface="Swell Braille" pitchFamily="49"/>
               </a:rPr>
-              <a:t>⠐⠣⠧⠕⠇⠉⠁⠝⠕⠀⠼⠁⠐⠜</a:t>
+              <a:t>⠧⠕⠇⠉⠁⠝⠕⠀⠼⠁⠐⠜</a:t>
             </a:r>
           </a:p>
         </p:txBody>
@@ -6225,7 +6221,7 @@
         </p:nvSpPr>
         <p:spPr>
           <a:xfrm>
-            <a:off x="2998385" y="747829"/>
+            <a:off x="3342629" y="747829"/>
             <a:ext cx="3678864" cy="830997"/>
           </a:xfrm>
           <a:prstGeom prst="rect">
@@ -6239,18 +6235,16 @@
           </a:bodyPr>
           <a:lstStyle/>
           <a:p>
-            <a:pPr algn="ctr"/>
             <a:r>
-              <a:rPr lang="en-US" sz="2400">
+              <a:rPr lang="en-US" sz="2400" dirty="0">
                 <a:latin typeface="Swell Braille" pitchFamily="49"/>
               </a:rPr>
-              <a:t>⠁⠞⠕⠇⠇⠀</a:t>
+              <a:t>⠁⠞⠕⠇⠇ ext9ct</a:t>
             </a:r>
           </a:p>
           <a:p>
-            <a:pPr algn="ctr"/>
             <a:r>
-              <a:rPr lang="en-US" sz="2400">
+              <a:rPr lang="en-US" sz="2400" dirty="0">
                 <a:latin typeface="Swell Braille" pitchFamily="49"/>
               </a:rPr>
               <a:t>⠐⠣⠧⠕⠇⠉⠁⠝⠕⠀⠼⠃⠐⠜</a:t>
@@ -6272,8 +6266,8 @@
         </p:nvSpPr>
         <p:spPr>
           <a:xfrm>
-            <a:off x="6226755" y="5681339"/>
-            <a:ext cx="1428686" cy="825788"/>
+            <a:off x="6180664" y="5681339"/>
+            <a:ext cx="1616951" cy="830997"/>
           </a:xfrm>
           <a:prstGeom prst="rect">
             <a:avLst/>
@@ -6288,16 +6282,16 @@
           <a:p>
             <a:pPr algn="ctr"/>
             <a:r>
-              <a:rPr lang="en-US" sz="2400">
+              <a:rPr lang="en-US" sz="2400" dirty="0">
                 <a:latin typeface="Swell Braille" pitchFamily="49"/>
               </a:rPr>
-              <a:t>⠍⠁⠝⠞⠇</a:t>
+              <a:t>⠍⠁⠝⠞⠇e</a:t>
             </a:r>
           </a:p>
           <a:p>
             <a:pPr algn="ctr"/>
             <a:r>
-              <a:rPr lang="en-US" sz="2400">
+              <a:rPr lang="en-US" sz="2400" dirty="0">
                 <a:latin typeface="Swell Braille" pitchFamily="49"/>
               </a:rPr>
               <a:t>⠏⠇⠥⠍⠑</a:t>
@@ -6659,7 +6653,7 @@
         </p:nvSpPr>
         <p:spPr>
           <a:xfrm>
-            <a:off x="5656142" y="1655138"/>
+            <a:off x="5891729" y="1690455"/>
             <a:ext cx="3402798" cy="830997"/>
           </a:xfrm>
           <a:prstGeom prst="rect">
@@ -6673,12 +6667,11 @@
           </a:bodyPr>
           <a:lstStyle/>
           <a:p>
-            <a:pPr algn="ctr"/>
             <a:r>
-              <a:rPr lang="en-US" sz="2400">
+              <a:rPr lang="en-US" sz="2400" dirty="0">
                 <a:latin typeface="Swell Braille" pitchFamily="49"/>
               </a:rPr>
-              <a:t>⠁⠉⠞⠊⠧⠑⠀⠧⠕⠇⠉⠁⠝⠕⠀⠐⠣⠼⠉⠐⠜</a:t>
+              <a:t>⠁⠉⠞⠊⠧⠑⠀⠧⠕⠇⠉⠁⠝⠕⠐⠣⠼⠉⠐⠜</a:t>
             </a:r>
           </a:p>
         </p:txBody>
@@ -6743,8 +6736,8 @@
         </p:nvCxnSpPr>
         <p:spPr>
           <a:xfrm flipV="1">
-            <a:off x="3703674" y="1616149"/>
-            <a:ext cx="474921" cy="1119965"/>
+            <a:off x="3692917" y="1592132"/>
+            <a:ext cx="0" cy="1176256"/>
           </a:xfrm>
           <a:prstGeom prst="line">
             <a:avLst/>
@@ -6787,8 +6780,8 @@
         </p:nvCxnSpPr>
         <p:spPr>
           <a:xfrm flipV="1">
-            <a:off x="5769934" y="2009553"/>
-            <a:ext cx="88606" cy="517454"/>
+            <a:off x="5769934" y="2108499"/>
+            <a:ext cx="243591" cy="418508"/>
           </a:xfrm>
           <a:prstGeom prst="line">
             <a:avLst/>
@@ -7256,11 +7249,9 @@
               </a:path>
             </a:pathLst>
           </a:custGeom>
-          <a:pattFill prst="pct10">
+          <a:pattFill prst="pct5">
             <a:fgClr>
-              <a:schemeClr val="bg2">
-                <a:lumMod val="75000"/>
-              </a:schemeClr>
+              <a:schemeClr val="tx1"/>
             </a:fgClr>
             <a:bgClr>
               <a:schemeClr val="bg1"/>
@@ -7310,7 +7301,7 @@
         <p:spPr>
           <a:xfrm>
             <a:off x="655900" y="4669161"/>
-            <a:ext cx="4568879" cy="461665"/>
+            <a:ext cx="4195379" cy="461665"/>
           </a:xfrm>
           <a:prstGeom prst="rect">
             <a:avLst/>
@@ -7326,7 +7317,7 @@
               <a:rPr lang="en-US" sz="2400">
                 <a:latin typeface="Swell Braille" pitchFamily="49"/>
               </a:rPr>
-              <a:t>⠇⠊⠞⠓⠕⠎⠏⠓⠑⠗⠊⠉⠀⠍⠁⠝⠞⠇⠑</a:t>
+              <a:t>⠇⠊⠞⠓⠕⠎⠏⠓]⠊⠉⠀⠍⠁⠝⠞⠇⠑</a:t>
             </a:r>
           </a:p>
         </p:txBody>
@@ -7346,7 +7337,7 @@
         <p:spPr>
           <a:xfrm>
             <a:off x="674162" y="5987599"/>
-            <a:ext cx="5033750" cy="461665"/>
+            <a:ext cx="4195379" cy="461665"/>
           </a:xfrm>
           <a:prstGeom prst="rect">
             <a:avLst/>
@@ -7359,10 +7350,10 @@
           <a:lstStyle/>
           <a:p>
             <a:r>
-              <a:rPr lang="en-US" sz="2400">
+              <a:rPr lang="en-US" sz="2400" dirty="0">
                 <a:latin typeface="Swell Braille" pitchFamily="49"/>
               </a:rPr>
-              <a:t>⠁⠎⠞⠓⠑⠝⠕⠎⠏⠓⠑⠗⠊⠉⠀⠍⠁⠝⠞⠇⠑</a:t>
+              <a:t>⠁⠎!⠝⠕⠎⠏⠓]⠊⠉⠀⠍⠁⠝⠞⠇⠑</a:t>
             </a:r>
           </a:p>
         </p:txBody>
@@ -9351,12 +9342,1302 @@
           </a:p>
         </p:txBody>
       </p:sp>
+      <p:grpSp>
+        <p:nvGrpSpPr>
+          <p:cNvPr id="13" name="Group 12">
+            <a:extLst>
+              <a:ext uri="{FF2B5EF4-FFF2-40B4-BE49-F238E27FC236}">
+                <a16:creationId xmlns:a16="http://schemas.microsoft.com/office/drawing/2014/main" id="{D2F9F8D3-D950-7D4A-83D6-67D19F5017BF}"/>
+              </a:ext>
+            </a:extLst>
+          </p:cNvPr>
+          <p:cNvGrpSpPr/>
+          <p:nvPr/>
+        </p:nvGrpSpPr>
+        <p:grpSpPr>
+          <a:xfrm>
+            <a:off x="404038" y="2200938"/>
+            <a:ext cx="8410354" cy="1403498"/>
+            <a:chOff x="493900" y="3019646"/>
+            <a:chExt cx="7233806" cy="1201480"/>
+          </a:xfrm>
+        </p:grpSpPr>
+        <p:sp>
+          <p:nvSpPr>
+            <p:cNvPr id="14" name="Parallelogram 13">
+              <a:extLst>
+                <a:ext uri="{FF2B5EF4-FFF2-40B4-BE49-F238E27FC236}">
+                  <a16:creationId xmlns:a16="http://schemas.microsoft.com/office/drawing/2014/main" id="{34667A8E-818C-FC46-813B-65C2EF2462C0}"/>
+                </a:ext>
+              </a:extLst>
+            </p:cNvPr>
+            <p:cNvSpPr/>
+            <p:nvPr/>
+          </p:nvSpPr>
+          <p:spPr>
+            <a:xfrm rot="10525432">
+              <a:off x="493900" y="3316100"/>
+              <a:ext cx="7233806" cy="609776"/>
+            </a:xfrm>
+            <a:prstGeom prst="parallelogram">
+              <a:avLst>
+                <a:gd name="adj" fmla="val 9124"/>
+              </a:avLst>
+            </a:prstGeom>
+            <a:solidFill>
+              <a:schemeClr val="bg1"/>
+            </a:solidFill>
+            <a:ln w="22225">
+              <a:solidFill>
+                <a:schemeClr val="tx1"/>
+              </a:solidFill>
+            </a:ln>
+          </p:spPr>
+          <p:style>
+            <a:lnRef idx="2">
+              <a:schemeClr val="accent1">
+                <a:shade val="50000"/>
+              </a:schemeClr>
+            </a:lnRef>
+            <a:fillRef idx="1">
+              <a:schemeClr val="accent1"/>
+            </a:fillRef>
+            <a:effectRef idx="0">
+              <a:schemeClr val="accent1"/>
+            </a:effectRef>
+            <a:fontRef idx="minor">
+              <a:schemeClr val="lt1"/>
+            </a:fontRef>
+          </p:style>
+          <p:txBody>
+            <a:bodyPr rtlCol="0" anchor="ctr"/>
+            <a:lstStyle/>
+            <a:p>
+              <a:pPr algn="ctr"/>
+              <a:endParaRPr lang="en-US"/>
+            </a:p>
+          </p:txBody>
+        </p:sp>
+        <p:cxnSp>
+          <p:nvCxnSpPr>
+            <p:cNvPr id="15" name="Straight Connector 14">
+              <a:extLst>
+                <a:ext uri="{FF2B5EF4-FFF2-40B4-BE49-F238E27FC236}">
+                  <a16:creationId xmlns:a16="http://schemas.microsoft.com/office/drawing/2014/main" id="{12847773-B9DA-104F-86E2-B168098C5FDB}"/>
+                </a:ext>
+              </a:extLst>
+            </p:cNvPr>
+            <p:cNvCxnSpPr/>
+            <p:nvPr/>
+          </p:nvCxnSpPr>
+          <p:spPr>
+            <a:xfrm>
+              <a:off x="659219" y="3593805"/>
+              <a:ext cx="0" cy="627321"/>
+            </a:xfrm>
+            <a:prstGeom prst="line">
+              <a:avLst/>
+            </a:prstGeom>
+            <a:ln w="22225">
+              <a:solidFill>
+                <a:schemeClr val="tx1"/>
+              </a:solidFill>
+            </a:ln>
+          </p:spPr>
+          <p:style>
+            <a:lnRef idx="1">
+              <a:schemeClr val="accent1"/>
+            </a:lnRef>
+            <a:fillRef idx="0">
+              <a:schemeClr val="accent1"/>
+            </a:fillRef>
+            <a:effectRef idx="0">
+              <a:schemeClr val="accent1"/>
+            </a:effectRef>
+            <a:fontRef idx="minor">
+              <a:schemeClr val="tx1"/>
+            </a:fontRef>
+          </p:style>
+        </p:cxnSp>
+        <p:cxnSp>
+          <p:nvCxnSpPr>
+            <p:cNvPr id="16" name="Straight Connector 15">
+              <a:extLst>
+                <a:ext uri="{FF2B5EF4-FFF2-40B4-BE49-F238E27FC236}">
+                  <a16:creationId xmlns:a16="http://schemas.microsoft.com/office/drawing/2014/main" id="{73FAA1C4-3150-3E44-86AB-6F6303CE5D5F}"/>
+                </a:ext>
+              </a:extLst>
+            </p:cNvPr>
+            <p:cNvCxnSpPr/>
+            <p:nvPr/>
+          </p:nvCxnSpPr>
+          <p:spPr>
+            <a:xfrm>
+              <a:off x="903768" y="3565451"/>
+              <a:ext cx="0" cy="627321"/>
+            </a:xfrm>
+            <a:prstGeom prst="line">
+              <a:avLst/>
+            </a:prstGeom>
+            <a:ln w="22225">
+              <a:solidFill>
+                <a:schemeClr val="tx1"/>
+              </a:solidFill>
+            </a:ln>
+          </p:spPr>
+          <p:style>
+            <a:lnRef idx="1">
+              <a:schemeClr val="accent1"/>
+            </a:lnRef>
+            <a:fillRef idx="0">
+              <a:schemeClr val="accent1"/>
+            </a:fillRef>
+            <a:effectRef idx="0">
+              <a:schemeClr val="accent1"/>
+            </a:effectRef>
+            <a:fontRef idx="minor">
+              <a:schemeClr val="tx1"/>
+            </a:fontRef>
+          </p:style>
+        </p:cxnSp>
+        <p:cxnSp>
+          <p:nvCxnSpPr>
+            <p:cNvPr id="17" name="Straight Connector 16">
+              <a:extLst>
+                <a:ext uri="{FF2B5EF4-FFF2-40B4-BE49-F238E27FC236}">
+                  <a16:creationId xmlns:a16="http://schemas.microsoft.com/office/drawing/2014/main" id="{10594FFC-4D6B-F447-B256-5E431C005D7E}"/>
+                </a:ext>
+              </a:extLst>
+            </p:cNvPr>
+            <p:cNvCxnSpPr/>
+            <p:nvPr/>
+          </p:nvCxnSpPr>
+          <p:spPr>
+            <a:xfrm>
+              <a:off x="1148317" y="3547730"/>
+              <a:ext cx="0" cy="627321"/>
+            </a:xfrm>
+            <a:prstGeom prst="line">
+              <a:avLst/>
+            </a:prstGeom>
+            <a:ln w="22225">
+              <a:solidFill>
+                <a:schemeClr val="tx1"/>
+              </a:solidFill>
+            </a:ln>
+          </p:spPr>
+          <p:style>
+            <a:lnRef idx="1">
+              <a:schemeClr val="accent1"/>
+            </a:lnRef>
+            <a:fillRef idx="0">
+              <a:schemeClr val="accent1"/>
+            </a:fillRef>
+            <a:effectRef idx="0">
+              <a:schemeClr val="accent1"/>
+            </a:effectRef>
+            <a:fontRef idx="minor">
+              <a:schemeClr val="tx1"/>
+            </a:fontRef>
+          </p:style>
+        </p:cxnSp>
+        <p:cxnSp>
+          <p:nvCxnSpPr>
+            <p:cNvPr id="18" name="Straight Connector 17">
+              <a:extLst>
+                <a:ext uri="{FF2B5EF4-FFF2-40B4-BE49-F238E27FC236}">
+                  <a16:creationId xmlns:a16="http://schemas.microsoft.com/office/drawing/2014/main" id="{461EB33B-9AE6-764A-8A7D-05C09E06E672}"/>
+                </a:ext>
+              </a:extLst>
+            </p:cNvPr>
+            <p:cNvCxnSpPr/>
+            <p:nvPr/>
+          </p:nvCxnSpPr>
+          <p:spPr>
+            <a:xfrm>
+              <a:off x="1392866" y="3533554"/>
+              <a:ext cx="0" cy="627321"/>
+            </a:xfrm>
+            <a:prstGeom prst="line">
+              <a:avLst/>
+            </a:prstGeom>
+            <a:ln w="22225">
+              <a:solidFill>
+                <a:schemeClr val="tx1"/>
+              </a:solidFill>
+            </a:ln>
+          </p:spPr>
+          <p:style>
+            <a:lnRef idx="1">
+              <a:schemeClr val="accent1"/>
+            </a:lnRef>
+            <a:fillRef idx="0">
+              <a:schemeClr val="accent1"/>
+            </a:fillRef>
+            <a:effectRef idx="0">
+              <a:schemeClr val="accent1"/>
+            </a:effectRef>
+            <a:fontRef idx="minor">
+              <a:schemeClr val="tx1"/>
+            </a:fontRef>
+          </p:style>
+        </p:cxnSp>
+        <p:cxnSp>
+          <p:nvCxnSpPr>
+            <p:cNvPr id="19" name="Straight Connector 18">
+              <a:extLst>
+                <a:ext uri="{FF2B5EF4-FFF2-40B4-BE49-F238E27FC236}">
+                  <a16:creationId xmlns:a16="http://schemas.microsoft.com/office/drawing/2014/main" id="{695CD064-CB3C-7B47-8769-ECF0E036566A}"/>
+                </a:ext>
+              </a:extLst>
+            </p:cNvPr>
+            <p:cNvCxnSpPr/>
+            <p:nvPr/>
+          </p:nvCxnSpPr>
+          <p:spPr>
+            <a:xfrm>
+              <a:off x="1637415" y="3505200"/>
+              <a:ext cx="0" cy="627321"/>
+            </a:xfrm>
+            <a:prstGeom prst="line">
+              <a:avLst/>
+            </a:prstGeom>
+            <a:ln w="22225">
+              <a:solidFill>
+                <a:schemeClr val="tx1"/>
+              </a:solidFill>
+            </a:ln>
+          </p:spPr>
+          <p:style>
+            <a:lnRef idx="1">
+              <a:schemeClr val="accent1"/>
+            </a:lnRef>
+            <a:fillRef idx="0">
+              <a:schemeClr val="accent1"/>
+            </a:fillRef>
+            <a:effectRef idx="0">
+              <a:schemeClr val="accent1"/>
+            </a:effectRef>
+            <a:fontRef idx="minor">
+              <a:schemeClr val="tx1"/>
+            </a:fontRef>
+          </p:style>
+        </p:cxnSp>
+        <p:cxnSp>
+          <p:nvCxnSpPr>
+            <p:cNvPr id="20" name="Straight Connector 19">
+              <a:extLst>
+                <a:ext uri="{FF2B5EF4-FFF2-40B4-BE49-F238E27FC236}">
+                  <a16:creationId xmlns:a16="http://schemas.microsoft.com/office/drawing/2014/main" id="{B988679C-5023-374E-B4C3-621E034702BA}"/>
+                </a:ext>
+              </a:extLst>
+            </p:cNvPr>
+            <p:cNvCxnSpPr/>
+            <p:nvPr/>
+          </p:nvCxnSpPr>
+          <p:spPr>
+            <a:xfrm>
+              <a:off x="1881964" y="3487479"/>
+              <a:ext cx="0" cy="627321"/>
+            </a:xfrm>
+            <a:prstGeom prst="line">
+              <a:avLst/>
+            </a:prstGeom>
+            <a:ln w="22225">
+              <a:solidFill>
+                <a:schemeClr val="tx1"/>
+              </a:solidFill>
+            </a:ln>
+          </p:spPr>
+          <p:style>
+            <a:lnRef idx="1">
+              <a:schemeClr val="accent1"/>
+            </a:lnRef>
+            <a:fillRef idx="0">
+              <a:schemeClr val="accent1"/>
+            </a:fillRef>
+            <a:effectRef idx="0">
+              <a:schemeClr val="accent1"/>
+            </a:effectRef>
+            <a:fontRef idx="minor">
+              <a:schemeClr val="tx1"/>
+            </a:fontRef>
+          </p:style>
+        </p:cxnSp>
+        <p:cxnSp>
+          <p:nvCxnSpPr>
+            <p:cNvPr id="21" name="Straight Connector 20">
+              <a:extLst>
+                <a:ext uri="{FF2B5EF4-FFF2-40B4-BE49-F238E27FC236}">
+                  <a16:creationId xmlns:a16="http://schemas.microsoft.com/office/drawing/2014/main" id="{5072B806-F6A8-0140-B833-8DB932AA6AC6}"/>
+                </a:ext>
+              </a:extLst>
+            </p:cNvPr>
+            <p:cNvCxnSpPr>
+              <a:cxnSpLocks/>
+            </p:cNvCxnSpPr>
+            <p:nvPr/>
+          </p:nvCxnSpPr>
+          <p:spPr>
+            <a:xfrm>
+              <a:off x="2126513" y="3491024"/>
+              <a:ext cx="0" cy="591878"/>
+            </a:xfrm>
+            <a:prstGeom prst="line">
+              <a:avLst/>
+            </a:prstGeom>
+            <a:ln w="22225">
+              <a:solidFill>
+                <a:schemeClr val="tx1"/>
+              </a:solidFill>
+            </a:ln>
+          </p:spPr>
+          <p:style>
+            <a:lnRef idx="1">
+              <a:schemeClr val="accent1"/>
+            </a:lnRef>
+            <a:fillRef idx="0">
+              <a:schemeClr val="accent1"/>
+            </a:fillRef>
+            <a:effectRef idx="0">
+              <a:schemeClr val="accent1"/>
+            </a:effectRef>
+            <a:fontRef idx="minor">
+              <a:schemeClr val="tx1"/>
+            </a:fontRef>
+          </p:style>
+        </p:cxnSp>
+        <p:cxnSp>
+          <p:nvCxnSpPr>
+            <p:cNvPr id="22" name="Straight Connector 21">
+              <a:extLst>
+                <a:ext uri="{FF2B5EF4-FFF2-40B4-BE49-F238E27FC236}">
+                  <a16:creationId xmlns:a16="http://schemas.microsoft.com/office/drawing/2014/main" id="{E988C7FA-4B9A-AA47-8202-4D95CBBD6F3A}"/>
+                </a:ext>
+              </a:extLst>
+            </p:cNvPr>
+            <p:cNvCxnSpPr>
+              <a:cxnSpLocks/>
+            </p:cNvCxnSpPr>
+            <p:nvPr/>
+          </p:nvCxnSpPr>
+          <p:spPr>
+            <a:xfrm>
+              <a:off x="2371062" y="3462670"/>
+              <a:ext cx="0" cy="609600"/>
+            </a:xfrm>
+            <a:prstGeom prst="line">
+              <a:avLst/>
+            </a:prstGeom>
+            <a:ln w="22225">
+              <a:solidFill>
+                <a:schemeClr val="tx1"/>
+              </a:solidFill>
+            </a:ln>
+          </p:spPr>
+          <p:style>
+            <a:lnRef idx="1">
+              <a:schemeClr val="accent1"/>
+            </a:lnRef>
+            <a:fillRef idx="0">
+              <a:schemeClr val="accent1"/>
+            </a:fillRef>
+            <a:effectRef idx="0">
+              <a:schemeClr val="accent1"/>
+            </a:effectRef>
+            <a:fontRef idx="minor">
+              <a:schemeClr val="tx1"/>
+            </a:fontRef>
+          </p:style>
+        </p:cxnSp>
+        <p:cxnSp>
+          <p:nvCxnSpPr>
+            <p:cNvPr id="23" name="Straight Connector 22">
+              <a:extLst>
+                <a:ext uri="{FF2B5EF4-FFF2-40B4-BE49-F238E27FC236}">
+                  <a16:creationId xmlns:a16="http://schemas.microsoft.com/office/drawing/2014/main" id="{D7F5C51A-EE0C-684F-9BA7-9028DB663BED}"/>
+                </a:ext>
+              </a:extLst>
+            </p:cNvPr>
+            <p:cNvCxnSpPr>
+              <a:cxnSpLocks/>
+            </p:cNvCxnSpPr>
+            <p:nvPr/>
+          </p:nvCxnSpPr>
+          <p:spPr>
+            <a:xfrm>
+              <a:off x="2615611" y="3444949"/>
+              <a:ext cx="0" cy="616688"/>
+            </a:xfrm>
+            <a:prstGeom prst="line">
+              <a:avLst/>
+            </a:prstGeom>
+            <a:ln w="22225">
+              <a:solidFill>
+                <a:schemeClr val="tx1"/>
+              </a:solidFill>
+            </a:ln>
+          </p:spPr>
+          <p:style>
+            <a:lnRef idx="1">
+              <a:schemeClr val="accent1"/>
+            </a:lnRef>
+            <a:fillRef idx="0">
+              <a:schemeClr val="accent1"/>
+            </a:fillRef>
+            <a:effectRef idx="0">
+              <a:schemeClr val="accent1"/>
+            </a:effectRef>
+            <a:fontRef idx="minor">
+              <a:schemeClr val="tx1"/>
+            </a:fontRef>
+          </p:style>
+        </p:cxnSp>
+        <p:cxnSp>
+          <p:nvCxnSpPr>
+            <p:cNvPr id="24" name="Straight Connector 23">
+              <a:extLst>
+                <a:ext uri="{FF2B5EF4-FFF2-40B4-BE49-F238E27FC236}">
+                  <a16:creationId xmlns:a16="http://schemas.microsoft.com/office/drawing/2014/main" id="{4D43B39E-5EA7-044B-B54B-48876B5BACF7}"/>
+                </a:ext>
+              </a:extLst>
+            </p:cNvPr>
+            <p:cNvCxnSpPr>
+              <a:cxnSpLocks/>
+            </p:cNvCxnSpPr>
+            <p:nvPr/>
+          </p:nvCxnSpPr>
+          <p:spPr>
+            <a:xfrm>
+              <a:off x="2860160" y="3430773"/>
+              <a:ext cx="0" cy="598967"/>
+            </a:xfrm>
+            <a:prstGeom prst="line">
+              <a:avLst/>
+            </a:prstGeom>
+            <a:ln w="22225">
+              <a:solidFill>
+                <a:schemeClr val="tx1"/>
+              </a:solidFill>
+            </a:ln>
+          </p:spPr>
+          <p:style>
+            <a:lnRef idx="1">
+              <a:schemeClr val="accent1"/>
+            </a:lnRef>
+            <a:fillRef idx="0">
+              <a:schemeClr val="accent1"/>
+            </a:fillRef>
+            <a:effectRef idx="0">
+              <a:schemeClr val="accent1"/>
+            </a:effectRef>
+            <a:fontRef idx="minor">
+              <a:schemeClr val="tx1"/>
+            </a:fontRef>
+          </p:style>
+        </p:cxnSp>
+        <p:cxnSp>
+          <p:nvCxnSpPr>
+            <p:cNvPr id="25" name="Straight Connector 24">
+              <a:extLst>
+                <a:ext uri="{FF2B5EF4-FFF2-40B4-BE49-F238E27FC236}">
+                  <a16:creationId xmlns:a16="http://schemas.microsoft.com/office/drawing/2014/main" id="{B1ABD0C4-475E-A740-9661-1EA708205ABA}"/>
+                </a:ext>
+              </a:extLst>
+            </p:cNvPr>
+            <p:cNvCxnSpPr>
+              <a:cxnSpLocks/>
+            </p:cNvCxnSpPr>
+            <p:nvPr/>
+          </p:nvCxnSpPr>
+          <p:spPr>
+            <a:xfrm>
+              <a:off x="3104709" y="3402419"/>
+              <a:ext cx="0" cy="606055"/>
+            </a:xfrm>
+            <a:prstGeom prst="line">
+              <a:avLst/>
+            </a:prstGeom>
+            <a:ln w="22225">
+              <a:solidFill>
+                <a:schemeClr val="tx1"/>
+              </a:solidFill>
+            </a:ln>
+          </p:spPr>
+          <p:style>
+            <a:lnRef idx="1">
+              <a:schemeClr val="accent1"/>
+            </a:lnRef>
+            <a:fillRef idx="0">
+              <a:schemeClr val="accent1"/>
+            </a:fillRef>
+            <a:effectRef idx="0">
+              <a:schemeClr val="accent1"/>
+            </a:effectRef>
+            <a:fontRef idx="minor">
+              <a:schemeClr val="tx1"/>
+            </a:fontRef>
+          </p:style>
+        </p:cxnSp>
+        <p:cxnSp>
+          <p:nvCxnSpPr>
+            <p:cNvPr id="27" name="Straight Connector 26">
+              <a:extLst>
+                <a:ext uri="{FF2B5EF4-FFF2-40B4-BE49-F238E27FC236}">
+                  <a16:creationId xmlns:a16="http://schemas.microsoft.com/office/drawing/2014/main" id="{61F84598-A796-6843-968C-C4AC8DC9BE04}"/>
+                </a:ext>
+              </a:extLst>
+            </p:cNvPr>
+            <p:cNvCxnSpPr>
+              <a:cxnSpLocks/>
+            </p:cNvCxnSpPr>
+            <p:nvPr/>
+          </p:nvCxnSpPr>
+          <p:spPr>
+            <a:xfrm>
+              <a:off x="3349258" y="3384698"/>
+              <a:ext cx="0" cy="613144"/>
+            </a:xfrm>
+            <a:prstGeom prst="line">
+              <a:avLst/>
+            </a:prstGeom>
+            <a:ln w="22225">
+              <a:solidFill>
+                <a:schemeClr val="tx1"/>
+              </a:solidFill>
+            </a:ln>
+          </p:spPr>
+          <p:style>
+            <a:lnRef idx="1">
+              <a:schemeClr val="accent1"/>
+            </a:lnRef>
+            <a:fillRef idx="0">
+              <a:schemeClr val="accent1"/>
+            </a:fillRef>
+            <a:effectRef idx="0">
+              <a:schemeClr val="accent1"/>
+            </a:effectRef>
+            <a:fontRef idx="minor">
+              <a:schemeClr val="tx1"/>
+            </a:fontRef>
+          </p:style>
+        </p:cxnSp>
+        <p:cxnSp>
+          <p:nvCxnSpPr>
+            <p:cNvPr id="28" name="Straight Connector 27">
+              <a:extLst>
+                <a:ext uri="{FF2B5EF4-FFF2-40B4-BE49-F238E27FC236}">
+                  <a16:creationId xmlns:a16="http://schemas.microsoft.com/office/drawing/2014/main" id="{0E96BCF9-FD3E-1041-B983-132F0285482A}"/>
+                </a:ext>
+              </a:extLst>
+            </p:cNvPr>
+            <p:cNvCxnSpPr/>
+            <p:nvPr/>
+          </p:nvCxnSpPr>
+          <p:spPr>
+            <a:xfrm>
+              <a:off x="3593807" y="3342168"/>
+              <a:ext cx="0" cy="627321"/>
+            </a:xfrm>
+            <a:prstGeom prst="line">
+              <a:avLst/>
+            </a:prstGeom>
+            <a:ln w="22225">
+              <a:solidFill>
+                <a:schemeClr val="tx1"/>
+              </a:solidFill>
+            </a:ln>
+          </p:spPr>
+          <p:style>
+            <a:lnRef idx="1">
+              <a:schemeClr val="accent1"/>
+            </a:lnRef>
+            <a:fillRef idx="0">
+              <a:schemeClr val="accent1"/>
+            </a:fillRef>
+            <a:effectRef idx="0">
+              <a:schemeClr val="accent1"/>
+            </a:effectRef>
+            <a:fontRef idx="minor">
+              <a:schemeClr val="tx1"/>
+            </a:fontRef>
+          </p:style>
+        </p:cxnSp>
+        <p:cxnSp>
+          <p:nvCxnSpPr>
+            <p:cNvPr id="30" name="Straight Connector 29">
+              <a:extLst>
+                <a:ext uri="{FF2B5EF4-FFF2-40B4-BE49-F238E27FC236}">
+                  <a16:creationId xmlns:a16="http://schemas.microsoft.com/office/drawing/2014/main" id="{22B0447C-1AF6-B148-84C6-4772B5E83ABB}"/>
+                </a:ext>
+              </a:extLst>
+            </p:cNvPr>
+            <p:cNvCxnSpPr/>
+            <p:nvPr/>
+          </p:nvCxnSpPr>
+          <p:spPr>
+            <a:xfrm>
+              <a:off x="3838356" y="3313814"/>
+              <a:ext cx="0" cy="627321"/>
+            </a:xfrm>
+            <a:prstGeom prst="line">
+              <a:avLst/>
+            </a:prstGeom>
+            <a:ln w="22225">
+              <a:solidFill>
+                <a:schemeClr val="tx1"/>
+              </a:solidFill>
+            </a:ln>
+          </p:spPr>
+          <p:style>
+            <a:lnRef idx="1">
+              <a:schemeClr val="accent1"/>
+            </a:lnRef>
+            <a:fillRef idx="0">
+              <a:schemeClr val="accent1"/>
+            </a:fillRef>
+            <a:effectRef idx="0">
+              <a:schemeClr val="accent1"/>
+            </a:effectRef>
+            <a:fontRef idx="minor">
+              <a:schemeClr val="tx1"/>
+            </a:fontRef>
+          </p:style>
+        </p:cxnSp>
+        <p:cxnSp>
+          <p:nvCxnSpPr>
+            <p:cNvPr id="31" name="Straight Connector 30">
+              <a:extLst>
+                <a:ext uri="{FF2B5EF4-FFF2-40B4-BE49-F238E27FC236}">
+                  <a16:creationId xmlns:a16="http://schemas.microsoft.com/office/drawing/2014/main" id="{9D21E348-0387-4942-98CE-2A2F6876615E}"/>
+                </a:ext>
+              </a:extLst>
+            </p:cNvPr>
+            <p:cNvCxnSpPr/>
+            <p:nvPr/>
+          </p:nvCxnSpPr>
+          <p:spPr>
+            <a:xfrm>
+              <a:off x="4082905" y="3296093"/>
+              <a:ext cx="0" cy="627321"/>
+            </a:xfrm>
+            <a:prstGeom prst="line">
+              <a:avLst/>
+            </a:prstGeom>
+            <a:ln w="22225">
+              <a:solidFill>
+                <a:schemeClr val="tx1"/>
+              </a:solidFill>
+            </a:ln>
+          </p:spPr>
+          <p:style>
+            <a:lnRef idx="1">
+              <a:schemeClr val="accent1"/>
+            </a:lnRef>
+            <a:fillRef idx="0">
+              <a:schemeClr val="accent1"/>
+            </a:fillRef>
+            <a:effectRef idx="0">
+              <a:schemeClr val="accent1"/>
+            </a:effectRef>
+            <a:fontRef idx="minor">
+              <a:schemeClr val="tx1"/>
+            </a:fontRef>
+          </p:style>
+        </p:cxnSp>
+        <p:cxnSp>
+          <p:nvCxnSpPr>
+            <p:cNvPr id="32" name="Straight Connector 31">
+              <a:extLst>
+                <a:ext uri="{FF2B5EF4-FFF2-40B4-BE49-F238E27FC236}">
+                  <a16:creationId xmlns:a16="http://schemas.microsoft.com/office/drawing/2014/main" id="{D1626176-3C69-AA45-8AD6-EAB287171B6A}"/>
+                </a:ext>
+              </a:extLst>
+            </p:cNvPr>
+            <p:cNvCxnSpPr/>
+            <p:nvPr/>
+          </p:nvCxnSpPr>
+          <p:spPr>
+            <a:xfrm>
+              <a:off x="4327454" y="3281917"/>
+              <a:ext cx="0" cy="627321"/>
+            </a:xfrm>
+            <a:prstGeom prst="line">
+              <a:avLst/>
+            </a:prstGeom>
+            <a:ln w="22225">
+              <a:solidFill>
+                <a:schemeClr val="tx1"/>
+              </a:solidFill>
+            </a:ln>
+          </p:spPr>
+          <p:style>
+            <a:lnRef idx="1">
+              <a:schemeClr val="accent1"/>
+            </a:lnRef>
+            <a:fillRef idx="0">
+              <a:schemeClr val="accent1"/>
+            </a:fillRef>
+            <a:effectRef idx="0">
+              <a:schemeClr val="accent1"/>
+            </a:effectRef>
+            <a:fontRef idx="minor">
+              <a:schemeClr val="tx1"/>
+            </a:fontRef>
+          </p:style>
+        </p:cxnSp>
+        <p:cxnSp>
+          <p:nvCxnSpPr>
+            <p:cNvPr id="33" name="Straight Connector 32">
+              <a:extLst>
+                <a:ext uri="{FF2B5EF4-FFF2-40B4-BE49-F238E27FC236}">
+                  <a16:creationId xmlns:a16="http://schemas.microsoft.com/office/drawing/2014/main" id="{2821FDDD-B7A0-6D44-8ED0-189FCE58634E}"/>
+                </a:ext>
+              </a:extLst>
+            </p:cNvPr>
+            <p:cNvCxnSpPr/>
+            <p:nvPr/>
+          </p:nvCxnSpPr>
+          <p:spPr>
+            <a:xfrm>
+              <a:off x="4572003" y="3253563"/>
+              <a:ext cx="0" cy="627321"/>
+            </a:xfrm>
+            <a:prstGeom prst="line">
+              <a:avLst/>
+            </a:prstGeom>
+            <a:ln w="22225">
+              <a:solidFill>
+                <a:schemeClr val="tx1"/>
+              </a:solidFill>
+            </a:ln>
+          </p:spPr>
+          <p:style>
+            <a:lnRef idx="1">
+              <a:schemeClr val="accent1"/>
+            </a:lnRef>
+            <a:fillRef idx="0">
+              <a:schemeClr val="accent1"/>
+            </a:fillRef>
+            <a:effectRef idx="0">
+              <a:schemeClr val="accent1"/>
+            </a:effectRef>
+            <a:fontRef idx="minor">
+              <a:schemeClr val="tx1"/>
+            </a:fontRef>
+          </p:style>
+        </p:cxnSp>
+        <p:cxnSp>
+          <p:nvCxnSpPr>
+            <p:cNvPr id="34" name="Straight Connector 33">
+              <a:extLst>
+                <a:ext uri="{FF2B5EF4-FFF2-40B4-BE49-F238E27FC236}">
+                  <a16:creationId xmlns:a16="http://schemas.microsoft.com/office/drawing/2014/main" id="{2C3723B7-02BC-5D4C-AEE3-48FE115C2096}"/>
+                </a:ext>
+              </a:extLst>
+            </p:cNvPr>
+            <p:cNvCxnSpPr/>
+            <p:nvPr/>
+          </p:nvCxnSpPr>
+          <p:spPr>
+            <a:xfrm>
+              <a:off x="4816552" y="3235842"/>
+              <a:ext cx="0" cy="627321"/>
+            </a:xfrm>
+            <a:prstGeom prst="line">
+              <a:avLst/>
+            </a:prstGeom>
+            <a:ln w="22225">
+              <a:solidFill>
+                <a:schemeClr val="tx1"/>
+              </a:solidFill>
+            </a:ln>
+          </p:spPr>
+          <p:style>
+            <a:lnRef idx="1">
+              <a:schemeClr val="accent1"/>
+            </a:lnRef>
+            <a:fillRef idx="0">
+              <a:schemeClr val="accent1"/>
+            </a:fillRef>
+            <a:effectRef idx="0">
+              <a:schemeClr val="accent1"/>
+            </a:effectRef>
+            <a:fontRef idx="minor">
+              <a:schemeClr val="tx1"/>
+            </a:fontRef>
+          </p:style>
+        </p:cxnSp>
+        <p:cxnSp>
+          <p:nvCxnSpPr>
+            <p:cNvPr id="35" name="Straight Connector 34">
+              <a:extLst>
+                <a:ext uri="{FF2B5EF4-FFF2-40B4-BE49-F238E27FC236}">
+                  <a16:creationId xmlns:a16="http://schemas.microsoft.com/office/drawing/2014/main" id="{2E7EF694-3FB8-B144-A3E9-C2290472869E}"/>
+                </a:ext>
+              </a:extLst>
+            </p:cNvPr>
+            <p:cNvCxnSpPr>
+              <a:cxnSpLocks/>
+            </p:cNvCxnSpPr>
+            <p:nvPr/>
+          </p:nvCxnSpPr>
+          <p:spPr>
+            <a:xfrm>
+              <a:off x="5061101" y="3239387"/>
+              <a:ext cx="0" cy="591878"/>
+            </a:xfrm>
+            <a:prstGeom prst="line">
+              <a:avLst/>
+            </a:prstGeom>
+            <a:ln w="22225">
+              <a:solidFill>
+                <a:schemeClr val="tx1"/>
+              </a:solidFill>
+            </a:ln>
+          </p:spPr>
+          <p:style>
+            <a:lnRef idx="1">
+              <a:schemeClr val="accent1"/>
+            </a:lnRef>
+            <a:fillRef idx="0">
+              <a:schemeClr val="accent1"/>
+            </a:fillRef>
+            <a:effectRef idx="0">
+              <a:schemeClr val="accent1"/>
+            </a:effectRef>
+            <a:fontRef idx="minor">
+              <a:schemeClr val="tx1"/>
+            </a:fontRef>
+          </p:style>
+        </p:cxnSp>
+        <p:cxnSp>
+          <p:nvCxnSpPr>
+            <p:cNvPr id="36" name="Straight Connector 35">
+              <a:extLst>
+                <a:ext uri="{FF2B5EF4-FFF2-40B4-BE49-F238E27FC236}">
+                  <a16:creationId xmlns:a16="http://schemas.microsoft.com/office/drawing/2014/main" id="{0760695B-3570-0343-BC4E-3D2A2D86D6C6}"/>
+                </a:ext>
+              </a:extLst>
+            </p:cNvPr>
+            <p:cNvCxnSpPr>
+              <a:cxnSpLocks/>
+            </p:cNvCxnSpPr>
+            <p:nvPr/>
+          </p:nvCxnSpPr>
+          <p:spPr>
+            <a:xfrm>
+              <a:off x="5305650" y="3211033"/>
+              <a:ext cx="0" cy="609600"/>
+            </a:xfrm>
+            <a:prstGeom prst="line">
+              <a:avLst/>
+            </a:prstGeom>
+            <a:ln w="22225">
+              <a:solidFill>
+                <a:schemeClr val="tx1"/>
+              </a:solidFill>
+            </a:ln>
+          </p:spPr>
+          <p:style>
+            <a:lnRef idx="1">
+              <a:schemeClr val="accent1"/>
+            </a:lnRef>
+            <a:fillRef idx="0">
+              <a:schemeClr val="accent1"/>
+            </a:fillRef>
+            <a:effectRef idx="0">
+              <a:schemeClr val="accent1"/>
+            </a:effectRef>
+            <a:fontRef idx="minor">
+              <a:schemeClr val="tx1"/>
+            </a:fontRef>
+          </p:style>
+        </p:cxnSp>
+        <p:cxnSp>
+          <p:nvCxnSpPr>
+            <p:cNvPr id="37" name="Straight Connector 36">
+              <a:extLst>
+                <a:ext uri="{FF2B5EF4-FFF2-40B4-BE49-F238E27FC236}">
+                  <a16:creationId xmlns:a16="http://schemas.microsoft.com/office/drawing/2014/main" id="{B69D3E71-3C76-2D43-8D99-3493FA5C90AB}"/>
+                </a:ext>
+              </a:extLst>
+            </p:cNvPr>
+            <p:cNvCxnSpPr>
+              <a:cxnSpLocks/>
+            </p:cNvCxnSpPr>
+            <p:nvPr/>
+          </p:nvCxnSpPr>
+          <p:spPr>
+            <a:xfrm>
+              <a:off x="5550199" y="3193312"/>
+              <a:ext cx="0" cy="616688"/>
+            </a:xfrm>
+            <a:prstGeom prst="line">
+              <a:avLst/>
+            </a:prstGeom>
+            <a:ln w="22225">
+              <a:solidFill>
+                <a:schemeClr val="tx1"/>
+              </a:solidFill>
+            </a:ln>
+          </p:spPr>
+          <p:style>
+            <a:lnRef idx="1">
+              <a:schemeClr val="accent1"/>
+            </a:lnRef>
+            <a:fillRef idx="0">
+              <a:schemeClr val="accent1"/>
+            </a:fillRef>
+            <a:effectRef idx="0">
+              <a:schemeClr val="accent1"/>
+            </a:effectRef>
+            <a:fontRef idx="minor">
+              <a:schemeClr val="tx1"/>
+            </a:fontRef>
+          </p:style>
+        </p:cxnSp>
+        <p:cxnSp>
+          <p:nvCxnSpPr>
+            <p:cNvPr id="38" name="Straight Connector 37">
+              <a:extLst>
+                <a:ext uri="{FF2B5EF4-FFF2-40B4-BE49-F238E27FC236}">
+                  <a16:creationId xmlns:a16="http://schemas.microsoft.com/office/drawing/2014/main" id="{871FD9FD-96C5-4E4B-B896-E4A8B939B15A}"/>
+                </a:ext>
+              </a:extLst>
+            </p:cNvPr>
+            <p:cNvCxnSpPr>
+              <a:cxnSpLocks/>
+            </p:cNvCxnSpPr>
+            <p:nvPr/>
+          </p:nvCxnSpPr>
+          <p:spPr>
+            <a:xfrm>
+              <a:off x="5794748" y="3179136"/>
+              <a:ext cx="0" cy="598967"/>
+            </a:xfrm>
+            <a:prstGeom prst="line">
+              <a:avLst/>
+            </a:prstGeom>
+            <a:ln w="22225">
+              <a:solidFill>
+                <a:schemeClr val="tx1"/>
+              </a:solidFill>
+            </a:ln>
+          </p:spPr>
+          <p:style>
+            <a:lnRef idx="1">
+              <a:schemeClr val="accent1"/>
+            </a:lnRef>
+            <a:fillRef idx="0">
+              <a:schemeClr val="accent1"/>
+            </a:fillRef>
+            <a:effectRef idx="0">
+              <a:schemeClr val="accent1"/>
+            </a:effectRef>
+            <a:fontRef idx="minor">
+              <a:schemeClr val="tx1"/>
+            </a:fontRef>
+          </p:style>
+        </p:cxnSp>
+        <p:cxnSp>
+          <p:nvCxnSpPr>
+            <p:cNvPr id="39" name="Straight Connector 38">
+              <a:extLst>
+                <a:ext uri="{FF2B5EF4-FFF2-40B4-BE49-F238E27FC236}">
+                  <a16:creationId xmlns:a16="http://schemas.microsoft.com/office/drawing/2014/main" id="{C9652726-9CB4-364E-B75C-DC7BE9C25B67}"/>
+                </a:ext>
+              </a:extLst>
+            </p:cNvPr>
+            <p:cNvCxnSpPr>
+              <a:cxnSpLocks/>
+            </p:cNvCxnSpPr>
+            <p:nvPr/>
+          </p:nvCxnSpPr>
+          <p:spPr>
+            <a:xfrm>
+              <a:off x="6039297" y="3150782"/>
+              <a:ext cx="0" cy="606055"/>
+            </a:xfrm>
+            <a:prstGeom prst="line">
+              <a:avLst/>
+            </a:prstGeom>
+            <a:ln w="22225">
+              <a:solidFill>
+                <a:schemeClr val="tx1"/>
+              </a:solidFill>
+            </a:ln>
+          </p:spPr>
+          <p:style>
+            <a:lnRef idx="1">
+              <a:schemeClr val="accent1"/>
+            </a:lnRef>
+            <a:fillRef idx="0">
+              <a:schemeClr val="accent1"/>
+            </a:fillRef>
+            <a:effectRef idx="0">
+              <a:schemeClr val="accent1"/>
+            </a:effectRef>
+            <a:fontRef idx="minor">
+              <a:schemeClr val="tx1"/>
+            </a:fontRef>
+          </p:style>
+        </p:cxnSp>
+        <p:cxnSp>
+          <p:nvCxnSpPr>
+            <p:cNvPr id="40" name="Straight Connector 39">
+              <a:extLst>
+                <a:ext uri="{FF2B5EF4-FFF2-40B4-BE49-F238E27FC236}">
+                  <a16:creationId xmlns:a16="http://schemas.microsoft.com/office/drawing/2014/main" id="{CF18923C-9BCE-884E-854A-17B6C08FD283}"/>
+                </a:ext>
+              </a:extLst>
+            </p:cNvPr>
+            <p:cNvCxnSpPr>
+              <a:cxnSpLocks/>
+            </p:cNvCxnSpPr>
+            <p:nvPr/>
+          </p:nvCxnSpPr>
+          <p:spPr>
+            <a:xfrm>
+              <a:off x="6283846" y="3133061"/>
+              <a:ext cx="0" cy="613144"/>
+            </a:xfrm>
+            <a:prstGeom prst="line">
+              <a:avLst/>
+            </a:prstGeom>
+            <a:ln w="22225">
+              <a:solidFill>
+                <a:schemeClr val="tx1"/>
+              </a:solidFill>
+            </a:ln>
+          </p:spPr>
+          <p:style>
+            <a:lnRef idx="1">
+              <a:schemeClr val="accent1"/>
+            </a:lnRef>
+            <a:fillRef idx="0">
+              <a:schemeClr val="accent1"/>
+            </a:fillRef>
+            <a:effectRef idx="0">
+              <a:schemeClr val="accent1"/>
+            </a:effectRef>
+            <a:fontRef idx="minor">
+              <a:schemeClr val="tx1"/>
+            </a:fontRef>
+          </p:style>
+        </p:cxnSp>
+        <p:cxnSp>
+          <p:nvCxnSpPr>
+            <p:cNvPr id="41" name="Straight Connector 40">
+              <a:extLst>
+                <a:ext uri="{FF2B5EF4-FFF2-40B4-BE49-F238E27FC236}">
+                  <a16:creationId xmlns:a16="http://schemas.microsoft.com/office/drawing/2014/main" id="{2BDB2856-6C35-8D40-AB84-E22B45C981FD}"/>
+                </a:ext>
+              </a:extLst>
+            </p:cNvPr>
+            <p:cNvCxnSpPr/>
+            <p:nvPr/>
+          </p:nvCxnSpPr>
+          <p:spPr>
+            <a:xfrm>
+              <a:off x="6528395" y="3108251"/>
+              <a:ext cx="0" cy="627321"/>
+            </a:xfrm>
+            <a:prstGeom prst="line">
+              <a:avLst/>
+            </a:prstGeom>
+            <a:ln w="22225">
+              <a:solidFill>
+                <a:schemeClr val="tx1"/>
+              </a:solidFill>
+            </a:ln>
+          </p:spPr>
+          <p:style>
+            <a:lnRef idx="1">
+              <a:schemeClr val="accent1"/>
+            </a:lnRef>
+            <a:fillRef idx="0">
+              <a:schemeClr val="accent1"/>
+            </a:fillRef>
+            <a:effectRef idx="0">
+              <a:schemeClr val="accent1"/>
+            </a:effectRef>
+            <a:fontRef idx="minor">
+              <a:schemeClr val="tx1"/>
+            </a:fontRef>
+          </p:style>
+        </p:cxnSp>
+        <p:cxnSp>
+          <p:nvCxnSpPr>
+            <p:cNvPr id="42" name="Straight Connector 41">
+              <a:extLst>
+                <a:ext uri="{FF2B5EF4-FFF2-40B4-BE49-F238E27FC236}">
+                  <a16:creationId xmlns:a16="http://schemas.microsoft.com/office/drawing/2014/main" id="{BA34C4E8-417D-3E44-A360-0864CA404767}"/>
+                </a:ext>
+              </a:extLst>
+            </p:cNvPr>
+            <p:cNvCxnSpPr/>
+            <p:nvPr/>
+          </p:nvCxnSpPr>
+          <p:spPr>
+            <a:xfrm>
+              <a:off x="6772944" y="3079897"/>
+              <a:ext cx="0" cy="627321"/>
+            </a:xfrm>
+            <a:prstGeom prst="line">
+              <a:avLst/>
+            </a:prstGeom>
+            <a:ln w="22225">
+              <a:solidFill>
+                <a:schemeClr val="tx1"/>
+              </a:solidFill>
+            </a:ln>
+          </p:spPr>
+          <p:style>
+            <a:lnRef idx="1">
+              <a:schemeClr val="accent1"/>
+            </a:lnRef>
+            <a:fillRef idx="0">
+              <a:schemeClr val="accent1"/>
+            </a:fillRef>
+            <a:effectRef idx="0">
+              <a:schemeClr val="accent1"/>
+            </a:effectRef>
+            <a:fontRef idx="minor">
+              <a:schemeClr val="tx1"/>
+            </a:fontRef>
+          </p:style>
+        </p:cxnSp>
+        <p:cxnSp>
+          <p:nvCxnSpPr>
+            <p:cNvPr id="43" name="Straight Connector 42">
+              <a:extLst>
+                <a:ext uri="{FF2B5EF4-FFF2-40B4-BE49-F238E27FC236}">
+                  <a16:creationId xmlns:a16="http://schemas.microsoft.com/office/drawing/2014/main" id="{C2F194EF-25B9-D540-8AF3-652540AA79FF}"/>
+                </a:ext>
+              </a:extLst>
+            </p:cNvPr>
+            <p:cNvCxnSpPr/>
+            <p:nvPr/>
+          </p:nvCxnSpPr>
+          <p:spPr>
+            <a:xfrm>
+              <a:off x="7017493" y="3062176"/>
+              <a:ext cx="0" cy="627321"/>
+            </a:xfrm>
+            <a:prstGeom prst="line">
+              <a:avLst/>
+            </a:prstGeom>
+            <a:ln w="22225">
+              <a:solidFill>
+                <a:schemeClr val="tx1"/>
+              </a:solidFill>
+            </a:ln>
+          </p:spPr>
+          <p:style>
+            <a:lnRef idx="1">
+              <a:schemeClr val="accent1"/>
+            </a:lnRef>
+            <a:fillRef idx="0">
+              <a:schemeClr val="accent1"/>
+            </a:fillRef>
+            <a:effectRef idx="0">
+              <a:schemeClr val="accent1"/>
+            </a:effectRef>
+            <a:fontRef idx="minor">
+              <a:schemeClr val="tx1"/>
+            </a:fontRef>
+          </p:style>
+        </p:cxnSp>
+        <p:cxnSp>
+          <p:nvCxnSpPr>
+            <p:cNvPr id="44" name="Straight Connector 43">
+              <a:extLst>
+                <a:ext uri="{FF2B5EF4-FFF2-40B4-BE49-F238E27FC236}">
+                  <a16:creationId xmlns:a16="http://schemas.microsoft.com/office/drawing/2014/main" id="{30C5F78C-9615-B04B-9AC7-7849AF712ED6}"/>
+                </a:ext>
+              </a:extLst>
+            </p:cNvPr>
+            <p:cNvCxnSpPr/>
+            <p:nvPr/>
+          </p:nvCxnSpPr>
+          <p:spPr>
+            <a:xfrm>
+              <a:off x="7262042" y="3048000"/>
+              <a:ext cx="0" cy="627321"/>
+            </a:xfrm>
+            <a:prstGeom prst="line">
+              <a:avLst/>
+            </a:prstGeom>
+            <a:ln w="22225">
+              <a:solidFill>
+                <a:schemeClr val="tx1"/>
+              </a:solidFill>
+            </a:ln>
+          </p:spPr>
+          <p:style>
+            <a:lnRef idx="1">
+              <a:schemeClr val="accent1"/>
+            </a:lnRef>
+            <a:fillRef idx="0">
+              <a:schemeClr val="accent1"/>
+            </a:fillRef>
+            <a:effectRef idx="0">
+              <a:schemeClr val="accent1"/>
+            </a:effectRef>
+            <a:fontRef idx="minor">
+              <a:schemeClr val="tx1"/>
+            </a:fontRef>
+          </p:style>
+        </p:cxnSp>
+        <p:cxnSp>
+          <p:nvCxnSpPr>
+            <p:cNvPr id="45" name="Straight Connector 44">
+              <a:extLst>
+                <a:ext uri="{FF2B5EF4-FFF2-40B4-BE49-F238E27FC236}">
+                  <a16:creationId xmlns:a16="http://schemas.microsoft.com/office/drawing/2014/main" id="{253D2B6A-E1F6-5149-A9A1-C8D2F692BCE2}"/>
+                </a:ext>
+              </a:extLst>
+            </p:cNvPr>
+            <p:cNvCxnSpPr/>
+            <p:nvPr/>
+          </p:nvCxnSpPr>
+          <p:spPr>
+            <a:xfrm>
+              <a:off x="7506586" y="3019646"/>
+              <a:ext cx="0" cy="627321"/>
+            </a:xfrm>
+            <a:prstGeom prst="line">
+              <a:avLst/>
+            </a:prstGeom>
+            <a:ln w="22225">
+              <a:solidFill>
+                <a:schemeClr val="tx1"/>
+              </a:solidFill>
+            </a:ln>
+          </p:spPr>
+          <p:style>
+            <a:lnRef idx="1">
+              <a:schemeClr val="accent1"/>
+            </a:lnRef>
+            <a:fillRef idx="0">
+              <a:schemeClr val="accent1"/>
+            </a:fillRef>
+            <a:effectRef idx="0">
+              <a:schemeClr val="accent1"/>
+            </a:effectRef>
+            <a:fontRef idx="minor">
+              <a:schemeClr val="tx1"/>
+            </a:fontRef>
+          </p:style>
+        </p:cxnSp>
+      </p:grpSp>
       <p:sp>
         <p:nvSpPr>
-          <p:cNvPr id="12" name="Freeform 11">
+          <p:cNvPr id="46" name="Freeform 45">
             <a:extLst>
               <a:ext uri="{FF2B5EF4-FFF2-40B4-BE49-F238E27FC236}">
-                <a16:creationId xmlns:a16="http://schemas.microsoft.com/office/drawing/2014/main" id="{6BBDCA4A-4EE7-6E47-815A-655919AD85A7}"/>
+                <a16:creationId xmlns:a16="http://schemas.microsoft.com/office/drawing/2014/main" id="{1C76DA5E-E1F4-DA4A-B9B5-E54F7A879C6B}"/>
               </a:ext>
             </a:extLst>
           </p:cNvPr>
@@ -9365,8 +10646,118 @@
         </p:nvSpPr>
         <p:spPr>
           <a:xfrm>
-            <a:off x="5018567" y="998303"/>
-            <a:ext cx="1372024" cy="620198"/>
+            <a:off x="6337001" y="2615609"/>
+            <a:ext cx="196216" cy="308341"/>
+          </a:xfrm>
+          <a:custGeom>
+            <a:avLst/>
+            <a:gdLst>
+              <a:gd name="connsiteX0" fmla="*/ 0 w 116958"/>
+              <a:gd name="connsiteY0" fmla="*/ 127590 h 159488"/>
+              <a:gd name="connsiteX1" fmla="*/ 0 w 116958"/>
+              <a:gd name="connsiteY1" fmla="*/ 127590 h 159488"/>
+              <a:gd name="connsiteX2" fmla="*/ 10632 w 116958"/>
+              <a:gd name="connsiteY2" fmla="*/ 0 h 159488"/>
+              <a:gd name="connsiteX3" fmla="*/ 74428 w 116958"/>
+              <a:gd name="connsiteY3" fmla="*/ 0 h 159488"/>
+              <a:gd name="connsiteX4" fmla="*/ 116958 w 116958"/>
+              <a:gd name="connsiteY4" fmla="*/ 53162 h 159488"/>
+              <a:gd name="connsiteX5" fmla="*/ 74428 w 116958"/>
+              <a:gd name="connsiteY5" fmla="*/ 159488 h 159488"/>
+            </a:gdLst>
+            <a:ahLst/>
+            <a:cxnLst>
+              <a:cxn ang="0">
+                <a:pos x="connsiteX0" y="connsiteY0"/>
+              </a:cxn>
+              <a:cxn ang="0">
+                <a:pos x="connsiteX1" y="connsiteY1"/>
+              </a:cxn>
+              <a:cxn ang="0">
+                <a:pos x="connsiteX2" y="connsiteY2"/>
+              </a:cxn>
+              <a:cxn ang="0">
+                <a:pos x="connsiteX3" y="connsiteY3"/>
+              </a:cxn>
+              <a:cxn ang="0">
+                <a:pos x="connsiteX4" y="connsiteY4"/>
+              </a:cxn>
+              <a:cxn ang="0">
+                <a:pos x="connsiteX5" y="connsiteY5"/>
+              </a:cxn>
+            </a:cxnLst>
+            <a:rect l="l" t="t" r="r" b="b"/>
+            <a:pathLst>
+              <a:path w="116958" h="159488">
+                <a:moveTo>
+                  <a:pt x="0" y="127590"/>
+                </a:moveTo>
+                <a:lnTo>
+                  <a:pt x="0" y="127590"/>
+                </a:lnTo>
+                <a:lnTo>
+                  <a:pt x="10632" y="0"/>
+                </a:lnTo>
+                <a:lnTo>
+                  <a:pt x="74428" y="0"/>
+                </a:lnTo>
+                <a:lnTo>
+                  <a:pt x="116958" y="53162"/>
+                </a:lnTo>
+                <a:lnTo>
+                  <a:pt x="74428" y="159488"/>
+                </a:lnTo>
+              </a:path>
+            </a:pathLst>
+          </a:custGeom>
+          <a:solidFill>
+            <a:schemeClr val="tx1"/>
+          </a:solidFill>
+          <a:ln>
+            <a:noFill/>
+          </a:ln>
+        </p:spPr>
+        <p:style>
+          <a:lnRef idx="2">
+            <a:schemeClr val="accent1">
+              <a:shade val="50000"/>
+            </a:schemeClr>
+          </a:lnRef>
+          <a:fillRef idx="1">
+            <a:schemeClr val="accent1"/>
+          </a:fillRef>
+          <a:effectRef idx="0">
+            <a:schemeClr val="accent1"/>
+          </a:effectRef>
+          <a:fontRef idx="minor">
+            <a:schemeClr val="lt1"/>
+          </a:fontRef>
+        </p:style>
+        <p:txBody>
+          <a:bodyPr rtlCol="0" anchor="ctr"/>
+          <a:lstStyle/>
+          <a:p>
+            <a:pPr algn="ctr"/>
+            <a:endParaRPr lang="en-US"/>
+          </a:p>
+        </p:txBody>
+      </p:sp>
+      <p:sp>
+        <p:nvSpPr>
+          <p:cNvPr id="47" name="Freeform 46">
+            <a:extLst>
+              <a:ext uri="{FF2B5EF4-FFF2-40B4-BE49-F238E27FC236}">
+                <a16:creationId xmlns:a16="http://schemas.microsoft.com/office/drawing/2014/main" id="{5C24E6D6-E848-1341-ADF5-D0578CDD7B67}"/>
+              </a:ext>
+            </a:extLst>
+          </p:cNvPr>
+          <p:cNvSpPr/>
+          <p:nvPr/>
+        </p:nvSpPr>
+        <p:spPr>
+          <a:xfrm>
+            <a:off x="5314652" y="1191223"/>
+            <a:ext cx="1063680" cy="480817"/>
           </a:xfrm>
           <a:custGeom>
             <a:avLst/>
@@ -9792,1417 +11183,15 @@
               </a:path>
             </a:pathLst>
           </a:custGeom>
-          <a:pattFill prst="pct10">
+          <a:pattFill prst="pct5">
             <a:fgClr>
-              <a:schemeClr val="bg2">
-                <a:lumMod val="75000"/>
-              </a:schemeClr>
+              <a:schemeClr val="tx1"/>
             </a:fgClr>
             <a:bgClr>
               <a:schemeClr val="bg1"/>
             </a:bgClr>
           </a:pattFill>
           <a:ln w="22225">
-            <a:noFill/>
-          </a:ln>
-        </p:spPr>
-        <p:style>
-          <a:lnRef idx="2">
-            <a:schemeClr val="accent1">
-              <a:shade val="50000"/>
-            </a:schemeClr>
-          </a:lnRef>
-          <a:fillRef idx="1">
-            <a:schemeClr val="accent1"/>
-          </a:fillRef>
-          <a:effectRef idx="0">
-            <a:schemeClr val="accent1"/>
-          </a:effectRef>
-          <a:fontRef idx="minor">
-            <a:schemeClr val="lt1"/>
-          </a:fontRef>
-        </p:style>
-        <p:txBody>
-          <a:bodyPr rtlCol="0" anchor="ctr"/>
-          <a:lstStyle/>
-          <a:p>
-            <a:pPr algn="ctr"/>
-            <a:endParaRPr lang="en-US"/>
-          </a:p>
-        </p:txBody>
-      </p:sp>
-      <p:grpSp>
-        <p:nvGrpSpPr>
-          <p:cNvPr id="13" name="Group 12">
-            <a:extLst>
-              <a:ext uri="{FF2B5EF4-FFF2-40B4-BE49-F238E27FC236}">
-                <a16:creationId xmlns:a16="http://schemas.microsoft.com/office/drawing/2014/main" id="{D2F9F8D3-D950-7D4A-83D6-67D19F5017BF}"/>
-              </a:ext>
-            </a:extLst>
-          </p:cNvPr>
-          <p:cNvGrpSpPr/>
-          <p:nvPr/>
-        </p:nvGrpSpPr>
-        <p:grpSpPr>
-          <a:xfrm>
-            <a:off x="404038" y="2200938"/>
-            <a:ext cx="8410354" cy="1403498"/>
-            <a:chOff x="493900" y="3019646"/>
-            <a:chExt cx="7233806" cy="1201480"/>
-          </a:xfrm>
-        </p:grpSpPr>
-        <p:sp>
-          <p:nvSpPr>
-            <p:cNvPr id="14" name="Parallelogram 13">
-              <a:extLst>
-                <a:ext uri="{FF2B5EF4-FFF2-40B4-BE49-F238E27FC236}">
-                  <a16:creationId xmlns:a16="http://schemas.microsoft.com/office/drawing/2014/main" id="{34667A8E-818C-FC46-813B-65C2EF2462C0}"/>
-                </a:ext>
-              </a:extLst>
-            </p:cNvPr>
-            <p:cNvSpPr/>
-            <p:nvPr/>
-          </p:nvSpPr>
-          <p:spPr>
-            <a:xfrm rot="10525432">
-              <a:off x="493900" y="3316100"/>
-              <a:ext cx="7233806" cy="609776"/>
-            </a:xfrm>
-            <a:prstGeom prst="parallelogram">
-              <a:avLst>
-                <a:gd name="adj" fmla="val 9124"/>
-              </a:avLst>
-            </a:prstGeom>
-            <a:solidFill>
-              <a:schemeClr val="bg1"/>
-            </a:solidFill>
-            <a:ln w="22225">
-              <a:solidFill>
-                <a:schemeClr val="tx1"/>
-              </a:solidFill>
-            </a:ln>
-          </p:spPr>
-          <p:style>
-            <a:lnRef idx="2">
-              <a:schemeClr val="accent1">
-                <a:shade val="50000"/>
-              </a:schemeClr>
-            </a:lnRef>
-            <a:fillRef idx="1">
-              <a:schemeClr val="accent1"/>
-            </a:fillRef>
-            <a:effectRef idx="0">
-              <a:schemeClr val="accent1"/>
-            </a:effectRef>
-            <a:fontRef idx="minor">
-              <a:schemeClr val="lt1"/>
-            </a:fontRef>
-          </p:style>
-          <p:txBody>
-            <a:bodyPr rtlCol="0" anchor="ctr"/>
-            <a:lstStyle/>
-            <a:p>
-              <a:pPr algn="ctr"/>
-              <a:endParaRPr lang="en-US"/>
-            </a:p>
-          </p:txBody>
-        </p:sp>
-        <p:cxnSp>
-          <p:nvCxnSpPr>
-            <p:cNvPr id="15" name="Straight Connector 14">
-              <a:extLst>
-                <a:ext uri="{FF2B5EF4-FFF2-40B4-BE49-F238E27FC236}">
-                  <a16:creationId xmlns:a16="http://schemas.microsoft.com/office/drawing/2014/main" id="{12847773-B9DA-104F-86E2-B168098C5FDB}"/>
-                </a:ext>
-              </a:extLst>
-            </p:cNvPr>
-            <p:cNvCxnSpPr/>
-            <p:nvPr/>
-          </p:nvCxnSpPr>
-          <p:spPr>
-            <a:xfrm>
-              <a:off x="659219" y="3593805"/>
-              <a:ext cx="0" cy="627321"/>
-            </a:xfrm>
-            <a:prstGeom prst="line">
-              <a:avLst/>
-            </a:prstGeom>
-            <a:ln w="22225">
-              <a:solidFill>
-                <a:schemeClr val="tx1"/>
-              </a:solidFill>
-            </a:ln>
-          </p:spPr>
-          <p:style>
-            <a:lnRef idx="1">
-              <a:schemeClr val="accent1"/>
-            </a:lnRef>
-            <a:fillRef idx="0">
-              <a:schemeClr val="accent1"/>
-            </a:fillRef>
-            <a:effectRef idx="0">
-              <a:schemeClr val="accent1"/>
-            </a:effectRef>
-            <a:fontRef idx="minor">
-              <a:schemeClr val="tx1"/>
-            </a:fontRef>
-          </p:style>
-        </p:cxnSp>
-        <p:cxnSp>
-          <p:nvCxnSpPr>
-            <p:cNvPr id="16" name="Straight Connector 15">
-              <a:extLst>
-                <a:ext uri="{FF2B5EF4-FFF2-40B4-BE49-F238E27FC236}">
-                  <a16:creationId xmlns:a16="http://schemas.microsoft.com/office/drawing/2014/main" id="{73FAA1C4-3150-3E44-86AB-6F6303CE5D5F}"/>
-                </a:ext>
-              </a:extLst>
-            </p:cNvPr>
-            <p:cNvCxnSpPr/>
-            <p:nvPr/>
-          </p:nvCxnSpPr>
-          <p:spPr>
-            <a:xfrm>
-              <a:off x="903768" y="3565451"/>
-              <a:ext cx="0" cy="627321"/>
-            </a:xfrm>
-            <a:prstGeom prst="line">
-              <a:avLst/>
-            </a:prstGeom>
-            <a:ln w="22225">
-              <a:solidFill>
-                <a:schemeClr val="tx1"/>
-              </a:solidFill>
-            </a:ln>
-          </p:spPr>
-          <p:style>
-            <a:lnRef idx="1">
-              <a:schemeClr val="accent1"/>
-            </a:lnRef>
-            <a:fillRef idx="0">
-              <a:schemeClr val="accent1"/>
-            </a:fillRef>
-            <a:effectRef idx="0">
-              <a:schemeClr val="accent1"/>
-            </a:effectRef>
-            <a:fontRef idx="minor">
-              <a:schemeClr val="tx1"/>
-            </a:fontRef>
-          </p:style>
-        </p:cxnSp>
-        <p:cxnSp>
-          <p:nvCxnSpPr>
-            <p:cNvPr id="17" name="Straight Connector 16">
-              <a:extLst>
-                <a:ext uri="{FF2B5EF4-FFF2-40B4-BE49-F238E27FC236}">
-                  <a16:creationId xmlns:a16="http://schemas.microsoft.com/office/drawing/2014/main" id="{10594FFC-4D6B-F447-B256-5E431C005D7E}"/>
-                </a:ext>
-              </a:extLst>
-            </p:cNvPr>
-            <p:cNvCxnSpPr/>
-            <p:nvPr/>
-          </p:nvCxnSpPr>
-          <p:spPr>
-            <a:xfrm>
-              <a:off x="1148317" y="3547730"/>
-              <a:ext cx="0" cy="627321"/>
-            </a:xfrm>
-            <a:prstGeom prst="line">
-              <a:avLst/>
-            </a:prstGeom>
-            <a:ln w="22225">
-              <a:solidFill>
-                <a:schemeClr val="tx1"/>
-              </a:solidFill>
-            </a:ln>
-          </p:spPr>
-          <p:style>
-            <a:lnRef idx="1">
-              <a:schemeClr val="accent1"/>
-            </a:lnRef>
-            <a:fillRef idx="0">
-              <a:schemeClr val="accent1"/>
-            </a:fillRef>
-            <a:effectRef idx="0">
-              <a:schemeClr val="accent1"/>
-            </a:effectRef>
-            <a:fontRef idx="minor">
-              <a:schemeClr val="tx1"/>
-            </a:fontRef>
-          </p:style>
-        </p:cxnSp>
-        <p:cxnSp>
-          <p:nvCxnSpPr>
-            <p:cNvPr id="18" name="Straight Connector 17">
-              <a:extLst>
-                <a:ext uri="{FF2B5EF4-FFF2-40B4-BE49-F238E27FC236}">
-                  <a16:creationId xmlns:a16="http://schemas.microsoft.com/office/drawing/2014/main" id="{461EB33B-9AE6-764A-8A7D-05C09E06E672}"/>
-                </a:ext>
-              </a:extLst>
-            </p:cNvPr>
-            <p:cNvCxnSpPr/>
-            <p:nvPr/>
-          </p:nvCxnSpPr>
-          <p:spPr>
-            <a:xfrm>
-              <a:off x="1392866" y="3533554"/>
-              <a:ext cx="0" cy="627321"/>
-            </a:xfrm>
-            <a:prstGeom prst="line">
-              <a:avLst/>
-            </a:prstGeom>
-            <a:ln w="22225">
-              <a:solidFill>
-                <a:schemeClr val="tx1"/>
-              </a:solidFill>
-            </a:ln>
-          </p:spPr>
-          <p:style>
-            <a:lnRef idx="1">
-              <a:schemeClr val="accent1"/>
-            </a:lnRef>
-            <a:fillRef idx="0">
-              <a:schemeClr val="accent1"/>
-            </a:fillRef>
-            <a:effectRef idx="0">
-              <a:schemeClr val="accent1"/>
-            </a:effectRef>
-            <a:fontRef idx="minor">
-              <a:schemeClr val="tx1"/>
-            </a:fontRef>
-          </p:style>
-        </p:cxnSp>
-        <p:cxnSp>
-          <p:nvCxnSpPr>
-            <p:cNvPr id="19" name="Straight Connector 18">
-              <a:extLst>
-                <a:ext uri="{FF2B5EF4-FFF2-40B4-BE49-F238E27FC236}">
-                  <a16:creationId xmlns:a16="http://schemas.microsoft.com/office/drawing/2014/main" id="{695CD064-CB3C-7B47-8769-ECF0E036566A}"/>
-                </a:ext>
-              </a:extLst>
-            </p:cNvPr>
-            <p:cNvCxnSpPr/>
-            <p:nvPr/>
-          </p:nvCxnSpPr>
-          <p:spPr>
-            <a:xfrm>
-              <a:off x="1637415" y="3505200"/>
-              <a:ext cx="0" cy="627321"/>
-            </a:xfrm>
-            <a:prstGeom prst="line">
-              <a:avLst/>
-            </a:prstGeom>
-            <a:ln w="22225">
-              <a:solidFill>
-                <a:schemeClr val="tx1"/>
-              </a:solidFill>
-            </a:ln>
-          </p:spPr>
-          <p:style>
-            <a:lnRef idx="1">
-              <a:schemeClr val="accent1"/>
-            </a:lnRef>
-            <a:fillRef idx="0">
-              <a:schemeClr val="accent1"/>
-            </a:fillRef>
-            <a:effectRef idx="0">
-              <a:schemeClr val="accent1"/>
-            </a:effectRef>
-            <a:fontRef idx="minor">
-              <a:schemeClr val="tx1"/>
-            </a:fontRef>
-          </p:style>
-        </p:cxnSp>
-        <p:cxnSp>
-          <p:nvCxnSpPr>
-            <p:cNvPr id="20" name="Straight Connector 19">
-              <a:extLst>
-                <a:ext uri="{FF2B5EF4-FFF2-40B4-BE49-F238E27FC236}">
-                  <a16:creationId xmlns:a16="http://schemas.microsoft.com/office/drawing/2014/main" id="{B988679C-5023-374E-B4C3-621E034702BA}"/>
-                </a:ext>
-              </a:extLst>
-            </p:cNvPr>
-            <p:cNvCxnSpPr/>
-            <p:nvPr/>
-          </p:nvCxnSpPr>
-          <p:spPr>
-            <a:xfrm>
-              <a:off x="1881964" y="3487479"/>
-              <a:ext cx="0" cy="627321"/>
-            </a:xfrm>
-            <a:prstGeom prst="line">
-              <a:avLst/>
-            </a:prstGeom>
-            <a:ln w="22225">
-              <a:solidFill>
-                <a:schemeClr val="tx1"/>
-              </a:solidFill>
-            </a:ln>
-          </p:spPr>
-          <p:style>
-            <a:lnRef idx="1">
-              <a:schemeClr val="accent1"/>
-            </a:lnRef>
-            <a:fillRef idx="0">
-              <a:schemeClr val="accent1"/>
-            </a:fillRef>
-            <a:effectRef idx="0">
-              <a:schemeClr val="accent1"/>
-            </a:effectRef>
-            <a:fontRef idx="minor">
-              <a:schemeClr val="tx1"/>
-            </a:fontRef>
-          </p:style>
-        </p:cxnSp>
-        <p:cxnSp>
-          <p:nvCxnSpPr>
-            <p:cNvPr id="21" name="Straight Connector 20">
-              <a:extLst>
-                <a:ext uri="{FF2B5EF4-FFF2-40B4-BE49-F238E27FC236}">
-                  <a16:creationId xmlns:a16="http://schemas.microsoft.com/office/drawing/2014/main" id="{5072B806-F6A8-0140-B833-8DB932AA6AC6}"/>
-                </a:ext>
-              </a:extLst>
-            </p:cNvPr>
-            <p:cNvCxnSpPr>
-              <a:cxnSpLocks/>
-            </p:cNvCxnSpPr>
-            <p:nvPr/>
-          </p:nvCxnSpPr>
-          <p:spPr>
-            <a:xfrm>
-              <a:off x="2126513" y="3491024"/>
-              <a:ext cx="0" cy="591878"/>
-            </a:xfrm>
-            <a:prstGeom prst="line">
-              <a:avLst/>
-            </a:prstGeom>
-            <a:ln w="22225">
-              <a:solidFill>
-                <a:schemeClr val="tx1"/>
-              </a:solidFill>
-            </a:ln>
-          </p:spPr>
-          <p:style>
-            <a:lnRef idx="1">
-              <a:schemeClr val="accent1"/>
-            </a:lnRef>
-            <a:fillRef idx="0">
-              <a:schemeClr val="accent1"/>
-            </a:fillRef>
-            <a:effectRef idx="0">
-              <a:schemeClr val="accent1"/>
-            </a:effectRef>
-            <a:fontRef idx="minor">
-              <a:schemeClr val="tx1"/>
-            </a:fontRef>
-          </p:style>
-        </p:cxnSp>
-        <p:cxnSp>
-          <p:nvCxnSpPr>
-            <p:cNvPr id="22" name="Straight Connector 21">
-              <a:extLst>
-                <a:ext uri="{FF2B5EF4-FFF2-40B4-BE49-F238E27FC236}">
-                  <a16:creationId xmlns:a16="http://schemas.microsoft.com/office/drawing/2014/main" id="{E988C7FA-4B9A-AA47-8202-4D95CBBD6F3A}"/>
-                </a:ext>
-              </a:extLst>
-            </p:cNvPr>
-            <p:cNvCxnSpPr>
-              <a:cxnSpLocks/>
-            </p:cNvCxnSpPr>
-            <p:nvPr/>
-          </p:nvCxnSpPr>
-          <p:spPr>
-            <a:xfrm>
-              <a:off x="2371062" y="3462670"/>
-              <a:ext cx="0" cy="609600"/>
-            </a:xfrm>
-            <a:prstGeom prst="line">
-              <a:avLst/>
-            </a:prstGeom>
-            <a:ln w="22225">
-              <a:solidFill>
-                <a:schemeClr val="tx1"/>
-              </a:solidFill>
-            </a:ln>
-          </p:spPr>
-          <p:style>
-            <a:lnRef idx="1">
-              <a:schemeClr val="accent1"/>
-            </a:lnRef>
-            <a:fillRef idx="0">
-              <a:schemeClr val="accent1"/>
-            </a:fillRef>
-            <a:effectRef idx="0">
-              <a:schemeClr val="accent1"/>
-            </a:effectRef>
-            <a:fontRef idx="minor">
-              <a:schemeClr val="tx1"/>
-            </a:fontRef>
-          </p:style>
-        </p:cxnSp>
-        <p:cxnSp>
-          <p:nvCxnSpPr>
-            <p:cNvPr id="23" name="Straight Connector 22">
-              <a:extLst>
-                <a:ext uri="{FF2B5EF4-FFF2-40B4-BE49-F238E27FC236}">
-                  <a16:creationId xmlns:a16="http://schemas.microsoft.com/office/drawing/2014/main" id="{D7F5C51A-EE0C-684F-9BA7-9028DB663BED}"/>
-                </a:ext>
-              </a:extLst>
-            </p:cNvPr>
-            <p:cNvCxnSpPr>
-              <a:cxnSpLocks/>
-            </p:cNvCxnSpPr>
-            <p:nvPr/>
-          </p:nvCxnSpPr>
-          <p:spPr>
-            <a:xfrm>
-              <a:off x="2615611" y="3444949"/>
-              <a:ext cx="0" cy="616688"/>
-            </a:xfrm>
-            <a:prstGeom prst="line">
-              <a:avLst/>
-            </a:prstGeom>
-            <a:ln w="22225">
-              <a:solidFill>
-                <a:schemeClr val="tx1"/>
-              </a:solidFill>
-            </a:ln>
-          </p:spPr>
-          <p:style>
-            <a:lnRef idx="1">
-              <a:schemeClr val="accent1"/>
-            </a:lnRef>
-            <a:fillRef idx="0">
-              <a:schemeClr val="accent1"/>
-            </a:fillRef>
-            <a:effectRef idx="0">
-              <a:schemeClr val="accent1"/>
-            </a:effectRef>
-            <a:fontRef idx="minor">
-              <a:schemeClr val="tx1"/>
-            </a:fontRef>
-          </p:style>
-        </p:cxnSp>
-        <p:cxnSp>
-          <p:nvCxnSpPr>
-            <p:cNvPr id="24" name="Straight Connector 23">
-              <a:extLst>
-                <a:ext uri="{FF2B5EF4-FFF2-40B4-BE49-F238E27FC236}">
-                  <a16:creationId xmlns:a16="http://schemas.microsoft.com/office/drawing/2014/main" id="{4D43B39E-5EA7-044B-B54B-48876B5BACF7}"/>
-                </a:ext>
-              </a:extLst>
-            </p:cNvPr>
-            <p:cNvCxnSpPr>
-              <a:cxnSpLocks/>
-            </p:cNvCxnSpPr>
-            <p:nvPr/>
-          </p:nvCxnSpPr>
-          <p:spPr>
-            <a:xfrm>
-              <a:off x="2860160" y="3430773"/>
-              <a:ext cx="0" cy="598967"/>
-            </a:xfrm>
-            <a:prstGeom prst="line">
-              <a:avLst/>
-            </a:prstGeom>
-            <a:ln w="22225">
-              <a:solidFill>
-                <a:schemeClr val="tx1"/>
-              </a:solidFill>
-            </a:ln>
-          </p:spPr>
-          <p:style>
-            <a:lnRef idx="1">
-              <a:schemeClr val="accent1"/>
-            </a:lnRef>
-            <a:fillRef idx="0">
-              <a:schemeClr val="accent1"/>
-            </a:fillRef>
-            <a:effectRef idx="0">
-              <a:schemeClr val="accent1"/>
-            </a:effectRef>
-            <a:fontRef idx="minor">
-              <a:schemeClr val="tx1"/>
-            </a:fontRef>
-          </p:style>
-        </p:cxnSp>
-        <p:cxnSp>
-          <p:nvCxnSpPr>
-            <p:cNvPr id="25" name="Straight Connector 24">
-              <a:extLst>
-                <a:ext uri="{FF2B5EF4-FFF2-40B4-BE49-F238E27FC236}">
-                  <a16:creationId xmlns:a16="http://schemas.microsoft.com/office/drawing/2014/main" id="{B1ABD0C4-475E-A740-9661-1EA708205ABA}"/>
-                </a:ext>
-              </a:extLst>
-            </p:cNvPr>
-            <p:cNvCxnSpPr>
-              <a:cxnSpLocks/>
-            </p:cNvCxnSpPr>
-            <p:nvPr/>
-          </p:nvCxnSpPr>
-          <p:spPr>
-            <a:xfrm>
-              <a:off x="3104709" y="3402419"/>
-              <a:ext cx="0" cy="606055"/>
-            </a:xfrm>
-            <a:prstGeom prst="line">
-              <a:avLst/>
-            </a:prstGeom>
-            <a:ln w="22225">
-              <a:solidFill>
-                <a:schemeClr val="tx1"/>
-              </a:solidFill>
-            </a:ln>
-          </p:spPr>
-          <p:style>
-            <a:lnRef idx="1">
-              <a:schemeClr val="accent1"/>
-            </a:lnRef>
-            <a:fillRef idx="0">
-              <a:schemeClr val="accent1"/>
-            </a:fillRef>
-            <a:effectRef idx="0">
-              <a:schemeClr val="accent1"/>
-            </a:effectRef>
-            <a:fontRef idx="minor">
-              <a:schemeClr val="tx1"/>
-            </a:fontRef>
-          </p:style>
-        </p:cxnSp>
-        <p:cxnSp>
-          <p:nvCxnSpPr>
-            <p:cNvPr id="27" name="Straight Connector 26">
-              <a:extLst>
-                <a:ext uri="{FF2B5EF4-FFF2-40B4-BE49-F238E27FC236}">
-                  <a16:creationId xmlns:a16="http://schemas.microsoft.com/office/drawing/2014/main" id="{61F84598-A796-6843-968C-C4AC8DC9BE04}"/>
-                </a:ext>
-              </a:extLst>
-            </p:cNvPr>
-            <p:cNvCxnSpPr>
-              <a:cxnSpLocks/>
-            </p:cNvCxnSpPr>
-            <p:nvPr/>
-          </p:nvCxnSpPr>
-          <p:spPr>
-            <a:xfrm>
-              <a:off x="3349258" y="3384698"/>
-              <a:ext cx="0" cy="613144"/>
-            </a:xfrm>
-            <a:prstGeom prst="line">
-              <a:avLst/>
-            </a:prstGeom>
-            <a:ln w="22225">
-              <a:solidFill>
-                <a:schemeClr val="tx1"/>
-              </a:solidFill>
-            </a:ln>
-          </p:spPr>
-          <p:style>
-            <a:lnRef idx="1">
-              <a:schemeClr val="accent1"/>
-            </a:lnRef>
-            <a:fillRef idx="0">
-              <a:schemeClr val="accent1"/>
-            </a:fillRef>
-            <a:effectRef idx="0">
-              <a:schemeClr val="accent1"/>
-            </a:effectRef>
-            <a:fontRef idx="minor">
-              <a:schemeClr val="tx1"/>
-            </a:fontRef>
-          </p:style>
-        </p:cxnSp>
-        <p:cxnSp>
-          <p:nvCxnSpPr>
-            <p:cNvPr id="28" name="Straight Connector 27">
-              <a:extLst>
-                <a:ext uri="{FF2B5EF4-FFF2-40B4-BE49-F238E27FC236}">
-                  <a16:creationId xmlns:a16="http://schemas.microsoft.com/office/drawing/2014/main" id="{0E96BCF9-FD3E-1041-B983-132F0285482A}"/>
-                </a:ext>
-              </a:extLst>
-            </p:cNvPr>
-            <p:cNvCxnSpPr/>
-            <p:nvPr/>
-          </p:nvCxnSpPr>
-          <p:spPr>
-            <a:xfrm>
-              <a:off x="3593807" y="3342168"/>
-              <a:ext cx="0" cy="627321"/>
-            </a:xfrm>
-            <a:prstGeom prst="line">
-              <a:avLst/>
-            </a:prstGeom>
-            <a:ln w="22225">
-              <a:solidFill>
-                <a:schemeClr val="tx1"/>
-              </a:solidFill>
-            </a:ln>
-          </p:spPr>
-          <p:style>
-            <a:lnRef idx="1">
-              <a:schemeClr val="accent1"/>
-            </a:lnRef>
-            <a:fillRef idx="0">
-              <a:schemeClr val="accent1"/>
-            </a:fillRef>
-            <a:effectRef idx="0">
-              <a:schemeClr val="accent1"/>
-            </a:effectRef>
-            <a:fontRef idx="minor">
-              <a:schemeClr val="tx1"/>
-            </a:fontRef>
-          </p:style>
-        </p:cxnSp>
-        <p:cxnSp>
-          <p:nvCxnSpPr>
-            <p:cNvPr id="30" name="Straight Connector 29">
-              <a:extLst>
-                <a:ext uri="{FF2B5EF4-FFF2-40B4-BE49-F238E27FC236}">
-                  <a16:creationId xmlns:a16="http://schemas.microsoft.com/office/drawing/2014/main" id="{22B0447C-1AF6-B148-84C6-4772B5E83ABB}"/>
-                </a:ext>
-              </a:extLst>
-            </p:cNvPr>
-            <p:cNvCxnSpPr/>
-            <p:nvPr/>
-          </p:nvCxnSpPr>
-          <p:spPr>
-            <a:xfrm>
-              <a:off x="3838356" y="3313814"/>
-              <a:ext cx="0" cy="627321"/>
-            </a:xfrm>
-            <a:prstGeom prst="line">
-              <a:avLst/>
-            </a:prstGeom>
-            <a:ln w="22225">
-              <a:solidFill>
-                <a:schemeClr val="tx1"/>
-              </a:solidFill>
-            </a:ln>
-          </p:spPr>
-          <p:style>
-            <a:lnRef idx="1">
-              <a:schemeClr val="accent1"/>
-            </a:lnRef>
-            <a:fillRef idx="0">
-              <a:schemeClr val="accent1"/>
-            </a:fillRef>
-            <a:effectRef idx="0">
-              <a:schemeClr val="accent1"/>
-            </a:effectRef>
-            <a:fontRef idx="minor">
-              <a:schemeClr val="tx1"/>
-            </a:fontRef>
-          </p:style>
-        </p:cxnSp>
-        <p:cxnSp>
-          <p:nvCxnSpPr>
-            <p:cNvPr id="31" name="Straight Connector 30">
-              <a:extLst>
-                <a:ext uri="{FF2B5EF4-FFF2-40B4-BE49-F238E27FC236}">
-                  <a16:creationId xmlns:a16="http://schemas.microsoft.com/office/drawing/2014/main" id="{9D21E348-0387-4942-98CE-2A2F6876615E}"/>
-                </a:ext>
-              </a:extLst>
-            </p:cNvPr>
-            <p:cNvCxnSpPr/>
-            <p:nvPr/>
-          </p:nvCxnSpPr>
-          <p:spPr>
-            <a:xfrm>
-              <a:off x="4082905" y="3296093"/>
-              <a:ext cx="0" cy="627321"/>
-            </a:xfrm>
-            <a:prstGeom prst="line">
-              <a:avLst/>
-            </a:prstGeom>
-            <a:ln w="22225">
-              <a:solidFill>
-                <a:schemeClr val="tx1"/>
-              </a:solidFill>
-            </a:ln>
-          </p:spPr>
-          <p:style>
-            <a:lnRef idx="1">
-              <a:schemeClr val="accent1"/>
-            </a:lnRef>
-            <a:fillRef idx="0">
-              <a:schemeClr val="accent1"/>
-            </a:fillRef>
-            <a:effectRef idx="0">
-              <a:schemeClr val="accent1"/>
-            </a:effectRef>
-            <a:fontRef idx="minor">
-              <a:schemeClr val="tx1"/>
-            </a:fontRef>
-          </p:style>
-        </p:cxnSp>
-        <p:cxnSp>
-          <p:nvCxnSpPr>
-            <p:cNvPr id="32" name="Straight Connector 31">
-              <a:extLst>
-                <a:ext uri="{FF2B5EF4-FFF2-40B4-BE49-F238E27FC236}">
-                  <a16:creationId xmlns:a16="http://schemas.microsoft.com/office/drawing/2014/main" id="{D1626176-3C69-AA45-8AD6-EAB287171B6A}"/>
-                </a:ext>
-              </a:extLst>
-            </p:cNvPr>
-            <p:cNvCxnSpPr/>
-            <p:nvPr/>
-          </p:nvCxnSpPr>
-          <p:spPr>
-            <a:xfrm>
-              <a:off x="4327454" y="3281917"/>
-              <a:ext cx="0" cy="627321"/>
-            </a:xfrm>
-            <a:prstGeom prst="line">
-              <a:avLst/>
-            </a:prstGeom>
-            <a:ln w="22225">
-              <a:solidFill>
-                <a:schemeClr val="tx1"/>
-              </a:solidFill>
-            </a:ln>
-          </p:spPr>
-          <p:style>
-            <a:lnRef idx="1">
-              <a:schemeClr val="accent1"/>
-            </a:lnRef>
-            <a:fillRef idx="0">
-              <a:schemeClr val="accent1"/>
-            </a:fillRef>
-            <a:effectRef idx="0">
-              <a:schemeClr val="accent1"/>
-            </a:effectRef>
-            <a:fontRef idx="minor">
-              <a:schemeClr val="tx1"/>
-            </a:fontRef>
-          </p:style>
-        </p:cxnSp>
-        <p:cxnSp>
-          <p:nvCxnSpPr>
-            <p:cNvPr id="33" name="Straight Connector 32">
-              <a:extLst>
-                <a:ext uri="{FF2B5EF4-FFF2-40B4-BE49-F238E27FC236}">
-                  <a16:creationId xmlns:a16="http://schemas.microsoft.com/office/drawing/2014/main" id="{2821FDDD-B7A0-6D44-8ED0-189FCE58634E}"/>
-                </a:ext>
-              </a:extLst>
-            </p:cNvPr>
-            <p:cNvCxnSpPr/>
-            <p:nvPr/>
-          </p:nvCxnSpPr>
-          <p:spPr>
-            <a:xfrm>
-              <a:off x="4572003" y="3253563"/>
-              <a:ext cx="0" cy="627321"/>
-            </a:xfrm>
-            <a:prstGeom prst="line">
-              <a:avLst/>
-            </a:prstGeom>
-            <a:ln w="22225">
-              <a:solidFill>
-                <a:schemeClr val="tx1"/>
-              </a:solidFill>
-            </a:ln>
-          </p:spPr>
-          <p:style>
-            <a:lnRef idx="1">
-              <a:schemeClr val="accent1"/>
-            </a:lnRef>
-            <a:fillRef idx="0">
-              <a:schemeClr val="accent1"/>
-            </a:fillRef>
-            <a:effectRef idx="0">
-              <a:schemeClr val="accent1"/>
-            </a:effectRef>
-            <a:fontRef idx="minor">
-              <a:schemeClr val="tx1"/>
-            </a:fontRef>
-          </p:style>
-        </p:cxnSp>
-        <p:cxnSp>
-          <p:nvCxnSpPr>
-            <p:cNvPr id="34" name="Straight Connector 33">
-              <a:extLst>
-                <a:ext uri="{FF2B5EF4-FFF2-40B4-BE49-F238E27FC236}">
-                  <a16:creationId xmlns:a16="http://schemas.microsoft.com/office/drawing/2014/main" id="{2C3723B7-02BC-5D4C-AEE3-48FE115C2096}"/>
-                </a:ext>
-              </a:extLst>
-            </p:cNvPr>
-            <p:cNvCxnSpPr/>
-            <p:nvPr/>
-          </p:nvCxnSpPr>
-          <p:spPr>
-            <a:xfrm>
-              <a:off x="4816552" y="3235842"/>
-              <a:ext cx="0" cy="627321"/>
-            </a:xfrm>
-            <a:prstGeom prst="line">
-              <a:avLst/>
-            </a:prstGeom>
-            <a:ln w="22225">
-              <a:solidFill>
-                <a:schemeClr val="tx1"/>
-              </a:solidFill>
-            </a:ln>
-          </p:spPr>
-          <p:style>
-            <a:lnRef idx="1">
-              <a:schemeClr val="accent1"/>
-            </a:lnRef>
-            <a:fillRef idx="0">
-              <a:schemeClr val="accent1"/>
-            </a:fillRef>
-            <a:effectRef idx="0">
-              <a:schemeClr val="accent1"/>
-            </a:effectRef>
-            <a:fontRef idx="minor">
-              <a:schemeClr val="tx1"/>
-            </a:fontRef>
-          </p:style>
-        </p:cxnSp>
-        <p:cxnSp>
-          <p:nvCxnSpPr>
-            <p:cNvPr id="35" name="Straight Connector 34">
-              <a:extLst>
-                <a:ext uri="{FF2B5EF4-FFF2-40B4-BE49-F238E27FC236}">
-                  <a16:creationId xmlns:a16="http://schemas.microsoft.com/office/drawing/2014/main" id="{2E7EF694-3FB8-B144-A3E9-C2290472869E}"/>
-                </a:ext>
-              </a:extLst>
-            </p:cNvPr>
-            <p:cNvCxnSpPr>
-              <a:cxnSpLocks/>
-            </p:cNvCxnSpPr>
-            <p:nvPr/>
-          </p:nvCxnSpPr>
-          <p:spPr>
-            <a:xfrm>
-              <a:off x="5061101" y="3239387"/>
-              <a:ext cx="0" cy="591878"/>
-            </a:xfrm>
-            <a:prstGeom prst="line">
-              <a:avLst/>
-            </a:prstGeom>
-            <a:ln w="22225">
-              <a:solidFill>
-                <a:schemeClr val="tx1"/>
-              </a:solidFill>
-            </a:ln>
-          </p:spPr>
-          <p:style>
-            <a:lnRef idx="1">
-              <a:schemeClr val="accent1"/>
-            </a:lnRef>
-            <a:fillRef idx="0">
-              <a:schemeClr val="accent1"/>
-            </a:fillRef>
-            <a:effectRef idx="0">
-              <a:schemeClr val="accent1"/>
-            </a:effectRef>
-            <a:fontRef idx="minor">
-              <a:schemeClr val="tx1"/>
-            </a:fontRef>
-          </p:style>
-        </p:cxnSp>
-        <p:cxnSp>
-          <p:nvCxnSpPr>
-            <p:cNvPr id="36" name="Straight Connector 35">
-              <a:extLst>
-                <a:ext uri="{FF2B5EF4-FFF2-40B4-BE49-F238E27FC236}">
-                  <a16:creationId xmlns:a16="http://schemas.microsoft.com/office/drawing/2014/main" id="{0760695B-3570-0343-BC4E-3D2A2D86D6C6}"/>
-                </a:ext>
-              </a:extLst>
-            </p:cNvPr>
-            <p:cNvCxnSpPr>
-              <a:cxnSpLocks/>
-            </p:cNvCxnSpPr>
-            <p:nvPr/>
-          </p:nvCxnSpPr>
-          <p:spPr>
-            <a:xfrm>
-              <a:off x="5305650" y="3211033"/>
-              <a:ext cx="0" cy="609600"/>
-            </a:xfrm>
-            <a:prstGeom prst="line">
-              <a:avLst/>
-            </a:prstGeom>
-            <a:ln w="22225">
-              <a:solidFill>
-                <a:schemeClr val="tx1"/>
-              </a:solidFill>
-            </a:ln>
-          </p:spPr>
-          <p:style>
-            <a:lnRef idx="1">
-              <a:schemeClr val="accent1"/>
-            </a:lnRef>
-            <a:fillRef idx="0">
-              <a:schemeClr val="accent1"/>
-            </a:fillRef>
-            <a:effectRef idx="0">
-              <a:schemeClr val="accent1"/>
-            </a:effectRef>
-            <a:fontRef idx="minor">
-              <a:schemeClr val="tx1"/>
-            </a:fontRef>
-          </p:style>
-        </p:cxnSp>
-        <p:cxnSp>
-          <p:nvCxnSpPr>
-            <p:cNvPr id="37" name="Straight Connector 36">
-              <a:extLst>
-                <a:ext uri="{FF2B5EF4-FFF2-40B4-BE49-F238E27FC236}">
-                  <a16:creationId xmlns:a16="http://schemas.microsoft.com/office/drawing/2014/main" id="{B69D3E71-3C76-2D43-8D99-3493FA5C90AB}"/>
-                </a:ext>
-              </a:extLst>
-            </p:cNvPr>
-            <p:cNvCxnSpPr>
-              <a:cxnSpLocks/>
-            </p:cNvCxnSpPr>
-            <p:nvPr/>
-          </p:nvCxnSpPr>
-          <p:spPr>
-            <a:xfrm>
-              <a:off x="5550199" y="3193312"/>
-              <a:ext cx="0" cy="616688"/>
-            </a:xfrm>
-            <a:prstGeom prst="line">
-              <a:avLst/>
-            </a:prstGeom>
-            <a:ln w="22225">
-              <a:solidFill>
-                <a:schemeClr val="tx1"/>
-              </a:solidFill>
-            </a:ln>
-          </p:spPr>
-          <p:style>
-            <a:lnRef idx="1">
-              <a:schemeClr val="accent1"/>
-            </a:lnRef>
-            <a:fillRef idx="0">
-              <a:schemeClr val="accent1"/>
-            </a:fillRef>
-            <a:effectRef idx="0">
-              <a:schemeClr val="accent1"/>
-            </a:effectRef>
-            <a:fontRef idx="minor">
-              <a:schemeClr val="tx1"/>
-            </a:fontRef>
-          </p:style>
-        </p:cxnSp>
-        <p:cxnSp>
-          <p:nvCxnSpPr>
-            <p:cNvPr id="38" name="Straight Connector 37">
-              <a:extLst>
-                <a:ext uri="{FF2B5EF4-FFF2-40B4-BE49-F238E27FC236}">
-                  <a16:creationId xmlns:a16="http://schemas.microsoft.com/office/drawing/2014/main" id="{871FD9FD-96C5-4E4B-B896-E4A8B939B15A}"/>
-                </a:ext>
-              </a:extLst>
-            </p:cNvPr>
-            <p:cNvCxnSpPr>
-              <a:cxnSpLocks/>
-            </p:cNvCxnSpPr>
-            <p:nvPr/>
-          </p:nvCxnSpPr>
-          <p:spPr>
-            <a:xfrm>
-              <a:off x="5794748" y="3179136"/>
-              <a:ext cx="0" cy="598967"/>
-            </a:xfrm>
-            <a:prstGeom prst="line">
-              <a:avLst/>
-            </a:prstGeom>
-            <a:ln w="22225">
-              <a:solidFill>
-                <a:schemeClr val="tx1"/>
-              </a:solidFill>
-            </a:ln>
-          </p:spPr>
-          <p:style>
-            <a:lnRef idx="1">
-              <a:schemeClr val="accent1"/>
-            </a:lnRef>
-            <a:fillRef idx="0">
-              <a:schemeClr val="accent1"/>
-            </a:fillRef>
-            <a:effectRef idx="0">
-              <a:schemeClr val="accent1"/>
-            </a:effectRef>
-            <a:fontRef idx="minor">
-              <a:schemeClr val="tx1"/>
-            </a:fontRef>
-          </p:style>
-        </p:cxnSp>
-        <p:cxnSp>
-          <p:nvCxnSpPr>
-            <p:cNvPr id="39" name="Straight Connector 38">
-              <a:extLst>
-                <a:ext uri="{FF2B5EF4-FFF2-40B4-BE49-F238E27FC236}">
-                  <a16:creationId xmlns:a16="http://schemas.microsoft.com/office/drawing/2014/main" id="{C9652726-9CB4-364E-B75C-DC7BE9C25B67}"/>
-                </a:ext>
-              </a:extLst>
-            </p:cNvPr>
-            <p:cNvCxnSpPr>
-              <a:cxnSpLocks/>
-            </p:cNvCxnSpPr>
-            <p:nvPr/>
-          </p:nvCxnSpPr>
-          <p:spPr>
-            <a:xfrm>
-              <a:off x="6039297" y="3150782"/>
-              <a:ext cx="0" cy="606055"/>
-            </a:xfrm>
-            <a:prstGeom prst="line">
-              <a:avLst/>
-            </a:prstGeom>
-            <a:ln w="22225">
-              <a:solidFill>
-                <a:schemeClr val="tx1"/>
-              </a:solidFill>
-            </a:ln>
-          </p:spPr>
-          <p:style>
-            <a:lnRef idx="1">
-              <a:schemeClr val="accent1"/>
-            </a:lnRef>
-            <a:fillRef idx="0">
-              <a:schemeClr val="accent1"/>
-            </a:fillRef>
-            <a:effectRef idx="0">
-              <a:schemeClr val="accent1"/>
-            </a:effectRef>
-            <a:fontRef idx="minor">
-              <a:schemeClr val="tx1"/>
-            </a:fontRef>
-          </p:style>
-        </p:cxnSp>
-        <p:cxnSp>
-          <p:nvCxnSpPr>
-            <p:cNvPr id="40" name="Straight Connector 39">
-              <a:extLst>
-                <a:ext uri="{FF2B5EF4-FFF2-40B4-BE49-F238E27FC236}">
-                  <a16:creationId xmlns:a16="http://schemas.microsoft.com/office/drawing/2014/main" id="{CF18923C-9BCE-884E-854A-17B6C08FD283}"/>
-                </a:ext>
-              </a:extLst>
-            </p:cNvPr>
-            <p:cNvCxnSpPr>
-              <a:cxnSpLocks/>
-            </p:cNvCxnSpPr>
-            <p:nvPr/>
-          </p:nvCxnSpPr>
-          <p:spPr>
-            <a:xfrm>
-              <a:off x="6283846" y="3133061"/>
-              <a:ext cx="0" cy="613144"/>
-            </a:xfrm>
-            <a:prstGeom prst="line">
-              <a:avLst/>
-            </a:prstGeom>
-            <a:ln w="22225">
-              <a:solidFill>
-                <a:schemeClr val="tx1"/>
-              </a:solidFill>
-            </a:ln>
-          </p:spPr>
-          <p:style>
-            <a:lnRef idx="1">
-              <a:schemeClr val="accent1"/>
-            </a:lnRef>
-            <a:fillRef idx="0">
-              <a:schemeClr val="accent1"/>
-            </a:fillRef>
-            <a:effectRef idx="0">
-              <a:schemeClr val="accent1"/>
-            </a:effectRef>
-            <a:fontRef idx="minor">
-              <a:schemeClr val="tx1"/>
-            </a:fontRef>
-          </p:style>
-        </p:cxnSp>
-        <p:cxnSp>
-          <p:nvCxnSpPr>
-            <p:cNvPr id="41" name="Straight Connector 40">
-              <a:extLst>
-                <a:ext uri="{FF2B5EF4-FFF2-40B4-BE49-F238E27FC236}">
-                  <a16:creationId xmlns:a16="http://schemas.microsoft.com/office/drawing/2014/main" id="{2BDB2856-6C35-8D40-AB84-E22B45C981FD}"/>
-                </a:ext>
-              </a:extLst>
-            </p:cNvPr>
-            <p:cNvCxnSpPr/>
-            <p:nvPr/>
-          </p:nvCxnSpPr>
-          <p:spPr>
-            <a:xfrm>
-              <a:off x="6528395" y="3108251"/>
-              <a:ext cx="0" cy="627321"/>
-            </a:xfrm>
-            <a:prstGeom prst="line">
-              <a:avLst/>
-            </a:prstGeom>
-            <a:ln w="22225">
-              <a:solidFill>
-                <a:schemeClr val="tx1"/>
-              </a:solidFill>
-            </a:ln>
-          </p:spPr>
-          <p:style>
-            <a:lnRef idx="1">
-              <a:schemeClr val="accent1"/>
-            </a:lnRef>
-            <a:fillRef idx="0">
-              <a:schemeClr val="accent1"/>
-            </a:fillRef>
-            <a:effectRef idx="0">
-              <a:schemeClr val="accent1"/>
-            </a:effectRef>
-            <a:fontRef idx="minor">
-              <a:schemeClr val="tx1"/>
-            </a:fontRef>
-          </p:style>
-        </p:cxnSp>
-        <p:cxnSp>
-          <p:nvCxnSpPr>
-            <p:cNvPr id="42" name="Straight Connector 41">
-              <a:extLst>
-                <a:ext uri="{FF2B5EF4-FFF2-40B4-BE49-F238E27FC236}">
-                  <a16:creationId xmlns:a16="http://schemas.microsoft.com/office/drawing/2014/main" id="{BA34C4E8-417D-3E44-A360-0864CA404767}"/>
-                </a:ext>
-              </a:extLst>
-            </p:cNvPr>
-            <p:cNvCxnSpPr/>
-            <p:nvPr/>
-          </p:nvCxnSpPr>
-          <p:spPr>
-            <a:xfrm>
-              <a:off x="6772944" y="3079897"/>
-              <a:ext cx="0" cy="627321"/>
-            </a:xfrm>
-            <a:prstGeom prst="line">
-              <a:avLst/>
-            </a:prstGeom>
-            <a:ln w="22225">
-              <a:solidFill>
-                <a:schemeClr val="tx1"/>
-              </a:solidFill>
-            </a:ln>
-          </p:spPr>
-          <p:style>
-            <a:lnRef idx="1">
-              <a:schemeClr val="accent1"/>
-            </a:lnRef>
-            <a:fillRef idx="0">
-              <a:schemeClr val="accent1"/>
-            </a:fillRef>
-            <a:effectRef idx="0">
-              <a:schemeClr val="accent1"/>
-            </a:effectRef>
-            <a:fontRef idx="minor">
-              <a:schemeClr val="tx1"/>
-            </a:fontRef>
-          </p:style>
-        </p:cxnSp>
-        <p:cxnSp>
-          <p:nvCxnSpPr>
-            <p:cNvPr id="43" name="Straight Connector 42">
-              <a:extLst>
-                <a:ext uri="{FF2B5EF4-FFF2-40B4-BE49-F238E27FC236}">
-                  <a16:creationId xmlns:a16="http://schemas.microsoft.com/office/drawing/2014/main" id="{C2F194EF-25B9-D540-8AF3-652540AA79FF}"/>
-                </a:ext>
-              </a:extLst>
-            </p:cNvPr>
-            <p:cNvCxnSpPr/>
-            <p:nvPr/>
-          </p:nvCxnSpPr>
-          <p:spPr>
-            <a:xfrm>
-              <a:off x="7017493" y="3062176"/>
-              <a:ext cx="0" cy="627321"/>
-            </a:xfrm>
-            <a:prstGeom prst="line">
-              <a:avLst/>
-            </a:prstGeom>
-            <a:ln w="22225">
-              <a:solidFill>
-                <a:schemeClr val="tx1"/>
-              </a:solidFill>
-            </a:ln>
-          </p:spPr>
-          <p:style>
-            <a:lnRef idx="1">
-              <a:schemeClr val="accent1"/>
-            </a:lnRef>
-            <a:fillRef idx="0">
-              <a:schemeClr val="accent1"/>
-            </a:fillRef>
-            <a:effectRef idx="0">
-              <a:schemeClr val="accent1"/>
-            </a:effectRef>
-            <a:fontRef idx="minor">
-              <a:schemeClr val="tx1"/>
-            </a:fontRef>
-          </p:style>
-        </p:cxnSp>
-        <p:cxnSp>
-          <p:nvCxnSpPr>
-            <p:cNvPr id="44" name="Straight Connector 43">
-              <a:extLst>
-                <a:ext uri="{FF2B5EF4-FFF2-40B4-BE49-F238E27FC236}">
-                  <a16:creationId xmlns:a16="http://schemas.microsoft.com/office/drawing/2014/main" id="{30C5F78C-9615-B04B-9AC7-7849AF712ED6}"/>
-                </a:ext>
-              </a:extLst>
-            </p:cNvPr>
-            <p:cNvCxnSpPr/>
-            <p:nvPr/>
-          </p:nvCxnSpPr>
-          <p:spPr>
-            <a:xfrm>
-              <a:off x="7262042" y="3048000"/>
-              <a:ext cx="0" cy="627321"/>
-            </a:xfrm>
-            <a:prstGeom prst="line">
-              <a:avLst/>
-            </a:prstGeom>
-            <a:ln w="22225">
-              <a:solidFill>
-                <a:schemeClr val="tx1"/>
-              </a:solidFill>
-            </a:ln>
-          </p:spPr>
-          <p:style>
-            <a:lnRef idx="1">
-              <a:schemeClr val="accent1"/>
-            </a:lnRef>
-            <a:fillRef idx="0">
-              <a:schemeClr val="accent1"/>
-            </a:fillRef>
-            <a:effectRef idx="0">
-              <a:schemeClr val="accent1"/>
-            </a:effectRef>
-            <a:fontRef idx="minor">
-              <a:schemeClr val="tx1"/>
-            </a:fontRef>
-          </p:style>
-        </p:cxnSp>
-        <p:cxnSp>
-          <p:nvCxnSpPr>
-            <p:cNvPr id="45" name="Straight Connector 44">
-              <a:extLst>
-                <a:ext uri="{FF2B5EF4-FFF2-40B4-BE49-F238E27FC236}">
-                  <a16:creationId xmlns:a16="http://schemas.microsoft.com/office/drawing/2014/main" id="{253D2B6A-E1F6-5149-A9A1-C8D2F692BCE2}"/>
-                </a:ext>
-              </a:extLst>
-            </p:cNvPr>
-            <p:cNvCxnSpPr/>
-            <p:nvPr/>
-          </p:nvCxnSpPr>
-          <p:spPr>
-            <a:xfrm>
-              <a:off x="7506586" y="3019646"/>
-              <a:ext cx="0" cy="627321"/>
-            </a:xfrm>
-            <a:prstGeom prst="line">
-              <a:avLst/>
-            </a:prstGeom>
-            <a:ln w="22225">
-              <a:solidFill>
-                <a:schemeClr val="tx1"/>
-              </a:solidFill>
-            </a:ln>
-          </p:spPr>
-          <p:style>
-            <a:lnRef idx="1">
-              <a:schemeClr val="accent1"/>
-            </a:lnRef>
-            <a:fillRef idx="0">
-              <a:schemeClr val="accent1"/>
-            </a:fillRef>
-            <a:effectRef idx="0">
-              <a:schemeClr val="accent1"/>
-            </a:effectRef>
-            <a:fontRef idx="minor">
-              <a:schemeClr val="tx1"/>
-            </a:fontRef>
-          </p:style>
-        </p:cxnSp>
-      </p:grpSp>
-      <p:sp>
-        <p:nvSpPr>
-          <p:cNvPr id="46" name="Freeform 45">
-            <a:extLst>
-              <a:ext uri="{FF2B5EF4-FFF2-40B4-BE49-F238E27FC236}">
-                <a16:creationId xmlns:a16="http://schemas.microsoft.com/office/drawing/2014/main" id="{1C76DA5E-E1F4-DA4A-B9B5-E54F7A879C6B}"/>
-              </a:ext>
-            </a:extLst>
-          </p:cNvPr>
-          <p:cNvSpPr/>
-          <p:nvPr/>
-        </p:nvSpPr>
-        <p:spPr>
-          <a:xfrm>
-            <a:off x="6337001" y="2615609"/>
-            <a:ext cx="196216" cy="308341"/>
-          </a:xfrm>
-          <a:custGeom>
-            <a:avLst/>
-            <a:gdLst>
-              <a:gd name="connsiteX0" fmla="*/ 0 w 116958"/>
-              <a:gd name="connsiteY0" fmla="*/ 127590 h 159488"/>
-              <a:gd name="connsiteX1" fmla="*/ 0 w 116958"/>
-              <a:gd name="connsiteY1" fmla="*/ 127590 h 159488"/>
-              <a:gd name="connsiteX2" fmla="*/ 10632 w 116958"/>
-              <a:gd name="connsiteY2" fmla="*/ 0 h 159488"/>
-              <a:gd name="connsiteX3" fmla="*/ 74428 w 116958"/>
-              <a:gd name="connsiteY3" fmla="*/ 0 h 159488"/>
-              <a:gd name="connsiteX4" fmla="*/ 116958 w 116958"/>
-              <a:gd name="connsiteY4" fmla="*/ 53162 h 159488"/>
-              <a:gd name="connsiteX5" fmla="*/ 74428 w 116958"/>
-              <a:gd name="connsiteY5" fmla="*/ 159488 h 159488"/>
-            </a:gdLst>
-            <a:ahLst/>
-            <a:cxnLst>
-              <a:cxn ang="0">
-                <a:pos x="connsiteX0" y="connsiteY0"/>
-              </a:cxn>
-              <a:cxn ang="0">
-                <a:pos x="connsiteX1" y="connsiteY1"/>
-              </a:cxn>
-              <a:cxn ang="0">
-                <a:pos x="connsiteX2" y="connsiteY2"/>
-              </a:cxn>
-              <a:cxn ang="0">
-                <a:pos x="connsiteX3" y="connsiteY3"/>
-              </a:cxn>
-              <a:cxn ang="0">
-                <a:pos x="connsiteX4" y="connsiteY4"/>
-              </a:cxn>
-              <a:cxn ang="0">
-                <a:pos x="connsiteX5" y="connsiteY5"/>
-              </a:cxn>
-            </a:cxnLst>
-            <a:rect l="l" t="t" r="r" b="b"/>
-            <a:pathLst>
-              <a:path w="116958" h="159488">
-                <a:moveTo>
-                  <a:pt x="0" y="127590"/>
-                </a:moveTo>
-                <a:lnTo>
-                  <a:pt x="0" y="127590"/>
-                </a:lnTo>
-                <a:lnTo>
-                  <a:pt x="10632" y="0"/>
-                </a:lnTo>
-                <a:lnTo>
-                  <a:pt x="74428" y="0"/>
-                </a:lnTo>
-                <a:lnTo>
-                  <a:pt x="116958" y="53162"/>
-                </a:lnTo>
-                <a:lnTo>
-                  <a:pt x="74428" y="159488"/>
-                </a:lnTo>
-              </a:path>
-            </a:pathLst>
-          </a:custGeom>
-          <a:solidFill>
-            <a:schemeClr val="tx1"/>
-          </a:solidFill>
-          <a:ln>
             <a:noFill/>
           </a:ln>
         </p:spPr>
